--- a/docs/training/Presentation.pptx
+++ b/docs/training/Presentation.pptx
@@ -217,7 +217,7 @@
           <a:p>
             <a:fld id="{B1A52C8A-1BFC-3A4F-8177-79563147D400}" type="datetimeFigureOut">
               <a:rPr lang="nl-NL" smtClean="0"/>
-              <a:t>30-09-18</a:t>
+              <a:t>02-10-18</a:t>
             </a:fld>
             <a:endParaRPr lang="nl-NL"/>
           </a:p>
@@ -881,7 +881,7 @@
           <a:p>
             <a:fld id="{DB1CE9C3-58B9-7848-AEC7-8D07D1C442C6}" type="datetime1">
               <a:rPr lang="nl-NL" smtClean="0"/>
-              <a:t>30-09-18</a:t>
+              <a:t>02-10-18</a:t>
             </a:fld>
             <a:endParaRPr lang="nl-NL"/>
           </a:p>
@@ -1153,7 +1153,7 @@
           <a:p>
             <a:fld id="{E500BA9B-537A-EE4B-B113-3A2907BFA681}" type="datetime1">
               <a:rPr lang="nl-NL" smtClean="0"/>
-              <a:t>30-09-18</a:t>
+              <a:t>02-10-18</a:t>
             </a:fld>
             <a:endParaRPr lang="nl-NL"/>
           </a:p>
@@ -1390,7 +1390,7 @@
           <a:p>
             <a:fld id="{E500BA9B-537A-EE4B-B113-3A2907BFA681}" type="datetime1">
               <a:rPr lang="nl-NL" smtClean="0"/>
-              <a:t>30-09-18</a:t>
+              <a:t>02-10-18</a:t>
             </a:fld>
             <a:endParaRPr lang="nl-NL"/>
           </a:p>
@@ -1711,7 +1711,7 @@
           <a:p>
             <a:fld id="{E500BA9B-537A-EE4B-B113-3A2907BFA681}" type="datetime1">
               <a:rPr lang="nl-NL" smtClean="0"/>
-              <a:t>30-09-18</a:t>
+              <a:t>02-10-18</a:t>
             </a:fld>
             <a:endParaRPr lang="nl-NL"/>
           </a:p>
@@ -2190,7 +2190,7 @@
           <a:p>
             <a:fld id="{E500BA9B-537A-EE4B-B113-3A2907BFA681}" type="datetime1">
               <a:rPr lang="nl-NL" smtClean="0"/>
-              <a:t>30-09-18</a:t>
+              <a:t>02-10-18</a:t>
             </a:fld>
             <a:endParaRPr lang="nl-NL"/>
           </a:p>
@@ -2768,7 +2768,7 @@
           <a:p>
             <a:fld id="{E500BA9B-537A-EE4B-B113-3A2907BFA681}" type="datetime1">
               <a:rPr lang="nl-NL" smtClean="0"/>
-              <a:t>30-09-18</a:t>
+              <a:t>02-10-18</a:t>
             </a:fld>
             <a:endParaRPr lang="nl-NL"/>
           </a:p>
@@ -3573,7 +3573,7 @@
           <a:p>
             <a:fld id="{E500BA9B-537A-EE4B-B113-3A2907BFA681}" type="datetime1">
               <a:rPr lang="nl-NL" smtClean="0"/>
-              <a:t>30-09-18</a:t>
+              <a:t>02-10-18</a:t>
             </a:fld>
             <a:endParaRPr lang="nl-NL"/>
           </a:p>
@@ -3725,7 +3725,7 @@
           <a:p>
             <a:fld id="{E500BA9B-537A-EE4B-B113-3A2907BFA681}" type="datetime1">
               <a:rPr lang="nl-NL" smtClean="0"/>
-              <a:t>30-09-18</a:t>
+              <a:t>02-10-18</a:t>
             </a:fld>
             <a:endParaRPr lang="nl-NL"/>
           </a:p>
@@ -3925,7 +3925,7 @@
           <a:p>
             <a:fld id="{E500BA9B-537A-EE4B-B113-3A2907BFA681}" type="datetime1">
               <a:rPr lang="nl-NL" smtClean="0"/>
-              <a:t>30-09-18</a:t>
+              <a:t>02-10-18</a:t>
             </a:fld>
             <a:endParaRPr lang="nl-NL"/>
           </a:p>
@@ -4082,7 +4082,7 @@
           <a:p>
             <a:fld id="{E500BA9B-537A-EE4B-B113-3A2907BFA681}" type="datetime1">
               <a:rPr lang="nl-NL" smtClean="0"/>
-              <a:t>30-09-18</a:t>
+              <a:t>02-10-18</a:t>
             </a:fld>
             <a:endParaRPr lang="nl-NL"/>
           </a:p>
@@ -4377,7 +4377,7 @@
           <a:p>
             <a:fld id="{D2659729-C882-AB47-8746-AAD4D50DCC53}" type="datetime1">
               <a:rPr lang="nl-NL" smtClean="0"/>
-              <a:t>30-09-18</a:t>
+              <a:t>02-10-18</a:t>
             </a:fld>
             <a:endParaRPr lang="nl-NL"/>
           </a:p>
@@ -4571,7 +4571,7 @@
           <a:p>
             <a:fld id="{E500BA9B-537A-EE4B-B113-3A2907BFA681}" type="datetime1">
               <a:rPr lang="nl-NL" smtClean="0"/>
-              <a:t>30-09-18</a:t>
+              <a:t>02-10-18</a:t>
             </a:fld>
             <a:endParaRPr lang="nl-NL"/>
           </a:p>
@@ -4913,7 +4913,7 @@
           <a:p>
             <a:fld id="{E500BA9B-537A-EE4B-B113-3A2907BFA681}" type="datetime1">
               <a:rPr lang="nl-NL" smtClean="0"/>
-              <a:t>30-09-18</a:t>
+              <a:t>02-10-18</a:t>
             </a:fld>
             <a:endParaRPr lang="nl-NL"/>
           </a:p>
@@ -5032,7 +5032,7 @@
           <a:p>
             <a:fld id="{75500E47-A985-014F-BE37-29DC7E2F5426}" type="datetime1">
               <a:rPr lang="nl-NL" smtClean="0"/>
-              <a:t>30-09-18</a:t>
+              <a:t>02-10-18</a:t>
             </a:fld>
             <a:endParaRPr lang="nl-NL"/>
           </a:p>
@@ -5127,7 +5127,7 @@
           <a:p>
             <a:fld id="{D5BD011E-EFCD-C146-A8E9-939D69792899}" type="datetime1">
               <a:rPr lang="nl-NL" smtClean="0"/>
-              <a:t>30-09-18</a:t>
+              <a:t>02-10-18</a:t>
             </a:fld>
             <a:endParaRPr lang="nl-NL"/>
           </a:p>
@@ -5357,7 +5357,7 @@
           <a:p>
             <a:fld id="{E500BA9B-537A-EE4B-B113-3A2907BFA681}" type="datetime1">
               <a:rPr lang="nl-NL" smtClean="0"/>
-              <a:t>30-09-18</a:t>
+              <a:t>02-10-18</a:t>
             </a:fld>
             <a:endParaRPr lang="nl-NL"/>
           </a:p>
@@ -5620,7 +5620,7 @@
           <a:p>
             <a:fld id="{E500BA9B-537A-EE4B-B113-3A2907BFA681}" type="datetime1">
               <a:rPr lang="nl-NL" smtClean="0"/>
-              <a:t>30-09-18</a:t>
+              <a:t>02-10-18</a:t>
             </a:fld>
             <a:endParaRPr lang="nl-NL"/>
           </a:p>
@@ -5840,7 +5840,7 @@
           <a:p>
             <a:fld id="{E500BA9B-537A-EE4B-B113-3A2907BFA681}" type="datetime1">
               <a:rPr lang="nl-NL" smtClean="0"/>
-              <a:t>30-09-18</a:t>
+              <a:t>02-10-18</a:t>
             </a:fld>
             <a:endParaRPr lang="nl-NL"/>
           </a:p>
@@ -10911,7 +10911,15 @@
           <a:p>
             <a:r>
               <a:rPr lang="en-US" dirty="0"/>
-              <a:t>public final String </a:t>
+              <a:t>public final </a:t>
+            </a:r>
+            <a:r>
+              <a:rPr lang="en-US" dirty="0" err="1"/>
+              <a:t>int</a:t>
+            </a:r>
+            <a:r>
+              <a:rPr lang="en-US" dirty="0"/>
+              <a:t> </a:t>
             </a:r>
             <a:r>
               <a:rPr lang="en-US" dirty="0" err="1"/>

--- a/docs/training/Presentation.pptx
+++ b/docs/training/Presentation.pptx
@@ -5,7 +5,7 @@
     <p:sldMasterId id="2147484165" r:id="rId1"/>
   </p:sldMasterIdLst>
   <p:notesMasterIdLst>
-    <p:notesMasterId r:id="rId23"/>
+    <p:notesMasterId r:id="rId31"/>
   </p:notesMasterIdLst>
   <p:sldIdLst>
     <p:sldId id="256" r:id="rId2"/>
@@ -29,6 +29,14 @@
     <p:sldId id="292" r:id="rId20"/>
     <p:sldId id="276" r:id="rId21"/>
     <p:sldId id="293" r:id="rId22"/>
+    <p:sldId id="294" r:id="rId23"/>
+    <p:sldId id="295" r:id="rId24"/>
+    <p:sldId id="296" r:id="rId25"/>
+    <p:sldId id="297" r:id="rId26"/>
+    <p:sldId id="298" r:id="rId27"/>
+    <p:sldId id="299" r:id="rId28"/>
+    <p:sldId id="300" r:id="rId29"/>
+    <p:sldId id="301" r:id="rId30"/>
   </p:sldIdLst>
   <p:sldSz cx="12192000" cy="6858000"/>
   <p:notesSz cx="6858000" cy="9144000"/>
@@ -217,7 +225,7 @@
           <a:p>
             <a:fld id="{B1A52C8A-1BFC-3A4F-8177-79563147D400}" type="datetimeFigureOut">
               <a:rPr lang="nl-NL" smtClean="0"/>
-              <a:t>02-10-18</a:t>
+              <a:t>07-10-18</a:t>
             </a:fld>
             <a:endParaRPr lang="nl-NL"/>
           </a:p>
@@ -881,7 +889,7 @@
           <a:p>
             <a:fld id="{DB1CE9C3-58B9-7848-AEC7-8D07D1C442C6}" type="datetime1">
               <a:rPr lang="nl-NL" smtClean="0"/>
-              <a:t>02-10-18</a:t>
+              <a:t>07-10-18</a:t>
             </a:fld>
             <a:endParaRPr lang="nl-NL"/>
           </a:p>
@@ -1153,7 +1161,7 @@
           <a:p>
             <a:fld id="{E500BA9B-537A-EE4B-B113-3A2907BFA681}" type="datetime1">
               <a:rPr lang="nl-NL" smtClean="0"/>
-              <a:t>02-10-18</a:t>
+              <a:t>07-10-18</a:t>
             </a:fld>
             <a:endParaRPr lang="nl-NL"/>
           </a:p>
@@ -1390,7 +1398,7 @@
           <a:p>
             <a:fld id="{E500BA9B-537A-EE4B-B113-3A2907BFA681}" type="datetime1">
               <a:rPr lang="nl-NL" smtClean="0"/>
-              <a:t>02-10-18</a:t>
+              <a:t>07-10-18</a:t>
             </a:fld>
             <a:endParaRPr lang="nl-NL"/>
           </a:p>
@@ -1711,7 +1719,7 @@
           <a:p>
             <a:fld id="{E500BA9B-537A-EE4B-B113-3A2907BFA681}" type="datetime1">
               <a:rPr lang="nl-NL" smtClean="0"/>
-              <a:t>02-10-18</a:t>
+              <a:t>07-10-18</a:t>
             </a:fld>
             <a:endParaRPr lang="nl-NL"/>
           </a:p>
@@ -2190,7 +2198,7 @@
           <a:p>
             <a:fld id="{E500BA9B-537A-EE4B-B113-3A2907BFA681}" type="datetime1">
               <a:rPr lang="nl-NL" smtClean="0"/>
-              <a:t>02-10-18</a:t>
+              <a:t>07-10-18</a:t>
             </a:fld>
             <a:endParaRPr lang="nl-NL"/>
           </a:p>
@@ -2768,7 +2776,7 @@
           <a:p>
             <a:fld id="{E500BA9B-537A-EE4B-B113-3A2907BFA681}" type="datetime1">
               <a:rPr lang="nl-NL" smtClean="0"/>
-              <a:t>02-10-18</a:t>
+              <a:t>07-10-18</a:t>
             </a:fld>
             <a:endParaRPr lang="nl-NL"/>
           </a:p>
@@ -3573,7 +3581,7 @@
           <a:p>
             <a:fld id="{E500BA9B-537A-EE4B-B113-3A2907BFA681}" type="datetime1">
               <a:rPr lang="nl-NL" smtClean="0"/>
-              <a:t>02-10-18</a:t>
+              <a:t>07-10-18</a:t>
             </a:fld>
             <a:endParaRPr lang="nl-NL"/>
           </a:p>
@@ -3725,7 +3733,7 @@
           <a:p>
             <a:fld id="{E500BA9B-537A-EE4B-B113-3A2907BFA681}" type="datetime1">
               <a:rPr lang="nl-NL" smtClean="0"/>
-              <a:t>02-10-18</a:t>
+              <a:t>07-10-18</a:t>
             </a:fld>
             <a:endParaRPr lang="nl-NL"/>
           </a:p>
@@ -3925,7 +3933,7 @@
           <a:p>
             <a:fld id="{E500BA9B-537A-EE4B-B113-3A2907BFA681}" type="datetime1">
               <a:rPr lang="nl-NL" smtClean="0"/>
-              <a:t>02-10-18</a:t>
+              <a:t>07-10-18</a:t>
             </a:fld>
             <a:endParaRPr lang="nl-NL"/>
           </a:p>
@@ -4082,7 +4090,7 @@
           <a:p>
             <a:fld id="{E500BA9B-537A-EE4B-B113-3A2907BFA681}" type="datetime1">
               <a:rPr lang="nl-NL" smtClean="0"/>
-              <a:t>02-10-18</a:t>
+              <a:t>07-10-18</a:t>
             </a:fld>
             <a:endParaRPr lang="nl-NL"/>
           </a:p>
@@ -4377,7 +4385,7 @@
           <a:p>
             <a:fld id="{D2659729-C882-AB47-8746-AAD4D50DCC53}" type="datetime1">
               <a:rPr lang="nl-NL" smtClean="0"/>
-              <a:t>02-10-18</a:t>
+              <a:t>07-10-18</a:t>
             </a:fld>
             <a:endParaRPr lang="nl-NL"/>
           </a:p>
@@ -4571,7 +4579,7 @@
           <a:p>
             <a:fld id="{E500BA9B-537A-EE4B-B113-3A2907BFA681}" type="datetime1">
               <a:rPr lang="nl-NL" smtClean="0"/>
-              <a:t>02-10-18</a:t>
+              <a:t>07-10-18</a:t>
             </a:fld>
             <a:endParaRPr lang="nl-NL"/>
           </a:p>
@@ -4913,7 +4921,7 @@
           <a:p>
             <a:fld id="{E500BA9B-537A-EE4B-B113-3A2907BFA681}" type="datetime1">
               <a:rPr lang="nl-NL" smtClean="0"/>
-              <a:t>02-10-18</a:t>
+              <a:t>07-10-18</a:t>
             </a:fld>
             <a:endParaRPr lang="nl-NL"/>
           </a:p>
@@ -5032,7 +5040,7 @@
           <a:p>
             <a:fld id="{75500E47-A985-014F-BE37-29DC7E2F5426}" type="datetime1">
               <a:rPr lang="nl-NL" smtClean="0"/>
-              <a:t>02-10-18</a:t>
+              <a:t>07-10-18</a:t>
             </a:fld>
             <a:endParaRPr lang="nl-NL"/>
           </a:p>
@@ -5127,7 +5135,7 @@
           <a:p>
             <a:fld id="{D5BD011E-EFCD-C146-A8E9-939D69792899}" type="datetime1">
               <a:rPr lang="nl-NL" smtClean="0"/>
-              <a:t>02-10-18</a:t>
+              <a:t>07-10-18</a:t>
             </a:fld>
             <a:endParaRPr lang="nl-NL"/>
           </a:p>
@@ -5357,7 +5365,7 @@
           <a:p>
             <a:fld id="{E500BA9B-537A-EE4B-B113-3A2907BFA681}" type="datetime1">
               <a:rPr lang="nl-NL" smtClean="0"/>
-              <a:t>02-10-18</a:t>
+              <a:t>07-10-18</a:t>
             </a:fld>
             <a:endParaRPr lang="nl-NL"/>
           </a:p>
@@ -5620,7 +5628,7 @@
           <a:p>
             <a:fld id="{E500BA9B-537A-EE4B-B113-3A2907BFA681}" type="datetime1">
               <a:rPr lang="nl-NL" smtClean="0"/>
-              <a:t>02-10-18</a:t>
+              <a:t>07-10-18</a:t>
             </a:fld>
             <a:endParaRPr lang="nl-NL"/>
           </a:p>
@@ -5840,7 +5848,7 @@
           <a:p>
             <a:fld id="{E500BA9B-537A-EE4B-B113-3A2907BFA681}" type="datetime1">
               <a:rPr lang="nl-NL" smtClean="0"/>
-              <a:t>02-10-18</a:t>
+              <a:t>07-10-18</a:t>
             </a:fld>
             <a:endParaRPr lang="nl-NL"/>
           </a:p>
@@ -9316,7 +9324,7 @@
           <a:p>
             <a:r>
               <a:rPr lang="en-US" dirty="0"/>
-              <a:t>1.  Access control modifiers (default, private, public and protected)</a:t>
+              <a:t>1. Access control modifiers (default, private, public and protected)</a:t>
             </a:r>
           </a:p>
           <a:p>
@@ -11000,6 +11008,2321 @@
 </p:sld>
 </file>
 
+<file path=ppt/slides/slide22.xml><?xml version="1.0" encoding="utf-8"?>
+<p:sld xmlns:a="http://schemas.openxmlformats.org/drawingml/2006/main" xmlns:r="http://schemas.openxmlformats.org/officeDocument/2006/relationships" xmlns:p="http://schemas.openxmlformats.org/presentationml/2006/main">
+  <p:cSld>
+    <p:spTree>
+      <p:nvGrpSpPr>
+        <p:cNvPr id="1" name=""/>
+        <p:cNvGrpSpPr/>
+        <p:nvPr/>
+      </p:nvGrpSpPr>
+      <p:grpSpPr>
+        <a:xfrm>
+          <a:off x="0" y="0"/>
+          <a:ext cx="0" cy="0"/>
+          <a:chOff x="0" y="0"/>
+          <a:chExt cx="0" cy="0"/>
+        </a:xfrm>
+      </p:grpSpPr>
+      <p:sp>
+        <p:nvSpPr>
+          <p:cNvPr id="4" name="Tijdelijke aanduiding voor dianummer 3">
+            <a:extLst>
+              <a:ext uri="{FF2B5EF4-FFF2-40B4-BE49-F238E27FC236}">
+                <a16:creationId xmlns:a16="http://schemas.microsoft.com/office/drawing/2014/main" id="{3A5772F8-4CF1-C845-9BC1-EA3B74DF606F}"/>
+              </a:ext>
+            </a:extLst>
+          </p:cNvPr>
+          <p:cNvSpPr>
+            <a:spLocks noGrp="1"/>
+          </p:cNvSpPr>
+          <p:nvPr>
+            <p:ph type="sldNum" sz="quarter" idx="12"/>
+          </p:nvPr>
+        </p:nvSpPr>
+        <p:spPr/>
+        <p:txBody>
+          <a:bodyPr/>
+          <a:lstStyle/>
+          <a:p>
+            <a:fld id="{49F81993-47B1-3743-8AA2-20AB26FB445E}" type="slidenum">
+              <a:rPr lang="nl-NL" smtClean="0"/>
+              <a:t>22</a:t>
+            </a:fld>
+            <a:endParaRPr lang="nl-NL"/>
+          </a:p>
+        </p:txBody>
+      </p:sp>
+      <p:pic>
+        <p:nvPicPr>
+          <p:cNvPr id="6" name="Picture 1">
+            <a:extLst>
+              <a:ext uri="{FF2B5EF4-FFF2-40B4-BE49-F238E27FC236}">
+                <a16:creationId xmlns:a16="http://schemas.microsoft.com/office/drawing/2014/main" id="{D06E817C-76DD-0F44-ADB0-7048E1EBF455}"/>
+              </a:ext>
+            </a:extLst>
+          </p:cNvPr>
+          <p:cNvPicPr/>
+          <p:nvPr/>
+        </p:nvPicPr>
+        <p:blipFill>
+          <a:blip r:embed="rId2">
+            <a:extLst>
+              <a:ext uri="{28A0092B-C50C-407E-A947-70E740481C1C}">
+                <a14:useLocalDpi xmlns:a14="http://schemas.microsoft.com/office/drawing/2010/main" val="0"/>
+              </a:ext>
+            </a:extLst>
+          </a:blip>
+          <a:stretch>
+            <a:fillRect/>
+          </a:stretch>
+        </p:blipFill>
+        <p:spPr>
+          <a:xfrm>
+            <a:off x="160255" y="509048"/>
+            <a:ext cx="1912095" cy="456054"/>
+          </a:xfrm>
+          <a:prstGeom prst="rect">
+            <a:avLst/>
+          </a:prstGeom>
+        </p:spPr>
+      </p:pic>
+      <p:sp>
+        <p:nvSpPr>
+          <p:cNvPr id="2" name="TextBox 1">
+            <a:extLst>
+              <a:ext uri="{FF2B5EF4-FFF2-40B4-BE49-F238E27FC236}">
+                <a16:creationId xmlns:a16="http://schemas.microsoft.com/office/drawing/2014/main" id="{95EAFD46-64F1-4840-B77E-76816183096E}"/>
+              </a:ext>
+            </a:extLst>
+          </p:cNvPr>
+          <p:cNvSpPr txBox="1"/>
+          <p:nvPr/>
+        </p:nvSpPr>
+        <p:spPr>
+          <a:xfrm>
+            <a:off x="6780944" y="595901"/>
+            <a:ext cx="963725" cy="369332"/>
+          </a:xfrm>
+          <a:prstGeom prst="rect">
+            <a:avLst/>
+          </a:prstGeom>
+          <a:noFill/>
+        </p:spPr>
+        <p:txBody>
+          <a:bodyPr wrap="none" rtlCol="0">
+            <a:spAutoFit/>
+          </a:bodyPr>
+          <a:lstStyle/>
+          <a:p>
+            <a:r>
+              <a:rPr lang="en-US" b="1" dirty="0"/>
+              <a:t>1. QUIZ</a:t>
+            </a:r>
+          </a:p>
+        </p:txBody>
+      </p:sp>
+      <p:sp>
+        <p:nvSpPr>
+          <p:cNvPr id="8" name="Tekstvak 6">
+            <a:extLst>
+              <a:ext uri="{FF2B5EF4-FFF2-40B4-BE49-F238E27FC236}">
+                <a16:creationId xmlns:a16="http://schemas.microsoft.com/office/drawing/2014/main" id="{A97BDFA1-1198-214C-9E40-EFC2B55537B4}"/>
+              </a:ext>
+            </a:extLst>
+          </p:cNvPr>
+          <p:cNvSpPr txBox="1"/>
+          <p:nvPr/>
+        </p:nvSpPr>
+        <p:spPr>
+          <a:xfrm>
+            <a:off x="191729" y="1744426"/>
+            <a:ext cx="11804328" cy="2169825"/>
+          </a:xfrm>
+          <a:prstGeom prst="rect">
+            <a:avLst/>
+          </a:prstGeom>
+          <a:noFill/>
+        </p:spPr>
+        <p:txBody>
+          <a:bodyPr wrap="square" rtlCol="0">
+            <a:spAutoFit/>
+          </a:bodyPr>
+          <a:lstStyle/>
+          <a:p>
+            <a:pPr marL="342900" indent="-342900">
+              <a:buAutoNum type="arabicPeriod"/>
+            </a:pPr>
+            <a:r>
+              <a:rPr lang="en-US" sz="1500" dirty="0"/>
+              <a:t>Which of the following is not a primitive</a:t>
+            </a:r>
+          </a:p>
+          <a:p>
+            <a:endParaRPr lang="en-US" sz="1500" dirty="0"/>
+          </a:p>
+          <a:p>
+            <a:pPr marL="342900" indent="-342900">
+              <a:buAutoNum type="alphaUcPeriod"/>
+            </a:pPr>
+            <a:r>
+              <a:rPr lang="en-US" sz="1500" dirty="0"/>
+              <a:t>String</a:t>
+            </a:r>
+          </a:p>
+          <a:p>
+            <a:pPr marL="342900" indent="-342900">
+              <a:buAutoNum type="alphaUcPeriod"/>
+            </a:pPr>
+            <a:endParaRPr lang="en-US" sz="1500" dirty="0"/>
+          </a:p>
+          <a:p>
+            <a:pPr marL="342900" indent="-342900">
+              <a:buAutoNum type="alphaUcPeriod"/>
+            </a:pPr>
+            <a:r>
+              <a:rPr lang="en-US" sz="1500" dirty="0" err="1"/>
+              <a:t>int</a:t>
+            </a:r>
+            <a:endParaRPr lang="en-US" sz="1500" dirty="0"/>
+          </a:p>
+          <a:p>
+            <a:pPr marL="342900" indent="-342900">
+              <a:buAutoNum type="alphaUcPeriod"/>
+            </a:pPr>
+            <a:endParaRPr lang="en-US" sz="1500" dirty="0"/>
+          </a:p>
+          <a:p>
+            <a:pPr marL="342900" indent="-342900">
+              <a:buAutoNum type="alphaUcPeriod"/>
+            </a:pPr>
+            <a:r>
+              <a:rPr lang="en-US" sz="1500" dirty="0"/>
+              <a:t>long</a:t>
+            </a:r>
+          </a:p>
+          <a:p>
+            <a:pPr marL="342900" indent="-342900">
+              <a:buAutoNum type="alphaUcPeriod"/>
+            </a:pPr>
+            <a:endParaRPr lang="en-US" sz="1500" dirty="0"/>
+          </a:p>
+          <a:p>
+            <a:pPr marL="342900" indent="-342900">
+              <a:buAutoNum type="alphaUcPeriod"/>
+            </a:pPr>
+            <a:r>
+              <a:rPr lang="en-US" sz="1500" dirty="0"/>
+              <a:t>double</a:t>
+            </a:r>
+          </a:p>
+        </p:txBody>
+      </p:sp>
+    </p:spTree>
+    <p:extLst>
+      <p:ext uri="{BB962C8B-B14F-4D97-AF65-F5344CB8AC3E}">
+        <p14:creationId xmlns:p14="http://schemas.microsoft.com/office/powerpoint/2010/main" val="2148048907"/>
+      </p:ext>
+    </p:extLst>
+  </p:cSld>
+  <p:clrMapOvr>
+    <a:masterClrMapping/>
+  </p:clrMapOvr>
+</p:sld>
+</file>
+
+<file path=ppt/slides/slide23.xml><?xml version="1.0" encoding="utf-8"?>
+<p:sld xmlns:a="http://schemas.openxmlformats.org/drawingml/2006/main" xmlns:r="http://schemas.openxmlformats.org/officeDocument/2006/relationships" xmlns:p="http://schemas.openxmlformats.org/presentationml/2006/main">
+  <p:cSld>
+    <p:spTree>
+      <p:nvGrpSpPr>
+        <p:cNvPr id="1" name=""/>
+        <p:cNvGrpSpPr/>
+        <p:nvPr/>
+      </p:nvGrpSpPr>
+      <p:grpSpPr>
+        <a:xfrm>
+          <a:off x="0" y="0"/>
+          <a:ext cx="0" cy="0"/>
+          <a:chOff x="0" y="0"/>
+          <a:chExt cx="0" cy="0"/>
+        </a:xfrm>
+      </p:grpSpPr>
+      <p:sp>
+        <p:nvSpPr>
+          <p:cNvPr id="4" name="Tijdelijke aanduiding voor dianummer 3">
+            <a:extLst>
+              <a:ext uri="{FF2B5EF4-FFF2-40B4-BE49-F238E27FC236}">
+                <a16:creationId xmlns:a16="http://schemas.microsoft.com/office/drawing/2014/main" id="{3A5772F8-4CF1-C845-9BC1-EA3B74DF606F}"/>
+              </a:ext>
+            </a:extLst>
+          </p:cNvPr>
+          <p:cNvSpPr>
+            <a:spLocks noGrp="1"/>
+          </p:cNvSpPr>
+          <p:nvPr>
+            <p:ph type="sldNum" sz="quarter" idx="12"/>
+          </p:nvPr>
+        </p:nvSpPr>
+        <p:spPr/>
+        <p:txBody>
+          <a:bodyPr/>
+          <a:lstStyle/>
+          <a:p>
+            <a:fld id="{49F81993-47B1-3743-8AA2-20AB26FB445E}" type="slidenum">
+              <a:rPr lang="nl-NL" smtClean="0"/>
+              <a:t>23</a:t>
+            </a:fld>
+            <a:endParaRPr lang="nl-NL"/>
+          </a:p>
+        </p:txBody>
+      </p:sp>
+      <p:pic>
+        <p:nvPicPr>
+          <p:cNvPr id="6" name="Picture 1">
+            <a:extLst>
+              <a:ext uri="{FF2B5EF4-FFF2-40B4-BE49-F238E27FC236}">
+                <a16:creationId xmlns:a16="http://schemas.microsoft.com/office/drawing/2014/main" id="{D06E817C-76DD-0F44-ADB0-7048E1EBF455}"/>
+              </a:ext>
+            </a:extLst>
+          </p:cNvPr>
+          <p:cNvPicPr/>
+          <p:nvPr/>
+        </p:nvPicPr>
+        <p:blipFill>
+          <a:blip r:embed="rId2">
+            <a:extLst>
+              <a:ext uri="{28A0092B-C50C-407E-A947-70E740481C1C}">
+                <a14:useLocalDpi xmlns:a14="http://schemas.microsoft.com/office/drawing/2010/main" val="0"/>
+              </a:ext>
+            </a:extLst>
+          </a:blip>
+          <a:stretch>
+            <a:fillRect/>
+          </a:stretch>
+        </p:blipFill>
+        <p:spPr>
+          <a:xfrm>
+            <a:off x="160255" y="509048"/>
+            <a:ext cx="1912095" cy="456054"/>
+          </a:xfrm>
+          <a:prstGeom prst="rect">
+            <a:avLst/>
+          </a:prstGeom>
+        </p:spPr>
+      </p:pic>
+      <p:sp>
+        <p:nvSpPr>
+          <p:cNvPr id="2" name="TextBox 1">
+            <a:extLst>
+              <a:ext uri="{FF2B5EF4-FFF2-40B4-BE49-F238E27FC236}">
+                <a16:creationId xmlns:a16="http://schemas.microsoft.com/office/drawing/2014/main" id="{95EAFD46-64F1-4840-B77E-76816183096E}"/>
+              </a:ext>
+            </a:extLst>
+          </p:cNvPr>
+          <p:cNvSpPr txBox="1"/>
+          <p:nvPr/>
+        </p:nvSpPr>
+        <p:spPr>
+          <a:xfrm>
+            <a:off x="6780944" y="595901"/>
+            <a:ext cx="963725" cy="369332"/>
+          </a:xfrm>
+          <a:prstGeom prst="rect">
+            <a:avLst/>
+          </a:prstGeom>
+          <a:noFill/>
+        </p:spPr>
+        <p:txBody>
+          <a:bodyPr wrap="none" rtlCol="0">
+            <a:spAutoFit/>
+          </a:bodyPr>
+          <a:lstStyle/>
+          <a:p>
+            <a:r>
+              <a:rPr lang="en-US" b="1" dirty="0"/>
+              <a:t>1. QUIZ</a:t>
+            </a:r>
+          </a:p>
+        </p:txBody>
+      </p:sp>
+      <p:sp>
+        <p:nvSpPr>
+          <p:cNvPr id="8" name="Tekstvak 6">
+            <a:extLst>
+              <a:ext uri="{FF2B5EF4-FFF2-40B4-BE49-F238E27FC236}">
+                <a16:creationId xmlns:a16="http://schemas.microsoft.com/office/drawing/2014/main" id="{A97BDFA1-1198-214C-9E40-EFC2B55537B4}"/>
+              </a:ext>
+            </a:extLst>
+          </p:cNvPr>
+          <p:cNvSpPr txBox="1"/>
+          <p:nvPr/>
+        </p:nvSpPr>
+        <p:spPr>
+          <a:xfrm>
+            <a:off x="191729" y="1744426"/>
+            <a:ext cx="11804328" cy="2169825"/>
+          </a:xfrm>
+          <a:prstGeom prst="rect">
+            <a:avLst/>
+          </a:prstGeom>
+          <a:noFill/>
+        </p:spPr>
+        <p:txBody>
+          <a:bodyPr wrap="square" rtlCol="0">
+            <a:spAutoFit/>
+          </a:bodyPr>
+          <a:lstStyle/>
+          <a:p>
+            <a:pPr marL="342900" indent="-342900">
+              <a:buAutoNum type="arabicPeriod"/>
+            </a:pPr>
+            <a:r>
+              <a:rPr lang="en-US" sz="1500" dirty="0"/>
+              <a:t>Which of the following is not a primitive</a:t>
+            </a:r>
+          </a:p>
+          <a:p>
+            <a:endParaRPr lang="en-US" sz="1500" dirty="0"/>
+          </a:p>
+          <a:p>
+            <a:pPr marL="342900" indent="-342900">
+              <a:buAutoNum type="alphaUcPeriod"/>
+            </a:pPr>
+            <a:r>
+              <a:rPr lang="en-US" sz="1500" dirty="0">
+                <a:highlight>
+                  <a:srgbClr val="FF0000"/>
+                </a:highlight>
+              </a:rPr>
+              <a:t>String</a:t>
+            </a:r>
+          </a:p>
+          <a:p>
+            <a:pPr marL="342900" indent="-342900">
+              <a:buAutoNum type="alphaUcPeriod"/>
+            </a:pPr>
+            <a:endParaRPr lang="en-US" sz="1500" dirty="0"/>
+          </a:p>
+          <a:p>
+            <a:pPr marL="342900" indent="-342900">
+              <a:buAutoNum type="alphaUcPeriod"/>
+            </a:pPr>
+            <a:r>
+              <a:rPr lang="en-US" sz="1500" dirty="0" err="1"/>
+              <a:t>int</a:t>
+            </a:r>
+            <a:endParaRPr lang="en-US" sz="1500" dirty="0"/>
+          </a:p>
+          <a:p>
+            <a:pPr marL="342900" indent="-342900">
+              <a:buAutoNum type="alphaUcPeriod"/>
+            </a:pPr>
+            <a:endParaRPr lang="en-US" sz="1500" dirty="0"/>
+          </a:p>
+          <a:p>
+            <a:pPr marL="342900" indent="-342900">
+              <a:buAutoNum type="alphaUcPeriod"/>
+            </a:pPr>
+            <a:r>
+              <a:rPr lang="en-US" sz="1500" dirty="0"/>
+              <a:t>long</a:t>
+            </a:r>
+          </a:p>
+          <a:p>
+            <a:pPr marL="342900" indent="-342900">
+              <a:buAutoNum type="alphaUcPeriod"/>
+            </a:pPr>
+            <a:endParaRPr lang="en-US" sz="1500" dirty="0"/>
+          </a:p>
+          <a:p>
+            <a:pPr marL="342900" indent="-342900">
+              <a:buAutoNum type="alphaUcPeriod"/>
+            </a:pPr>
+            <a:r>
+              <a:rPr lang="en-US" sz="1500" dirty="0"/>
+              <a:t>double</a:t>
+            </a:r>
+          </a:p>
+        </p:txBody>
+      </p:sp>
+    </p:spTree>
+    <p:extLst>
+      <p:ext uri="{BB962C8B-B14F-4D97-AF65-F5344CB8AC3E}">
+        <p14:creationId xmlns:p14="http://schemas.microsoft.com/office/powerpoint/2010/main" val="2384815070"/>
+      </p:ext>
+    </p:extLst>
+  </p:cSld>
+  <p:clrMapOvr>
+    <a:masterClrMapping/>
+  </p:clrMapOvr>
+</p:sld>
+</file>
+
+<file path=ppt/slides/slide24.xml><?xml version="1.0" encoding="utf-8"?>
+<p:sld xmlns:a="http://schemas.openxmlformats.org/drawingml/2006/main" xmlns:r="http://schemas.openxmlformats.org/officeDocument/2006/relationships" xmlns:p="http://schemas.openxmlformats.org/presentationml/2006/main">
+  <p:cSld>
+    <p:spTree>
+      <p:nvGrpSpPr>
+        <p:cNvPr id="1" name=""/>
+        <p:cNvGrpSpPr/>
+        <p:nvPr/>
+      </p:nvGrpSpPr>
+      <p:grpSpPr>
+        <a:xfrm>
+          <a:off x="0" y="0"/>
+          <a:ext cx="0" cy="0"/>
+          <a:chOff x="0" y="0"/>
+          <a:chExt cx="0" cy="0"/>
+        </a:xfrm>
+      </p:grpSpPr>
+      <p:sp>
+        <p:nvSpPr>
+          <p:cNvPr id="4" name="Tijdelijke aanduiding voor dianummer 3">
+            <a:extLst>
+              <a:ext uri="{FF2B5EF4-FFF2-40B4-BE49-F238E27FC236}">
+                <a16:creationId xmlns:a16="http://schemas.microsoft.com/office/drawing/2014/main" id="{3A5772F8-4CF1-C845-9BC1-EA3B74DF606F}"/>
+              </a:ext>
+            </a:extLst>
+          </p:cNvPr>
+          <p:cNvSpPr>
+            <a:spLocks noGrp="1"/>
+          </p:cNvSpPr>
+          <p:nvPr>
+            <p:ph type="sldNum" sz="quarter" idx="12"/>
+          </p:nvPr>
+        </p:nvSpPr>
+        <p:spPr/>
+        <p:txBody>
+          <a:bodyPr/>
+          <a:lstStyle/>
+          <a:p>
+            <a:fld id="{49F81993-47B1-3743-8AA2-20AB26FB445E}" type="slidenum">
+              <a:rPr lang="nl-NL" smtClean="0"/>
+              <a:t>24</a:t>
+            </a:fld>
+            <a:endParaRPr lang="nl-NL"/>
+          </a:p>
+        </p:txBody>
+      </p:sp>
+      <p:pic>
+        <p:nvPicPr>
+          <p:cNvPr id="6" name="Picture 1">
+            <a:extLst>
+              <a:ext uri="{FF2B5EF4-FFF2-40B4-BE49-F238E27FC236}">
+                <a16:creationId xmlns:a16="http://schemas.microsoft.com/office/drawing/2014/main" id="{D06E817C-76DD-0F44-ADB0-7048E1EBF455}"/>
+              </a:ext>
+            </a:extLst>
+          </p:cNvPr>
+          <p:cNvPicPr/>
+          <p:nvPr/>
+        </p:nvPicPr>
+        <p:blipFill>
+          <a:blip r:embed="rId2">
+            <a:extLst>
+              <a:ext uri="{28A0092B-C50C-407E-A947-70E740481C1C}">
+                <a14:useLocalDpi xmlns:a14="http://schemas.microsoft.com/office/drawing/2010/main" val="0"/>
+              </a:ext>
+            </a:extLst>
+          </a:blip>
+          <a:stretch>
+            <a:fillRect/>
+          </a:stretch>
+        </p:blipFill>
+        <p:spPr>
+          <a:xfrm>
+            <a:off x="160255" y="509048"/>
+            <a:ext cx="1912095" cy="456054"/>
+          </a:xfrm>
+          <a:prstGeom prst="rect">
+            <a:avLst/>
+          </a:prstGeom>
+        </p:spPr>
+      </p:pic>
+      <p:sp>
+        <p:nvSpPr>
+          <p:cNvPr id="2" name="TextBox 1">
+            <a:extLst>
+              <a:ext uri="{FF2B5EF4-FFF2-40B4-BE49-F238E27FC236}">
+                <a16:creationId xmlns:a16="http://schemas.microsoft.com/office/drawing/2014/main" id="{95EAFD46-64F1-4840-B77E-76816183096E}"/>
+              </a:ext>
+            </a:extLst>
+          </p:cNvPr>
+          <p:cNvSpPr txBox="1"/>
+          <p:nvPr/>
+        </p:nvSpPr>
+        <p:spPr>
+          <a:xfrm>
+            <a:off x="6780944" y="595901"/>
+            <a:ext cx="963725" cy="369332"/>
+          </a:xfrm>
+          <a:prstGeom prst="rect">
+            <a:avLst/>
+          </a:prstGeom>
+          <a:noFill/>
+        </p:spPr>
+        <p:txBody>
+          <a:bodyPr wrap="none" rtlCol="0">
+            <a:spAutoFit/>
+          </a:bodyPr>
+          <a:lstStyle/>
+          <a:p>
+            <a:r>
+              <a:rPr lang="en-US" b="1" dirty="0"/>
+              <a:t>1. QUIZ</a:t>
+            </a:r>
+          </a:p>
+        </p:txBody>
+      </p:sp>
+      <p:sp>
+        <p:nvSpPr>
+          <p:cNvPr id="8" name="Tekstvak 6">
+            <a:extLst>
+              <a:ext uri="{FF2B5EF4-FFF2-40B4-BE49-F238E27FC236}">
+                <a16:creationId xmlns:a16="http://schemas.microsoft.com/office/drawing/2014/main" id="{A97BDFA1-1198-214C-9E40-EFC2B55537B4}"/>
+              </a:ext>
+            </a:extLst>
+          </p:cNvPr>
+          <p:cNvSpPr txBox="1"/>
+          <p:nvPr/>
+        </p:nvSpPr>
+        <p:spPr>
+          <a:xfrm>
+            <a:off x="191729" y="1744426"/>
+            <a:ext cx="11804328" cy="2169825"/>
+          </a:xfrm>
+          <a:prstGeom prst="rect">
+            <a:avLst/>
+          </a:prstGeom>
+          <a:noFill/>
+        </p:spPr>
+        <p:txBody>
+          <a:bodyPr wrap="square" rtlCol="0">
+            <a:spAutoFit/>
+          </a:bodyPr>
+          <a:lstStyle/>
+          <a:p>
+            <a:r>
+              <a:rPr lang="en-US" sz="1500" dirty="0"/>
+              <a:t>2. Which of the following are Java keywords (multiple answers possible)</a:t>
+            </a:r>
+          </a:p>
+          <a:p>
+            <a:endParaRPr lang="en-US" sz="1500" dirty="0"/>
+          </a:p>
+          <a:p>
+            <a:pPr marL="342900" indent="-342900">
+              <a:buAutoNum type="alphaUcPeriod"/>
+            </a:pPr>
+            <a:r>
+              <a:rPr lang="en-US" sz="1500" dirty="0"/>
+              <a:t>abstract</a:t>
+            </a:r>
+          </a:p>
+          <a:p>
+            <a:pPr marL="342900" indent="-342900">
+              <a:buAutoNum type="alphaUcPeriod"/>
+            </a:pPr>
+            <a:endParaRPr lang="en-US" sz="1500" dirty="0"/>
+          </a:p>
+          <a:p>
+            <a:pPr marL="342900" indent="-342900">
+              <a:buAutoNum type="alphaUcPeriod"/>
+            </a:pPr>
+            <a:r>
+              <a:rPr lang="en-US" sz="1500" dirty="0"/>
+              <a:t>system</a:t>
+            </a:r>
+          </a:p>
+          <a:p>
+            <a:pPr marL="342900" indent="-342900">
+              <a:buAutoNum type="alphaUcPeriod"/>
+            </a:pPr>
+            <a:endParaRPr lang="en-US" sz="1500" dirty="0"/>
+          </a:p>
+          <a:p>
+            <a:pPr marL="342900" indent="-342900">
+              <a:buAutoNum type="alphaUcPeriod"/>
+            </a:pPr>
+            <a:r>
+              <a:rPr lang="en-US" sz="1500" dirty="0"/>
+              <a:t>static</a:t>
+            </a:r>
+          </a:p>
+          <a:p>
+            <a:pPr marL="342900" indent="-342900">
+              <a:buAutoNum type="alphaUcPeriod"/>
+            </a:pPr>
+            <a:endParaRPr lang="en-US" sz="1500" dirty="0"/>
+          </a:p>
+          <a:p>
+            <a:pPr marL="342900" indent="-342900">
+              <a:buAutoNum type="alphaUcPeriod"/>
+            </a:pPr>
+            <a:r>
+              <a:rPr lang="en-US" sz="1500" dirty="0"/>
+              <a:t>final</a:t>
+            </a:r>
+          </a:p>
+        </p:txBody>
+      </p:sp>
+    </p:spTree>
+    <p:extLst>
+      <p:ext uri="{BB962C8B-B14F-4D97-AF65-F5344CB8AC3E}">
+        <p14:creationId xmlns:p14="http://schemas.microsoft.com/office/powerpoint/2010/main" val="304990627"/>
+      </p:ext>
+    </p:extLst>
+  </p:cSld>
+  <p:clrMapOvr>
+    <a:masterClrMapping/>
+  </p:clrMapOvr>
+</p:sld>
+</file>
+
+<file path=ppt/slides/slide25.xml><?xml version="1.0" encoding="utf-8"?>
+<p:sld xmlns:a="http://schemas.openxmlformats.org/drawingml/2006/main" xmlns:r="http://schemas.openxmlformats.org/officeDocument/2006/relationships" xmlns:p="http://schemas.openxmlformats.org/presentationml/2006/main">
+  <p:cSld>
+    <p:spTree>
+      <p:nvGrpSpPr>
+        <p:cNvPr id="1" name=""/>
+        <p:cNvGrpSpPr/>
+        <p:nvPr/>
+      </p:nvGrpSpPr>
+      <p:grpSpPr>
+        <a:xfrm>
+          <a:off x="0" y="0"/>
+          <a:ext cx="0" cy="0"/>
+          <a:chOff x="0" y="0"/>
+          <a:chExt cx="0" cy="0"/>
+        </a:xfrm>
+      </p:grpSpPr>
+      <p:sp>
+        <p:nvSpPr>
+          <p:cNvPr id="4" name="Tijdelijke aanduiding voor dianummer 3">
+            <a:extLst>
+              <a:ext uri="{FF2B5EF4-FFF2-40B4-BE49-F238E27FC236}">
+                <a16:creationId xmlns:a16="http://schemas.microsoft.com/office/drawing/2014/main" id="{3A5772F8-4CF1-C845-9BC1-EA3B74DF606F}"/>
+              </a:ext>
+            </a:extLst>
+          </p:cNvPr>
+          <p:cNvSpPr>
+            <a:spLocks noGrp="1"/>
+          </p:cNvSpPr>
+          <p:nvPr>
+            <p:ph type="sldNum" sz="quarter" idx="12"/>
+          </p:nvPr>
+        </p:nvSpPr>
+        <p:spPr/>
+        <p:txBody>
+          <a:bodyPr/>
+          <a:lstStyle/>
+          <a:p>
+            <a:fld id="{49F81993-47B1-3743-8AA2-20AB26FB445E}" type="slidenum">
+              <a:rPr lang="nl-NL" smtClean="0"/>
+              <a:t>25</a:t>
+            </a:fld>
+            <a:endParaRPr lang="nl-NL"/>
+          </a:p>
+        </p:txBody>
+      </p:sp>
+      <p:pic>
+        <p:nvPicPr>
+          <p:cNvPr id="6" name="Picture 1">
+            <a:extLst>
+              <a:ext uri="{FF2B5EF4-FFF2-40B4-BE49-F238E27FC236}">
+                <a16:creationId xmlns:a16="http://schemas.microsoft.com/office/drawing/2014/main" id="{D06E817C-76DD-0F44-ADB0-7048E1EBF455}"/>
+              </a:ext>
+            </a:extLst>
+          </p:cNvPr>
+          <p:cNvPicPr/>
+          <p:nvPr/>
+        </p:nvPicPr>
+        <p:blipFill>
+          <a:blip r:embed="rId2">
+            <a:extLst>
+              <a:ext uri="{28A0092B-C50C-407E-A947-70E740481C1C}">
+                <a14:useLocalDpi xmlns:a14="http://schemas.microsoft.com/office/drawing/2010/main" val="0"/>
+              </a:ext>
+            </a:extLst>
+          </a:blip>
+          <a:stretch>
+            <a:fillRect/>
+          </a:stretch>
+        </p:blipFill>
+        <p:spPr>
+          <a:xfrm>
+            <a:off x="160255" y="509048"/>
+            <a:ext cx="1912095" cy="456054"/>
+          </a:xfrm>
+          <a:prstGeom prst="rect">
+            <a:avLst/>
+          </a:prstGeom>
+        </p:spPr>
+      </p:pic>
+      <p:sp>
+        <p:nvSpPr>
+          <p:cNvPr id="2" name="TextBox 1">
+            <a:extLst>
+              <a:ext uri="{FF2B5EF4-FFF2-40B4-BE49-F238E27FC236}">
+                <a16:creationId xmlns:a16="http://schemas.microsoft.com/office/drawing/2014/main" id="{95EAFD46-64F1-4840-B77E-76816183096E}"/>
+              </a:ext>
+            </a:extLst>
+          </p:cNvPr>
+          <p:cNvSpPr txBox="1"/>
+          <p:nvPr/>
+        </p:nvSpPr>
+        <p:spPr>
+          <a:xfrm>
+            <a:off x="6780944" y="595901"/>
+            <a:ext cx="963725" cy="369332"/>
+          </a:xfrm>
+          <a:prstGeom prst="rect">
+            <a:avLst/>
+          </a:prstGeom>
+          <a:noFill/>
+        </p:spPr>
+        <p:txBody>
+          <a:bodyPr wrap="none" rtlCol="0">
+            <a:spAutoFit/>
+          </a:bodyPr>
+          <a:lstStyle/>
+          <a:p>
+            <a:r>
+              <a:rPr lang="en-US" b="1" dirty="0"/>
+              <a:t>1. QUIZ</a:t>
+            </a:r>
+          </a:p>
+        </p:txBody>
+      </p:sp>
+      <p:sp>
+        <p:nvSpPr>
+          <p:cNvPr id="8" name="Tekstvak 6">
+            <a:extLst>
+              <a:ext uri="{FF2B5EF4-FFF2-40B4-BE49-F238E27FC236}">
+                <a16:creationId xmlns:a16="http://schemas.microsoft.com/office/drawing/2014/main" id="{A97BDFA1-1198-214C-9E40-EFC2B55537B4}"/>
+              </a:ext>
+            </a:extLst>
+          </p:cNvPr>
+          <p:cNvSpPr txBox="1"/>
+          <p:nvPr/>
+        </p:nvSpPr>
+        <p:spPr>
+          <a:xfrm>
+            <a:off x="191729" y="1744426"/>
+            <a:ext cx="11804328" cy="2169825"/>
+          </a:xfrm>
+          <a:prstGeom prst="rect">
+            <a:avLst/>
+          </a:prstGeom>
+          <a:noFill/>
+        </p:spPr>
+        <p:txBody>
+          <a:bodyPr wrap="square" rtlCol="0">
+            <a:spAutoFit/>
+          </a:bodyPr>
+          <a:lstStyle/>
+          <a:p>
+            <a:r>
+              <a:rPr lang="en-US" sz="1500" dirty="0"/>
+              <a:t>2. Which of the following are Java keywords (multiple answers possible)</a:t>
+            </a:r>
+          </a:p>
+          <a:p>
+            <a:endParaRPr lang="en-US" sz="1500" dirty="0"/>
+          </a:p>
+          <a:p>
+            <a:pPr marL="342900" indent="-342900">
+              <a:buAutoNum type="alphaUcPeriod"/>
+            </a:pPr>
+            <a:r>
+              <a:rPr lang="en-US" sz="1500" dirty="0">
+                <a:solidFill>
+                  <a:schemeClr val="bg1"/>
+                </a:solidFill>
+                <a:highlight>
+                  <a:srgbClr val="00FF00"/>
+                </a:highlight>
+              </a:rPr>
+              <a:t>abstract</a:t>
+            </a:r>
+          </a:p>
+          <a:p>
+            <a:pPr marL="342900" indent="-342900">
+              <a:buAutoNum type="alphaUcPeriod"/>
+            </a:pPr>
+            <a:endParaRPr lang="en-US" sz="1500" dirty="0"/>
+          </a:p>
+          <a:p>
+            <a:pPr marL="342900" indent="-342900">
+              <a:buAutoNum type="alphaUcPeriod"/>
+            </a:pPr>
+            <a:r>
+              <a:rPr lang="en-US" sz="1500" dirty="0"/>
+              <a:t>system</a:t>
+            </a:r>
+          </a:p>
+          <a:p>
+            <a:pPr marL="342900" indent="-342900">
+              <a:buAutoNum type="alphaUcPeriod"/>
+            </a:pPr>
+            <a:endParaRPr lang="en-US" sz="1500" dirty="0"/>
+          </a:p>
+          <a:p>
+            <a:pPr marL="342900" indent="-342900">
+              <a:buAutoNum type="alphaUcPeriod"/>
+            </a:pPr>
+            <a:r>
+              <a:rPr lang="en-US" sz="1500" dirty="0">
+                <a:solidFill>
+                  <a:schemeClr val="bg1"/>
+                </a:solidFill>
+                <a:highlight>
+                  <a:srgbClr val="00FF00"/>
+                </a:highlight>
+              </a:rPr>
+              <a:t>static</a:t>
+            </a:r>
+          </a:p>
+          <a:p>
+            <a:pPr marL="342900" indent="-342900">
+              <a:buAutoNum type="alphaUcPeriod"/>
+            </a:pPr>
+            <a:endParaRPr lang="en-US" sz="1500" dirty="0"/>
+          </a:p>
+          <a:p>
+            <a:pPr marL="342900" indent="-342900">
+              <a:buAutoNum type="alphaUcPeriod"/>
+            </a:pPr>
+            <a:r>
+              <a:rPr lang="en-US" sz="1500" dirty="0">
+                <a:solidFill>
+                  <a:schemeClr val="bg1"/>
+                </a:solidFill>
+                <a:highlight>
+                  <a:srgbClr val="00FF00"/>
+                </a:highlight>
+              </a:rPr>
+              <a:t>final</a:t>
+            </a:r>
+          </a:p>
+        </p:txBody>
+      </p:sp>
+    </p:spTree>
+    <p:extLst>
+      <p:ext uri="{BB962C8B-B14F-4D97-AF65-F5344CB8AC3E}">
+        <p14:creationId xmlns:p14="http://schemas.microsoft.com/office/powerpoint/2010/main" val="2286746121"/>
+      </p:ext>
+    </p:extLst>
+  </p:cSld>
+  <p:clrMapOvr>
+    <a:masterClrMapping/>
+  </p:clrMapOvr>
+</p:sld>
+</file>
+
+<file path=ppt/slides/slide26.xml><?xml version="1.0" encoding="utf-8"?>
+<p:sld xmlns:a="http://schemas.openxmlformats.org/drawingml/2006/main" xmlns:r="http://schemas.openxmlformats.org/officeDocument/2006/relationships" xmlns:p="http://schemas.openxmlformats.org/presentationml/2006/main">
+  <p:cSld>
+    <p:spTree>
+      <p:nvGrpSpPr>
+        <p:cNvPr id="1" name=""/>
+        <p:cNvGrpSpPr/>
+        <p:nvPr/>
+      </p:nvGrpSpPr>
+      <p:grpSpPr>
+        <a:xfrm>
+          <a:off x="0" y="0"/>
+          <a:ext cx="0" cy="0"/>
+          <a:chOff x="0" y="0"/>
+          <a:chExt cx="0" cy="0"/>
+        </a:xfrm>
+      </p:grpSpPr>
+      <p:sp>
+        <p:nvSpPr>
+          <p:cNvPr id="4" name="Tijdelijke aanduiding voor dianummer 3">
+            <a:extLst>
+              <a:ext uri="{FF2B5EF4-FFF2-40B4-BE49-F238E27FC236}">
+                <a16:creationId xmlns:a16="http://schemas.microsoft.com/office/drawing/2014/main" id="{3A5772F8-4CF1-C845-9BC1-EA3B74DF606F}"/>
+              </a:ext>
+            </a:extLst>
+          </p:cNvPr>
+          <p:cNvSpPr>
+            <a:spLocks noGrp="1"/>
+          </p:cNvSpPr>
+          <p:nvPr>
+            <p:ph type="sldNum" sz="quarter" idx="12"/>
+          </p:nvPr>
+        </p:nvSpPr>
+        <p:spPr/>
+        <p:txBody>
+          <a:bodyPr/>
+          <a:lstStyle/>
+          <a:p>
+            <a:fld id="{49F81993-47B1-3743-8AA2-20AB26FB445E}" type="slidenum">
+              <a:rPr lang="nl-NL" smtClean="0"/>
+              <a:t>26</a:t>
+            </a:fld>
+            <a:endParaRPr lang="nl-NL"/>
+          </a:p>
+        </p:txBody>
+      </p:sp>
+      <p:pic>
+        <p:nvPicPr>
+          <p:cNvPr id="6" name="Picture 1">
+            <a:extLst>
+              <a:ext uri="{FF2B5EF4-FFF2-40B4-BE49-F238E27FC236}">
+                <a16:creationId xmlns:a16="http://schemas.microsoft.com/office/drawing/2014/main" id="{D06E817C-76DD-0F44-ADB0-7048E1EBF455}"/>
+              </a:ext>
+            </a:extLst>
+          </p:cNvPr>
+          <p:cNvPicPr/>
+          <p:nvPr/>
+        </p:nvPicPr>
+        <p:blipFill>
+          <a:blip r:embed="rId2">
+            <a:extLst>
+              <a:ext uri="{28A0092B-C50C-407E-A947-70E740481C1C}">
+                <a14:useLocalDpi xmlns:a14="http://schemas.microsoft.com/office/drawing/2010/main" val="0"/>
+              </a:ext>
+            </a:extLst>
+          </a:blip>
+          <a:stretch>
+            <a:fillRect/>
+          </a:stretch>
+        </p:blipFill>
+        <p:spPr>
+          <a:xfrm>
+            <a:off x="160255" y="509048"/>
+            <a:ext cx="1912095" cy="456054"/>
+          </a:xfrm>
+          <a:prstGeom prst="rect">
+            <a:avLst/>
+          </a:prstGeom>
+        </p:spPr>
+      </p:pic>
+      <p:sp>
+        <p:nvSpPr>
+          <p:cNvPr id="2" name="TextBox 1">
+            <a:extLst>
+              <a:ext uri="{FF2B5EF4-FFF2-40B4-BE49-F238E27FC236}">
+                <a16:creationId xmlns:a16="http://schemas.microsoft.com/office/drawing/2014/main" id="{95EAFD46-64F1-4840-B77E-76816183096E}"/>
+              </a:ext>
+            </a:extLst>
+          </p:cNvPr>
+          <p:cNvSpPr txBox="1"/>
+          <p:nvPr/>
+        </p:nvSpPr>
+        <p:spPr>
+          <a:xfrm>
+            <a:off x="6780944" y="595901"/>
+            <a:ext cx="963725" cy="369332"/>
+          </a:xfrm>
+          <a:prstGeom prst="rect">
+            <a:avLst/>
+          </a:prstGeom>
+          <a:noFill/>
+        </p:spPr>
+        <p:txBody>
+          <a:bodyPr wrap="none" rtlCol="0">
+            <a:spAutoFit/>
+          </a:bodyPr>
+          <a:lstStyle/>
+          <a:p>
+            <a:r>
+              <a:rPr lang="en-US" b="1" dirty="0"/>
+              <a:t>1. QUIZ</a:t>
+            </a:r>
+          </a:p>
+        </p:txBody>
+      </p:sp>
+      <p:sp>
+        <p:nvSpPr>
+          <p:cNvPr id="8" name="Tekstvak 6">
+            <a:extLst>
+              <a:ext uri="{FF2B5EF4-FFF2-40B4-BE49-F238E27FC236}">
+                <a16:creationId xmlns:a16="http://schemas.microsoft.com/office/drawing/2014/main" id="{A97BDFA1-1198-214C-9E40-EFC2B55537B4}"/>
+              </a:ext>
+            </a:extLst>
+          </p:cNvPr>
+          <p:cNvSpPr txBox="1"/>
+          <p:nvPr/>
+        </p:nvSpPr>
+        <p:spPr>
+          <a:xfrm>
+            <a:off x="191729" y="1744426"/>
+            <a:ext cx="11804328" cy="2169825"/>
+          </a:xfrm>
+          <a:prstGeom prst="rect">
+            <a:avLst/>
+          </a:prstGeom>
+          <a:noFill/>
+        </p:spPr>
+        <p:txBody>
+          <a:bodyPr wrap="square" rtlCol="0">
+            <a:spAutoFit/>
+          </a:bodyPr>
+          <a:lstStyle/>
+          <a:p>
+            <a:r>
+              <a:rPr lang="en-US" sz="1500" dirty="0"/>
+              <a:t>3. Which field declaration is  NOT correct?</a:t>
+            </a:r>
+          </a:p>
+          <a:p>
+            <a:endParaRPr lang="en-US" sz="1500" dirty="0"/>
+          </a:p>
+          <a:p>
+            <a:pPr marL="342900" indent="-342900">
+              <a:buAutoNum type="alphaUcPeriod"/>
+            </a:pPr>
+            <a:r>
+              <a:rPr lang="en-US" sz="1500" dirty="0"/>
+              <a:t>final name;</a:t>
+            </a:r>
+          </a:p>
+          <a:p>
+            <a:pPr marL="342900" indent="-342900">
+              <a:buAutoNum type="alphaUcPeriod"/>
+            </a:pPr>
+            <a:endParaRPr lang="en-US" sz="1500" dirty="0"/>
+          </a:p>
+          <a:p>
+            <a:pPr marL="342900" indent="-342900">
+              <a:buAutoNum type="alphaUcPeriod"/>
+            </a:pPr>
+            <a:r>
+              <a:rPr lang="en-US" sz="1500" dirty="0"/>
+              <a:t>private </a:t>
+            </a:r>
+            <a:r>
+              <a:rPr lang="en-US" sz="1500" dirty="0" err="1"/>
+              <a:t>int</a:t>
+            </a:r>
+            <a:r>
+              <a:rPr lang="en-US" sz="1500" dirty="0"/>
+              <a:t> sum = 0;</a:t>
+            </a:r>
+          </a:p>
+          <a:p>
+            <a:pPr marL="342900" indent="-342900">
+              <a:buAutoNum type="alphaUcPeriod"/>
+            </a:pPr>
+            <a:endParaRPr lang="en-US" sz="1500" dirty="0"/>
+          </a:p>
+          <a:p>
+            <a:pPr marL="342900" indent="-342900">
+              <a:buAutoNum type="alphaUcPeriod"/>
+            </a:pPr>
+            <a:r>
+              <a:rPr lang="en-US" sz="1500" dirty="0"/>
+              <a:t>public static String PREFIX = “NL”;</a:t>
+            </a:r>
+          </a:p>
+          <a:p>
+            <a:pPr marL="342900" indent="-342900">
+              <a:buAutoNum type="alphaUcPeriod"/>
+            </a:pPr>
+            <a:endParaRPr lang="en-US" sz="1500" dirty="0"/>
+          </a:p>
+          <a:p>
+            <a:pPr marL="342900" indent="-342900">
+              <a:buAutoNum type="alphaUcPeriod"/>
+            </a:pPr>
+            <a:r>
+              <a:rPr lang="en-US" sz="1500" dirty="0"/>
+              <a:t>double price = 2.0;</a:t>
+            </a:r>
+          </a:p>
+        </p:txBody>
+      </p:sp>
+    </p:spTree>
+    <p:extLst>
+      <p:ext uri="{BB962C8B-B14F-4D97-AF65-F5344CB8AC3E}">
+        <p14:creationId xmlns:p14="http://schemas.microsoft.com/office/powerpoint/2010/main" val="3863996693"/>
+      </p:ext>
+    </p:extLst>
+  </p:cSld>
+  <p:clrMapOvr>
+    <a:masterClrMapping/>
+  </p:clrMapOvr>
+</p:sld>
+</file>
+
+<file path=ppt/slides/slide27.xml><?xml version="1.0" encoding="utf-8"?>
+<p:sld xmlns:a="http://schemas.openxmlformats.org/drawingml/2006/main" xmlns:r="http://schemas.openxmlformats.org/officeDocument/2006/relationships" xmlns:p="http://schemas.openxmlformats.org/presentationml/2006/main">
+  <p:cSld>
+    <p:spTree>
+      <p:nvGrpSpPr>
+        <p:cNvPr id="1" name=""/>
+        <p:cNvGrpSpPr/>
+        <p:nvPr/>
+      </p:nvGrpSpPr>
+      <p:grpSpPr>
+        <a:xfrm>
+          <a:off x="0" y="0"/>
+          <a:ext cx="0" cy="0"/>
+          <a:chOff x="0" y="0"/>
+          <a:chExt cx="0" cy="0"/>
+        </a:xfrm>
+      </p:grpSpPr>
+      <p:sp>
+        <p:nvSpPr>
+          <p:cNvPr id="4" name="Tijdelijke aanduiding voor dianummer 3">
+            <a:extLst>
+              <a:ext uri="{FF2B5EF4-FFF2-40B4-BE49-F238E27FC236}">
+                <a16:creationId xmlns:a16="http://schemas.microsoft.com/office/drawing/2014/main" id="{3A5772F8-4CF1-C845-9BC1-EA3B74DF606F}"/>
+              </a:ext>
+            </a:extLst>
+          </p:cNvPr>
+          <p:cNvSpPr>
+            <a:spLocks noGrp="1"/>
+          </p:cNvSpPr>
+          <p:nvPr>
+            <p:ph type="sldNum" sz="quarter" idx="12"/>
+          </p:nvPr>
+        </p:nvSpPr>
+        <p:spPr/>
+        <p:txBody>
+          <a:bodyPr/>
+          <a:lstStyle/>
+          <a:p>
+            <a:fld id="{49F81993-47B1-3743-8AA2-20AB26FB445E}" type="slidenum">
+              <a:rPr lang="nl-NL" smtClean="0"/>
+              <a:t>27</a:t>
+            </a:fld>
+            <a:endParaRPr lang="nl-NL"/>
+          </a:p>
+        </p:txBody>
+      </p:sp>
+      <p:pic>
+        <p:nvPicPr>
+          <p:cNvPr id="6" name="Picture 1">
+            <a:extLst>
+              <a:ext uri="{FF2B5EF4-FFF2-40B4-BE49-F238E27FC236}">
+                <a16:creationId xmlns:a16="http://schemas.microsoft.com/office/drawing/2014/main" id="{D06E817C-76DD-0F44-ADB0-7048E1EBF455}"/>
+              </a:ext>
+            </a:extLst>
+          </p:cNvPr>
+          <p:cNvPicPr/>
+          <p:nvPr/>
+        </p:nvPicPr>
+        <p:blipFill>
+          <a:blip r:embed="rId2">
+            <a:extLst>
+              <a:ext uri="{28A0092B-C50C-407E-A947-70E740481C1C}">
+                <a14:useLocalDpi xmlns:a14="http://schemas.microsoft.com/office/drawing/2010/main" val="0"/>
+              </a:ext>
+            </a:extLst>
+          </a:blip>
+          <a:stretch>
+            <a:fillRect/>
+          </a:stretch>
+        </p:blipFill>
+        <p:spPr>
+          <a:xfrm>
+            <a:off x="160255" y="509048"/>
+            <a:ext cx="1912095" cy="456054"/>
+          </a:xfrm>
+          <a:prstGeom prst="rect">
+            <a:avLst/>
+          </a:prstGeom>
+        </p:spPr>
+      </p:pic>
+      <p:sp>
+        <p:nvSpPr>
+          <p:cNvPr id="2" name="TextBox 1">
+            <a:extLst>
+              <a:ext uri="{FF2B5EF4-FFF2-40B4-BE49-F238E27FC236}">
+                <a16:creationId xmlns:a16="http://schemas.microsoft.com/office/drawing/2014/main" id="{95EAFD46-64F1-4840-B77E-76816183096E}"/>
+              </a:ext>
+            </a:extLst>
+          </p:cNvPr>
+          <p:cNvSpPr txBox="1"/>
+          <p:nvPr/>
+        </p:nvSpPr>
+        <p:spPr>
+          <a:xfrm>
+            <a:off x="6780944" y="595901"/>
+            <a:ext cx="963725" cy="369332"/>
+          </a:xfrm>
+          <a:prstGeom prst="rect">
+            <a:avLst/>
+          </a:prstGeom>
+          <a:noFill/>
+        </p:spPr>
+        <p:txBody>
+          <a:bodyPr wrap="none" rtlCol="0">
+            <a:spAutoFit/>
+          </a:bodyPr>
+          <a:lstStyle/>
+          <a:p>
+            <a:r>
+              <a:rPr lang="en-US" b="1" dirty="0"/>
+              <a:t>1. QUIZ</a:t>
+            </a:r>
+          </a:p>
+        </p:txBody>
+      </p:sp>
+      <p:sp>
+        <p:nvSpPr>
+          <p:cNvPr id="8" name="Tekstvak 6">
+            <a:extLst>
+              <a:ext uri="{FF2B5EF4-FFF2-40B4-BE49-F238E27FC236}">
+                <a16:creationId xmlns:a16="http://schemas.microsoft.com/office/drawing/2014/main" id="{A97BDFA1-1198-214C-9E40-EFC2B55537B4}"/>
+              </a:ext>
+            </a:extLst>
+          </p:cNvPr>
+          <p:cNvSpPr txBox="1"/>
+          <p:nvPr/>
+        </p:nvSpPr>
+        <p:spPr>
+          <a:xfrm>
+            <a:off x="191729" y="1744426"/>
+            <a:ext cx="11804328" cy="2169825"/>
+          </a:xfrm>
+          <a:prstGeom prst="rect">
+            <a:avLst/>
+          </a:prstGeom>
+          <a:noFill/>
+        </p:spPr>
+        <p:txBody>
+          <a:bodyPr wrap="square" rtlCol="0">
+            <a:spAutoFit/>
+          </a:bodyPr>
+          <a:lstStyle/>
+          <a:p>
+            <a:r>
+              <a:rPr lang="en-US" sz="1500" dirty="0"/>
+              <a:t>3. Which field declaration is  NOT correct?</a:t>
+            </a:r>
+          </a:p>
+          <a:p>
+            <a:endParaRPr lang="en-US" sz="1500" dirty="0"/>
+          </a:p>
+          <a:p>
+            <a:pPr marL="342900" indent="-342900">
+              <a:buAutoNum type="alphaUcPeriod"/>
+            </a:pPr>
+            <a:r>
+              <a:rPr lang="en-US" sz="1500" dirty="0">
+                <a:highlight>
+                  <a:srgbClr val="FF0000"/>
+                </a:highlight>
+              </a:rPr>
+              <a:t>final name;</a:t>
+            </a:r>
+          </a:p>
+          <a:p>
+            <a:pPr marL="342900" indent="-342900">
+              <a:buAutoNum type="alphaUcPeriod"/>
+            </a:pPr>
+            <a:endParaRPr lang="en-US" sz="1500" dirty="0"/>
+          </a:p>
+          <a:p>
+            <a:pPr marL="342900" indent="-342900">
+              <a:buAutoNum type="alphaUcPeriod"/>
+            </a:pPr>
+            <a:r>
+              <a:rPr lang="en-US" sz="1500" dirty="0"/>
+              <a:t>private </a:t>
+            </a:r>
+            <a:r>
+              <a:rPr lang="en-US" sz="1500" dirty="0" err="1"/>
+              <a:t>int</a:t>
+            </a:r>
+            <a:r>
+              <a:rPr lang="en-US" sz="1500" dirty="0"/>
+              <a:t> sum = 0;</a:t>
+            </a:r>
+          </a:p>
+          <a:p>
+            <a:pPr marL="342900" indent="-342900">
+              <a:buAutoNum type="alphaUcPeriod"/>
+            </a:pPr>
+            <a:endParaRPr lang="en-US" sz="1500" dirty="0"/>
+          </a:p>
+          <a:p>
+            <a:pPr marL="342900" indent="-342900">
+              <a:buAutoNum type="alphaUcPeriod"/>
+            </a:pPr>
+            <a:r>
+              <a:rPr lang="en-US" sz="1500" dirty="0"/>
+              <a:t>public static String PREFIX = “NL”;</a:t>
+            </a:r>
+          </a:p>
+          <a:p>
+            <a:pPr marL="342900" indent="-342900">
+              <a:buAutoNum type="alphaUcPeriod"/>
+            </a:pPr>
+            <a:endParaRPr lang="en-US" sz="1500" dirty="0"/>
+          </a:p>
+          <a:p>
+            <a:pPr marL="342900" indent="-342900">
+              <a:buAutoNum type="alphaUcPeriod"/>
+            </a:pPr>
+            <a:r>
+              <a:rPr lang="en-US" sz="1500" dirty="0"/>
+              <a:t>double price = 2.0;</a:t>
+            </a:r>
+          </a:p>
+        </p:txBody>
+      </p:sp>
+    </p:spTree>
+    <p:extLst>
+      <p:ext uri="{BB962C8B-B14F-4D97-AF65-F5344CB8AC3E}">
+        <p14:creationId xmlns:p14="http://schemas.microsoft.com/office/powerpoint/2010/main" val="770015157"/>
+      </p:ext>
+    </p:extLst>
+  </p:cSld>
+  <p:clrMapOvr>
+    <a:masterClrMapping/>
+  </p:clrMapOvr>
+</p:sld>
+</file>
+
+<file path=ppt/slides/slide28.xml><?xml version="1.0" encoding="utf-8"?>
+<p:sld xmlns:a="http://schemas.openxmlformats.org/drawingml/2006/main" xmlns:r="http://schemas.openxmlformats.org/officeDocument/2006/relationships" xmlns:p="http://schemas.openxmlformats.org/presentationml/2006/main">
+  <p:cSld>
+    <p:spTree>
+      <p:nvGrpSpPr>
+        <p:cNvPr id="1" name=""/>
+        <p:cNvGrpSpPr/>
+        <p:nvPr/>
+      </p:nvGrpSpPr>
+      <p:grpSpPr>
+        <a:xfrm>
+          <a:off x="0" y="0"/>
+          <a:ext cx="0" cy="0"/>
+          <a:chOff x="0" y="0"/>
+          <a:chExt cx="0" cy="0"/>
+        </a:xfrm>
+      </p:grpSpPr>
+      <p:sp>
+        <p:nvSpPr>
+          <p:cNvPr id="4" name="Tijdelijke aanduiding voor dianummer 3">
+            <a:extLst>
+              <a:ext uri="{FF2B5EF4-FFF2-40B4-BE49-F238E27FC236}">
+                <a16:creationId xmlns:a16="http://schemas.microsoft.com/office/drawing/2014/main" id="{3A5772F8-4CF1-C845-9BC1-EA3B74DF606F}"/>
+              </a:ext>
+            </a:extLst>
+          </p:cNvPr>
+          <p:cNvSpPr>
+            <a:spLocks noGrp="1"/>
+          </p:cNvSpPr>
+          <p:nvPr>
+            <p:ph type="sldNum" sz="quarter" idx="12"/>
+          </p:nvPr>
+        </p:nvSpPr>
+        <p:spPr/>
+        <p:txBody>
+          <a:bodyPr/>
+          <a:lstStyle/>
+          <a:p>
+            <a:fld id="{49F81993-47B1-3743-8AA2-20AB26FB445E}" type="slidenum">
+              <a:rPr lang="nl-NL" smtClean="0"/>
+              <a:t>28</a:t>
+            </a:fld>
+            <a:endParaRPr lang="nl-NL"/>
+          </a:p>
+        </p:txBody>
+      </p:sp>
+      <p:pic>
+        <p:nvPicPr>
+          <p:cNvPr id="6" name="Picture 1">
+            <a:extLst>
+              <a:ext uri="{FF2B5EF4-FFF2-40B4-BE49-F238E27FC236}">
+                <a16:creationId xmlns:a16="http://schemas.microsoft.com/office/drawing/2014/main" id="{D06E817C-76DD-0F44-ADB0-7048E1EBF455}"/>
+              </a:ext>
+            </a:extLst>
+          </p:cNvPr>
+          <p:cNvPicPr/>
+          <p:nvPr/>
+        </p:nvPicPr>
+        <p:blipFill>
+          <a:blip r:embed="rId2">
+            <a:extLst>
+              <a:ext uri="{28A0092B-C50C-407E-A947-70E740481C1C}">
+                <a14:useLocalDpi xmlns:a14="http://schemas.microsoft.com/office/drawing/2010/main" val="0"/>
+              </a:ext>
+            </a:extLst>
+          </a:blip>
+          <a:stretch>
+            <a:fillRect/>
+          </a:stretch>
+        </p:blipFill>
+        <p:spPr>
+          <a:xfrm>
+            <a:off x="160255" y="509048"/>
+            <a:ext cx="1912095" cy="456054"/>
+          </a:xfrm>
+          <a:prstGeom prst="rect">
+            <a:avLst/>
+          </a:prstGeom>
+        </p:spPr>
+      </p:pic>
+      <p:sp>
+        <p:nvSpPr>
+          <p:cNvPr id="2" name="TextBox 1">
+            <a:extLst>
+              <a:ext uri="{FF2B5EF4-FFF2-40B4-BE49-F238E27FC236}">
+                <a16:creationId xmlns:a16="http://schemas.microsoft.com/office/drawing/2014/main" id="{95EAFD46-64F1-4840-B77E-76816183096E}"/>
+              </a:ext>
+            </a:extLst>
+          </p:cNvPr>
+          <p:cNvSpPr txBox="1"/>
+          <p:nvPr/>
+        </p:nvSpPr>
+        <p:spPr>
+          <a:xfrm>
+            <a:off x="6780944" y="595901"/>
+            <a:ext cx="963725" cy="369332"/>
+          </a:xfrm>
+          <a:prstGeom prst="rect">
+            <a:avLst/>
+          </a:prstGeom>
+          <a:noFill/>
+        </p:spPr>
+        <p:txBody>
+          <a:bodyPr wrap="none" rtlCol="0">
+            <a:spAutoFit/>
+          </a:bodyPr>
+          <a:lstStyle/>
+          <a:p>
+            <a:r>
+              <a:rPr lang="en-US" b="1" dirty="0"/>
+              <a:t>1. QUIZ</a:t>
+            </a:r>
+          </a:p>
+        </p:txBody>
+      </p:sp>
+      <p:sp>
+        <p:nvSpPr>
+          <p:cNvPr id="8" name="Tekstvak 6">
+            <a:extLst>
+              <a:ext uri="{FF2B5EF4-FFF2-40B4-BE49-F238E27FC236}">
+                <a16:creationId xmlns:a16="http://schemas.microsoft.com/office/drawing/2014/main" id="{A97BDFA1-1198-214C-9E40-EFC2B55537B4}"/>
+              </a:ext>
+            </a:extLst>
+          </p:cNvPr>
+          <p:cNvSpPr txBox="1"/>
+          <p:nvPr/>
+        </p:nvSpPr>
+        <p:spPr>
+          <a:xfrm>
+            <a:off x="878780" y="1430866"/>
+            <a:ext cx="11804328" cy="4478149"/>
+          </a:xfrm>
+          <a:prstGeom prst="rect">
+            <a:avLst/>
+          </a:prstGeom>
+          <a:noFill/>
+        </p:spPr>
+        <p:txBody>
+          <a:bodyPr wrap="square" rtlCol="0">
+            <a:spAutoFit/>
+          </a:bodyPr>
+          <a:lstStyle/>
+          <a:p>
+            <a:r>
+              <a:rPr lang="en-US" sz="1500" dirty="0"/>
+              <a:t>4. What is the result of this code when having 2 products: </a:t>
+            </a:r>
+          </a:p>
+          <a:p>
+            <a:r>
+              <a:rPr lang="en-US" sz="1500" dirty="0"/>
+              <a:t>Product 1:  id=1   price=10</a:t>
+            </a:r>
+          </a:p>
+          <a:p>
+            <a:r>
+              <a:rPr lang="en-US" sz="1500" dirty="0"/>
+              <a:t>Product 2:  id=2   price=20</a:t>
+            </a:r>
+          </a:p>
+          <a:p>
+            <a:endParaRPr lang="en-US" sz="1500" dirty="0"/>
+          </a:p>
+          <a:p>
+            <a:r>
+              <a:rPr lang="en-US" sz="1500" dirty="0"/>
+              <a:t>1. public class Calculator {</a:t>
+            </a:r>
+          </a:p>
+          <a:p>
+            <a:pPr marL="342900" indent="-342900">
+              <a:buAutoNum type="arabicPeriod" startAt="2"/>
+            </a:pPr>
+            <a:r>
+              <a:rPr lang="en-US" sz="1500" dirty="0"/>
+              <a:t>   </a:t>
+            </a:r>
+            <a:r>
+              <a:rPr lang="en-US" sz="1500" dirty="0" err="1"/>
+              <a:t>int</a:t>
+            </a:r>
+            <a:r>
+              <a:rPr lang="en-US" sz="1500" dirty="0"/>
+              <a:t> sum = 0;</a:t>
+            </a:r>
+          </a:p>
+          <a:p>
+            <a:pPr marL="342900" indent="-342900">
+              <a:buAutoNum type="arabicPeriod" startAt="2"/>
+            </a:pPr>
+            <a:r>
+              <a:rPr lang="en-US" sz="1500" dirty="0"/>
+              <a:t> </a:t>
+            </a:r>
+          </a:p>
+          <a:p>
+            <a:pPr marL="342900" indent="-342900">
+              <a:buAutoNum type="arabicPeriod" startAt="2"/>
+            </a:pPr>
+            <a:r>
+              <a:rPr lang="en-US" sz="1500" dirty="0"/>
+              <a:t>   public </a:t>
+            </a:r>
+            <a:r>
+              <a:rPr lang="en-US" sz="1500" dirty="0" err="1"/>
+              <a:t>int</a:t>
+            </a:r>
+            <a:r>
+              <a:rPr lang="en-US" sz="1500" dirty="0"/>
+              <a:t> </a:t>
+            </a:r>
+            <a:r>
+              <a:rPr lang="en-US" sz="1500" dirty="0" err="1"/>
+              <a:t>countTotal</a:t>
+            </a:r>
+            <a:r>
+              <a:rPr lang="en-US" sz="1500" dirty="0"/>
+              <a:t>(List&lt;Product) products) {</a:t>
+            </a:r>
+          </a:p>
+          <a:p>
+            <a:pPr marL="342900" indent="-342900">
+              <a:buAutoNum type="arabicPeriod" startAt="2"/>
+            </a:pPr>
+            <a:r>
+              <a:rPr lang="en-US" sz="1500" dirty="0"/>
+              <a:t>      for (Product product: products) {</a:t>
+            </a:r>
+          </a:p>
+          <a:p>
+            <a:pPr marL="342900" indent="-342900">
+              <a:buAutoNum type="arabicPeriod" startAt="2"/>
+            </a:pPr>
+            <a:r>
+              <a:rPr lang="en-US" sz="1500" dirty="0"/>
+              <a:t>         if (</a:t>
+            </a:r>
+            <a:r>
+              <a:rPr lang="en-US" sz="1500" dirty="0" err="1"/>
+              <a:t>product.price</a:t>
+            </a:r>
+            <a:r>
+              <a:rPr lang="en-US" sz="1500" dirty="0"/>
+              <a:t>() &gt; 0) {</a:t>
+            </a:r>
+          </a:p>
+          <a:p>
+            <a:pPr marL="342900" indent="-342900">
+              <a:buAutoNum type="arabicPeriod" startAt="2"/>
+            </a:pPr>
+            <a:r>
+              <a:rPr lang="en-US" sz="1500" dirty="0"/>
+              <a:t>            long id = </a:t>
+            </a:r>
+            <a:r>
+              <a:rPr lang="en-US" sz="1500" dirty="0" err="1"/>
+              <a:t>product.getId</a:t>
+            </a:r>
+            <a:r>
+              <a:rPr lang="en-US" sz="1500" dirty="0"/>
+              <a:t>();</a:t>
+            </a:r>
+          </a:p>
+          <a:p>
+            <a:pPr marL="342900" indent="-342900">
+              <a:buAutoNum type="arabicPeriod" startAt="2"/>
+            </a:pPr>
+            <a:r>
+              <a:rPr lang="en-US" sz="1500" dirty="0"/>
+              <a:t>            sum = sum + </a:t>
+            </a:r>
+            <a:r>
+              <a:rPr lang="en-US" sz="1500" dirty="0" err="1"/>
+              <a:t>product.price</a:t>
+            </a:r>
+            <a:r>
+              <a:rPr lang="en-US" sz="1500" dirty="0"/>
+              <a:t>();</a:t>
+            </a:r>
+          </a:p>
+          <a:p>
+            <a:pPr marL="342900" indent="-342900">
+              <a:buAutoNum type="arabicPeriod" startAt="2"/>
+            </a:pPr>
+            <a:r>
+              <a:rPr lang="en-US" sz="1500" dirty="0"/>
+              <a:t>         }</a:t>
+            </a:r>
+          </a:p>
+          <a:p>
+            <a:pPr marL="342900" indent="-342900">
+              <a:buAutoNum type="arabicPeriod" startAt="2"/>
+            </a:pPr>
+            <a:r>
+              <a:rPr lang="en-US" sz="1500" dirty="0"/>
+              <a:t>      }</a:t>
+            </a:r>
+          </a:p>
+          <a:p>
+            <a:pPr marL="342900" indent="-342900">
+              <a:buAutoNum type="arabicPeriod" startAt="2"/>
+            </a:pPr>
+            <a:r>
+              <a:rPr lang="en-US" sz="1500" dirty="0"/>
+              <a:t>      </a:t>
+            </a:r>
+            <a:r>
+              <a:rPr lang="en-US" sz="1500" dirty="0" err="1"/>
+              <a:t>System.out.println</a:t>
+            </a:r>
+            <a:r>
+              <a:rPr lang="en-US" sz="1500" dirty="0"/>
+              <a:t>(“Last productid is “ + id;</a:t>
+            </a:r>
+          </a:p>
+          <a:p>
+            <a:pPr marL="342900" indent="-342900">
+              <a:buAutoNum type="arabicPeriod" startAt="2"/>
+            </a:pPr>
+            <a:r>
+              <a:rPr lang="en-US" sz="1500" dirty="0"/>
+              <a:t>      </a:t>
+            </a:r>
+            <a:r>
+              <a:rPr lang="en-US" sz="1500" dirty="0" err="1"/>
+              <a:t>System.out.println</a:t>
+            </a:r>
+            <a:r>
+              <a:rPr lang="en-US" sz="1500" dirty="0"/>
+              <a:t>(“Total is “ + sum;</a:t>
+            </a:r>
+          </a:p>
+          <a:p>
+            <a:pPr marL="342900" indent="-342900">
+              <a:buAutoNum type="arabicPeriod" startAt="2"/>
+            </a:pPr>
+            <a:r>
+              <a:rPr lang="en-US" sz="1500" dirty="0"/>
+              <a:t>   }</a:t>
+            </a:r>
+          </a:p>
+          <a:p>
+            <a:pPr marL="342900" indent="-342900">
+              <a:buAutoNum type="arabicPeriod" startAt="2"/>
+            </a:pPr>
+            <a:r>
+              <a:rPr lang="en-US" sz="1500" dirty="0"/>
+              <a:t> </a:t>
+            </a:r>
+          </a:p>
+          <a:p>
+            <a:pPr marL="342900" indent="-342900">
+              <a:buAutoNum type="arabicPeriod" startAt="2"/>
+            </a:pPr>
+            <a:r>
+              <a:rPr lang="en-US" sz="1500" dirty="0"/>
+              <a:t>}</a:t>
+            </a:r>
+          </a:p>
+        </p:txBody>
+      </p:sp>
+      <p:sp>
+        <p:nvSpPr>
+          <p:cNvPr id="3" name="TextBox 2">
+            <a:extLst>
+              <a:ext uri="{FF2B5EF4-FFF2-40B4-BE49-F238E27FC236}">
+                <a16:creationId xmlns:a16="http://schemas.microsoft.com/office/drawing/2014/main" id="{BC53FDF9-1618-6345-BA8B-3863B7F8F21C}"/>
+              </a:ext>
+            </a:extLst>
+          </p:cNvPr>
+          <p:cNvSpPr txBox="1"/>
+          <p:nvPr/>
+        </p:nvSpPr>
+        <p:spPr>
+          <a:xfrm>
+            <a:off x="7551506" y="1902938"/>
+            <a:ext cx="2743059" cy="2400657"/>
+          </a:xfrm>
+          <a:prstGeom prst="rect">
+            <a:avLst/>
+          </a:prstGeom>
+          <a:noFill/>
+        </p:spPr>
+        <p:txBody>
+          <a:bodyPr wrap="none" rtlCol="0">
+            <a:spAutoFit/>
+          </a:bodyPr>
+          <a:lstStyle/>
+          <a:p>
+            <a:endParaRPr lang="en-US" sz="1500" dirty="0"/>
+          </a:p>
+          <a:p>
+            <a:pPr marL="342900" indent="-342900">
+              <a:buAutoNum type="alphaUcPeriod"/>
+            </a:pPr>
+            <a:r>
+              <a:rPr lang="en-US" sz="1500" dirty="0"/>
+              <a:t>Compile error on line 2</a:t>
+            </a:r>
+          </a:p>
+          <a:p>
+            <a:pPr marL="342900" indent="-342900">
+              <a:buAutoNum type="alphaUcPeriod"/>
+            </a:pPr>
+            <a:endParaRPr lang="en-US" sz="1500" dirty="0"/>
+          </a:p>
+          <a:p>
+            <a:pPr marL="342900" indent="-342900">
+              <a:buAutoNum type="alphaUcPeriod"/>
+            </a:pPr>
+            <a:r>
+              <a:rPr lang="en-US" sz="1500" dirty="0"/>
+              <a:t>Compile error on line 7</a:t>
+            </a:r>
+          </a:p>
+          <a:p>
+            <a:pPr marL="342900" indent="-342900">
+              <a:buAutoNum type="alphaUcPeriod"/>
+            </a:pPr>
+            <a:endParaRPr lang="en-US" sz="1500" dirty="0"/>
+          </a:p>
+          <a:p>
+            <a:pPr marL="342900" indent="-342900">
+              <a:buAutoNum type="alphaUcPeriod"/>
+            </a:pPr>
+            <a:r>
+              <a:rPr lang="en-US" sz="1500" dirty="0"/>
+              <a:t>Compile error on line 11</a:t>
+            </a:r>
+          </a:p>
+          <a:p>
+            <a:pPr marL="342900" indent="-342900">
+              <a:buAutoNum type="alphaUcPeriod"/>
+            </a:pPr>
+            <a:endParaRPr lang="en-US" sz="1500" dirty="0"/>
+          </a:p>
+          <a:p>
+            <a:pPr marL="342900" indent="-342900">
+              <a:buAutoNum type="alphaUcPeriod"/>
+            </a:pPr>
+            <a:r>
+              <a:rPr lang="en-US" sz="1500" dirty="0"/>
+              <a:t>Last productid is 2</a:t>
+            </a:r>
+          </a:p>
+          <a:p>
+            <a:r>
+              <a:rPr lang="en-US" sz="1500" dirty="0"/>
+              <a:t>       Total is 30</a:t>
+            </a:r>
+          </a:p>
+          <a:p>
+            <a:endParaRPr lang="en-US" sz="1500" dirty="0"/>
+          </a:p>
+        </p:txBody>
+      </p:sp>
+    </p:spTree>
+    <p:extLst>
+      <p:ext uri="{BB962C8B-B14F-4D97-AF65-F5344CB8AC3E}">
+        <p14:creationId xmlns:p14="http://schemas.microsoft.com/office/powerpoint/2010/main" val="2793688552"/>
+      </p:ext>
+    </p:extLst>
+  </p:cSld>
+  <p:clrMapOvr>
+    <a:masterClrMapping/>
+  </p:clrMapOvr>
+</p:sld>
+</file>
+
+<file path=ppt/slides/slide29.xml><?xml version="1.0" encoding="utf-8"?>
+<p:sld xmlns:a="http://schemas.openxmlformats.org/drawingml/2006/main" xmlns:r="http://schemas.openxmlformats.org/officeDocument/2006/relationships" xmlns:p="http://schemas.openxmlformats.org/presentationml/2006/main">
+  <p:cSld>
+    <p:spTree>
+      <p:nvGrpSpPr>
+        <p:cNvPr id="1" name=""/>
+        <p:cNvGrpSpPr/>
+        <p:nvPr/>
+      </p:nvGrpSpPr>
+      <p:grpSpPr>
+        <a:xfrm>
+          <a:off x="0" y="0"/>
+          <a:ext cx="0" cy="0"/>
+          <a:chOff x="0" y="0"/>
+          <a:chExt cx="0" cy="0"/>
+        </a:xfrm>
+      </p:grpSpPr>
+      <p:sp>
+        <p:nvSpPr>
+          <p:cNvPr id="4" name="Tijdelijke aanduiding voor dianummer 3">
+            <a:extLst>
+              <a:ext uri="{FF2B5EF4-FFF2-40B4-BE49-F238E27FC236}">
+                <a16:creationId xmlns:a16="http://schemas.microsoft.com/office/drawing/2014/main" id="{3A5772F8-4CF1-C845-9BC1-EA3B74DF606F}"/>
+              </a:ext>
+            </a:extLst>
+          </p:cNvPr>
+          <p:cNvSpPr>
+            <a:spLocks noGrp="1"/>
+          </p:cNvSpPr>
+          <p:nvPr>
+            <p:ph type="sldNum" sz="quarter" idx="12"/>
+          </p:nvPr>
+        </p:nvSpPr>
+        <p:spPr/>
+        <p:txBody>
+          <a:bodyPr/>
+          <a:lstStyle/>
+          <a:p>
+            <a:fld id="{49F81993-47B1-3743-8AA2-20AB26FB445E}" type="slidenum">
+              <a:rPr lang="nl-NL" smtClean="0"/>
+              <a:t>29</a:t>
+            </a:fld>
+            <a:endParaRPr lang="nl-NL"/>
+          </a:p>
+        </p:txBody>
+      </p:sp>
+      <p:pic>
+        <p:nvPicPr>
+          <p:cNvPr id="6" name="Picture 1">
+            <a:extLst>
+              <a:ext uri="{FF2B5EF4-FFF2-40B4-BE49-F238E27FC236}">
+                <a16:creationId xmlns:a16="http://schemas.microsoft.com/office/drawing/2014/main" id="{D06E817C-76DD-0F44-ADB0-7048E1EBF455}"/>
+              </a:ext>
+            </a:extLst>
+          </p:cNvPr>
+          <p:cNvPicPr/>
+          <p:nvPr/>
+        </p:nvPicPr>
+        <p:blipFill>
+          <a:blip r:embed="rId2">
+            <a:extLst>
+              <a:ext uri="{28A0092B-C50C-407E-A947-70E740481C1C}">
+                <a14:useLocalDpi xmlns:a14="http://schemas.microsoft.com/office/drawing/2010/main" val="0"/>
+              </a:ext>
+            </a:extLst>
+          </a:blip>
+          <a:stretch>
+            <a:fillRect/>
+          </a:stretch>
+        </p:blipFill>
+        <p:spPr>
+          <a:xfrm>
+            <a:off x="160255" y="509048"/>
+            <a:ext cx="1912095" cy="456054"/>
+          </a:xfrm>
+          <a:prstGeom prst="rect">
+            <a:avLst/>
+          </a:prstGeom>
+        </p:spPr>
+      </p:pic>
+      <p:sp>
+        <p:nvSpPr>
+          <p:cNvPr id="2" name="TextBox 1">
+            <a:extLst>
+              <a:ext uri="{FF2B5EF4-FFF2-40B4-BE49-F238E27FC236}">
+                <a16:creationId xmlns:a16="http://schemas.microsoft.com/office/drawing/2014/main" id="{95EAFD46-64F1-4840-B77E-76816183096E}"/>
+              </a:ext>
+            </a:extLst>
+          </p:cNvPr>
+          <p:cNvSpPr txBox="1"/>
+          <p:nvPr/>
+        </p:nvSpPr>
+        <p:spPr>
+          <a:xfrm>
+            <a:off x="6780944" y="595901"/>
+            <a:ext cx="963725" cy="369332"/>
+          </a:xfrm>
+          <a:prstGeom prst="rect">
+            <a:avLst/>
+          </a:prstGeom>
+          <a:noFill/>
+        </p:spPr>
+        <p:txBody>
+          <a:bodyPr wrap="none" rtlCol="0">
+            <a:spAutoFit/>
+          </a:bodyPr>
+          <a:lstStyle/>
+          <a:p>
+            <a:r>
+              <a:rPr lang="en-US" b="1" dirty="0"/>
+              <a:t>1. QUIZ</a:t>
+            </a:r>
+          </a:p>
+        </p:txBody>
+      </p:sp>
+      <p:sp>
+        <p:nvSpPr>
+          <p:cNvPr id="8" name="Tekstvak 6">
+            <a:extLst>
+              <a:ext uri="{FF2B5EF4-FFF2-40B4-BE49-F238E27FC236}">
+                <a16:creationId xmlns:a16="http://schemas.microsoft.com/office/drawing/2014/main" id="{A97BDFA1-1198-214C-9E40-EFC2B55537B4}"/>
+              </a:ext>
+            </a:extLst>
+          </p:cNvPr>
+          <p:cNvSpPr txBox="1"/>
+          <p:nvPr/>
+        </p:nvSpPr>
+        <p:spPr>
+          <a:xfrm>
+            <a:off x="878780" y="1430866"/>
+            <a:ext cx="11804328" cy="4478149"/>
+          </a:xfrm>
+          <a:prstGeom prst="rect">
+            <a:avLst/>
+          </a:prstGeom>
+          <a:noFill/>
+        </p:spPr>
+        <p:txBody>
+          <a:bodyPr wrap="square" rtlCol="0">
+            <a:spAutoFit/>
+          </a:bodyPr>
+          <a:lstStyle/>
+          <a:p>
+            <a:r>
+              <a:rPr lang="en-US" sz="1500" dirty="0"/>
+              <a:t>4. What is the result of this code when having 2 products: </a:t>
+            </a:r>
+          </a:p>
+          <a:p>
+            <a:r>
+              <a:rPr lang="en-US" sz="1500" dirty="0"/>
+              <a:t>Product 1:  id=1   price=10</a:t>
+            </a:r>
+          </a:p>
+          <a:p>
+            <a:r>
+              <a:rPr lang="en-US" sz="1500" dirty="0"/>
+              <a:t>Product 2:  id=2   price=20</a:t>
+            </a:r>
+          </a:p>
+          <a:p>
+            <a:endParaRPr lang="en-US" sz="1500" dirty="0"/>
+          </a:p>
+          <a:p>
+            <a:r>
+              <a:rPr lang="en-US" sz="1500" dirty="0"/>
+              <a:t>1. public class Calculator {</a:t>
+            </a:r>
+          </a:p>
+          <a:p>
+            <a:pPr marL="342900" indent="-342900">
+              <a:buAutoNum type="arabicPeriod" startAt="2"/>
+            </a:pPr>
+            <a:r>
+              <a:rPr lang="en-US" sz="1500" dirty="0"/>
+              <a:t>   </a:t>
+            </a:r>
+            <a:r>
+              <a:rPr lang="en-US" sz="1500" dirty="0" err="1"/>
+              <a:t>int</a:t>
+            </a:r>
+            <a:r>
+              <a:rPr lang="en-US" sz="1500" dirty="0"/>
+              <a:t> sum = 0;</a:t>
+            </a:r>
+          </a:p>
+          <a:p>
+            <a:pPr marL="342900" indent="-342900">
+              <a:buAutoNum type="arabicPeriod" startAt="2"/>
+            </a:pPr>
+            <a:r>
+              <a:rPr lang="en-US" sz="1500" dirty="0"/>
+              <a:t> </a:t>
+            </a:r>
+          </a:p>
+          <a:p>
+            <a:pPr marL="342900" indent="-342900">
+              <a:buAutoNum type="arabicPeriod" startAt="2"/>
+            </a:pPr>
+            <a:r>
+              <a:rPr lang="en-US" sz="1500" dirty="0"/>
+              <a:t>   public </a:t>
+            </a:r>
+            <a:r>
+              <a:rPr lang="en-US" sz="1500" dirty="0" err="1"/>
+              <a:t>int</a:t>
+            </a:r>
+            <a:r>
+              <a:rPr lang="en-US" sz="1500" dirty="0"/>
+              <a:t> </a:t>
+            </a:r>
+            <a:r>
+              <a:rPr lang="en-US" sz="1500" dirty="0" err="1"/>
+              <a:t>countTotal</a:t>
+            </a:r>
+            <a:r>
+              <a:rPr lang="en-US" sz="1500" dirty="0"/>
+              <a:t>(List&lt;Product) products) {</a:t>
+            </a:r>
+          </a:p>
+          <a:p>
+            <a:pPr marL="342900" indent="-342900">
+              <a:buAutoNum type="arabicPeriod" startAt="2"/>
+            </a:pPr>
+            <a:r>
+              <a:rPr lang="en-US" sz="1500" dirty="0"/>
+              <a:t>      for (Product product: products) {</a:t>
+            </a:r>
+          </a:p>
+          <a:p>
+            <a:pPr marL="342900" indent="-342900">
+              <a:buAutoNum type="arabicPeriod" startAt="2"/>
+            </a:pPr>
+            <a:r>
+              <a:rPr lang="en-US" sz="1500" dirty="0"/>
+              <a:t>         if (</a:t>
+            </a:r>
+            <a:r>
+              <a:rPr lang="en-US" sz="1500" dirty="0" err="1"/>
+              <a:t>product.price</a:t>
+            </a:r>
+            <a:r>
+              <a:rPr lang="en-US" sz="1500" dirty="0"/>
+              <a:t>() &gt; 0) {</a:t>
+            </a:r>
+          </a:p>
+          <a:p>
+            <a:pPr marL="342900" indent="-342900">
+              <a:buAutoNum type="arabicPeriod" startAt="2"/>
+            </a:pPr>
+            <a:r>
+              <a:rPr lang="en-US" sz="1500" dirty="0"/>
+              <a:t>            long id = </a:t>
+            </a:r>
+            <a:r>
+              <a:rPr lang="en-US" sz="1500" dirty="0" err="1"/>
+              <a:t>product.getId</a:t>
+            </a:r>
+            <a:r>
+              <a:rPr lang="en-US" sz="1500" dirty="0"/>
+              <a:t>();</a:t>
+            </a:r>
+          </a:p>
+          <a:p>
+            <a:pPr marL="342900" indent="-342900">
+              <a:buAutoNum type="arabicPeriod" startAt="2"/>
+            </a:pPr>
+            <a:r>
+              <a:rPr lang="en-US" sz="1500" dirty="0"/>
+              <a:t>            sum = sum + </a:t>
+            </a:r>
+            <a:r>
+              <a:rPr lang="en-US" sz="1500" dirty="0" err="1"/>
+              <a:t>product.price</a:t>
+            </a:r>
+            <a:r>
+              <a:rPr lang="en-US" sz="1500" dirty="0"/>
+              <a:t>();</a:t>
+            </a:r>
+          </a:p>
+          <a:p>
+            <a:pPr marL="342900" indent="-342900">
+              <a:buAutoNum type="arabicPeriod" startAt="2"/>
+            </a:pPr>
+            <a:r>
+              <a:rPr lang="en-US" sz="1500" dirty="0"/>
+              <a:t>         }</a:t>
+            </a:r>
+          </a:p>
+          <a:p>
+            <a:pPr marL="342900" indent="-342900">
+              <a:buAutoNum type="arabicPeriod" startAt="2"/>
+            </a:pPr>
+            <a:r>
+              <a:rPr lang="en-US" sz="1500" dirty="0"/>
+              <a:t>      }</a:t>
+            </a:r>
+          </a:p>
+          <a:p>
+            <a:pPr marL="342900" indent="-342900">
+              <a:buAutoNum type="arabicPeriod" startAt="2"/>
+            </a:pPr>
+            <a:r>
+              <a:rPr lang="en-US" sz="1500" dirty="0"/>
+              <a:t>      </a:t>
+            </a:r>
+            <a:r>
+              <a:rPr lang="en-US" sz="1500" dirty="0" err="1"/>
+              <a:t>System.out.println</a:t>
+            </a:r>
+            <a:r>
+              <a:rPr lang="en-US" sz="1500" dirty="0"/>
+              <a:t>(“Last productid is “ + id;</a:t>
+            </a:r>
+          </a:p>
+          <a:p>
+            <a:pPr marL="342900" indent="-342900">
+              <a:buAutoNum type="arabicPeriod" startAt="2"/>
+            </a:pPr>
+            <a:r>
+              <a:rPr lang="en-US" sz="1500" dirty="0"/>
+              <a:t>      </a:t>
+            </a:r>
+            <a:r>
+              <a:rPr lang="en-US" sz="1500" dirty="0" err="1"/>
+              <a:t>System.out.println</a:t>
+            </a:r>
+            <a:r>
+              <a:rPr lang="en-US" sz="1500" dirty="0"/>
+              <a:t>(“Total is “ + sum;</a:t>
+            </a:r>
+          </a:p>
+          <a:p>
+            <a:pPr marL="342900" indent="-342900">
+              <a:buAutoNum type="arabicPeriod" startAt="2"/>
+            </a:pPr>
+            <a:r>
+              <a:rPr lang="en-US" sz="1500" dirty="0"/>
+              <a:t>   }</a:t>
+            </a:r>
+          </a:p>
+          <a:p>
+            <a:pPr marL="342900" indent="-342900">
+              <a:buAutoNum type="arabicPeriod" startAt="2"/>
+            </a:pPr>
+            <a:r>
+              <a:rPr lang="en-US" sz="1500" dirty="0"/>
+              <a:t> </a:t>
+            </a:r>
+          </a:p>
+          <a:p>
+            <a:pPr marL="342900" indent="-342900">
+              <a:buAutoNum type="arabicPeriod" startAt="2"/>
+            </a:pPr>
+            <a:r>
+              <a:rPr lang="en-US" sz="1500" dirty="0"/>
+              <a:t>}</a:t>
+            </a:r>
+          </a:p>
+        </p:txBody>
+      </p:sp>
+      <p:sp>
+        <p:nvSpPr>
+          <p:cNvPr id="3" name="TextBox 2">
+            <a:extLst>
+              <a:ext uri="{FF2B5EF4-FFF2-40B4-BE49-F238E27FC236}">
+                <a16:creationId xmlns:a16="http://schemas.microsoft.com/office/drawing/2014/main" id="{BC53FDF9-1618-6345-BA8B-3863B7F8F21C}"/>
+              </a:ext>
+            </a:extLst>
+          </p:cNvPr>
+          <p:cNvSpPr txBox="1"/>
+          <p:nvPr/>
+        </p:nvSpPr>
+        <p:spPr>
+          <a:xfrm>
+            <a:off x="7551506" y="1902938"/>
+            <a:ext cx="2743059" cy="2400657"/>
+          </a:xfrm>
+          <a:prstGeom prst="rect">
+            <a:avLst/>
+          </a:prstGeom>
+          <a:noFill/>
+        </p:spPr>
+        <p:txBody>
+          <a:bodyPr wrap="none" rtlCol="0">
+            <a:spAutoFit/>
+          </a:bodyPr>
+          <a:lstStyle/>
+          <a:p>
+            <a:endParaRPr lang="en-US" sz="1500" dirty="0"/>
+          </a:p>
+          <a:p>
+            <a:pPr marL="342900" indent="-342900">
+              <a:buAutoNum type="alphaUcPeriod"/>
+            </a:pPr>
+            <a:r>
+              <a:rPr lang="en-US" sz="1500" dirty="0"/>
+              <a:t>Compile error on line 2</a:t>
+            </a:r>
+          </a:p>
+          <a:p>
+            <a:pPr marL="342900" indent="-342900">
+              <a:buAutoNum type="alphaUcPeriod"/>
+            </a:pPr>
+            <a:endParaRPr lang="en-US" sz="1500" dirty="0"/>
+          </a:p>
+          <a:p>
+            <a:pPr marL="342900" indent="-342900">
+              <a:buAutoNum type="alphaUcPeriod"/>
+            </a:pPr>
+            <a:r>
+              <a:rPr lang="en-US" sz="1500" dirty="0"/>
+              <a:t>Compile error on line 7</a:t>
+            </a:r>
+          </a:p>
+          <a:p>
+            <a:pPr marL="342900" indent="-342900">
+              <a:buAutoNum type="alphaUcPeriod"/>
+            </a:pPr>
+            <a:endParaRPr lang="en-US" sz="1500" dirty="0"/>
+          </a:p>
+          <a:p>
+            <a:pPr marL="342900" indent="-342900">
+              <a:buAutoNum type="alphaUcPeriod"/>
+            </a:pPr>
+            <a:r>
+              <a:rPr lang="en-US" sz="1500" dirty="0">
+                <a:highlight>
+                  <a:srgbClr val="FF0000"/>
+                </a:highlight>
+              </a:rPr>
+              <a:t>Compile error on line 11</a:t>
+            </a:r>
+          </a:p>
+          <a:p>
+            <a:pPr marL="342900" indent="-342900">
+              <a:buAutoNum type="alphaUcPeriod"/>
+            </a:pPr>
+            <a:endParaRPr lang="en-US" sz="1500" dirty="0"/>
+          </a:p>
+          <a:p>
+            <a:pPr marL="342900" indent="-342900">
+              <a:buAutoNum type="alphaUcPeriod"/>
+            </a:pPr>
+            <a:r>
+              <a:rPr lang="en-US" sz="1500" dirty="0"/>
+              <a:t>Last productid is 2</a:t>
+            </a:r>
+          </a:p>
+          <a:p>
+            <a:r>
+              <a:rPr lang="en-US" sz="1500" dirty="0"/>
+              <a:t>       Total is 30</a:t>
+            </a:r>
+          </a:p>
+          <a:p>
+            <a:endParaRPr lang="en-US" sz="1500" dirty="0"/>
+          </a:p>
+        </p:txBody>
+      </p:sp>
+    </p:spTree>
+    <p:extLst>
+      <p:ext uri="{BB962C8B-B14F-4D97-AF65-F5344CB8AC3E}">
+        <p14:creationId xmlns:p14="http://schemas.microsoft.com/office/powerpoint/2010/main" val="636768855"/>
+      </p:ext>
+    </p:extLst>
+  </p:cSld>
+  <p:clrMapOvr>
+    <a:masterClrMapping/>
+  </p:clrMapOvr>
+</p:sld>
+</file>
+
 <file path=ppt/slides/slide3.xml><?xml version="1.0" encoding="utf-8"?>
 <p:sld xmlns:a="http://schemas.openxmlformats.org/drawingml/2006/main" xmlns:r="http://schemas.openxmlformats.org/officeDocument/2006/relationships" xmlns:p="http://schemas.openxmlformats.org/presentationml/2006/main">
   <p:cSld>
@@ -11264,29 +13587,8 @@
               <a:rPr lang="nl-NL" dirty="0">
                 <a:cs typeface="Arial" panose="020B0604020202020204" pitchFamily="34" charset="0"/>
               </a:rPr>
-              <a:t>			- Date / Time / </a:t>
-            </a:r>
-            <a:r>
-              <a:rPr lang="nl-NL" dirty="0" err="1">
-                <a:cs typeface="Arial" panose="020B0604020202020204" pitchFamily="34" charset="0"/>
-              </a:rPr>
-              <a:t>Calendars</a:t>
-            </a:r>
-            <a:r>
-              <a:rPr lang="nl-NL" dirty="0">
-                <a:cs typeface="Arial" panose="020B0604020202020204" pitchFamily="34" charset="0"/>
-              </a:rPr>
-              <a:t> / </a:t>
-            </a:r>
-            <a:r>
-              <a:rPr lang="nl-NL" dirty="0" err="1">
-                <a:cs typeface="Arial" panose="020B0604020202020204" pitchFamily="34" charset="0"/>
-              </a:rPr>
-              <a:t>Formatter</a:t>
-            </a:r>
-            <a:endParaRPr lang="nl-NL" dirty="0">
-              <a:cs typeface="Arial" panose="020B0604020202020204" pitchFamily="34" charset="0"/>
-            </a:endParaRPr>
+              <a:t>			- Statements / flow control</a:t>
+            </a:r>
           </a:p>
           <a:p>
             <a:pPr marL="285750" indent="-285750">

--- a/docs/training/Presentation.pptx
+++ b/docs/training/Presentation.pptx
@@ -5,7 +5,7 @@
     <p:sldMasterId id="2147484165" r:id="rId1"/>
   </p:sldMasterIdLst>
   <p:notesMasterIdLst>
-    <p:notesMasterId r:id="rId31"/>
+    <p:notesMasterId r:id="rId54"/>
   </p:notesMasterIdLst>
   <p:sldIdLst>
     <p:sldId id="256" r:id="rId2"/>
@@ -37,6 +37,29 @@
     <p:sldId id="299" r:id="rId28"/>
     <p:sldId id="300" r:id="rId29"/>
     <p:sldId id="301" r:id="rId30"/>
+    <p:sldId id="278" r:id="rId31"/>
+    <p:sldId id="302" r:id="rId32"/>
+    <p:sldId id="303" r:id="rId33"/>
+    <p:sldId id="304" r:id="rId34"/>
+    <p:sldId id="305" r:id="rId35"/>
+    <p:sldId id="306" r:id="rId36"/>
+    <p:sldId id="307" r:id="rId37"/>
+    <p:sldId id="308" r:id="rId38"/>
+    <p:sldId id="279" r:id="rId39"/>
+    <p:sldId id="280" r:id="rId40"/>
+    <p:sldId id="281" r:id="rId41"/>
+    <p:sldId id="282" r:id="rId42"/>
+    <p:sldId id="309" r:id="rId43"/>
+    <p:sldId id="283" r:id="rId44"/>
+    <p:sldId id="310" r:id="rId45"/>
+    <p:sldId id="311" r:id="rId46"/>
+    <p:sldId id="312" r:id="rId47"/>
+    <p:sldId id="313" r:id="rId48"/>
+    <p:sldId id="314" r:id="rId49"/>
+    <p:sldId id="315" r:id="rId50"/>
+    <p:sldId id="316" r:id="rId51"/>
+    <p:sldId id="317" r:id="rId52"/>
+    <p:sldId id="318" r:id="rId53"/>
   </p:sldIdLst>
   <p:sldSz cx="12192000" cy="6858000"/>
   <p:notesSz cx="6858000" cy="9144000"/>
@@ -225,7 +248,7 @@
           <a:p>
             <a:fld id="{B1A52C8A-1BFC-3A4F-8177-79563147D400}" type="datetimeFigureOut">
               <a:rPr lang="nl-NL" smtClean="0"/>
-              <a:t>07-10-18</a:t>
+              <a:t>16-10-18</a:t>
             </a:fld>
             <a:endParaRPr lang="nl-NL"/>
           </a:p>
@@ -889,7 +912,7 @@
           <a:p>
             <a:fld id="{DB1CE9C3-58B9-7848-AEC7-8D07D1C442C6}" type="datetime1">
               <a:rPr lang="nl-NL" smtClean="0"/>
-              <a:t>07-10-18</a:t>
+              <a:t>16-10-18</a:t>
             </a:fld>
             <a:endParaRPr lang="nl-NL"/>
           </a:p>
@@ -1161,7 +1184,7 @@
           <a:p>
             <a:fld id="{E500BA9B-537A-EE4B-B113-3A2907BFA681}" type="datetime1">
               <a:rPr lang="nl-NL" smtClean="0"/>
-              <a:t>07-10-18</a:t>
+              <a:t>16-10-18</a:t>
             </a:fld>
             <a:endParaRPr lang="nl-NL"/>
           </a:p>
@@ -1398,7 +1421,7 @@
           <a:p>
             <a:fld id="{E500BA9B-537A-EE4B-B113-3A2907BFA681}" type="datetime1">
               <a:rPr lang="nl-NL" smtClean="0"/>
-              <a:t>07-10-18</a:t>
+              <a:t>16-10-18</a:t>
             </a:fld>
             <a:endParaRPr lang="nl-NL"/>
           </a:p>
@@ -1719,7 +1742,7 @@
           <a:p>
             <a:fld id="{E500BA9B-537A-EE4B-B113-3A2907BFA681}" type="datetime1">
               <a:rPr lang="nl-NL" smtClean="0"/>
-              <a:t>07-10-18</a:t>
+              <a:t>16-10-18</a:t>
             </a:fld>
             <a:endParaRPr lang="nl-NL"/>
           </a:p>
@@ -2198,7 +2221,7 @@
           <a:p>
             <a:fld id="{E500BA9B-537A-EE4B-B113-3A2907BFA681}" type="datetime1">
               <a:rPr lang="nl-NL" smtClean="0"/>
-              <a:t>07-10-18</a:t>
+              <a:t>16-10-18</a:t>
             </a:fld>
             <a:endParaRPr lang="nl-NL"/>
           </a:p>
@@ -2776,7 +2799,7 @@
           <a:p>
             <a:fld id="{E500BA9B-537A-EE4B-B113-3A2907BFA681}" type="datetime1">
               <a:rPr lang="nl-NL" smtClean="0"/>
-              <a:t>07-10-18</a:t>
+              <a:t>16-10-18</a:t>
             </a:fld>
             <a:endParaRPr lang="nl-NL"/>
           </a:p>
@@ -3581,7 +3604,7 @@
           <a:p>
             <a:fld id="{E500BA9B-537A-EE4B-B113-3A2907BFA681}" type="datetime1">
               <a:rPr lang="nl-NL" smtClean="0"/>
-              <a:t>07-10-18</a:t>
+              <a:t>16-10-18</a:t>
             </a:fld>
             <a:endParaRPr lang="nl-NL"/>
           </a:p>
@@ -3733,7 +3756,7 @@
           <a:p>
             <a:fld id="{E500BA9B-537A-EE4B-B113-3A2907BFA681}" type="datetime1">
               <a:rPr lang="nl-NL" smtClean="0"/>
-              <a:t>07-10-18</a:t>
+              <a:t>16-10-18</a:t>
             </a:fld>
             <a:endParaRPr lang="nl-NL"/>
           </a:p>
@@ -3933,7 +3956,7 @@
           <a:p>
             <a:fld id="{E500BA9B-537A-EE4B-B113-3A2907BFA681}" type="datetime1">
               <a:rPr lang="nl-NL" smtClean="0"/>
-              <a:t>07-10-18</a:t>
+              <a:t>16-10-18</a:t>
             </a:fld>
             <a:endParaRPr lang="nl-NL"/>
           </a:p>
@@ -4090,7 +4113,7 @@
           <a:p>
             <a:fld id="{E500BA9B-537A-EE4B-B113-3A2907BFA681}" type="datetime1">
               <a:rPr lang="nl-NL" smtClean="0"/>
-              <a:t>07-10-18</a:t>
+              <a:t>16-10-18</a:t>
             </a:fld>
             <a:endParaRPr lang="nl-NL"/>
           </a:p>
@@ -4385,7 +4408,7 @@
           <a:p>
             <a:fld id="{D2659729-C882-AB47-8746-AAD4D50DCC53}" type="datetime1">
               <a:rPr lang="nl-NL" smtClean="0"/>
-              <a:t>07-10-18</a:t>
+              <a:t>16-10-18</a:t>
             </a:fld>
             <a:endParaRPr lang="nl-NL"/>
           </a:p>
@@ -4579,7 +4602,7 @@
           <a:p>
             <a:fld id="{E500BA9B-537A-EE4B-B113-3A2907BFA681}" type="datetime1">
               <a:rPr lang="nl-NL" smtClean="0"/>
-              <a:t>07-10-18</a:t>
+              <a:t>16-10-18</a:t>
             </a:fld>
             <a:endParaRPr lang="nl-NL"/>
           </a:p>
@@ -4921,7 +4944,7 @@
           <a:p>
             <a:fld id="{E500BA9B-537A-EE4B-B113-3A2907BFA681}" type="datetime1">
               <a:rPr lang="nl-NL" smtClean="0"/>
-              <a:t>07-10-18</a:t>
+              <a:t>16-10-18</a:t>
             </a:fld>
             <a:endParaRPr lang="nl-NL"/>
           </a:p>
@@ -5040,7 +5063,7 @@
           <a:p>
             <a:fld id="{75500E47-A985-014F-BE37-29DC7E2F5426}" type="datetime1">
               <a:rPr lang="nl-NL" smtClean="0"/>
-              <a:t>07-10-18</a:t>
+              <a:t>16-10-18</a:t>
             </a:fld>
             <a:endParaRPr lang="nl-NL"/>
           </a:p>
@@ -5135,7 +5158,7 @@
           <a:p>
             <a:fld id="{D5BD011E-EFCD-C146-A8E9-939D69792899}" type="datetime1">
               <a:rPr lang="nl-NL" smtClean="0"/>
-              <a:t>07-10-18</a:t>
+              <a:t>16-10-18</a:t>
             </a:fld>
             <a:endParaRPr lang="nl-NL"/>
           </a:p>
@@ -5365,7 +5388,7 @@
           <a:p>
             <a:fld id="{E500BA9B-537A-EE4B-B113-3A2907BFA681}" type="datetime1">
               <a:rPr lang="nl-NL" smtClean="0"/>
-              <a:t>07-10-18</a:t>
+              <a:t>16-10-18</a:t>
             </a:fld>
             <a:endParaRPr lang="nl-NL"/>
           </a:p>
@@ -5628,7 +5651,7 @@
           <a:p>
             <a:fld id="{E500BA9B-537A-EE4B-B113-3A2907BFA681}" type="datetime1">
               <a:rPr lang="nl-NL" smtClean="0"/>
-              <a:t>07-10-18</a:t>
+              <a:t>16-10-18</a:t>
             </a:fld>
             <a:endParaRPr lang="nl-NL"/>
           </a:p>
@@ -5848,7 +5871,7 @@
           <a:p>
             <a:fld id="{E500BA9B-537A-EE4B-B113-3A2907BFA681}" type="datetime1">
               <a:rPr lang="nl-NL" smtClean="0"/>
-              <a:t>07-10-18</a:t>
+              <a:t>16-10-18</a:t>
             </a:fld>
             <a:endParaRPr lang="nl-NL"/>
           </a:p>
@@ -12598,7 +12621,7 @@
             </a:r>
             <a:r>
               <a:rPr lang="en-US" sz="1500" dirty="0"/>
-              <a:t>(List&lt;Product) products) {</a:t>
+              <a:t>(List&lt;Product&gt;) products) {</a:t>
             </a:r>
           </a:p>
           <a:p>
@@ -12693,7 +12716,7 @@
             </a:r>
             <a:r>
               <a:rPr lang="en-US" sz="1500" dirty="0"/>
-              <a:t>(“Last productid is “ + id;</a:t>
+              <a:t>(“Last productid is “ + id);</a:t>
             </a:r>
           </a:p>
           <a:p>
@@ -12710,7 +12733,7 @@
             </a:r>
             <a:r>
               <a:rPr lang="en-US" sz="1500" dirty="0"/>
-              <a:t>(“Total is “ + sum;</a:t>
+              <a:t>(“Total is “ + sum);</a:t>
             </a:r>
           </a:p>
           <a:p>
@@ -13067,7 +13090,7 @@
             </a:r>
             <a:r>
               <a:rPr lang="en-US" sz="1500" dirty="0"/>
-              <a:t>(List&lt;Product) products) {</a:t>
+              <a:t>(List&lt;Product&gt;) products) {</a:t>
             </a:r>
           </a:p>
           <a:p>
@@ -13162,7 +13185,7 @@
             </a:r>
             <a:r>
               <a:rPr lang="en-US" sz="1500" dirty="0"/>
-              <a:t>(“Last productid is “ + id;</a:t>
+              <a:t>(“Last productid is “ + id);</a:t>
             </a:r>
           </a:p>
           <a:p>
@@ -13179,7 +13202,7 @@
             </a:r>
             <a:r>
               <a:rPr lang="en-US" sz="1500" dirty="0"/>
-              <a:t>(“Total is “ + sum;</a:t>
+              <a:t>(“Total is “ + sum);</a:t>
             </a:r>
           </a:p>
           <a:p>
@@ -13720,6 +13743,4219 @@
     <p:extLst>
       <p:ext uri="{BB962C8B-B14F-4D97-AF65-F5344CB8AC3E}">
         <p14:creationId xmlns:p14="http://schemas.microsoft.com/office/powerpoint/2010/main" val="2323916370"/>
+      </p:ext>
+    </p:extLst>
+  </p:cSld>
+  <p:clrMapOvr>
+    <a:masterClrMapping/>
+  </p:clrMapOvr>
+</p:sld>
+</file>
+
+<file path=ppt/slides/slide30.xml><?xml version="1.0" encoding="utf-8"?>
+<p:sld xmlns:a="http://schemas.openxmlformats.org/drawingml/2006/main" xmlns:r="http://schemas.openxmlformats.org/officeDocument/2006/relationships" xmlns:p="http://schemas.openxmlformats.org/presentationml/2006/main">
+  <p:cSld>
+    <p:spTree>
+      <p:nvGrpSpPr>
+        <p:cNvPr id="1" name=""/>
+        <p:cNvGrpSpPr/>
+        <p:nvPr/>
+      </p:nvGrpSpPr>
+      <p:grpSpPr>
+        <a:xfrm>
+          <a:off x="0" y="0"/>
+          <a:ext cx="0" cy="0"/>
+          <a:chOff x="0" y="0"/>
+          <a:chExt cx="0" cy="0"/>
+        </a:xfrm>
+      </p:grpSpPr>
+      <p:sp>
+        <p:nvSpPr>
+          <p:cNvPr id="4" name="Tijdelijke aanduiding voor dianummer 3">
+            <a:extLst>
+              <a:ext uri="{FF2B5EF4-FFF2-40B4-BE49-F238E27FC236}">
+                <a16:creationId xmlns:a16="http://schemas.microsoft.com/office/drawing/2014/main" id="{3A5772F8-4CF1-C845-9BC1-EA3B74DF606F}"/>
+              </a:ext>
+            </a:extLst>
+          </p:cNvPr>
+          <p:cNvSpPr>
+            <a:spLocks noGrp="1"/>
+          </p:cNvSpPr>
+          <p:nvPr>
+            <p:ph type="sldNum" sz="quarter" idx="12"/>
+          </p:nvPr>
+        </p:nvSpPr>
+        <p:spPr/>
+        <p:txBody>
+          <a:bodyPr/>
+          <a:lstStyle/>
+          <a:p>
+            <a:fld id="{49F81993-47B1-3743-8AA2-20AB26FB445E}" type="slidenum">
+              <a:rPr lang="nl-NL" smtClean="0"/>
+              <a:t>30</a:t>
+            </a:fld>
+            <a:endParaRPr lang="nl-NL"/>
+          </a:p>
+        </p:txBody>
+      </p:sp>
+      <p:pic>
+        <p:nvPicPr>
+          <p:cNvPr id="6" name="Picture 1">
+            <a:extLst>
+              <a:ext uri="{FF2B5EF4-FFF2-40B4-BE49-F238E27FC236}">
+                <a16:creationId xmlns:a16="http://schemas.microsoft.com/office/drawing/2014/main" id="{D06E817C-76DD-0F44-ADB0-7048E1EBF455}"/>
+              </a:ext>
+            </a:extLst>
+          </p:cNvPr>
+          <p:cNvPicPr/>
+          <p:nvPr/>
+        </p:nvPicPr>
+        <p:blipFill>
+          <a:blip r:embed="rId2">
+            <a:extLst>
+              <a:ext uri="{28A0092B-C50C-407E-A947-70E740481C1C}">
+                <a14:useLocalDpi xmlns:a14="http://schemas.microsoft.com/office/drawing/2010/main" val="0"/>
+              </a:ext>
+            </a:extLst>
+          </a:blip>
+          <a:stretch>
+            <a:fillRect/>
+          </a:stretch>
+        </p:blipFill>
+        <p:spPr>
+          <a:xfrm>
+            <a:off x="160255" y="509048"/>
+            <a:ext cx="1912095" cy="456054"/>
+          </a:xfrm>
+          <a:prstGeom prst="rect">
+            <a:avLst/>
+          </a:prstGeom>
+        </p:spPr>
+      </p:pic>
+      <p:sp>
+        <p:nvSpPr>
+          <p:cNvPr id="2" name="TextBox 1">
+            <a:extLst>
+              <a:ext uri="{FF2B5EF4-FFF2-40B4-BE49-F238E27FC236}">
+                <a16:creationId xmlns:a16="http://schemas.microsoft.com/office/drawing/2014/main" id="{95EAFD46-64F1-4840-B77E-76816183096E}"/>
+              </a:ext>
+            </a:extLst>
+          </p:cNvPr>
+          <p:cNvSpPr txBox="1"/>
+          <p:nvPr/>
+        </p:nvSpPr>
+        <p:spPr>
+          <a:xfrm>
+            <a:off x="6780944" y="595901"/>
+            <a:ext cx="3826689" cy="369332"/>
+          </a:xfrm>
+          <a:prstGeom prst="rect">
+            <a:avLst/>
+          </a:prstGeom>
+          <a:noFill/>
+        </p:spPr>
+        <p:txBody>
+          <a:bodyPr wrap="none" rtlCol="0">
+            <a:spAutoFit/>
+          </a:bodyPr>
+          <a:lstStyle/>
+          <a:p>
+            <a:r>
+              <a:rPr lang="en-US" b="1" dirty="0"/>
+              <a:t>1. OVERVIEW JAVA – OPERATORS</a:t>
+            </a:r>
+          </a:p>
+        </p:txBody>
+      </p:sp>
+      <p:sp>
+        <p:nvSpPr>
+          <p:cNvPr id="8" name="Tekstvak 6">
+            <a:extLst>
+              <a:ext uri="{FF2B5EF4-FFF2-40B4-BE49-F238E27FC236}">
+                <a16:creationId xmlns:a16="http://schemas.microsoft.com/office/drawing/2014/main" id="{A97BDFA1-1198-214C-9E40-EFC2B55537B4}"/>
+              </a:ext>
+            </a:extLst>
+          </p:cNvPr>
+          <p:cNvSpPr txBox="1"/>
+          <p:nvPr/>
+        </p:nvSpPr>
+        <p:spPr>
+          <a:xfrm>
+            <a:off x="580434" y="1423959"/>
+            <a:ext cx="10628671" cy="646331"/>
+          </a:xfrm>
+          <a:prstGeom prst="rect">
+            <a:avLst/>
+          </a:prstGeom>
+          <a:noFill/>
+        </p:spPr>
+        <p:txBody>
+          <a:bodyPr wrap="square" rtlCol="0">
+            <a:spAutoFit/>
+          </a:bodyPr>
+          <a:lstStyle/>
+          <a:p>
+            <a:r>
+              <a:rPr lang="nl-NL" dirty="0">
+                <a:cs typeface="Arial" panose="020B0604020202020204" pitchFamily="34" charset="0"/>
+              </a:rPr>
+              <a:t>An operator is a </a:t>
+            </a:r>
+            <a:r>
+              <a:rPr lang="nl-NL" dirty="0" err="1">
+                <a:cs typeface="Arial" panose="020B0604020202020204" pitchFamily="34" charset="0"/>
+              </a:rPr>
+              <a:t>symbol</a:t>
+            </a:r>
+            <a:r>
+              <a:rPr lang="nl-NL" dirty="0">
+                <a:cs typeface="Arial" panose="020B0604020202020204" pitchFamily="34" charset="0"/>
+              </a:rPr>
+              <a:t> </a:t>
+            </a:r>
+            <a:r>
+              <a:rPr lang="nl-NL" dirty="0" err="1">
+                <a:cs typeface="Arial" panose="020B0604020202020204" pitchFamily="34" charset="0"/>
+              </a:rPr>
+              <a:t>that</a:t>
+            </a:r>
+            <a:r>
+              <a:rPr lang="nl-NL" dirty="0">
+                <a:cs typeface="Arial" panose="020B0604020202020204" pitchFamily="34" charset="0"/>
+              </a:rPr>
+              <a:t> </a:t>
+            </a:r>
+            <a:r>
+              <a:rPr lang="nl-NL" dirty="0" err="1">
+                <a:cs typeface="Arial" panose="020B0604020202020204" pitchFamily="34" charset="0"/>
+              </a:rPr>
+              <a:t>performs</a:t>
+            </a:r>
+            <a:r>
+              <a:rPr lang="nl-NL" dirty="0">
+                <a:cs typeface="Arial" panose="020B0604020202020204" pitchFamily="34" charset="0"/>
+              </a:rPr>
+              <a:t> a </a:t>
+            </a:r>
+            <a:r>
+              <a:rPr lang="nl-NL" dirty="0" err="1">
+                <a:cs typeface="Arial" panose="020B0604020202020204" pitchFamily="34" charset="0"/>
+              </a:rPr>
+              <a:t>specific</a:t>
+            </a:r>
+            <a:r>
+              <a:rPr lang="nl-NL" dirty="0">
+                <a:cs typeface="Arial" panose="020B0604020202020204" pitchFamily="34" charset="0"/>
+              </a:rPr>
+              <a:t> </a:t>
+            </a:r>
+            <a:r>
+              <a:rPr lang="nl-NL" dirty="0" err="1">
+                <a:cs typeface="Arial" panose="020B0604020202020204" pitchFamily="34" charset="0"/>
+              </a:rPr>
+              <a:t>operation</a:t>
+            </a:r>
+            <a:r>
+              <a:rPr lang="nl-NL" dirty="0">
+                <a:cs typeface="Arial" panose="020B0604020202020204" pitchFamily="34" charset="0"/>
+              </a:rPr>
+              <a:t> on a </a:t>
+            </a:r>
+            <a:r>
+              <a:rPr lang="nl-NL" dirty="0" err="1">
+                <a:cs typeface="Arial" panose="020B0604020202020204" pitchFamily="34" charset="0"/>
+              </a:rPr>
+              <a:t>variable</a:t>
+            </a:r>
+            <a:r>
+              <a:rPr lang="nl-NL" dirty="0">
+                <a:cs typeface="Arial" panose="020B0604020202020204" pitchFamily="34" charset="0"/>
+              </a:rPr>
+              <a:t> or </a:t>
+            </a:r>
+            <a:r>
+              <a:rPr lang="nl-NL" dirty="0" err="1">
+                <a:cs typeface="Arial" panose="020B0604020202020204" pitchFamily="34" charset="0"/>
+              </a:rPr>
+              <a:t>an</a:t>
+            </a:r>
+            <a:r>
+              <a:rPr lang="nl-NL" dirty="0">
+                <a:cs typeface="Arial" panose="020B0604020202020204" pitchFamily="34" charset="0"/>
+              </a:rPr>
+              <a:t> object.</a:t>
+            </a:r>
+          </a:p>
+          <a:p>
+            <a:r>
+              <a:rPr lang="nl-NL" dirty="0">
+                <a:cs typeface="Arial" panose="020B0604020202020204" pitchFamily="34" charset="0"/>
+              </a:rPr>
+              <a:t>“</a:t>
+            </a:r>
+            <a:r>
+              <a:rPr lang="nl-NL" dirty="0" err="1">
+                <a:cs typeface="Arial" panose="020B0604020202020204" pitchFamily="34" charset="0"/>
+              </a:rPr>
+              <a:t>unary</a:t>
+            </a:r>
+            <a:r>
+              <a:rPr lang="nl-NL" dirty="0">
+                <a:cs typeface="Arial" panose="020B0604020202020204" pitchFamily="34" charset="0"/>
+              </a:rPr>
+              <a:t>”: </a:t>
+            </a:r>
+            <a:r>
+              <a:rPr lang="nl-NL" dirty="0" err="1">
+                <a:cs typeface="Arial" panose="020B0604020202020204" pitchFamily="34" charset="0"/>
+              </a:rPr>
+              <a:t>postfix</a:t>
+            </a:r>
+            <a:r>
+              <a:rPr lang="nl-NL" dirty="0">
+                <a:cs typeface="Arial" panose="020B0604020202020204" pitchFamily="34" charset="0"/>
+              </a:rPr>
+              <a:t> </a:t>
+            </a:r>
+            <a:r>
+              <a:rPr lang="nl-NL" dirty="0" err="1">
+                <a:cs typeface="Arial" panose="020B0604020202020204" pitchFamily="34" charset="0"/>
+              </a:rPr>
+              <a:t>and</a:t>
+            </a:r>
+            <a:r>
+              <a:rPr lang="nl-NL" dirty="0">
+                <a:cs typeface="Arial" panose="020B0604020202020204" pitchFamily="34" charset="0"/>
+              </a:rPr>
+              <a:t> prefix</a:t>
+            </a:r>
+          </a:p>
+        </p:txBody>
+      </p:sp>
+      <p:sp>
+        <p:nvSpPr>
+          <p:cNvPr id="7" name="Tekstvak 6">
+            <a:extLst>
+              <a:ext uri="{FF2B5EF4-FFF2-40B4-BE49-F238E27FC236}">
+                <a16:creationId xmlns:a16="http://schemas.microsoft.com/office/drawing/2014/main" id="{1DE823A0-848D-3145-BF90-6ED891BCB652}"/>
+              </a:ext>
+            </a:extLst>
+          </p:cNvPr>
+          <p:cNvSpPr txBox="1"/>
+          <p:nvPr/>
+        </p:nvSpPr>
+        <p:spPr>
+          <a:xfrm>
+            <a:off x="2208059" y="2077197"/>
+            <a:ext cx="10628671" cy="3139321"/>
+          </a:xfrm>
+          <a:prstGeom prst="rect">
+            <a:avLst/>
+          </a:prstGeom>
+          <a:noFill/>
+        </p:spPr>
+        <p:txBody>
+          <a:bodyPr wrap="square" rtlCol="0">
+            <a:spAutoFit/>
+          </a:bodyPr>
+          <a:lstStyle/>
+          <a:p>
+            <a:r>
+              <a:rPr lang="nl-NL" dirty="0" err="1">
+                <a:cs typeface="Arial" panose="020B0604020202020204" pitchFamily="34" charset="0"/>
+              </a:rPr>
+              <a:t>Example</a:t>
+            </a:r>
+            <a:r>
+              <a:rPr lang="nl-NL" dirty="0">
+                <a:cs typeface="Arial" panose="020B0604020202020204" pitchFamily="34" charset="0"/>
+              </a:rPr>
+              <a:t>:</a:t>
+            </a:r>
+          </a:p>
+          <a:p>
+            <a:r>
+              <a:rPr lang="nl-NL" dirty="0">
+                <a:cs typeface="Arial" panose="020B0604020202020204" pitchFamily="34" charset="0"/>
+              </a:rPr>
+              <a:t>int </a:t>
+            </a:r>
+            <a:r>
+              <a:rPr lang="nl-NL" dirty="0" err="1">
+                <a:cs typeface="Arial" panose="020B0604020202020204" pitchFamily="34" charset="0"/>
+              </a:rPr>
+              <a:t>sum</a:t>
+            </a:r>
+            <a:r>
+              <a:rPr lang="nl-NL" dirty="0">
+                <a:cs typeface="Arial" panose="020B0604020202020204" pitchFamily="34" charset="0"/>
+              </a:rPr>
+              <a:t> = 0;</a:t>
+            </a:r>
+          </a:p>
+          <a:p>
+            <a:r>
+              <a:rPr lang="nl-NL" dirty="0" err="1">
+                <a:cs typeface="Arial" panose="020B0604020202020204" pitchFamily="34" charset="0"/>
+              </a:rPr>
+              <a:t>sum</a:t>
+            </a:r>
+            <a:r>
+              <a:rPr lang="nl-NL" dirty="0">
+                <a:cs typeface="Arial" panose="020B0604020202020204" pitchFamily="34" charset="0"/>
+              </a:rPr>
+              <a:t>++       or       ++</a:t>
+            </a:r>
+            <a:r>
+              <a:rPr lang="nl-NL" dirty="0" err="1">
+                <a:cs typeface="Arial" panose="020B0604020202020204" pitchFamily="34" charset="0"/>
+              </a:rPr>
+              <a:t>sum</a:t>
+            </a:r>
+            <a:endParaRPr lang="nl-NL" dirty="0">
+              <a:cs typeface="Arial" panose="020B0604020202020204" pitchFamily="34" charset="0"/>
+            </a:endParaRPr>
+          </a:p>
+          <a:p>
+            <a:endParaRPr lang="nl-NL" dirty="0">
+              <a:cs typeface="Arial" panose="020B0604020202020204" pitchFamily="34" charset="0"/>
+            </a:endParaRPr>
+          </a:p>
+          <a:p>
+            <a:r>
+              <a:rPr lang="nl-NL" dirty="0" err="1">
+                <a:cs typeface="Arial" panose="020B0604020202020204" pitchFamily="34" charset="0"/>
+              </a:rPr>
+              <a:t>There’s</a:t>
+            </a:r>
+            <a:r>
+              <a:rPr lang="nl-NL" dirty="0">
+                <a:cs typeface="Arial" panose="020B0604020202020204" pitchFamily="34" charset="0"/>
+              </a:rPr>
+              <a:t> a big </a:t>
+            </a:r>
+            <a:r>
+              <a:rPr lang="nl-NL" dirty="0" err="1">
+                <a:cs typeface="Arial" panose="020B0604020202020204" pitchFamily="34" charset="0"/>
+              </a:rPr>
+              <a:t>difference</a:t>
+            </a:r>
+            <a:r>
+              <a:rPr lang="nl-NL" dirty="0">
+                <a:cs typeface="Arial" panose="020B0604020202020204" pitchFamily="34" charset="0"/>
+              </a:rPr>
+              <a:t>:</a:t>
+            </a:r>
+          </a:p>
+          <a:p>
+            <a:endParaRPr lang="nl-NL" dirty="0">
+              <a:cs typeface="Arial" panose="020B0604020202020204" pitchFamily="34" charset="0"/>
+            </a:endParaRPr>
+          </a:p>
+          <a:p>
+            <a:r>
+              <a:rPr lang="nl-NL" dirty="0">
+                <a:cs typeface="Arial" panose="020B0604020202020204" pitchFamily="34" charset="0"/>
+              </a:rPr>
+              <a:t>int </a:t>
+            </a:r>
+            <a:r>
+              <a:rPr lang="nl-NL" dirty="0" err="1">
+                <a:cs typeface="Arial" panose="020B0604020202020204" pitchFamily="34" charset="0"/>
+              </a:rPr>
+              <a:t>sum</a:t>
+            </a:r>
+            <a:r>
+              <a:rPr lang="nl-NL" dirty="0">
+                <a:cs typeface="Arial" panose="020B0604020202020204" pitchFamily="34" charset="0"/>
+              </a:rPr>
+              <a:t> = 0;</a:t>
+            </a:r>
+          </a:p>
+          <a:p>
+            <a:r>
+              <a:rPr lang="nl-NL" dirty="0" err="1">
+                <a:cs typeface="Arial" panose="020B0604020202020204" pitchFamily="34" charset="0"/>
+              </a:rPr>
+              <a:t>System.out.println</a:t>
+            </a:r>
+            <a:r>
+              <a:rPr lang="nl-NL" dirty="0">
+                <a:cs typeface="Arial" panose="020B0604020202020204" pitchFamily="34" charset="0"/>
+              </a:rPr>
+              <a:t>(</a:t>
+            </a:r>
+            <a:r>
+              <a:rPr lang="nl-NL" dirty="0" err="1">
+                <a:cs typeface="Arial" panose="020B0604020202020204" pitchFamily="34" charset="0"/>
+              </a:rPr>
+              <a:t>sum</a:t>
+            </a:r>
+            <a:r>
+              <a:rPr lang="nl-NL" dirty="0">
+                <a:cs typeface="Arial" panose="020B0604020202020204" pitchFamily="34" charset="0"/>
+              </a:rPr>
+              <a:t>++);		output:   0</a:t>
+            </a:r>
+          </a:p>
+          <a:p>
+            <a:endParaRPr lang="nl-NL" dirty="0">
+              <a:cs typeface="Arial" panose="020B0604020202020204" pitchFamily="34" charset="0"/>
+            </a:endParaRPr>
+          </a:p>
+          <a:p>
+            <a:r>
+              <a:rPr lang="nl-NL" dirty="0">
+                <a:cs typeface="Arial" panose="020B0604020202020204" pitchFamily="34" charset="0"/>
+              </a:rPr>
+              <a:t>int </a:t>
+            </a:r>
+            <a:r>
+              <a:rPr lang="nl-NL" dirty="0" err="1">
+                <a:cs typeface="Arial" panose="020B0604020202020204" pitchFamily="34" charset="0"/>
+              </a:rPr>
+              <a:t>sum</a:t>
+            </a:r>
+            <a:r>
+              <a:rPr lang="nl-NL" dirty="0">
+                <a:cs typeface="Arial" panose="020B0604020202020204" pitchFamily="34" charset="0"/>
+              </a:rPr>
+              <a:t> = 0;</a:t>
+            </a:r>
+          </a:p>
+          <a:p>
+            <a:r>
+              <a:rPr lang="nl-NL" dirty="0" err="1">
+                <a:cs typeface="Arial" panose="020B0604020202020204" pitchFamily="34" charset="0"/>
+              </a:rPr>
+              <a:t>System.out.println</a:t>
+            </a:r>
+            <a:r>
+              <a:rPr lang="nl-NL" dirty="0">
+                <a:cs typeface="Arial" panose="020B0604020202020204" pitchFamily="34" charset="0"/>
+              </a:rPr>
+              <a:t>(++</a:t>
+            </a:r>
+            <a:r>
+              <a:rPr lang="nl-NL" dirty="0" err="1">
+                <a:cs typeface="Arial" panose="020B0604020202020204" pitchFamily="34" charset="0"/>
+              </a:rPr>
+              <a:t>sum</a:t>
+            </a:r>
+            <a:r>
+              <a:rPr lang="nl-NL" dirty="0">
+                <a:cs typeface="Arial" panose="020B0604020202020204" pitchFamily="34" charset="0"/>
+              </a:rPr>
+              <a:t>);		output:   1</a:t>
+            </a:r>
+          </a:p>
+        </p:txBody>
+      </p:sp>
+    </p:spTree>
+    <p:extLst>
+      <p:ext uri="{BB962C8B-B14F-4D97-AF65-F5344CB8AC3E}">
+        <p14:creationId xmlns:p14="http://schemas.microsoft.com/office/powerpoint/2010/main" val="4103852272"/>
+      </p:ext>
+    </p:extLst>
+  </p:cSld>
+  <p:clrMapOvr>
+    <a:masterClrMapping/>
+  </p:clrMapOvr>
+  <p:timing>
+    <p:tnLst>
+      <p:par>
+        <p:cTn id="1" dur="indefinite" restart="never" nodeType="tmRoot">
+          <p:childTnLst>
+            <p:seq concurrent="1" nextAc="seek">
+              <p:cTn id="2" dur="indefinite" nodeType="mainSeq">
+                <p:childTnLst>
+                  <p:par>
+                    <p:cTn id="3" fill="hold">
+                      <p:stCondLst>
+                        <p:cond delay="indefinite"/>
+                      </p:stCondLst>
+                      <p:childTnLst>
+                        <p:par>
+                          <p:cTn id="4" fill="hold">
+                            <p:stCondLst>
+                              <p:cond delay="0"/>
+                            </p:stCondLst>
+                            <p:childTnLst>
+                              <p:par>
+                                <p:cTn id="5" presetID="1" presetClass="entr" presetSubtype="0" fill="hold" grpId="0" nodeType="clickEffect">
+                                  <p:stCondLst>
+                                    <p:cond delay="0"/>
+                                  </p:stCondLst>
+                                  <p:childTnLst>
+                                    <p:set>
+                                      <p:cBhvr>
+                                        <p:cTn id="6" dur="1" fill="hold">
+                                          <p:stCondLst>
+                                            <p:cond delay="0"/>
+                                          </p:stCondLst>
+                                        </p:cTn>
+                                        <p:tgtEl>
+                                          <p:spTgt spid="7"/>
+                                        </p:tgtEl>
+                                        <p:attrNameLst>
+                                          <p:attrName>style.visibility</p:attrName>
+                                        </p:attrNameLst>
+                                      </p:cBhvr>
+                                      <p:to>
+                                        <p:strVal val="visible"/>
+                                      </p:to>
+                                    </p:set>
+                                  </p:childTnLst>
+                                </p:cTn>
+                              </p:par>
+                            </p:childTnLst>
+                          </p:cTn>
+                        </p:par>
+                      </p:childTnLst>
+                    </p:cTn>
+                  </p:par>
+                </p:childTnLst>
+              </p:cTn>
+              <p:prevCondLst>
+                <p:cond evt="onPrev" delay="0">
+                  <p:tgtEl>
+                    <p:sldTgt/>
+                  </p:tgtEl>
+                </p:cond>
+              </p:prevCondLst>
+              <p:nextCondLst>
+                <p:cond evt="onNext" delay="0">
+                  <p:tgtEl>
+                    <p:sldTgt/>
+                  </p:tgtEl>
+                </p:cond>
+              </p:nextCondLst>
+            </p:seq>
+          </p:childTnLst>
+        </p:cTn>
+      </p:par>
+    </p:tnLst>
+    <p:bldLst>
+      <p:bldP spid="7" grpId="0"/>
+    </p:bldLst>
+  </p:timing>
+</p:sld>
+</file>
+
+<file path=ppt/slides/slide31.xml><?xml version="1.0" encoding="utf-8"?>
+<p:sld xmlns:a="http://schemas.openxmlformats.org/drawingml/2006/main" xmlns:r="http://schemas.openxmlformats.org/officeDocument/2006/relationships" xmlns:p="http://schemas.openxmlformats.org/presentationml/2006/main">
+  <p:cSld>
+    <p:spTree>
+      <p:nvGrpSpPr>
+        <p:cNvPr id="1" name=""/>
+        <p:cNvGrpSpPr/>
+        <p:nvPr/>
+      </p:nvGrpSpPr>
+      <p:grpSpPr>
+        <a:xfrm>
+          <a:off x="0" y="0"/>
+          <a:ext cx="0" cy="0"/>
+          <a:chOff x="0" y="0"/>
+          <a:chExt cx="0" cy="0"/>
+        </a:xfrm>
+      </p:grpSpPr>
+      <p:sp>
+        <p:nvSpPr>
+          <p:cNvPr id="4" name="Tijdelijke aanduiding voor dianummer 3">
+            <a:extLst>
+              <a:ext uri="{FF2B5EF4-FFF2-40B4-BE49-F238E27FC236}">
+                <a16:creationId xmlns:a16="http://schemas.microsoft.com/office/drawing/2014/main" id="{3A5772F8-4CF1-C845-9BC1-EA3B74DF606F}"/>
+              </a:ext>
+            </a:extLst>
+          </p:cNvPr>
+          <p:cNvSpPr>
+            <a:spLocks noGrp="1"/>
+          </p:cNvSpPr>
+          <p:nvPr>
+            <p:ph type="sldNum" sz="quarter" idx="12"/>
+          </p:nvPr>
+        </p:nvSpPr>
+        <p:spPr/>
+        <p:txBody>
+          <a:bodyPr/>
+          <a:lstStyle/>
+          <a:p>
+            <a:fld id="{49F81993-47B1-3743-8AA2-20AB26FB445E}" type="slidenum">
+              <a:rPr lang="nl-NL" smtClean="0"/>
+              <a:t>31</a:t>
+            </a:fld>
+            <a:endParaRPr lang="nl-NL"/>
+          </a:p>
+        </p:txBody>
+      </p:sp>
+      <p:pic>
+        <p:nvPicPr>
+          <p:cNvPr id="6" name="Picture 1">
+            <a:extLst>
+              <a:ext uri="{FF2B5EF4-FFF2-40B4-BE49-F238E27FC236}">
+                <a16:creationId xmlns:a16="http://schemas.microsoft.com/office/drawing/2014/main" id="{D06E817C-76DD-0F44-ADB0-7048E1EBF455}"/>
+              </a:ext>
+            </a:extLst>
+          </p:cNvPr>
+          <p:cNvPicPr/>
+          <p:nvPr/>
+        </p:nvPicPr>
+        <p:blipFill>
+          <a:blip r:embed="rId2">
+            <a:extLst>
+              <a:ext uri="{28A0092B-C50C-407E-A947-70E740481C1C}">
+                <a14:useLocalDpi xmlns:a14="http://schemas.microsoft.com/office/drawing/2010/main" val="0"/>
+              </a:ext>
+            </a:extLst>
+          </a:blip>
+          <a:stretch>
+            <a:fillRect/>
+          </a:stretch>
+        </p:blipFill>
+        <p:spPr>
+          <a:xfrm>
+            <a:off x="160255" y="509048"/>
+            <a:ext cx="1912095" cy="456054"/>
+          </a:xfrm>
+          <a:prstGeom prst="rect">
+            <a:avLst/>
+          </a:prstGeom>
+        </p:spPr>
+      </p:pic>
+      <p:sp>
+        <p:nvSpPr>
+          <p:cNvPr id="2" name="TextBox 1">
+            <a:extLst>
+              <a:ext uri="{FF2B5EF4-FFF2-40B4-BE49-F238E27FC236}">
+                <a16:creationId xmlns:a16="http://schemas.microsoft.com/office/drawing/2014/main" id="{95EAFD46-64F1-4840-B77E-76816183096E}"/>
+              </a:ext>
+            </a:extLst>
+          </p:cNvPr>
+          <p:cNvSpPr txBox="1"/>
+          <p:nvPr/>
+        </p:nvSpPr>
+        <p:spPr>
+          <a:xfrm>
+            <a:off x="6780944" y="595901"/>
+            <a:ext cx="3826689" cy="369332"/>
+          </a:xfrm>
+          <a:prstGeom prst="rect">
+            <a:avLst/>
+          </a:prstGeom>
+          <a:noFill/>
+        </p:spPr>
+        <p:txBody>
+          <a:bodyPr wrap="none" rtlCol="0">
+            <a:spAutoFit/>
+          </a:bodyPr>
+          <a:lstStyle/>
+          <a:p>
+            <a:r>
+              <a:rPr lang="en-US" b="1" dirty="0"/>
+              <a:t>1. OVERVIEW JAVA – OPERATORS</a:t>
+            </a:r>
+          </a:p>
+        </p:txBody>
+      </p:sp>
+      <p:sp>
+        <p:nvSpPr>
+          <p:cNvPr id="8" name="Tekstvak 6">
+            <a:extLst>
+              <a:ext uri="{FF2B5EF4-FFF2-40B4-BE49-F238E27FC236}">
+                <a16:creationId xmlns:a16="http://schemas.microsoft.com/office/drawing/2014/main" id="{A97BDFA1-1198-214C-9E40-EFC2B55537B4}"/>
+              </a:ext>
+            </a:extLst>
+          </p:cNvPr>
+          <p:cNvSpPr txBox="1"/>
+          <p:nvPr/>
+        </p:nvSpPr>
+        <p:spPr>
+          <a:xfrm>
+            <a:off x="580434" y="1423959"/>
+            <a:ext cx="10628671" cy="369332"/>
+          </a:xfrm>
+          <a:prstGeom prst="rect">
+            <a:avLst/>
+          </a:prstGeom>
+          <a:noFill/>
+        </p:spPr>
+        <p:txBody>
+          <a:bodyPr wrap="square" rtlCol="0">
+            <a:spAutoFit/>
+          </a:bodyPr>
+          <a:lstStyle/>
+          <a:p>
+            <a:r>
+              <a:rPr lang="nl-NL" dirty="0">
+                <a:cs typeface="Arial" panose="020B0604020202020204" pitchFamily="34" charset="0"/>
+              </a:rPr>
+              <a:t>“</a:t>
+            </a:r>
+            <a:r>
+              <a:rPr lang="nl-NL" dirty="0" err="1">
+                <a:cs typeface="Arial" panose="020B0604020202020204" pitchFamily="34" charset="0"/>
+              </a:rPr>
+              <a:t>binary</a:t>
+            </a:r>
+            <a:r>
+              <a:rPr lang="nl-NL" dirty="0">
+                <a:cs typeface="Arial" panose="020B0604020202020204" pitchFamily="34" charset="0"/>
+              </a:rPr>
+              <a:t>”</a:t>
+            </a:r>
+          </a:p>
+        </p:txBody>
+      </p:sp>
+      <p:sp>
+        <p:nvSpPr>
+          <p:cNvPr id="7" name="Tekstvak 6">
+            <a:extLst>
+              <a:ext uri="{FF2B5EF4-FFF2-40B4-BE49-F238E27FC236}">
+                <a16:creationId xmlns:a16="http://schemas.microsoft.com/office/drawing/2014/main" id="{1DE823A0-848D-3145-BF90-6ED891BCB652}"/>
+              </a:ext>
+            </a:extLst>
+          </p:cNvPr>
+          <p:cNvSpPr txBox="1"/>
+          <p:nvPr/>
+        </p:nvSpPr>
+        <p:spPr>
+          <a:xfrm>
+            <a:off x="677210" y="1984730"/>
+            <a:ext cx="10628671" cy="646331"/>
+          </a:xfrm>
+          <a:prstGeom prst="rect">
+            <a:avLst/>
+          </a:prstGeom>
+          <a:noFill/>
+        </p:spPr>
+        <p:txBody>
+          <a:bodyPr wrap="square" rtlCol="0">
+            <a:spAutoFit/>
+          </a:bodyPr>
+          <a:lstStyle/>
+          <a:p>
+            <a:r>
+              <a:rPr lang="nl-NL" dirty="0" err="1">
+                <a:cs typeface="Arial" panose="020B0604020202020204" pitchFamily="34" charset="0"/>
+              </a:rPr>
+              <a:t>Example</a:t>
+            </a:r>
+            <a:r>
+              <a:rPr lang="nl-NL" dirty="0">
+                <a:cs typeface="Arial" panose="020B0604020202020204" pitchFamily="34" charset="0"/>
+              </a:rPr>
+              <a:t>:</a:t>
+            </a:r>
+          </a:p>
+          <a:p>
+            <a:r>
+              <a:rPr lang="nl-NL" dirty="0">
+                <a:cs typeface="Arial" panose="020B0604020202020204" pitchFamily="34" charset="0"/>
+              </a:rPr>
+              <a:t>10 + 15</a:t>
+            </a:r>
+          </a:p>
+        </p:txBody>
+      </p:sp>
+    </p:spTree>
+    <p:extLst>
+      <p:ext uri="{BB962C8B-B14F-4D97-AF65-F5344CB8AC3E}">
+        <p14:creationId xmlns:p14="http://schemas.microsoft.com/office/powerpoint/2010/main" val="2262292008"/>
+      </p:ext>
+    </p:extLst>
+  </p:cSld>
+  <p:clrMapOvr>
+    <a:masterClrMapping/>
+  </p:clrMapOvr>
+  <p:timing>
+    <p:tnLst>
+      <p:par>
+        <p:cTn id="1" dur="indefinite" restart="never" nodeType="tmRoot">
+          <p:childTnLst>
+            <p:seq concurrent="1" nextAc="seek">
+              <p:cTn id="2" dur="indefinite" nodeType="mainSeq">
+                <p:childTnLst>
+                  <p:par>
+                    <p:cTn id="3" fill="hold">
+                      <p:stCondLst>
+                        <p:cond delay="indefinite"/>
+                      </p:stCondLst>
+                      <p:childTnLst>
+                        <p:par>
+                          <p:cTn id="4" fill="hold">
+                            <p:stCondLst>
+                              <p:cond delay="0"/>
+                            </p:stCondLst>
+                            <p:childTnLst>
+                              <p:par>
+                                <p:cTn id="5" presetID="1" presetClass="entr" presetSubtype="0" fill="hold" grpId="0" nodeType="clickEffect">
+                                  <p:stCondLst>
+                                    <p:cond delay="0"/>
+                                  </p:stCondLst>
+                                  <p:childTnLst>
+                                    <p:set>
+                                      <p:cBhvr>
+                                        <p:cTn id="6" dur="1" fill="hold">
+                                          <p:stCondLst>
+                                            <p:cond delay="0"/>
+                                          </p:stCondLst>
+                                        </p:cTn>
+                                        <p:tgtEl>
+                                          <p:spTgt spid="7"/>
+                                        </p:tgtEl>
+                                        <p:attrNameLst>
+                                          <p:attrName>style.visibility</p:attrName>
+                                        </p:attrNameLst>
+                                      </p:cBhvr>
+                                      <p:to>
+                                        <p:strVal val="visible"/>
+                                      </p:to>
+                                    </p:set>
+                                  </p:childTnLst>
+                                </p:cTn>
+                              </p:par>
+                            </p:childTnLst>
+                          </p:cTn>
+                        </p:par>
+                      </p:childTnLst>
+                    </p:cTn>
+                  </p:par>
+                </p:childTnLst>
+              </p:cTn>
+              <p:prevCondLst>
+                <p:cond evt="onPrev" delay="0">
+                  <p:tgtEl>
+                    <p:sldTgt/>
+                  </p:tgtEl>
+                </p:cond>
+              </p:prevCondLst>
+              <p:nextCondLst>
+                <p:cond evt="onNext" delay="0">
+                  <p:tgtEl>
+                    <p:sldTgt/>
+                  </p:tgtEl>
+                </p:cond>
+              </p:nextCondLst>
+            </p:seq>
+          </p:childTnLst>
+        </p:cTn>
+      </p:par>
+    </p:tnLst>
+    <p:bldLst>
+      <p:bldP spid="7" grpId="0"/>
+    </p:bldLst>
+  </p:timing>
+</p:sld>
+</file>
+
+<file path=ppt/slides/slide32.xml><?xml version="1.0" encoding="utf-8"?>
+<p:sld xmlns:a="http://schemas.openxmlformats.org/drawingml/2006/main" xmlns:r="http://schemas.openxmlformats.org/officeDocument/2006/relationships" xmlns:p="http://schemas.openxmlformats.org/presentationml/2006/main">
+  <p:cSld>
+    <p:spTree>
+      <p:nvGrpSpPr>
+        <p:cNvPr id="1" name=""/>
+        <p:cNvGrpSpPr/>
+        <p:nvPr/>
+      </p:nvGrpSpPr>
+      <p:grpSpPr>
+        <a:xfrm>
+          <a:off x="0" y="0"/>
+          <a:ext cx="0" cy="0"/>
+          <a:chOff x="0" y="0"/>
+          <a:chExt cx="0" cy="0"/>
+        </a:xfrm>
+      </p:grpSpPr>
+      <p:sp>
+        <p:nvSpPr>
+          <p:cNvPr id="4" name="Tijdelijke aanduiding voor dianummer 3">
+            <a:extLst>
+              <a:ext uri="{FF2B5EF4-FFF2-40B4-BE49-F238E27FC236}">
+                <a16:creationId xmlns:a16="http://schemas.microsoft.com/office/drawing/2014/main" id="{3A5772F8-4CF1-C845-9BC1-EA3B74DF606F}"/>
+              </a:ext>
+            </a:extLst>
+          </p:cNvPr>
+          <p:cNvSpPr>
+            <a:spLocks noGrp="1"/>
+          </p:cNvSpPr>
+          <p:nvPr>
+            <p:ph type="sldNum" sz="quarter" idx="12"/>
+          </p:nvPr>
+        </p:nvSpPr>
+        <p:spPr/>
+        <p:txBody>
+          <a:bodyPr/>
+          <a:lstStyle/>
+          <a:p>
+            <a:fld id="{49F81993-47B1-3743-8AA2-20AB26FB445E}" type="slidenum">
+              <a:rPr lang="nl-NL" smtClean="0"/>
+              <a:t>32</a:t>
+            </a:fld>
+            <a:endParaRPr lang="nl-NL"/>
+          </a:p>
+        </p:txBody>
+      </p:sp>
+      <p:pic>
+        <p:nvPicPr>
+          <p:cNvPr id="6" name="Picture 1">
+            <a:extLst>
+              <a:ext uri="{FF2B5EF4-FFF2-40B4-BE49-F238E27FC236}">
+                <a16:creationId xmlns:a16="http://schemas.microsoft.com/office/drawing/2014/main" id="{D06E817C-76DD-0F44-ADB0-7048E1EBF455}"/>
+              </a:ext>
+            </a:extLst>
+          </p:cNvPr>
+          <p:cNvPicPr/>
+          <p:nvPr/>
+        </p:nvPicPr>
+        <p:blipFill>
+          <a:blip r:embed="rId2">
+            <a:extLst>
+              <a:ext uri="{28A0092B-C50C-407E-A947-70E740481C1C}">
+                <a14:useLocalDpi xmlns:a14="http://schemas.microsoft.com/office/drawing/2010/main" val="0"/>
+              </a:ext>
+            </a:extLst>
+          </a:blip>
+          <a:stretch>
+            <a:fillRect/>
+          </a:stretch>
+        </p:blipFill>
+        <p:spPr>
+          <a:xfrm>
+            <a:off x="160255" y="509048"/>
+            <a:ext cx="1912095" cy="456054"/>
+          </a:xfrm>
+          <a:prstGeom prst="rect">
+            <a:avLst/>
+          </a:prstGeom>
+        </p:spPr>
+      </p:pic>
+      <p:sp>
+        <p:nvSpPr>
+          <p:cNvPr id="2" name="TextBox 1">
+            <a:extLst>
+              <a:ext uri="{FF2B5EF4-FFF2-40B4-BE49-F238E27FC236}">
+                <a16:creationId xmlns:a16="http://schemas.microsoft.com/office/drawing/2014/main" id="{95EAFD46-64F1-4840-B77E-76816183096E}"/>
+              </a:ext>
+            </a:extLst>
+          </p:cNvPr>
+          <p:cNvSpPr txBox="1"/>
+          <p:nvPr/>
+        </p:nvSpPr>
+        <p:spPr>
+          <a:xfrm>
+            <a:off x="6780944" y="595901"/>
+            <a:ext cx="3826689" cy="369332"/>
+          </a:xfrm>
+          <a:prstGeom prst="rect">
+            <a:avLst/>
+          </a:prstGeom>
+          <a:noFill/>
+        </p:spPr>
+        <p:txBody>
+          <a:bodyPr wrap="none" rtlCol="0">
+            <a:spAutoFit/>
+          </a:bodyPr>
+          <a:lstStyle/>
+          <a:p>
+            <a:r>
+              <a:rPr lang="en-US" b="1" dirty="0"/>
+              <a:t>1. OVERVIEW JAVA – OPERATORS</a:t>
+            </a:r>
+          </a:p>
+        </p:txBody>
+      </p:sp>
+      <p:sp>
+        <p:nvSpPr>
+          <p:cNvPr id="8" name="Tekstvak 6">
+            <a:extLst>
+              <a:ext uri="{FF2B5EF4-FFF2-40B4-BE49-F238E27FC236}">
+                <a16:creationId xmlns:a16="http://schemas.microsoft.com/office/drawing/2014/main" id="{A97BDFA1-1198-214C-9E40-EFC2B55537B4}"/>
+              </a:ext>
+            </a:extLst>
+          </p:cNvPr>
+          <p:cNvSpPr txBox="1"/>
+          <p:nvPr/>
+        </p:nvSpPr>
+        <p:spPr>
+          <a:xfrm>
+            <a:off x="580434" y="1423959"/>
+            <a:ext cx="10628671" cy="369332"/>
+          </a:xfrm>
+          <a:prstGeom prst="rect">
+            <a:avLst/>
+          </a:prstGeom>
+          <a:noFill/>
+        </p:spPr>
+        <p:txBody>
+          <a:bodyPr wrap="square" rtlCol="0">
+            <a:spAutoFit/>
+          </a:bodyPr>
+          <a:lstStyle/>
+          <a:p>
+            <a:r>
+              <a:rPr lang="nl-NL" dirty="0">
+                <a:cs typeface="Arial" panose="020B0604020202020204" pitchFamily="34" charset="0"/>
+              </a:rPr>
+              <a:t>“</a:t>
+            </a:r>
+            <a:r>
+              <a:rPr lang="nl-NL" dirty="0" err="1">
+                <a:cs typeface="Arial" panose="020B0604020202020204" pitchFamily="34" charset="0"/>
+              </a:rPr>
+              <a:t>ternary</a:t>
+            </a:r>
+            <a:r>
+              <a:rPr lang="nl-NL" dirty="0">
+                <a:cs typeface="Arial" panose="020B0604020202020204" pitchFamily="34" charset="0"/>
+              </a:rPr>
+              <a:t>”</a:t>
+            </a:r>
+          </a:p>
+        </p:txBody>
+      </p:sp>
+      <p:sp>
+        <p:nvSpPr>
+          <p:cNvPr id="7" name="Tekstvak 6">
+            <a:extLst>
+              <a:ext uri="{FF2B5EF4-FFF2-40B4-BE49-F238E27FC236}">
+                <a16:creationId xmlns:a16="http://schemas.microsoft.com/office/drawing/2014/main" id="{1DE823A0-848D-3145-BF90-6ED891BCB652}"/>
+              </a:ext>
+            </a:extLst>
+          </p:cNvPr>
+          <p:cNvSpPr txBox="1"/>
+          <p:nvPr/>
+        </p:nvSpPr>
+        <p:spPr>
+          <a:xfrm>
+            <a:off x="677210" y="1984730"/>
+            <a:ext cx="10628671" cy="646331"/>
+          </a:xfrm>
+          <a:prstGeom prst="rect">
+            <a:avLst/>
+          </a:prstGeom>
+          <a:noFill/>
+        </p:spPr>
+        <p:txBody>
+          <a:bodyPr wrap="square" rtlCol="0">
+            <a:spAutoFit/>
+          </a:bodyPr>
+          <a:lstStyle/>
+          <a:p>
+            <a:r>
+              <a:rPr lang="nl-NL" dirty="0" err="1">
+                <a:cs typeface="Arial" panose="020B0604020202020204" pitchFamily="34" charset="0"/>
+              </a:rPr>
+              <a:t>Example</a:t>
+            </a:r>
+            <a:r>
+              <a:rPr lang="nl-NL" dirty="0">
+                <a:cs typeface="Arial" panose="020B0604020202020204" pitchFamily="34" charset="0"/>
+              </a:rPr>
+              <a:t>:</a:t>
+            </a:r>
+          </a:p>
+          <a:p>
+            <a:r>
+              <a:rPr lang="nl-NL" dirty="0" err="1">
+                <a:cs typeface="Arial" panose="020B0604020202020204" pitchFamily="34" charset="0"/>
+              </a:rPr>
+              <a:t>isSunday</a:t>
+            </a:r>
+            <a:r>
+              <a:rPr lang="nl-NL" dirty="0">
+                <a:cs typeface="Arial" panose="020B0604020202020204" pitchFamily="34" charset="0"/>
+              </a:rPr>
+              <a:t> ? Holiday : </a:t>
+            </a:r>
+            <a:r>
+              <a:rPr lang="nl-NL" dirty="0" err="1">
+                <a:cs typeface="Arial" panose="020B0604020202020204" pitchFamily="34" charset="0"/>
+              </a:rPr>
+              <a:t>noHoliday</a:t>
+            </a:r>
+            <a:endParaRPr lang="nl-NL" dirty="0">
+              <a:cs typeface="Arial" panose="020B0604020202020204" pitchFamily="34" charset="0"/>
+            </a:endParaRPr>
+          </a:p>
+        </p:txBody>
+      </p:sp>
+      <p:grpSp>
+        <p:nvGrpSpPr>
+          <p:cNvPr id="5" name="Group 4">
+            <a:extLst>
+              <a:ext uri="{FF2B5EF4-FFF2-40B4-BE49-F238E27FC236}">
+                <a16:creationId xmlns:a16="http://schemas.microsoft.com/office/drawing/2014/main" id="{CAF97180-13FC-644A-B324-5D0DAAA3EF57}"/>
+              </a:ext>
+            </a:extLst>
+          </p:cNvPr>
+          <p:cNvGrpSpPr/>
+          <p:nvPr/>
+        </p:nvGrpSpPr>
+        <p:grpSpPr>
+          <a:xfrm>
+            <a:off x="567130" y="2901346"/>
+            <a:ext cx="10628671" cy="2057790"/>
+            <a:chOff x="567130" y="2901346"/>
+            <a:chExt cx="10628671" cy="2057790"/>
+          </a:xfrm>
+        </p:grpSpPr>
+        <p:pic>
+          <p:nvPicPr>
+            <p:cNvPr id="3" name="Picture 2">
+              <a:extLst>
+                <a:ext uri="{FF2B5EF4-FFF2-40B4-BE49-F238E27FC236}">
+                  <a16:creationId xmlns:a16="http://schemas.microsoft.com/office/drawing/2014/main" id="{DBA3C354-B13C-924F-8543-31562ABBCBB4}"/>
+                </a:ext>
+              </a:extLst>
+            </p:cNvPr>
+            <p:cNvPicPr>
+              <a:picLocks noChangeAspect="1"/>
+            </p:cNvPicPr>
+            <p:nvPr/>
+          </p:nvPicPr>
+          <p:blipFill>
+            <a:blip r:embed="rId3"/>
+            <a:stretch>
+              <a:fillRect/>
+            </a:stretch>
+          </p:blipFill>
+          <p:spPr>
+            <a:xfrm>
+              <a:off x="2689974" y="3460536"/>
+              <a:ext cx="1346200" cy="1498600"/>
+            </a:xfrm>
+            <a:prstGeom prst="rect">
+              <a:avLst/>
+            </a:prstGeom>
+          </p:spPr>
+        </p:pic>
+        <p:sp>
+          <p:nvSpPr>
+            <p:cNvPr id="9" name="Tekstvak 6">
+              <a:extLst>
+                <a:ext uri="{FF2B5EF4-FFF2-40B4-BE49-F238E27FC236}">
+                  <a16:creationId xmlns:a16="http://schemas.microsoft.com/office/drawing/2014/main" id="{0F319B3A-1276-214C-A5FA-1F4AE1EF908F}"/>
+                </a:ext>
+              </a:extLst>
+            </p:cNvPr>
+            <p:cNvSpPr txBox="1"/>
+            <p:nvPr/>
+          </p:nvSpPr>
+          <p:spPr>
+            <a:xfrm>
+              <a:off x="567130" y="2901346"/>
+              <a:ext cx="10628671" cy="369332"/>
+            </a:xfrm>
+            <a:prstGeom prst="rect">
+              <a:avLst/>
+            </a:prstGeom>
+            <a:noFill/>
+          </p:spPr>
+          <p:txBody>
+            <a:bodyPr wrap="square" rtlCol="0">
+              <a:spAutoFit/>
+            </a:bodyPr>
+            <a:lstStyle/>
+            <a:p>
+              <a:r>
+                <a:rPr lang="nl-NL" dirty="0" err="1">
+                  <a:cs typeface="Arial" panose="020B0604020202020204" pitchFamily="34" charset="0"/>
+                </a:rPr>
+                <a:t>Also</a:t>
+              </a:r>
+              <a:r>
+                <a:rPr lang="nl-NL" dirty="0">
+                  <a:cs typeface="Arial" panose="020B0604020202020204" pitchFamily="34" charset="0"/>
+                </a:rPr>
+                <a:t> </a:t>
+              </a:r>
+              <a:r>
+                <a:rPr lang="nl-NL" dirty="0" err="1">
+                  <a:cs typeface="Arial" panose="020B0604020202020204" pitchFamily="34" charset="0"/>
+                </a:rPr>
+                <a:t>called</a:t>
+              </a:r>
+              <a:r>
+                <a:rPr lang="nl-NL" dirty="0">
+                  <a:cs typeface="Arial" panose="020B0604020202020204" pitchFamily="34" charset="0"/>
+                </a:rPr>
+                <a:t> Elvis operator:</a:t>
+              </a:r>
+            </a:p>
+          </p:txBody>
+        </p:sp>
+      </p:grpSp>
+    </p:spTree>
+    <p:extLst>
+      <p:ext uri="{BB962C8B-B14F-4D97-AF65-F5344CB8AC3E}">
+        <p14:creationId xmlns:p14="http://schemas.microsoft.com/office/powerpoint/2010/main" val="1658793342"/>
+      </p:ext>
+    </p:extLst>
+  </p:cSld>
+  <p:clrMapOvr>
+    <a:masterClrMapping/>
+  </p:clrMapOvr>
+  <p:timing>
+    <p:tnLst>
+      <p:par>
+        <p:cTn id="1" dur="indefinite" restart="never" nodeType="tmRoot">
+          <p:childTnLst>
+            <p:seq concurrent="1" nextAc="seek">
+              <p:cTn id="2" dur="indefinite" nodeType="mainSeq">
+                <p:childTnLst>
+                  <p:par>
+                    <p:cTn id="3" fill="hold">
+                      <p:stCondLst>
+                        <p:cond delay="indefinite"/>
+                      </p:stCondLst>
+                      <p:childTnLst>
+                        <p:par>
+                          <p:cTn id="4" fill="hold">
+                            <p:stCondLst>
+                              <p:cond delay="0"/>
+                            </p:stCondLst>
+                            <p:childTnLst>
+                              <p:par>
+                                <p:cTn id="5" presetID="1" presetClass="entr" presetSubtype="0" fill="hold" grpId="0" nodeType="clickEffect">
+                                  <p:stCondLst>
+                                    <p:cond delay="0"/>
+                                  </p:stCondLst>
+                                  <p:childTnLst>
+                                    <p:set>
+                                      <p:cBhvr>
+                                        <p:cTn id="6" dur="1" fill="hold">
+                                          <p:stCondLst>
+                                            <p:cond delay="0"/>
+                                          </p:stCondLst>
+                                        </p:cTn>
+                                        <p:tgtEl>
+                                          <p:spTgt spid="7"/>
+                                        </p:tgtEl>
+                                        <p:attrNameLst>
+                                          <p:attrName>style.visibility</p:attrName>
+                                        </p:attrNameLst>
+                                      </p:cBhvr>
+                                      <p:to>
+                                        <p:strVal val="visible"/>
+                                      </p:to>
+                                    </p:set>
+                                  </p:childTnLst>
+                                </p:cTn>
+                              </p:par>
+                            </p:childTnLst>
+                          </p:cTn>
+                        </p:par>
+                      </p:childTnLst>
+                    </p:cTn>
+                  </p:par>
+                  <p:par>
+                    <p:cTn id="7" fill="hold">
+                      <p:stCondLst>
+                        <p:cond delay="indefinite"/>
+                      </p:stCondLst>
+                      <p:childTnLst>
+                        <p:par>
+                          <p:cTn id="8" fill="hold">
+                            <p:stCondLst>
+                              <p:cond delay="0"/>
+                            </p:stCondLst>
+                            <p:childTnLst>
+                              <p:par>
+                                <p:cTn id="9" presetID="1" presetClass="entr" presetSubtype="0" fill="hold" nodeType="clickEffect">
+                                  <p:stCondLst>
+                                    <p:cond delay="0"/>
+                                  </p:stCondLst>
+                                  <p:childTnLst>
+                                    <p:set>
+                                      <p:cBhvr>
+                                        <p:cTn id="10" dur="1" fill="hold">
+                                          <p:stCondLst>
+                                            <p:cond delay="0"/>
+                                          </p:stCondLst>
+                                        </p:cTn>
+                                        <p:tgtEl>
+                                          <p:spTgt spid="5"/>
+                                        </p:tgtEl>
+                                        <p:attrNameLst>
+                                          <p:attrName>style.visibility</p:attrName>
+                                        </p:attrNameLst>
+                                      </p:cBhvr>
+                                      <p:to>
+                                        <p:strVal val="visible"/>
+                                      </p:to>
+                                    </p:set>
+                                  </p:childTnLst>
+                                </p:cTn>
+                              </p:par>
+                            </p:childTnLst>
+                          </p:cTn>
+                        </p:par>
+                      </p:childTnLst>
+                    </p:cTn>
+                  </p:par>
+                </p:childTnLst>
+              </p:cTn>
+              <p:prevCondLst>
+                <p:cond evt="onPrev" delay="0">
+                  <p:tgtEl>
+                    <p:sldTgt/>
+                  </p:tgtEl>
+                </p:cond>
+              </p:prevCondLst>
+              <p:nextCondLst>
+                <p:cond evt="onNext" delay="0">
+                  <p:tgtEl>
+                    <p:sldTgt/>
+                  </p:tgtEl>
+                </p:cond>
+              </p:nextCondLst>
+            </p:seq>
+          </p:childTnLst>
+        </p:cTn>
+      </p:par>
+    </p:tnLst>
+    <p:bldLst>
+      <p:bldP spid="7" grpId="0"/>
+    </p:bldLst>
+  </p:timing>
+</p:sld>
+</file>
+
+<file path=ppt/slides/slide33.xml><?xml version="1.0" encoding="utf-8"?>
+<p:sld xmlns:a="http://schemas.openxmlformats.org/drawingml/2006/main" xmlns:r="http://schemas.openxmlformats.org/officeDocument/2006/relationships" xmlns:p="http://schemas.openxmlformats.org/presentationml/2006/main">
+  <p:cSld>
+    <p:spTree>
+      <p:nvGrpSpPr>
+        <p:cNvPr id="1" name=""/>
+        <p:cNvGrpSpPr/>
+        <p:nvPr/>
+      </p:nvGrpSpPr>
+      <p:grpSpPr>
+        <a:xfrm>
+          <a:off x="0" y="0"/>
+          <a:ext cx="0" cy="0"/>
+          <a:chOff x="0" y="0"/>
+          <a:chExt cx="0" cy="0"/>
+        </a:xfrm>
+      </p:grpSpPr>
+      <p:sp>
+        <p:nvSpPr>
+          <p:cNvPr id="4" name="Tijdelijke aanduiding voor dianummer 3">
+            <a:extLst>
+              <a:ext uri="{FF2B5EF4-FFF2-40B4-BE49-F238E27FC236}">
+                <a16:creationId xmlns:a16="http://schemas.microsoft.com/office/drawing/2014/main" id="{3A5772F8-4CF1-C845-9BC1-EA3B74DF606F}"/>
+              </a:ext>
+            </a:extLst>
+          </p:cNvPr>
+          <p:cNvSpPr>
+            <a:spLocks noGrp="1"/>
+          </p:cNvSpPr>
+          <p:nvPr>
+            <p:ph type="sldNum" sz="quarter" idx="12"/>
+          </p:nvPr>
+        </p:nvSpPr>
+        <p:spPr/>
+        <p:txBody>
+          <a:bodyPr/>
+          <a:lstStyle/>
+          <a:p>
+            <a:fld id="{49F81993-47B1-3743-8AA2-20AB26FB445E}" type="slidenum">
+              <a:rPr lang="nl-NL" smtClean="0"/>
+              <a:t>33</a:t>
+            </a:fld>
+            <a:endParaRPr lang="nl-NL"/>
+          </a:p>
+        </p:txBody>
+      </p:sp>
+      <p:pic>
+        <p:nvPicPr>
+          <p:cNvPr id="6" name="Picture 1">
+            <a:extLst>
+              <a:ext uri="{FF2B5EF4-FFF2-40B4-BE49-F238E27FC236}">
+                <a16:creationId xmlns:a16="http://schemas.microsoft.com/office/drawing/2014/main" id="{D06E817C-76DD-0F44-ADB0-7048E1EBF455}"/>
+              </a:ext>
+            </a:extLst>
+          </p:cNvPr>
+          <p:cNvPicPr/>
+          <p:nvPr/>
+        </p:nvPicPr>
+        <p:blipFill>
+          <a:blip r:embed="rId2">
+            <a:extLst>
+              <a:ext uri="{28A0092B-C50C-407E-A947-70E740481C1C}">
+                <a14:useLocalDpi xmlns:a14="http://schemas.microsoft.com/office/drawing/2010/main" val="0"/>
+              </a:ext>
+            </a:extLst>
+          </a:blip>
+          <a:stretch>
+            <a:fillRect/>
+          </a:stretch>
+        </p:blipFill>
+        <p:spPr>
+          <a:xfrm>
+            <a:off x="160255" y="509048"/>
+            <a:ext cx="1912095" cy="456054"/>
+          </a:xfrm>
+          <a:prstGeom prst="rect">
+            <a:avLst/>
+          </a:prstGeom>
+        </p:spPr>
+      </p:pic>
+      <p:sp>
+        <p:nvSpPr>
+          <p:cNvPr id="2" name="TextBox 1">
+            <a:extLst>
+              <a:ext uri="{FF2B5EF4-FFF2-40B4-BE49-F238E27FC236}">
+                <a16:creationId xmlns:a16="http://schemas.microsoft.com/office/drawing/2014/main" id="{95EAFD46-64F1-4840-B77E-76816183096E}"/>
+              </a:ext>
+            </a:extLst>
+          </p:cNvPr>
+          <p:cNvSpPr txBox="1"/>
+          <p:nvPr/>
+        </p:nvSpPr>
+        <p:spPr>
+          <a:xfrm>
+            <a:off x="6780944" y="595901"/>
+            <a:ext cx="3826689" cy="369332"/>
+          </a:xfrm>
+          <a:prstGeom prst="rect">
+            <a:avLst/>
+          </a:prstGeom>
+          <a:noFill/>
+        </p:spPr>
+        <p:txBody>
+          <a:bodyPr wrap="none" rtlCol="0">
+            <a:spAutoFit/>
+          </a:bodyPr>
+          <a:lstStyle/>
+          <a:p>
+            <a:r>
+              <a:rPr lang="en-US" b="1" dirty="0"/>
+              <a:t>1. OVERVIEW JAVA – OPERATORS</a:t>
+            </a:r>
+          </a:p>
+        </p:txBody>
+      </p:sp>
+      <p:sp>
+        <p:nvSpPr>
+          <p:cNvPr id="8" name="Tekstvak 6">
+            <a:extLst>
+              <a:ext uri="{FF2B5EF4-FFF2-40B4-BE49-F238E27FC236}">
+                <a16:creationId xmlns:a16="http://schemas.microsoft.com/office/drawing/2014/main" id="{A97BDFA1-1198-214C-9E40-EFC2B55537B4}"/>
+              </a:ext>
+            </a:extLst>
+          </p:cNvPr>
+          <p:cNvSpPr txBox="1"/>
+          <p:nvPr/>
+        </p:nvSpPr>
+        <p:spPr>
+          <a:xfrm>
+            <a:off x="580434" y="1423959"/>
+            <a:ext cx="10628671" cy="369332"/>
+          </a:xfrm>
+          <a:prstGeom prst="rect">
+            <a:avLst/>
+          </a:prstGeom>
+          <a:noFill/>
+        </p:spPr>
+        <p:txBody>
+          <a:bodyPr wrap="square" rtlCol="0">
+            <a:spAutoFit/>
+          </a:bodyPr>
+          <a:lstStyle/>
+          <a:p>
+            <a:r>
+              <a:rPr lang="nl-NL" dirty="0" err="1">
+                <a:cs typeface="Arial" panose="020B0604020202020204" pitchFamily="34" charset="0"/>
+              </a:rPr>
+              <a:t>Assignment</a:t>
+            </a:r>
+            <a:r>
+              <a:rPr lang="nl-NL" dirty="0">
+                <a:cs typeface="Arial" panose="020B0604020202020204" pitchFamily="34" charset="0"/>
+              </a:rPr>
+              <a:t> operator : =</a:t>
+            </a:r>
+          </a:p>
+        </p:txBody>
+      </p:sp>
+      <p:sp>
+        <p:nvSpPr>
+          <p:cNvPr id="7" name="Tekstvak 6">
+            <a:extLst>
+              <a:ext uri="{FF2B5EF4-FFF2-40B4-BE49-F238E27FC236}">
+                <a16:creationId xmlns:a16="http://schemas.microsoft.com/office/drawing/2014/main" id="{1DE823A0-848D-3145-BF90-6ED891BCB652}"/>
+              </a:ext>
+            </a:extLst>
+          </p:cNvPr>
+          <p:cNvSpPr txBox="1"/>
+          <p:nvPr/>
+        </p:nvSpPr>
+        <p:spPr>
+          <a:xfrm>
+            <a:off x="580434" y="1995005"/>
+            <a:ext cx="10628671" cy="1754326"/>
+          </a:xfrm>
+          <a:prstGeom prst="rect">
+            <a:avLst/>
+          </a:prstGeom>
+          <a:noFill/>
+        </p:spPr>
+        <p:txBody>
+          <a:bodyPr wrap="square" rtlCol="0">
+            <a:spAutoFit/>
+          </a:bodyPr>
+          <a:lstStyle/>
+          <a:p>
+            <a:r>
+              <a:rPr lang="nl-NL" dirty="0" err="1">
+                <a:cs typeface="Arial" panose="020B0604020202020204" pitchFamily="34" charset="0"/>
+              </a:rPr>
+              <a:t>Assign</a:t>
+            </a:r>
+            <a:r>
+              <a:rPr lang="nl-NL" dirty="0">
+                <a:cs typeface="Arial" panose="020B0604020202020204" pitchFamily="34" charset="0"/>
+              </a:rPr>
+              <a:t> a </a:t>
+            </a:r>
+            <a:r>
+              <a:rPr lang="nl-NL" dirty="0" err="1">
+                <a:cs typeface="Arial" panose="020B0604020202020204" pitchFamily="34" charset="0"/>
+              </a:rPr>
+              <a:t>value</a:t>
+            </a:r>
+            <a:r>
+              <a:rPr lang="nl-NL" dirty="0">
+                <a:cs typeface="Arial" panose="020B0604020202020204" pitchFamily="34" charset="0"/>
+              </a:rPr>
+              <a:t> </a:t>
+            </a:r>
+            <a:r>
+              <a:rPr lang="nl-NL" dirty="0" err="1">
+                <a:cs typeface="Arial" panose="020B0604020202020204" pitchFamily="34" charset="0"/>
+              </a:rPr>
+              <a:t>to</a:t>
+            </a:r>
+            <a:r>
+              <a:rPr lang="nl-NL" dirty="0">
+                <a:cs typeface="Arial" panose="020B0604020202020204" pitchFamily="34" charset="0"/>
+              </a:rPr>
+              <a:t> a </a:t>
+            </a:r>
+            <a:r>
+              <a:rPr lang="nl-NL" dirty="0" err="1">
+                <a:cs typeface="Arial" panose="020B0604020202020204" pitchFamily="34" charset="0"/>
+              </a:rPr>
+              <a:t>variable</a:t>
+            </a:r>
+            <a:r>
+              <a:rPr lang="nl-NL" dirty="0">
+                <a:cs typeface="Arial" panose="020B0604020202020204" pitchFamily="34" charset="0"/>
+              </a:rPr>
+              <a:t>. </a:t>
+            </a:r>
+            <a:r>
+              <a:rPr lang="nl-NL" dirty="0" err="1">
+                <a:cs typeface="Arial" panose="020B0604020202020204" pitchFamily="34" charset="0"/>
+              </a:rPr>
+              <a:t>Assigned</a:t>
+            </a:r>
+            <a:r>
+              <a:rPr lang="nl-NL" dirty="0">
+                <a:cs typeface="Arial" panose="020B0604020202020204" pitchFamily="34" charset="0"/>
+              </a:rPr>
+              <a:t> </a:t>
+            </a:r>
+            <a:r>
+              <a:rPr lang="nl-NL" dirty="0" err="1">
+                <a:cs typeface="Arial" panose="020B0604020202020204" pitchFamily="34" charset="0"/>
+              </a:rPr>
+              <a:t>value</a:t>
+            </a:r>
+            <a:r>
+              <a:rPr lang="nl-NL" dirty="0">
+                <a:cs typeface="Arial" panose="020B0604020202020204" pitchFamily="34" charset="0"/>
+              </a:rPr>
+              <a:t> must </a:t>
+            </a:r>
+            <a:r>
+              <a:rPr lang="nl-NL" dirty="0" err="1">
+                <a:cs typeface="Arial" panose="020B0604020202020204" pitchFamily="34" charset="0"/>
+              </a:rPr>
+              <a:t>be</a:t>
+            </a:r>
+            <a:r>
+              <a:rPr lang="nl-NL" dirty="0">
+                <a:cs typeface="Arial" panose="020B0604020202020204" pitchFamily="34" charset="0"/>
+              </a:rPr>
+              <a:t> compatible </a:t>
+            </a:r>
+            <a:r>
+              <a:rPr lang="nl-NL" dirty="0" err="1">
+                <a:cs typeface="Arial" panose="020B0604020202020204" pitchFamily="34" charset="0"/>
+              </a:rPr>
+              <a:t>with</a:t>
+            </a:r>
+            <a:r>
+              <a:rPr lang="nl-NL" dirty="0">
+                <a:cs typeface="Arial" panose="020B0604020202020204" pitchFamily="34" charset="0"/>
+              </a:rPr>
+              <a:t> type </a:t>
+            </a:r>
+            <a:r>
+              <a:rPr lang="nl-NL" dirty="0" err="1">
+                <a:cs typeface="Arial" panose="020B0604020202020204" pitchFamily="34" charset="0"/>
+              </a:rPr>
+              <a:t>otherwise</a:t>
+            </a:r>
+            <a:r>
+              <a:rPr lang="nl-NL" dirty="0">
+                <a:cs typeface="Arial" panose="020B0604020202020204" pitchFamily="34" charset="0"/>
+              </a:rPr>
+              <a:t> a </a:t>
+            </a:r>
+            <a:r>
+              <a:rPr lang="nl-NL" dirty="0" err="1">
+                <a:cs typeface="Arial" panose="020B0604020202020204" pitchFamily="34" charset="0"/>
+              </a:rPr>
+              <a:t>compile</a:t>
+            </a:r>
+            <a:r>
+              <a:rPr lang="nl-NL" dirty="0">
+                <a:cs typeface="Arial" panose="020B0604020202020204" pitchFamily="34" charset="0"/>
+              </a:rPr>
+              <a:t> error </a:t>
+            </a:r>
+            <a:r>
+              <a:rPr lang="nl-NL" dirty="0" err="1">
+                <a:cs typeface="Arial" panose="020B0604020202020204" pitchFamily="34" charset="0"/>
+              </a:rPr>
+              <a:t>will</a:t>
+            </a:r>
+            <a:r>
+              <a:rPr lang="nl-NL" dirty="0">
+                <a:cs typeface="Arial" panose="020B0604020202020204" pitchFamily="34" charset="0"/>
+              </a:rPr>
+              <a:t> </a:t>
+            </a:r>
+            <a:r>
+              <a:rPr lang="nl-NL" dirty="0" err="1">
+                <a:cs typeface="Arial" panose="020B0604020202020204" pitchFamily="34" charset="0"/>
+              </a:rPr>
+              <a:t>occur</a:t>
+            </a:r>
+            <a:r>
+              <a:rPr lang="nl-NL" dirty="0">
+                <a:cs typeface="Arial" panose="020B0604020202020204" pitchFamily="34" charset="0"/>
+              </a:rPr>
+              <a:t>.</a:t>
+            </a:r>
+          </a:p>
+          <a:p>
+            <a:endParaRPr lang="nl-NL" dirty="0">
+              <a:cs typeface="Arial" panose="020B0604020202020204" pitchFamily="34" charset="0"/>
+            </a:endParaRPr>
+          </a:p>
+          <a:p>
+            <a:r>
+              <a:rPr lang="nl-NL" dirty="0">
+                <a:cs typeface="Arial" panose="020B0604020202020204" pitchFamily="34" charset="0"/>
+              </a:rPr>
+              <a:t>String name = “Frank”;</a:t>
+            </a:r>
+          </a:p>
+          <a:p>
+            <a:r>
+              <a:rPr lang="nl-NL" dirty="0">
+                <a:cs typeface="Arial" panose="020B0604020202020204" pitchFamily="34" charset="0"/>
+              </a:rPr>
+              <a:t>int </a:t>
+            </a:r>
+            <a:r>
+              <a:rPr lang="nl-NL" dirty="0" err="1">
+                <a:cs typeface="Arial" panose="020B0604020202020204" pitchFamily="34" charset="0"/>
+              </a:rPr>
+              <a:t>age</a:t>
+            </a:r>
+            <a:r>
+              <a:rPr lang="nl-NL" dirty="0">
+                <a:cs typeface="Arial" panose="020B0604020202020204" pitchFamily="34" charset="0"/>
+              </a:rPr>
+              <a:t> = 0;</a:t>
+            </a:r>
+          </a:p>
+          <a:p>
+            <a:r>
+              <a:rPr lang="nl-NL" dirty="0" err="1">
+                <a:cs typeface="Arial" panose="020B0604020202020204" pitchFamily="34" charset="0"/>
+              </a:rPr>
+              <a:t>age</a:t>
+            </a:r>
+            <a:r>
+              <a:rPr lang="nl-NL" dirty="0">
+                <a:cs typeface="Arial" panose="020B0604020202020204" pitchFamily="34" charset="0"/>
+              </a:rPr>
+              <a:t> = name;         // </a:t>
+            </a:r>
+            <a:r>
+              <a:rPr lang="nl-NL" dirty="0" err="1">
+                <a:cs typeface="Arial" panose="020B0604020202020204" pitchFamily="34" charset="0"/>
+              </a:rPr>
+              <a:t>compile</a:t>
+            </a:r>
+            <a:r>
+              <a:rPr lang="nl-NL" dirty="0">
+                <a:cs typeface="Arial" panose="020B0604020202020204" pitchFamily="34" charset="0"/>
+              </a:rPr>
+              <a:t> error</a:t>
+            </a:r>
+          </a:p>
+        </p:txBody>
+      </p:sp>
+    </p:spTree>
+    <p:extLst>
+      <p:ext uri="{BB962C8B-B14F-4D97-AF65-F5344CB8AC3E}">
+        <p14:creationId xmlns:p14="http://schemas.microsoft.com/office/powerpoint/2010/main" val="2592801359"/>
+      </p:ext>
+    </p:extLst>
+  </p:cSld>
+  <p:clrMapOvr>
+    <a:masterClrMapping/>
+  </p:clrMapOvr>
+  <p:timing>
+    <p:tnLst>
+      <p:par>
+        <p:cTn id="1" dur="indefinite" restart="never" nodeType="tmRoot">
+          <p:childTnLst>
+            <p:seq concurrent="1" nextAc="seek">
+              <p:cTn id="2" dur="indefinite" nodeType="mainSeq">
+                <p:childTnLst>
+                  <p:par>
+                    <p:cTn id="3" fill="hold">
+                      <p:stCondLst>
+                        <p:cond delay="indefinite"/>
+                      </p:stCondLst>
+                      <p:childTnLst>
+                        <p:par>
+                          <p:cTn id="4" fill="hold">
+                            <p:stCondLst>
+                              <p:cond delay="0"/>
+                            </p:stCondLst>
+                            <p:childTnLst>
+                              <p:par>
+                                <p:cTn id="5" presetID="1" presetClass="entr" presetSubtype="0" fill="hold" grpId="0" nodeType="clickEffect">
+                                  <p:stCondLst>
+                                    <p:cond delay="0"/>
+                                  </p:stCondLst>
+                                  <p:childTnLst>
+                                    <p:set>
+                                      <p:cBhvr>
+                                        <p:cTn id="6" dur="1" fill="hold">
+                                          <p:stCondLst>
+                                            <p:cond delay="0"/>
+                                          </p:stCondLst>
+                                        </p:cTn>
+                                        <p:tgtEl>
+                                          <p:spTgt spid="7"/>
+                                        </p:tgtEl>
+                                        <p:attrNameLst>
+                                          <p:attrName>style.visibility</p:attrName>
+                                        </p:attrNameLst>
+                                      </p:cBhvr>
+                                      <p:to>
+                                        <p:strVal val="visible"/>
+                                      </p:to>
+                                    </p:set>
+                                  </p:childTnLst>
+                                </p:cTn>
+                              </p:par>
+                            </p:childTnLst>
+                          </p:cTn>
+                        </p:par>
+                      </p:childTnLst>
+                    </p:cTn>
+                  </p:par>
+                </p:childTnLst>
+              </p:cTn>
+              <p:prevCondLst>
+                <p:cond evt="onPrev" delay="0">
+                  <p:tgtEl>
+                    <p:sldTgt/>
+                  </p:tgtEl>
+                </p:cond>
+              </p:prevCondLst>
+              <p:nextCondLst>
+                <p:cond evt="onNext" delay="0">
+                  <p:tgtEl>
+                    <p:sldTgt/>
+                  </p:tgtEl>
+                </p:cond>
+              </p:nextCondLst>
+            </p:seq>
+          </p:childTnLst>
+        </p:cTn>
+      </p:par>
+    </p:tnLst>
+    <p:bldLst>
+      <p:bldP spid="7" grpId="0"/>
+    </p:bldLst>
+  </p:timing>
+</p:sld>
+</file>
+
+<file path=ppt/slides/slide34.xml><?xml version="1.0" encoding="utf-8"?>
+<p:sld xmlns:a="http://schemas.openxmlformats.org/drawingml/2006/main" xmlns:r="http://schemas.openxmlformats.org/officeDocument/2006/relationships" xmlns:p="http://schemas.openxmlformats.org/presentationml/2006/main">
+  <p:cSld>
+    <p:spTree>
+      <p:nvGrpSpPr>
+        <p:cNvPr id="1" name=""/>
+        <p:cNvGrpSpPr/>
+        <p:nvPr/>
+      </p:nvGrpSpPr>
+      <p:grpSpPr>
+        <a:xfrm>
+          <a:off x="0" y="0"/>
+          <a:ext cx="0" cy="0"/>
+          <a:chOff x="0" y="0"/>
+          <a:chExt cx="0" cy="0"/>
+        </a:xfrm>
+      </p:grpSpPr>
+      <p:sp>
+        <p:nvSpPr>
+          <p:cNvPr id="4" name="Tijdelijke aanduiding voor dianummer 3">
+            <a:extLst>
+              <a:ext uri="{FF2B5EF4-FFF2-40B4-BE49-F238E27FC236}">
+                <a16:creationId xmlns:a16="http://schemas.microsoft.com/office/drawing/2014/main" id="{3A5772F8-4CF1-C845-9BC1-EA3B74DF606F}"/>
+              </a:ext>
+            </a:extLst>
+          </p:cNvPr>
+          <p:cNvSpPr>
+            <a:spLocks noGrp="1"/>
+          </p:cNvSpPr>
+          <p:nvPr>
+            <p:ph type="sldNum" sz="quarter" idx="12"/>
+          </p:nvPr>
+        </p:nvSpPr>
+        <p:spPr/>
+        <p:txBody>
+          <a:bodyPr/>
+          <a:lstStyle/>
+          <a:p>
+            <a:fld id="{49F81993-47B1-3743-8AA2-20AB26FB445E}" type="slidenum">
+              <a:rPr lang="nl-NL" smtClean="0"/>
+              <a:t>34</a:t>
+            </a:fld>
+            <a:endParaRPr lang="nl-NL"/>
+          </a:p>
+        </p:txBody>
+      </p:sp>
+      <p:pic>
+        <p:nvPicPr>
+          <p:cNvPr id="6" name="Picture 1">
+            <a:extLst>
+              <a:ext uri="{FF2B5EF4-FFF2-40B4-BE49-F238E27FC236}">
+                <a16:creationId xmlns:a16="http://schemas.microsoft.com/office/drawing/2014/main" id="{D06E817C-76DD-0F44-ADB0-7048E1EBF455}"/>
+              </a:ext>
+            </a:extLst>
+          </p:cNvPr>
+          <p:cNvPicPr/>
+          <p:nvPr/>
+        </p:nvPicPr>
+        <p:blipFill>
+          <a:blip r:embed="rId2">
+            <a:extLst>
+              <a:ext uri="{28A0092B-C50C-407E-A947-70E740481C1C}">
+                <a14:useLocalDpi xmlns:a14="http://schemas.microsoft.com/office/drawing/2010/main" val="0"/>
+              </a:ext>
+            </a:extLst>
+          </a:blip>
+          <a:stretch>
+            <a:fillRect/>
+          </a:stretch>
+        </p:blipFill>
+        <p:spPr>
+          <a:xfrm>
+            <a:off x="160255" y="509048"/>
+            <a:ext cx="1912095" cy="456054"/>
+          </a:xfrm>
+          <a:prstGeom prst="rect">
+            <a:avLst/>
+          </a:prstGeom>
+        </p:spPr>
+      </p:pic>
+      <p:sp>
+        <p:nvSpPr>
+          <p:cNvPr id="2" name="TextBox 1">
+            <a:extLst>
+              <a:ext uri="{FF2B5EF4-FFF2-40B4-BE49-F238E27FC236}">
+                <a16:creationId xmlns:a16="http://schemas.microsoft.com/office/drawing/2014/main" id="{95EAFD46-64F1-4840-B77E-76816183096E}"/>
+              </a:ext>
+            </a:extLst>
+          </p:cNvPr>
+          <p:cNvSpPr txBox="1"/>
+          <p:nvPr/>
+        </p:nvSpPr>
+        <p:spPr>
+          <a:xfrm>
+            <a:off x="6780944" y="595901"/>
+            <a:ext cx="3826689" cy="369332"/>
+          </a:xfrm>
+          <a:prstGeom prst="rect">
+            <a:avLst/>
+          </a:prstGeom>
+          <a:noFill/>
+        </p:spPr>
+        <p:txBody>
+          <a:bodyPr wrap="none" rtlCol="0">
+            <a:spAutoFit/>
+          </a:bodyPr>
+          <a:lstStyle/>
+          <a:p>
+            <a:r>
+              <a:rPr lang="en-US" b="1" dirty="0"/>
+              <a:t>1. OVERVIEW JAVA – OPERATORS</a:t>
+            </a:r>
+          </a:p>
+        </p:txBody>
+      </p:sp>
+      <p:sp>
+        <p:nvSpPr>
+          <p:cNvPr id="8" name="Tekstvak 6">
+            <a:extLst>
+              <a:ext uri="{FF2B5EF4-FFF2-40B4-BE49-F238E27FC236}">
+                <a16:creationId xmlns:a16="http://schemas.microsoft.com/office/drawing/2014/main" id="{A97BDFA1-1198-214C-9E40-EFC2B55537B4}"/>
+              </a:ext>
+            </a:extLst>
+          </p:cNvPr>
+          <p:cNvSpPr txBox="1"/>
+          <p:nvPr/>
+        </p:nvSpPr>
+        <p:spPr>
+          <a:xfrm>
+            <a:off x="580434" y="1423959"/>
+            <a:ext cx="10628671" cy="369332"/>
+          </a:xfrm>
+          <a:prstGeom prst="rect">
+            <a:avLst/>
+          </a:prstGeom>
+          <a:noFill/>
+        </p:spPr>
+        <p:txBody>
+          <a:bodyPr wrap="square" rtlCol="0">
+            <a:spAutoFit/>
+          </a:bodyPr>
+          <a:lstStyle/>
+          <a:p>
+            <a:r>
+              <a:rPr lang="nl-NL" dirty="0" err="1">
+                <a:cs typeface="Arial" panose="020B0604020202020204" pitchFamily="34" charset="0"/>
+              </a:rPr>
+              <a:t>Arithmetic</a:t>
+            </a:r>
+            <a:r>
+              <a:rPr lang="nl-NL" dirty="0">
+                <a:cs typeface="Arial" panose="020B0604020202020204" pitchFamily="34" charset="0"/>
+              </a:rPr>
+              <a:t> operators</a:t>
+            </a:r>
+          </a:p>
+        </p:txBody>
+      </p:sp>
+      <p:sp>
+        <p:nvSpPr>
+          <p:cNvPr id="7" name="Tekstvak 6">
+            <a:extLst>
+              <a:ext uri="{FF2B5EF4-FFF2-40B4-BE49-F238E27FC236}">
+                <a16:creationId xmlns:a16="http://schemas.microsoft.com/office/drawing/2014/main" id="{1DE823A0-848D-3145-BF90-6ED891BCB652}"/>
+              </a:ext>
+            </a:extLst>
+          </p:cNvPr>
+          <p:cNvSpPr txBox="1"/>
+          <p:nvPr/>
+        </p:nvSpPr>
+        <p:spPr>
+          <a:xfrm>
+            <a:off x="580434" y="1995005"/>
+            <a:ext cx="10628671" cy="646331"/>
+          </a:xfrm>
+          <a:prstGeom prst="rect">
+            <a:avLst/>
+          </a:prstGeom>
+          <a:noFill/>
+        </p:spPr>
+        <p:txBody>
+          <a:bodyPr wrap="square" rtlCol="0">
+            <a:spAutoFit/>
+          </a:bodyPr>
+          <a:lstStyle/>
+          <a:p>
+            <a:r>
+              <a:rPr lang="nl-NL" dirty="0" err="1">
+                <a:cs typeface="Arial" panose="020B0604020202020204" pitchFamily="34" charset="0"/>
+              </a:rPr>
+              <a:t>Used</a:t>
+            </a:r>
+            <a:r>
+              <a:rPr lang="nl-NL" dirty="0">
+                <a:cs typeface="Arial" panose="020B0604020202020204" pitchFamily="34" charset="0"/>
+              </a:rPr>
+              <a:t> </a:t>
+            </a:r>
+            <a:r>
+              <a:rPr lang="nl-NL" dirty="0" err="1">
+                <a:cs typeface="Arial" panose="020B0604020202020204" pitchFamily="34" charset="0"/>
+              </a:rPr>
+              <a:t>for</a:t>
+            </a:r>
+            <a:r>
+              <a:rPr lang="nl-NL" dirty="0">
+                <a:cs typeface="Arial" panose="020B0604020202020204" pitchFamily="34" charset="0"/>
+              </a:rPr>
+              <a:t> </a:t>
+            </a:r>
+            <a:r>
+              <a:rPr lang="nl-NL" dirty="0" err="1">
+                <a:cs typeface="Arial" panose="020B0604020202020204" pitchFamily="34" charset="0"/>
+              </a:rPr>
+              <a:t>calculations</a:t>
+            </a:r>
+            <a:r>
+              <a:rPr lang="nl-NL" dirty="0">
+                <a:cs typeface="Arial" panose="020B0604020202020204" pitchFamily="34" charset="0"/>
+              </a:rPr>
+              <a:t> but </a:t>
+            </a:r>
+            <a:r>
+              <a:rPr lang="nl-NL" dirty="0" err="1">
+                <a:cs typeface="Arial" panose="020B0604020202020204" pitchFamily="34" charset="0"/>
+              </a:rPr>
+              <a:t>can</a:t>
+            </a:r>
+            <a:r>
+              <a:rPr lang="nl-NL" dirty="0">
+                <a:cs typeface="Arial" panose="020B0604020202020204" pitchFamily="34" charset="0"/>
+              </a:rPr>
+              <a:t> </a:t>
+            </a:r>
+            <a:r>
+              <a:rPr lang="nl-NL" dirty="0" err="1">
+                <a:cs typeface="Arial" panose="020B0604020202020204" pitchFamily="34" charset="0"/>
+              </a:rPr>
+              <a:t>only</a:t>
+            </a:r>
+            <a:r>
+              <a:rPr lang="nl-NL" dirty="0">
+                <a:cs typeface="Arial" panose="020B0604020202020204" pitchFamily="34" charset="0"/>
+              </a:rPr>
+              <a:t> </a:t>
+            </a:r>
+            <a:r>
+              <a:rPr lang="nl-NL" dirty="0" err="1">
+                <a:cs typeface="Arial" panose="020B0604020202020204" pitchFamily="34" charset="0"/>
+              </a:rPr>
+              <a:t>be</a:t>
+            </a:r>
+            <a:r>
+              <a:rPr lang="nl-NL" dirty="0">
+                <a:cs typeface="Arial" panose="020B0604020202020204" pitchFamily="34" charset="0"/>
+              </a:rPr>
+              <a:t> </a:t>
+            </a:r>
+            <a:r>
+              <a:rPr lang="nl-NL" dirty="0" err="1">
+                <a:cs typeface="Arial" panose="020B0604020202020204" pitchFamily="34" charset="0"/>
+              </a:rPr>
+              <a:t>used</a:t>
+            </a:r>
+            <a:r>
+              <a:rPr lang="nl-NL" dirty="0">
+                <a:cs typeface="Arial" panose="020B0604020202020204" pitchFamily="34" charset="0"/>
+              </a:rPr>
+              <a:t> on </a:t>
+            </a:r>
+            <a:r>
+              <a:rPr lang="nl-NL" dirty="0" err="1">
+                <a:cs typeface="Arial" panose="020B0604020202020204" pitchFamily="34" charset="0"/>
+              </a:rPr>
+              <a:t>numeric</a:t>
+            </a:r>
+            <a:r>
+              <a:rPr lang="nl-NL" dirty="0">
+                <a:cs typeface="Arial" panose="020B0604020202020204" pitchFamily="34" charset="0"/>
+              </a:rPr>
+              <a:t> types (byte, short, </a:t>
+            </a:r>
+            <a:r>
+              <a:rPr lang="nl-NL" dirty="0" err="1">
+                <a:cs typeface="Arial" panose="020B0604020202020204" pitchFamily="34" charset="0"/>
+              </a:rPr>
+              <a:t>char</a:t>
+            </a:r>
+            <a:r>
+              <a:rPr lang="nl-NL" dirty="0">
+                <a:cs typeface="Arial" panose="020B0604020202020204" pitchFamily="34" charset="0"/>
+              </a:rPr>
+              <a:t>, int, long, </a:t>
+            </a:r>
+            <a:r>
+              <a:rPr lang="nl-NL" dirty="0" err="1">
+                <a:cs typeface="Arial" panose="020B0604020202020204" pitchFamily="34" charset="0"/>
+              </a:rPr>
+              <a:t>float</a:t>
+            </a:r>
+            <a:r>
+              <a:rPr lang="nl-NL" dirty="0">
+                <a:cs typeface="Arial" panose="020B0604020202020204" pitchFamily="34" charset="0"/>
+              </a:rPr>
+              <a:t>)</a:t>
+            </a:r>
+          </a:p>
+          <a:p>
+            <a:endParaRPr lang="nl-NL" dirty="0">
+              <a:cs typeface="Arial" panose="020B0604020202020204" pitchFamily="34" charset="0"/>
+            </a:endParaRPr>
+          </a:p>
+        </p:txBody>
+      </p:sp>
+      <p:pic>
+        <p:nvPicPr>
+          <p:cNvPr id="5" name="Picture 4">
+            <a:extLst>
+              <a:ext uri="{FF2B5EF4-FFF2-40B4-BE49-F238E27FC236}">
+                <a16:creationId xmlns:a16="http://schemas.microsoft.com/office/drawing/2014/main" id="{45FD2A35-26ED-6F41-945D-1657B402506C}"/>
+              </a:ext>
+            </a:extLst>
+          </p:cNvPr>
+          <p:cNvPicPr>
+            <a:picLocks noChangeAspect="1"/>
+          </p:cNvPicPr>
+          <p:nvPr/>
+        </p:nvPicPr>
+        <p:blipFill>
+          <a:blip r:embed="rId3"/>
+          <a:stretch>
+            <a:fillRect/>
+          </a:stretch>
+        </p:blipFill>
+        <p:spPr>
+          <a:xfrm>
+            <a:off x="4839526" y="2547991"/>
+            <a:ext cx="6475348" cy="3847671"/>
+          </a:xfrm>
+          <a:prstGeom prst="rect">
+            <a:avLst/>
+          </a:prstGeom>
+        </p:spPr>
+      </p:pic>
+    </p:spTree>
+    <p:extLst>
+      <p:ext uri="{BB962C8B-B14F-4D97-AF65-F5344CB8AC3E}">
+        <p14:creationId xmlns:p14="http://schemas.microsoft.com/office/powerpoint/2010/main" val="493585226"/>
+      </p:ext>
+    </p:extLst>
+  </p:cSld>
+  <p:clrMapOvr>
+    <a:masterClrMapping/>
+  </p:clrMapOvr>
+  <p:timing>
+    <p:tnLst>
+      <p:par>
+        <p:cTn id="1" dur="indefinite" restart="never" nodeType="tmRoot">
+          <p:childTnLst>
+            <p:seq concurrent="1" nextAc="seek">
+              <p:cTn id="2" dur="indefinite" nodeType="mainSeq">
+                <p:childTnLst>
+                  <p:par>
+                    <p:cTn id="3" fill="hold">
+                      <p:stCondLst>
+                        <p:cond delay="indefinite"/>
+                      </p:stCondLst>
+                      <p:childTnLst>
+                        <p:par>
+                          <p:cTn id="4" fill="hold">
+                            <p:stCondLst>
+                              <p:cond delay="0"/>
+                            </p:stCondLst>
+                            <p:childTnLst>
+                              <p:par>
+                                <p:cTn id="5" presetID="1" presetClass="entr" presetSubtype="0" fill="hold" grpId="0" nodeType="clickEffect">
+                                  <p:stCondLst>
+                                    <p:cond delay="0"/>
+                                  </p:stCondLst>
+                                  <p:childTnLst>
+                                    <p:set>
+                                      <p:cBhvr>
+                                        <p:cTn id="6" dur="1" fill="hold">
+                                          <p:stCondLst>
+                                            <p:cond delay="0"/>
+                                          </p:stCondLst>
+                                        </p:cTn>
+                                        <p:tgtEl>
+                                          <p:spTgt spid="7"/>
+                                        </p:tgtEl>
+                                        <p:attrNameLst>
+                                          <p:attrName>style.visibility</p:attrName>
+                                        </p:attrNameLst>
+                                      </p:cBhvr>
+                                      <p:to>
+                                        <p:strVal val="visible"/>
+                                      </p:to>
+                                    </p:set>
+                                  </p:childTnLst>
+                                </p:cTn>
+                              </p:par>
+                            </p:childTnLst>
+                          </p:cTn>
+                        </p:par>
+                      </p:childTnLst>
+                    </p:cTn>
+                  </p:par>
+                  <p:par>
+                    <p:cTn id="7" fill="hold">
+                      <p:stCondLst>
+                        <p:cond delay="indefinite"/>
+                      </p:stCondLst>
+                      <p:childTnLst>
+                        <p:par>
+                          <p:cTn id="8" fill="hold">
+                            <p:stCondLst>
+                              <p:cond delay="0"/>
+                            </p:stCondLst>
+                            <p:childTnLst>
+                              <p:par>
+                                <p:cTn id="9" presetID="1" presetClass="entr" presetSubtype="0" fill="hold" nodeType="clickEffect">
+                                  <p:stCondLst>
+                                    <p:cond delay="0"/>
+                                  </p:stCondLst>
+                                  <p:childTnLst>
+                                    <p:set>
+                                      <p:cBhvr>
+                                        <p:cTn id="10" dur="1" fill="hold">
+                                          <p:stCondLst>
+                                            <p:cond delay="0"/>
+                                          </p:stCondLst>
+                                        </p:cTn>
+                                        <p:tgtEl>
+                                          <p:spTgt spid="5"/>
+                                        </p:tgtEl>
+                                        <p:attrNameLst>
+                                          <p:attrName>style.visibility</p:attrName>
+                                        </p:attrNameLst>
+                                      </p:cBhvr>
+                                      <p:to>
+                                        <p:strVal val="visible"/>
+                                      </p:to>
+                                    </p:set>
+                                  </p:childTnLst>
+                                </p:cTn>
+                              </p:par>
+                            </p:childTnLst>
+                          </p:cTn>
+                        </p:par>
+                      </p:childTnLst>
+                    </p:cTn>
+                  </p:par>
+                </p:childTnLst>
+              </p:cTn>
+              <p:prevCondLst>
+                <p:cond evt="onPrev" delay="0">
+                  <p:tgtEl>
+                    <p:sldTgt/>
+                  </p:tgtEl>
+                </p:cond>
+              </p:prevCondLst>
+              <p:nextCondLst>
+                <p:cond evt="onNext" delay="0">
+                  <p:tgtEl>
+                    <p:sldTgt/>
+                  </p:tgtEl>
+                </p:cond>
+              </p:nextCondLst>
+            </p:seq>
+          </p:childTnLst>
+        </p:cTn>
+      </p:par>
+    </p:tnLst>
+    <p:bldLst>
+      <p:bldP spid="7" grpId="0"/>
+    </p:bldLst>
+  </p:timing>
+</p:sld>
+</file>
+
+<file path=ppt/slides/slide35.xml><?xml version="1.0" encoding="utf-8"?>
+<p:sld xmlns:a="http://schemas.openxmlformats.org/drawingml/2006/main" xmlns:r="http://schemas.openxmlformats.org/officeDocument/2006/relationships" xmlns:p="http://schemas.openxmlformats.org/presentationml/2006/main">
+  <p:cSld>
+    <p:spTree>
+      <p:nvGrpSpPr>
+        <p:cNvPr id="1" name=""/>
+        <p:cNvGrpSpPr/>
+        <p:nvPr/>
+      </p:nvGrpSpPr>
+      <p:grpSpPr>
+        <a:xfrm>
+          <a:off x="0" y="0"/>
+          <a:ext cx="0" cy="0"/>
+          <a:chOff x="0" y="0"/>
+          <a:chExt cx="0" cy="0"/>
+        </a:xfrm>
+      </p:grpSpPr>
+      <p:sp>
+        <p:nvSpPr>
+          <p:cNvPr id="4" name="Tijdelijke aanduiding voor dianummer 3">
+            <a:extLst>
+              <a:ext uri="{FF2B5EF4-FFF2-40B4-BE49-F238E27FC236}">
+                <a16:creationId xmlns:a16="http://schemas.microsoft.com/office/drawing/2014/main" id="{3A5772F8-4CF1-C845-9BC1-EA3B74DF606F}"/>
+              </a:ext>
+            </a:extLst>
+          </p:cNvPr>
+          <p:cNvSpPr>
+            <a:spLocks noGrp="1"/>
+          </p:cNvSpPr>
+          <p:nvPr>
+            <p:ph type="sldNum" sz="quarter" idx="12"/>
+          </p:nvPr>
+        </p:nvSpPr>
+        <p:spPr/>
+        <p:txBody>
+          <a:bodyPr/>
+          <a:lstStyle/>
+          <a:p>
+            <a:fld id="{49F81993-47B1-3743-8AA2-20AB26FB445E}" type="slidenum">
+              <a:rPr lang="nl-NL" smtClean="0"/>
+              <a:t>35</a:t>
+            </a:fld>
+            <a:endParaRPr lang="nl-NL"/>
+          </a:p>
+        </p:txBody>
+      </p:sp>
+      <p:pic>
+        <p:nvPicPr>
+          <p:cNvPr id="6" name="Picture 1">
+            <a:extLst>
+              <a:ext uri="{FF2B5EF4-FFF2-40B4-BE49-F238E27FC236}">
+                <a16:creationId xmlns:a16="http://schemas.microsoft.com/office/drawing/2014/main" id="{D06E817C-76DD-0F44-ADB0-7048E1EBF455}"/>
+              </a:ext>
+            </a:extLst>
+          </p:cNvPr>
+          <p:cNvPicPr/>
+          <p:nvPr/>
+        </p:nvPicPr>
+        <p:blipFill>
+          <a:blip r:embed="rId2">
+            <a:extLst>
+              <a:ext uri="{28A0092B-C50C-407E-A947-70E740481C1C}">
+                <a14:useLocalDpi xmlns:a14="http://schemas.microsoft.com/office/drawing/2010/main" val="0"/>
+              </a:ext>
+            </a:extLst>
+          </a:blip>
+          <a:stretch>
+            <a:fillRect/>
+          </a:stretch>
+        </p:blipFill>
+        <p:spPr>
+          <a:xfrm>
+            <a:off x="160255" y="509048"/>
+            <a:ext cx="1912095" cy="456054"/>
+          </a:xfrm>
+          <a:prstGeom prst="rect">
+            <a:avLst/>
+          </a:prstGeom>
+        </p:spPr>
+      </p:pic>
+      <p:sp>
+        <p:nvSpPr>
+          <p:cNvPr id="2" name="TextBox 1">
+            <a:extLst>
+              <a:ext uri="{FF2B5EF4-FFF2-40B4-BE49-F238E27FC236}">
+                <a16:creationId xmlns:a16="http://schemas.microsoft.com/office/drawing/2014/main" id="{95EAFD46-64F1-4840-B77E-76816183096E}"/>
+              </a:ext>
+            </a:extLst>
+          </p:cNvPr>
+          <p:cNvSpPr txBox="1"/>
+          <p:nvPr/>
+        </p:nvSpPr>
+        <p:spPr>
+          <a:xfrm>
+            <a:off x="6780944" y="595901"/>
+            <a:ext cx="3826689" cy="369332"/>
+          </a:xfrm>
+          <a:prstGeom prst="rect">
+            <a:avLst/>
+          </a:prstGeom>
+          <a:noFill/>
+        </p:spPr>
+        <p:txBody>
+          <a:bodyPr wrap="none" rtlCol="0">
+            <a:spAutoFit/>
+          </a:bodyPr>
+          <a:lstStyle/>
+          <a:p>
+            <a:r>
+              <a:rPr lang="en-US" b="1" dirty="0"/>
+              <a:t>1. OVERVIEW JAVA – OPERATORS</a:t>
+            </a:r>
+          </a:p>
+        </p:txBody>
+      </p:sp>
+      <p:pic>
+        <p:nvPicPr>
+          <p:cNvPr id="9" name="Picture 8">
+            <a:extLst>
+              <a:ext uri="{FF2B5EF4-FFF2-40B4-BE49-F238E27FC236}">
+                <a16:creationId xmlns:a16="http://schemas.microsoft.com/office/drawing/2014/main" id="{F1B0C330-4026-A345-9450-91AEEF70CD6B}"/>
+              </a:ext>
+            </a:extLst>
+          </p:cNvPr>
+          <p:cNvPicPr>
+            <a:picLocks noChangeAspect="1"/>
+          </p:cNvPicPr>
+          <p:nvPr/>
+        </p:nvPicPr>
+        <p:blipFill>
+          <a:blip r:embed="rId3"/>
+          <a:stretch>
+            <a:fillRect/>
+          </a:stretch>
+        </p:blipFill>
+        <p:spPr>
+          <a:xfrm>
+            <a:off x="1731196" y="1430866"/>
+            <a:ext cx="9089204" cy="3691330"/>
+          </a:xfrm>
+          <a:prstGeom prst="rect">
+            <a:avLst/>
+          </a:prstGeom>
+        </p:spPr>
+      </p:pic>
+    </p:spTree>
+    <p:extLst>
+      <p:ext uri="{BB962C8B-B14F-4D97-AF65-F5344CB8AC3E}">
+        <p14:creationId xmlns:p14="http://schemas.microsoft.com/office/powerpoint/2010/main" val="1109199085"/>
+      </p:ext>
+    </p:extLst>
+  </p:cSld>
+  <p:clrMapOvr>
+    <a:masterClrMapping/>
+  </p:clrMapOvr>
+</p:sld>
+</file>
+
+<file path=ppt/slides/slide36.xml><?xml version="1.0" encoding="utf-8"?>
+<p:sld xmlns:a="http://schemas.openxmlformats.org/drawingml/2006/main" xmlns:r="http://schemas.openxmlformats.org/officeDocument/2006/relationships" xmlns:p="http://schemas.openxmlformats.org/presentationml/2006/main">
+  <p:cSld>
+    <p:spTree>
+      <p:nvGrpSpPr>
+        <p:cNvPr id="1" name=""/>
+        <p:cNvGrpSpPr/>
+        <p:nvPr/>
+      </p:nvGrpSpPr>
+      <p:grpSpPr>
+        <a:xfrm>
+          <a:off x="0" y="0"/>
+          <a:ext cx="0" cy="0"/>
+          <a:chOff x="0" y="0"/>
+          <a:chExt cx="0" cy="0"/>
+        </a:xfrm>
+      </p:grpSpPr>
+      <p:sp>
+        <p:nvSpPr>
+          <p:cNvPr id="4" name="Tijdelijke aanduiding voor dianummer 3">
+            <a:extLst>
+              <a:ext uri="{FF2B5EF4-FFF2-40B4-BE49-F238E27FC236}">
+                <a16:creationId xmlns:a16="http://schemas.microsoft.com/office/drawing/2014/main" id="{3A5772F8-4CF1-C845-9BC1-EA3B74DF606F}"/>
+              </a:ext>
+            </a:extLst>
+          </p:cNvPr>
+          <p:cNvSpPr>
+            <a:spLocks noGrp="1"/>
+          </p:cNvSpPr>
+          <p:nvPr>
+            <p:ph type="sldNum" sz="quarter" idx="12"/>
+          </p:nvPr>
+        </p:nvSpPr>
+        <p:spPr/>
+        <p:txBody>
+          <a:bodyPr/>
+          <a:lstStyle/>
+          <a:p>
+            <a:fld id="{49F81993-47B1-3743-8AA2-20AB26FB445E}" type="slidenum">
+              <a:rPr lang="nl-NL" smtClean="0"/>
+              <a:t>36</a:t>
+            </a:fld>
+            <a:endParaRPr lang="nl-NL"/>
+          </a:p>
+        </p:txBody>
+      </p:sp>
+      <p:pic>
+        <p:nvPicPr>
+          <p:cNvPr id="6" name="Picture 1">
+            <a:extLst>
+              <a:ext uri="{FF2B5EF4-FFF2-40B4-BE49-F238E27FC236}">
+                <a16:creationId xmlns:a16="http://schemas.microsoft.com/office/drawing/2014/main" id="{D06E817C-76DD-0F44-ADB0-7048E1EBF455}"/>
+              </a:ext>
+            </a:extLst>
+          </p:cNvPr>
+          <p:cNvPicPr/>
+          <p:nvPr/>
+        </p:nvPicPr>
+        <p:blipFill>
+          <a:blip r:embed="rId2">
+            <a:extLst>
+              <a:ext uri="{28A0092B-C50C-407E-A947-70E740481C1C}">
+                <a14:useLocalDpi xmlns:a14="http://schemas.microsoft.com/office/drawing/2010/main" val="0"/>
+              </a:ext>
+            </a:extLst>
+          </a:blip>
+          <a:stretch>
+            <a:fillRect/>
+          </a:stretch>
+        </p:blipFill>
+        <p:spPr>
+          <a:xfrm>
+            <a:off x="160255" y="509048"/>
+            <a:ext cx="1912095" cy="456054"/>
+          </a:xfrm>
+          <a:prstGeom prst="rect">
+            <a:avLst/>
+          </a:prstGeom>
+        </p:spPr>
+      </p:pic>
+      <p:sp>
+        <p:nvSpPr>
+          <p:cNvPr id="2" name="TextBox 1">
+            <a:extLst>
+              <a:ext uri="{FF2B5EF4-FFF2-40B4-BE49-F238E27FC236}">
+                <a16:creationId xmlns:a16="http://schemas.microsoft.com/office/drawing/2014/main" id="{95EAFD46-64F1-4840-B77E-76816183096E}"/>
+              </a:ext>
+            </a:extLst>
+          </p:cNvPr>
+          <p:cNvSpPr txBox="1"/>
+          <p:nvPr/>
+        </p:nvSpPr>
+        <p:spPr>
+          <a:xfrm>
+            <a:off x="6780944" y="595901"/>
+            <a:ext cx="3826689" cy="369332"/>
+          </a:xfrm>
+          <a:prstGeom prst="rect">
+            <a:avLst/>
+          </a:prstGeom>
+          <a:noFill/>
+        </p:spPr>
+        <p:txBody>
+          <a:bodyPr wrap="none" rtlCol="0">
+            <a:spAutoFit/>
+          </a:bodyPr>
+          <a:lstStyle/>
+          <a:p>
+            <a:r>
+              <a:rPr lang="en-US" b="1" dirty="0"/>
+              <a:t>1. OVERVIEW JAVA – OPERATORS</a:t>
+            </a:r>
+          </a:p>
+        </p:txBody>
+      </p:sp>
+      <p:sp>
+        <p:nvSpPr>
+          <p:cNvPr id="8" name="Tekstvak 6">
+            <a:extLst>
+              <a:ext uri="{FF2B5EF4-FFF2-40B4-BE49-F238E27FC236}">
+                <a16:creationId xmlns:a16="http://schemas.microsoft.com/office/drawing/2014/main" id="{A97BDFA1-1198-214C-9E40-EFC2B55537B4}"/>
+              </a:ext>
+            </a:extLst>
+          </p:cNvPr>
+          <p:cNvSpPr txBox="1"/>
+          <p:nvPr/>
+        </p:nvSpPr>
+        <p:spPr>
+          <a:xfrm>
+            <a:off x="580434" y="1423959"/>
+            <a:ext cx="10628671" cy="369332"/>
+          </a:xfrm>
+          <a:prstGeom prst="rect">
+            <a:avLst/>
+          </a:prstGeom>
+          <a:noFill/>
+        </p:spPr>
+        <p:txBody>
+          <a:bodyPr wrap="square" rtlCol="0">
+            <a:spAutoFit/>
+          </a:bodyPr>
+          <a:lstStyle/>
+          <a:p>
+            <a:r>
+              <a:rPr lang="nl-NL" dirty="0" err="1">
+                <a:cs typeface="Arial" panose="020B0604020202020204" pitchFamily="34" charset="0"/>
+              </a:rPr>
+              <a:t>Relational</a:t>
+            </a:r>
+            <a:r>
+              <a:rPr lang="nl-NL" dirty="0">
+                <a:cs typeface="Arial" panose="020B0604020202020204" pitchFamily="34" charset="0"/>
+              </a:rPr>
+              <a:t> operators</a:t>
+            </a:r>
+          </a:p>
+        </p:txBody>
+      </p:sp>
+      <p:pic>
+        <p:nvPicPr>
+          <p:cNvPr id="9" name="Picture 8">
+            <a:extLst>
+              <a:ext uri="{FF2B5EF4-FFF2-40B4-BE49-F238E27FC236}">
+                <a16:creationId xmlns:a16="http://schemas.microsoft.com/office/drawing/2014/main" id="{9F36611F-5FEE-0347-B432-C95D78D25C1C}"/>
+              </a:ext>
+            </a:extLst>
+          </p:cNvPr>
+          <p:cNvPicPr>
+            <a:picLocks noChangeAspect="1"/>
+          </p:cNvPicPr>
+          <p:nvPr/>
+        </p:nvPicPr>
+        <p:blipFill>
+          <a:blip r:embed="rId3"/>
+          <a:stretch>
+            <a:fillRect/>
+          </a:stretch>
+        </p:blipFill>
+        <p:spPr>
+          <a:xfrm>
+            <a:off x="1597774" y="2012586"/>
+            <a:ext cx="8142127" cy="3057497"/>
+          </a:xfrm>
+          <a:prstGeom prst="rect">
+            <a:avLst/>
+          </a:prstGeom>
+        </p:spPr>
+      </p:pic>
+    </p:spTree>
+    <p:extLst>
+      <p:ext uri="{BB962C8B-B14F-4D97-AF65-F5344CB8AC3E}">
+        <p14:creationId xmlns:p14="http://schemas.microsoft.com/office/powerpoint/2010/main" val="1390323930"/>
+      </p:ext>
+    </p:extLst>
+  </p:cSld>
+  <p:clrMapOvr>
+    <a:masterClrMapping/>
+  </p:clrMapOvr>
+</p:sld>
+</file>
+
+<file path=ppt/slides/slide37.xml><?xml version="1.0" encoding="utf-8"?>
+<p:sld xmlns:a="http://schemas.openxmlformats.org/drawingml/2006/main" xmlns:r="http://schemas.openxmlformats.org/officeDocument/2006/relationships" xmlns:p="http://schemas.openxmlformats.org/presentationml/2006/main">
+  <p:cSld>
+    <p:spTree>
+      <p:nvGrpSpPr>
+        <p:cNvPr id="1" name=""/>
+        <p:cNvGrpSpPr/>
+        <p:nvPr/>
+      </p:nvGrpSpPr>
+      <p:grpSpPr>
+        <a:xfrm>
+          <a:off x="0" y="0"/>
+          <a:ext cx="0" cy="0"/>
+          <a:chOff x="0" y="0"/>
+          <a:chExt cx="0" cy="0"/>
+        </a:xfrm>
+      </p:grpSpPr>
+      <p:sp>
+        <p:nvSpPr>
+          <p:cNvPr id="4" name="Tijdelijke aanduiding voor dianummer 3">
+            <a:extLst>
+              <a:ext uri="{FF2B5EF4-FFF2-40B4-BE49-F238E27FC236}">
+                <a16:creationId xmlns:a16="http://schemas.microsoft.com/office/drawing/2014/main" id="{3A5772F8-4CF1-C845-9BC1-EA3B74DF606F}"/>
+              </a:ext>
+            </a:extLst>
+          </p:cNvPr>
+          <p:cNvSpPr>
+            <a:spLocks noGrp="1"/>
+          </p:cNvSpPr>
+          <p:nvPr>
+            <p:ph type="sldNum" sz="quarter" idx="12"/>
+          </p:nvPr>
+        </p:nvSpPr>
+        <p:spPr/>
+        <p:txBody>
+          <a:bodyPr/>
+          <a:lstStyle/>
+          <a:p>
+            <a:fld id="{49F81993-47B1-3743-8AA2-20AB26FB445E}" type="slidenum">
+              <a:rPr lang="nl-NL" smtClean="0"/>
+              <a:t>37</a:t>
+            </a:fld>
+            <a:endParaRPr lang="nl-NL"/>
+          </a:p>
+        </p:txBody>
+      </p:sp>
+      <p:pic>
+        <p:nvPicPr>
+          <p:cNvPr id="6" name="Picture 1">
+            <a:extLst>
+              <a:ext uri="{FF2B5EF4-FFF2-40B4-BE49-F238E27FC236}">
+                <a16:creationId xmlns:a16="http://schemas.microsoft.com/office/drawing/2014/main" id="{D06E817C-76DD-0F44-ADB0-7048E1EBF455}"/>
+              </a:ext>
+            </a:extLst>
+          </p:cNvPr>
+          <p:cNvPicPr/>
+          <p:nvPr/>
+        </p:nvPicPr>
+        <p:blipFill>
+          <a:blip r:embed="rId2">
+            <a:extLst>
+              <a:ext uri="{28A0092B-C50C-407E-A947-70E740481C1C}">
+                <a14:useLocalDpi xmlns:a14="http://schemas.microsoft.com/office/drawing/2010/main" val="0"/>
+              </a:ext>
+            </a:extLst>
+          </a:blip>
+          <a:stretch>
+            <a:fillRect/>
+          </a:stretch>
+        </p:blipFill>
+        <p:spPr>
+          <a:xfrm>
+            <a:off x="160255" y="509048"/>
+            <a:ext cx="1912095" cy="456054"/>
+          </a:xfrm>
+          <a:prstGeom prst="rect">
+            <a:avLst/>
+          </a:prstGeom>
+        </p:spPr>
+      </p:pic>
+      <p:sp>
+        <p:nvSpPr>
+          <p:cNvPr id="2" name="TextBox 1">
+            <a:extLst>
+              <a:ext uri="{FF2B5EF4-FFF2-40B4-BE49-F238E27FC236}">
+                <a16:creationId xmlns:a16="http://schemas.microsoft.com/office/drawing/2014/main" id="{95EAFD46-64F1-4840-B77E-76816183096E}"/>
+              </a:ext>
+            </a:extLst>
+          </p:cNvPr>
+          <p:cNvSpPr txBox="1"/>
+          <p:nvPr/>
+        </p:nvSpPr>
+        <p:spPr>
+          <a:xfrm>
+            <a:off x="6780944" y="595901"/>
+            <a:ext cx="3826689" cy="369332"/>
+          </a:xfrm>
+          <a:prstGeom prst="rect">
+            <a:avLst/>
+          </a:prstGeom>
+          <a:noFill/>
+        </p:spPr>
+        <p:txBody>
+          <a:bodyPr wrap="none" rtlCol="0">
+            <a:spAutoFit/>
+          </a:bodyPr>
+          <a:lstStyle/>
+          <a:p>
+            <a:r>
+              <a:rPr lang="en-US" b="1" dirty="0"/>
+              <a:t>1. OVERVIEW JAVA – OPERATORS</a:t>
+            </a:r>
+          </a:p>
+        </p:txBody>
+      </p:sp>
+      <p:sp>
+        <p:nvSpPr>
+          <p:cNvPr id="8" name="Tekstvak 6">
+            <a:extLst>
+              <a:ext uri="{FF2B5EF4-FFF2-40B4-BE49-F238E27FC236}">
+                <a16:creationId xmlns:a16="http://schemas.microsoft.com/office/drawing/2014/main" id="{A97BDFA1-1198-214C-9E40-EFC2B55537B4}"/>
+              </a:ext>
+            </a:extLst>
+          </p:cNvPr>
+          <p:cNvSpPr txBox="1"/>
+          <p:nvPr/>
+        </p:nvSpPr>
+        <p:spPr>
+          <a:xfrm>
+            <a:off x="580434" y="1423959"/>
+            <a:ext cx="10628671" cy="369332"/>
+          </a:xfrm>
+          <a:prstGeom prst="rect">
+            <a:avLst/>
+          </a:prstGeom>
+          <a:noFill/>
+        </p:spPr>
+        <p:txBody>
+          <a:bodyPr wrap="square" rtlCol="0">
+            <a:spAutoFit/>
+          </a:bodyPr>
+          <a:lstStyle/>
+          <a:p>
+            <a:r>
+              <a:rPr lang="nl-NL" dirty="0" err="1">
+                <a:cs typeface="Arial" panose="020B0604020202020204" pitchFamily="34" charset="0"/>
+              </a:rPr>
+              <a:t>Boolean</a:t>
+            </a:r>
+            <a:r>
+              <a:rPr lang="nl-NL" dirty="0">
+                <a:cs typeface="Arial" panose="020B0604020202020204" pitchFamily="34" charset="0"/>
+              </a:rPr>
+              <a:t> </a:t>
+            </a:r>
+            <a:r>
+              <a:rPr lang="nl-NL" dirty="0" err="1">
+                <a:cs typeface="Arial" panose="020B0604020202020204" pitchFamily="34" charset="0"/>
+              </a:rPr>
+              <a:t>logical</a:t>
+            </a:r>
+            <a:r>
+              <a:rPr lang="nl-NL" dirty="0">
+                <a:cs typeface="Arial" panose="020B0604020202020204" pitchFamily="34" charset="0"/>
+              </a:rPr>
+              <a:t> operators (</a:t>
+            </a:r>
+            <a:r>
+              <a:rPr lang="nl-NL" dirty="0" err="1">
+                <a:cs typeface="Arial" panose="020B0604020202020204" pitchFamily="34" charset="0"/>
+              </a:rPr>
+              <a:t>see</a:t>
+            </a:r>
+            <a:r>
+              <a:rPr lang="nl-NL" dirty="0">
+                <a:cs typeface="Arial" panose="020B0604020202020204" pitchFamily="34" charset="0"/>
+              </a:rPr>
+              <a:t> code </a:t>
+            </a:r>
+            <a:r>
+              <a:rPr lang="nl-NL" dirty="0" err="1">
+                <a:cs typeface="Arial" panose="020B0604020202020204" pitchFamily="34" charset="0"/>
+              </a:rPr>
+              <a:t>examples</a:t>
+            </a:r>
+            <a:r>
+              <a:rPr lang="nl-NL" dirty="0">
+                <a:cs typeface="Arial" panose="020B0604020202020204" pitchFamily="34" charset="0"/>
+              </a:rPr>
+              <a:t> </a:t>
+            </a:r>
+            <a:r>
+              <a:rPr lang="nl-NL" dirty="0" err="1">
+                <a:cs typeface="Arial" panose="020B0604020202020204" pitchFamily="34" charset="0"/>
+              </a:rPr>
+              <a:t>BooleanLogical</a:t>
+            </a:r>
+            <a:r>
+              <a:rPr lang="nl-NL" dirty="0">
+                <a:cs typeface="Arial" panose="020B0604020202020204" pitchFamily="34" charset="0"/>
+              </a:rPr>
+              <a:t> </a:t>
+            </a:r>
+            <a:r>
+              <a:rPr lang="nl-NL" dirty="0" err="1">
+                <a:cs typeface="Arial" panose="020B0604020202020204" pitchFamily="34" charset="0"/>
+              </a:rPr>
+              <a:t>and</a:t>
+            </a:r>
+            <a:r>
+              <a:rPr lang="nl-NL" dirty="0">
+                <a:cs typeface="Arial" panose="020B0604020202020204" pitchFamily="34" charset="0"/>
+              </a:rPr>
+              <a:t> </a:t>
+            </a:r>
+            <a:r>
+              <a:rPr lang="nl-NL" dirty="0" err="1">
+                <a:cs typeface="Arial" panose="020B0604020202020204" pitchFamily="34" charset="0"/>
+              </a:rPr>
+              <a:t>ShortCircuitAnd</a:t>
+            </a:r>
+            <a:r>
+              <a:rPr lang="nl-NL" dirty="0">
+                <a:cs typeface="Arial" panose="020B0604020202020204" pitchFamily="34" charset="0"/>
+              </a:rPr>
+              <a:t>)</a:t>
+            </a:r>
+          </a:p>
+        </p:txBody>
+      </p:sp>
+      <p:pic>
+        <p:nvPicPr>
+          <p:cNvPr id="5" name="Picture 4">
+            <a:extLst>
+              <a:ext uri="{FF2B5EF4-FFF2-40B4-BE49-F238E27FC236}">
+                <a16:creationId xmlns:a16="http://schemas.microsoft.com/office/drawing/2014/main" id="{EE88BB11-2E33-A34D-929B-F217F6541C01}"/>
+              </a:ext>
+            </a:extLst>
+          </p:cNvPr>
+          <p:cNvPicPr>
+            <a:picLocks noChangeAspect="1"/>
+          </p:cNvPicPr>
+          <p:nvPr/>
+        </p:nvPicPr>
+        <p:blipFill>
+          <a:blip r:embed="rId3"/>
+          <a:stretch>
+            <a:fillRect/>
+          </a:stretch>
+        </p:blipFill>
+        <p:spPr>
+          <a:xfrm>
+            <a:off x="1715784" y="2037619"/>
+            <a:ext cx="8816440" cy="3763498"/>
+          </a:xfrm>
+          <a:prstGeom prst="rect">
+            <a:avLst/>
+          </a:prstGeom>
+        </p:spPr>
+      </p:pic>
+    </p:spTree>
+    <p:extLst>
+      <p:ext uri="{BB962C8B-B14F-4D97-AF65-F5344CB8AC3E}">
+        <p14:creationId xmlns:p14="http://schemas.microsoft.com/office/powerpoint/2010/main" val="3047780323"/>
+      </p:ext>
+    </p:extLst>
+  </p:cSld>
+  <p:clrMapOvr>
+    <a:masterClrMapping/>
+  </p:clrMapOvr>
+</p:sld>
+</file>
+
+<file path=ppt/slides/slide38.xml><?xml version="1.0" encoding="utf-8"?>
+<p:sld xmlns:a="http://schemas.openxmlformats.org/drawingml/2006/main" xmlns:r="http://schemas.openxmlformats.org/officeDocument/2006/relationships" xmlns:p="http://schemas.openxmlformats.org/presentationml/2006/main">
+  <p:cSld>
+    <p:spTree>
+      <p:nvGrpSpPr>
+        <p:cNvPr id="1" name=""/>
+        <p:cNvGrpSpPr/>
+        <p:nvPr/>
+      </p:nvGrpSpPr>
+      <p:grpSpPr>
+        <a:xfrm>
+          <a:off x="0" y="0"/>
+          <a:ext cx="0" cy="0"/>
+          <a:chOff x="0" y="0"/>
+          <a:chExt cx="0" cy="0"/>
+        </a:xfrm>
+      </p:grpSpPr>
+      <p:sp>
+        <p:nvSpPr>
+          <p:cNvPr id="4" name="Tijdelijke aanduiding voor dianummer 3">
+            <a:extLst>
+              <a:ext uri="{FF2B5EF4-FFF2-40B4-BE49-F238E27FC236}">
+                <a16:creationId xmlns:a16="http://schemas.microsoft.com/office/drawing/2014/main" id="{3A5772F8-4CF1-C845-9BC1-EA3B74DF606F}"/>
+              </a:ext>
+            </a:extLst>
+          </p:cNvPr>
+          <p:cNvSpPr>
+            <a:spLocks noGrp="1"/>
+          </p:cNvSpPr>
+          <p:nvPr>
+            <p:ph type="sldNum" sz="quarter" idx="12"/>
+          </p:nvPr>
+        </p:nvSpPr>
+        <p:spPr/>
+        <p:txBody>
+          <a:bodyPr/>
+          <a:lstStyle/>
+          <a:p>
+            <a:fld id="{49F81993-47B1-3743-8AA2-20AB26FB445E}" type="slidenum">
+              <a:rPr lang="nl-NL" smtClean="0"/>
+              <a:t>38</a:t>
+            </a:fld>
+            <a:endParaRPr lang="nl-NL"/>
+          </a:p>
+        </p:txBody>
+      </p:sp>
+      <p:pic>
+        <p:nvPicPr>
+          <p:cNvPr id="6" name="Picture 1">
+            <a:extLst>
+              <a:ext uri="{FF2B5EF4-FFF2-40B4-BE49-F238E27FC236}">
+                <a16:creationId xmlns:a16="http://schemas.microsoft.com/office/drawing/2014/main" id="{D06E817C-76DD-0F44-ADB0-7048E1EBF455}"/>
+              </a:ext>
+            </a:extLst>
+          </p:cNvPr>
+          <p:cNvPicPr/>
+          <p:nvPr/>
+        </p:nvPicPr>
+        <p:blipFill>
+          <a:blip r:embed="rId2">
+            <a:extLst>
+              <a:ext uri="{28A0092B-C50C-407E-A947-70E740481C1C}">
+                <a14:useLocalDpi xmlns:a14="http://schemas.microsoft.com/office/drawing/2010/main" val="0"/>
+              </a:ext>
+            </a:extLst>
+          </a:blip>
+          <a:stretch>
+            <a:fillRect/>
+          </a:stretch>
+        </p:blipFill>
+        <p:spPr>
+          <a:xfrm>
+            <a:off x="160255" y="509048"/>
+            <a:ext cx="1912095" cy="456054"/>
+          </a:xfrm>
+          <a:prstGeom prst="rect">
+            <a:avLst/>
+          </a:prstGeom>
+        </p:spPr>
+      </p:pic>
+      <p:sp>
+        <p:nvSpPr>
+          <p:cNvPr id="2" name="TextBox 1">
+            <a:extLst>
+              <a:ext uri="{FF2B5EF4-FFF2-40B4-BE49-F238E27FC236}">
+                <a16:creationId xmlns:a16="http://schemas.microsoft.com/office/drawing/2014/main" id="{95EAFD46-64F1-4840-B77E-76816183096E}"/>
+              </a:ext>
+            </a:extLst>
+          </p:cNvPr>
+          <p:cNvSpPr txBox="1"/>
+          <p:nvPr/>
+        </p:nvSpPr>
+        <p:spPr>
+          <a:xfrm>
+            <a:off x="6780944" y="595901"/>
+            <a:ext cx="4179349" cy="369332"/>
+          </a:xfrm>
+          <a:prstGeom prst="rect">
+            <a:avLst/>
+          </a:prstGeom>
+          <a:noFill/>
+        </p:spPr>
+        <p:txBody>
+          <a:bodyPr wrap="none" rtlCol="0">
+            <a:spAutoFit/>
+          </a:bodyPr>
+          <a:lstStyle/>
+          <a:p>
+            <a:r>
+              <a:rPr lang="en-US" b="1" dirty="0"/>
+              <a:t>1. OVERVIEW JAVA – CONSTRUCTOR</a:t>
+            </a:r>
+          </a:p>
+        </p:txBody>
+      </p:sp>
+      <p:sp>
+        <p:nvSpPr>
+          <p:cNvPr id="8" name="Tekstvak 6">
+            <a:extLst>
+              <a:ext uri="{FF2B5EF4-FFF2-40B4-BE49-F238E27FC236}">
+                <a16:creationId xmlns:a16="http://schemas.microsoft.com/office/drawing/2014/main" id="{A97BDFA1-1198-214C-9E40-EFC2B55537B4}"/>
+              </a:ext>
+            </a:extLst>
+          </p:cNvPr>
+          <p:cNvSpPr txBox="1"/>
+          <p:nvPr/>
+        </p:nvSpPr>
+        <p:spPr>
+          <a:xfrm>
+            <a:off x="580434" y="1568262"/>
+            <a:ext cx="10628671" cy="3139321"/>
+          </a:xfrm>
+          <a:prstGeom prst="rect">
+            <a:avLst/>
+          </a:prstGeom>
+          <a:noFill/>
+        </p:spPr>
+        <p:txBody>
+          <a:bodyPr wrap="square" rtlCol="0">
+            <a:spAutoFit/>
+          </a:bodyPr>
+          <a:lstStyle/>
+          <a:p>
+            <a:r>
+              <a:rPr lang="nl-NL" dirty="0" err="1"/>
+              <a:t>Constructors</a:t>
+            </a:r>
+            <a:r>
+              <a:rPr lang="nl-NL" dirty="0"/>
+              <a:t> are </a:t>
+            </a:r>
+            <a:r>
+              <a:rPr lang="nl-NL" dirty="0" err="1"/>
+              <a:t>used</a:t>
+            </a:r>
+            <a:r>
+              <a:rPr lang="nl-NL" dirty="0"/>
+              <a:t> </a:t>
+            </a:r>
+            <a:r>
+              <a:rPr lang="nl-NL" dirty="0" err="1"/>
+              <a:t>for</a:t>
+            </a:r>
+            <a:r>
+              <a:rPr lang="nl-NL" dirty="0"/>
+              <a:t> </a:t>
+            </a:r>
+            <a:r>
+              <a:rPr lang="nl-NL" dirty="0" err="1"/>
+              <a:t>creating</a:t>
+            </a:r>
+            <a:r>
+              <a:rPr lang="nl-NL" dirty="0"/>
+              <a:t> </a:t>
+            </a:r>
+            <a:r>
+              <a:rPr lang="nl-NL" dirty="0" err="1"/>
+              <a:t>an</a:t>
+            </a:r>
+            <a:r>
+              <a:rPr lang="nl-NL" dirty="0"/>
+              <a:t> </a:t>
+            </a:r>
+            <a:r>
+              <a:rPr lang="nl-NL" dirty="0" err="1"/>
+              <a:t>instance</a:t>
+            </a:r>
+            <a:r>
+              <a:rPr lang="nl-NL" dirty="0"/>
+              <a:t> / object of a Class.</a:t>
+            </a:r>
+          </a:p>
+          <a:p>
+            <a:endParaRPr lang="nl-NL" dirty="0">
+              <a:cs typeface="Arial" panose="020B0604020202020204" pitchFamily="34" charset="0"/>
+            </a:endParaRPr>
+          </a:p>
+          <a:p>
+            <a:r>
+              <a:rPr lang="nl-NL" dirty="0">
+                <a:cs typeface="Arial" panose="020B0604020202020204" pitchFamily="34" charset="0"/>
+              </a:rPr>
+              <a:t>Make </a:t>
+            </a:r>
+            <a:r>
+              <a:rPr lang="nl-NL" dirty="0" err="1">
+                <a:cs typeface="Arial" panose="020B0604020202020204" pitchFamily="34" charset="0"/>
+              </a:rPr>
+              <a:t>sure</a:t>
+            </a:r>
+            <a:r>
+              <a:rPr lang="nl-NL" dirty="0">
+                <a:cs typeface="Arial" panose="020B0604020202020204" pitchFamily="34" charset="0"/>
+              </a:rPr>
+              <a:t> </a:t>
+            </a:r>
+            <a:r>
+              <a:rPr lang="nl-NL" dirty="0" err="1">
+                <a:cs typeface="Arial" panose="020B0604020202020204" pitchFamily="34" charset="0"/>
+              </a:rPr>
+              <a:t>that</a:t>
+            </a:r>
+            <a:r>
+              <a:rPr lang="nl-NL" dirty="0">
+                <a:cs typeface="Arial" panose="020B0604020202020204" pitchFamily="34" charset="0"/>
+              </a:rPr>
+              <a:t> </a:t>
+            </a:r>
+            <a:r>
+              <a:rPr lang="nl-NL" dirty="0" err="1">
+                <a:cs typeface="Arial" panose="020B0604020202020204" pitchFamily="34" charset="0"/>
+              </a:rPr>
+              <a:t>when</a:t>
+            </a:r>
+            <a:r>
+              <a:rPr lang="nl-NL" dirty="0">
+                <a:cs typeface="Arial" panose="020B0604020202020204" pitchFamily="34" charset="0"/>
+              </a:rPr>
+              <a:t> a </a:t>
+            </a:r>
+            <a:r>
+              <a:rPr lang="nl-NL" dirty="0" err="1">
+                <a:cs typeface="Arial" panose="020B0604020202020204" pitchFamily="34" charset="0"/>
+              </a:rPr>
+              <a:t>constructor</a:t>
+            </a:r>
+            <a:r>
+              <a:rPr lang="nl-NL" dirty="0">
+                <a:cs typeface="Arial" panose="020B0604020202020204" pitchFamily="34" charset="0"/>
+              </a:rPr>
+              <a:t> is </a:t>
+            </a:r>
+            <a:r>
+              <a:rPr lang="nl-NL" dirty="0" err="1">
+                <a:cs typeface="Arial" panose="020B0604020202020204" pitchFamily="34" charset="0"/>
+              </a:rPr>
+              <a:t>executed</a:t>
+            </a:r>
+            <a:r>
+              <a:rPr lang="nl-NL" dirty="0">
+                <a:cs typeface="Arial" panose="020B0604020202020204" pitchFamily="34" charset="0"/>
+              </a:rPr>
+              <a:t>, </a:t>
+            </a:r>
+            <a:r>
+              <a:rPr lang="nl-NL" dirty="0" err="1">
+                <a:cs typeface="Arial" panose="020B0604020202020204" pitchFamily="34" charset="0"/>
+              </a:rPr>
+              <a:t>the</a:t>
+            </a:r>
+            <a:r>
+              <a:rPr lang="nl-NL" dirty="0">
+                <a:cs typeface="Arial" panose="020B0604020202020204" pitchFamily="34" charset="0"/>
+              </a:rPr>
+              <a:t> state of </a:t>
+            </a:r>
+            <a:r>
+              <a:rPr lang="nl-NL" dirty="0" err="1">
+                <a:cs typeface="Arial" panose="020B0604020202020204" pitchFamily="34" charset="0"/>
+              </a:rPr>
+              <a:t>the</a:t>
+            </a:r>
+            <a:r>
+              <a:rPr lang="nl-NL" dirty="0">
+                <a:cs typeface="Arial" panose="020B0604020202020204" pitchFamily="34" charset="0"/>
+              </a:rPr>
+              <a:t> class is complete </a:t>
+            </a:r>
+            <a:r>
+              <a:rPr lang="nl-NL" dirty="0" err="1">
+                <a:cs typeface="Arial" panose="020B0604020202020204" pitchFamily="34" charset="0"/>
+              </a:rPr>
+              <a:t>and</a:t>
+            </a:r>
+            <a:r>
+              <a:rPr lang="nl-NL" dirty="0">
+                <a:cs typeface="Arial" panose="020B0604020202020204" pitchFamily="34" charset="0"/>
+              </a:rPr>
+              <a:t> </a:t>
+            </a:r>
+            <a:r>
+              <a:rPr lang="nl-NL" dirty="0" err="1">
+                <a:cs typeface="Arial" panose="020B0604020202020204" pitchFamily="34" charset="0"/>
+              </a:rPr>
+              <a:t>all</a:t>
+            </a:r>
+            <a:r>
+              <a:rPr lang="nl-NL" dirty="0">
+                <a:cs typeface="Arial" panose="020B0604020202020204" pitchFamily="34" charset="0"/>
+              </a:rPr>
+              <a:t> </a:t>
+            </a:r>
+            <a:r>
+              <a:rPr lang="nl-NL" dirty="0" err="1">
+                <a:cs typeface="Arial" panose="020B0604020202020204" pitchFamily="34" charset="0"/>
+              </a:rPr>
+              <a:t>required</a:t>
+            </a:r>
+            <a:r>
+              <a:rPr lang="nl-NL" dirty="0">
+                <a:cs typeface="Arial" panose="020B0604020202020204" pitchFamily="34" charset="0"/>
+              </a:rPr>
+              <a:t> fields </a:t>
+            </a:r>
+            <a:r>
+              <a:rPr lang="nl-NL" dirty="0" err="1">
+                <a:cs typeface="Arial" panose="020B0604020202020204" pitchFamily="34" charset="0"/>
+              </a:rPr>
+              <a:t>should</a:t>
+            </a:r>
+            <a:r>
+              <a:rPr lang="nl-NL" dirty="0">
+                <a:cs typeface="Arial" panose="020B0604020202020204" pitchFamily="34" charset="0"/>
+              </a:rPr>
+              <a:t> have a </a:t>
+            </a:r>
+            <a:r>
+              <a:rPr lang="nl-NL" dirty="0" err="1">
+                <a:cs typeface="Arial" panose="020B0604020202020204" pitchFamily="34" charset="0"/>
+              </a:rPr>
+              <a:t>value</a:t>
+            </a:r>
+            <a:r>
+              <a:rPr lang="nl-NL" dirty="0">
+                <a:cs typeface="Arial" panose="020B0604020202020204" pitchFamily="34" charset="0"/>
+              </a:rPr>
+              <a:t>.</a:t>
+            </a:r>
+          </a:p>
+          <a:p>
+            <a:endParaRPr lang="nl-NL" dirty="0">
+              <a:cs typeface="Arial" panose="020B0604020202020204" pitchFamily="34" charset="0"/>
+            </a:endParaRPr>
+          </a:p>
+          <a:p>
+            <a:pPr marL="285750" indent="-285750">
+              <a:buFontTx/>
+              <a:buChar char="-"/>
+            </a:pPr>
+            <a:r>
+              <a:rPr lang="nl-NL" dirty="0" err="1">
+                <a:cs typeface="Arial" panose="020B0604020202020204" pitchFamily="34" charset="0"/>
+              </a:rPr>
+              <a:t>When</a:t>
+            </a:r>
+            <a:r>
+              <a:rPr lang="nl-NL" dirty="0">
+                <a:cs typeface="Arial" panose="020B0604020202020204" pitchFamily="34" charset="0"/>
+              </a:rPr>
+              <a:t> no </a:t>
+            </a:r>
+            <a:r>
+              <a:rPr lang="nl-NL" dirty="0" err="1">
+                <a:cs typeface="Arial" panose="020B0604020202020204" pitchFamily="34" charset="0"/>
+              </a:rPr>
+              <a:t>constructor</a:t>
+            </a:r>
+            <a:r>
+              <a:rPr lang="nl-NL" dirty="0">
+                <a:cs typeface="Arial" panose="020B0604020202020204" pitchFamily="34" charset="0"/>
+              </a:rPr>
+              <a:t> is </a:t>
+            </a:r>
+            <a:r>
+              <a:rPr lang="nl-NL" dirty="0" err="1">
+                <a:cs typeface="Arial" panose="020B0604020202020204" pitchFamily="34" charset="0"/>
+              </a:rPr>
+              <a:t>defined</a:t>
+            </a:r>
+            <a:r>
+              <a:rPr lang="nl-NL" dirty="0">
+                <a:cs typeface="Arial" panose="020B0604020202020204" pitchFamily="34" charset="0"/>
+              </a:rPr>
+              <a:t> a default (no argument) </a:t>
+            </a:r>
+            <a:r>
+              <a:rPr lang="nl-NL" dirty="0" err="1">
+                <a:cs typeface="Arial" panose="020B0604020202020204" pitchFamily="34" charset="0"/>
+              </a:rPr>
+              <a:t>constructor</a:t>
+            </a:r>
+            <a:r>
+              <a:rPr lang="nl-NL" dirty="0">
+                <a:cs typeface="Arial" panose="020B0604020202020204" pitchFamily="34" charset="0"/>
+              </a:rPr>
+              <a:t> is </a:t>
+            </a:r>
+            <a:r>
+              <a:rPr lang="nl-NL" dirty="0" err="1">
+                <a:cs typeface="Arial" panose="020B0604020202020204" pitchFamily="34" charset="0"/>
+              </a:rPr>
+              <a:t>added</a:t>
+            </a:r>
+            <a:r>
+              <a:rPr lang="nl-NL" dirty="0">
+                <a:cs typeface="Arial" panose="020B0604020202020204" pitchFamily="34" charset="0"/>
+              </a:rPr>
+              <a:t> </a:t>
+            </a:r>
+            <a:r>
+              <a:rPr lang="nl-NL" dirty="0" err="1">
+                <a:cs typeface="Arial" panose="020B0604020202020204" pitchFamily="34" charset="0"/>
+              </a:rPr>
+              <a:t>by</a:t>
+            </a:r>
+            <a:r>
+              <a:rPr lang="nl-NL" dirty="0">
+                <a:cs typeface="Arial" panose="020B0604020202020204" pitchFamily="34" charset="0"/>
+              </a:rPr>
+              <a:t> </a:t>
+            </a:r>
+            <a:r>
+              <a:rPr lang="nl-NL" dirty="0" err="1">
+                <a:cs typeface="Arial" panose="020B0604020202020204" pitchFamily="34" charset="0"/>
+              </a:rPr>
+              <a:t>the</a:t>
+            </a:r>
+            <a:r>
+              <a:rPr lang="nl-NL" dirty="0">
+                <a:cs typeface="Arial" panose="020B0604020202020204" pitchFamily="34" charset="0"/>
+              </a:rPr>
+              <a:t> compiler.</a:t>
+            </a:r>
+          </a:p>
+          <a:p>
+            <a:pPr marL="285750" indent="-285750">
+              <a:buFontTx/>
+              <a:buChar char="-"/>
+            </a:pPr>
+            <a:r>
+              <a:rPr lang="nl-NL" dirty="0" err="1">
+                <a:cs typeface="Arial" panose="020B0604020202020204" pitchFamily="34" charset="0"/>
+              </a:rPr>
+              <a:t>Then</a:t>
+            </a:r>
+            <a:r>
+              <a:rPr lang="nl-NL" dirty="0">
+                <a:cs typeface="Arial" panose="020B0604020202020204" pitchFamily="34" charset="0"/>
+              </a:rPr>
+              <a:t> name of </a:t>
+            </a:r>
+            <a:r>
+              <a:rPr lang="nl-NL" dirty="0" err="1">
+                <a:cs typeface="Arial" panose="020B0604020202020204" pitchFamily="34" charset="0"/>
+              </a:rPr>
+              <a:t>the</a:t>
+            </a:r>
+            <a:r>
+              <a:rPr lang="nl-NL" dirty="0">
+                <a:cs typeface="Arial" panose="020B0604020202020204" pitchFamily="34" charset="0"/>
+              </a:rPr>
+              <a:t> </a:t>
+            </a:r>
+            <a:r>
+              <a:rPr lang="nl-NL" dirty="0" err="1">
+                <a:cs typeface="Arial" panose="020B0604020202020204" pitchFamily="34" charset="0"/>
+              </a:rPr>
+              <a:t>constructor</a:t>
+            </a:r>
+            <a:r>
+              <a:rPr lang="nl-NL" dirty="0">
+                <a:cs typeface="Arial" panose="020B0604020202020204" pitchFamily="34" charset="0"/>
+              </a:rPr>
+              <a:t> is </a:t>
+            </a:r>
+            <a:r>
+              <a:rPr lang="nl-NL" dirty="0" err="1">
+                <a:cs typeface="Arial" panose="020B0604020202020204" pitchFamily="34" charset="0"/>
+              </a:rPr>
+              <a:t>the</a:t>
+            </a:r>
+            <a:r>
+              <a:rPr lang="nl-NL" dirty="0">
+                <a:cs typeface="Arial" panose="020B0604020202020204" pitchFamily="34" charset="0"/>
+              </a:rPr>
+              <a:t> </a:t>
+            </a:r>
+            <a:r>
+              <a:rPr lang="nl-NL" dirty="0" err="1">
+                <a:cs typeface="Arial" panose="020B0604020202020204" pitchFamily="34" charset="0"/>
+              </a:rPr>
+              <a:t>same</a:t>
+            </a:r>
+            <a:r>
+              <a:rPr lang="nl-NL" dirty="0">
+                <a:cs typeface="Arial" panose="020B0604020202020204" pitchFamily="34" charset="0"/>
+              </a:rPr>
+              <a:t> as </a:t>
+            </a:r>
+            <a:r>
+              <a:rPr lang="nl-NL" dirty="0" err="1">
+                <a:cs typeface="Arial" panose="020B0604020202020204" pitchFamily="34" charset="0"/>
+              </a:rPr>
+              <a:t>the</a:t>
+            </a:r>
+            <a:r>
+              <a:rPr lang="nl-NL" dirty="0">
+                <a:cs typeface="Arial" panose="020B0604020202020204" pitchFamily="34" charset="0"/>
+              </a:rPr>
+              <a:t> name of </a:t>
+            </a:r>
+            <a:r>
+              <a:rPr lang="nl-NL" dirty="0" err="1">
+                <a:cs typeface="Arial" panose="020B0604020202020204" pitchFamily="34" charset="0"/>
+              </a:rPr>
+              <a:t>the</a:t>
+            </a:r>
+            <a:r>
+              <a:rPr lang="nl-NL" dirty="0">
+                <a:cs typeface="Arial" panose="020B0604020202020204" pitchFamily="34" charset="0"/>
+              </a:rPr>
+              <a:t> class</a:t>
+            </a:r>
+          </a:p>
+          <a:p>
+            <a:pPr marL="285750" indent="-285750">
+              <a:buFontTx/>
+              <a:buChar char="-"/>
+            </a:pPr>
+            <a:r>
+              <a:rPr lang="nl-NL" dirty="0" err="1">
+                <a:cs typeface="Arial" panose="020B0604020202020204" pitchFamily="34" charset="0"/>
+              </a:rPr>
+              <a:t>There</a:t>
+            </a:r>
+            <a:r>
+              <a:rPr lang="nl-NL" dirty="0">
+                <a:cs typeface="Arial" panose="020B0604020202020204" pitchFamily="34" charset="0"/>
+              </a:rPr>
+              <a:t> </a:t>
+            </a:r>
+            <a:r>
+              <a:rPr lang="nl-NL" dirty="0" err="1">
+                <a:cs typeface="Arial" panose="020B0604020202020204" pitchFamily="34" charset="0"/>
+              </a:rPr>
+              <a:t>can</a:t>
+            </a:r>
+            <a:r>
+              <a:rPr lang="nl-NL" dirty="0">
+                <a:cs typeface="Arial" panose="020B0604020202020204" pitchFamily="34" charset="0"/>
+              </a:rPr>
+              <a:t> </a:t>
+            </a:r>
+            <a:r>
+              <a:rPr lang="nl-NL" dirty="0" err="1">
+                <a:cs typeface="Arial" panose="020B0604020202020204" pitchFamily="34" charset="0"/>
+              </a:rPr>
+              <a:t>be</a:t>
+            </a:r>
+            <a:r>
+              <a:rPr lang="nl-NL" dirty="0">
+                <a:cs typeface="Arial" panose="020B0604020202020204" pitchFamily="34" charset="0"/>
+              </a:rPr>
+              <a:t> more </a:t>
+            </a:r>
+            <a:r>
+              <a:rPr lang="nl-NL" dirty="0" err="1">
+                <a:cs typeface="Arial" panose="020B0604020202020204" pitchFamily="34" charset="0"/>
+              </a:rPr>
+              <a:t>than</a:t>
+            </a:r>
+            <a:r>
+              <a:rPr lang="nl-NL" dirty="0">
+                <a:cs typeface="Arial" panose="020B0604020202020204" pitchFamily="34" charset="0"/>
+              </a:rPr>
+              <a:t> 1 </a:t>
+            </a:r>
+            <a:r>
+              <a:rPr lang="nl-NL" dirty="0" err="1">
+                <a:cs typeface="Arial" panose="020B0604020202020204" pitchFamily="34" charset="0"/>
+              </a:rPr>
+              <a:t>constructor</a:t>
+            </a:r>
+            <a:r>
+              <a:rPr lang="nl-NL" dirty="0">
+                <a:cs typeface="Arial" panose="020B0604020202020204" pitchFamily="34" charset="0"/>
+              </a:rPr>
+              <a:t> (</a:t>
+            </a:r>
+            <a:r>
+              <a:rPr lang="nl-NL" dirty="0" err="1">
+                <a:cs typeface="Arial" panose="020B0604020202020204" pitchFamily="34" charset="0"/>
+              </a:rPr>
+              <a:t>overload</a:t>
+            </a:r>
+            <a:r>
+              <a:rPr lang="nl-NL" dirty="0">
+                <a:cs typeface="Arial" panose="020B0604020202020204" pitchFamily="34" charset="0"/>
+              </a:rPr>
+              <a:t>)</a:t>
+            </a:r>
+          </a:p>
+          <a:p>
+            <a:pPr marL="285750" indent="-285750">
+              <a:buFontTx/>
+              <a:buChar char="-"/>
+            </a:pPr>
+            <a:r>
+              <a:rPr lang="nl-NL" dirty="0">
+                <a:cs typeface="Arial" panose="020B0604020202020204" pitchFamily="34" charset="0"/>
+              </a:rPr>
+              <a:t>A </a:t>
+            </a:r>
+            <a:r>
+              <a:rPr lang="nl-NL" dirty="0" err="1">
+                <a:cs typeface="Arial" panose="020B0604020202020204" pitchFamily="34" charset="0"/>
+              </a:rPr>
+              <a:t>constructor</a:t>
+            </a:r>
+            <a:r>
+              <a:rPr lang="nl-NL" dirty="0">
+                <a:cs typeface="Arial" panose="020B0604020202020204" pitchFamily="34" charset="0"/>
+              </a:rPr>
+              <a:t> is </a:t>
+            </a:r>
+            <a:r>
+              <a:rPr lang="nl-NL" dirty="0" err="1">
+                <a:cs typeface="Arial" panose="020B0604020202020204" pitchFamily="34" charset="0"/>
+              </a:rPr>
+              <a:t>called</a:t>
+            </a:r>
+            <a:r>
+              <a:rPr lang="nl-NL" dirty="0">
+                <a:cs typeface="Arial" panose="020B0604020202020204" pitchFamily="34" charset="0"/>
+              </a:rPr>
+              <a:t> </a:t>
+            </a:r>
+            <a:r>
+              <a:rPr lang="nl-NL" dirty="0" err="1">
+                <a:cs typeface="Arial" panose="020B0604020202020204" pitchFamily="34" charset="0"/>
+              </a:rPr>
+              <a:t>by</a:t>
+            </a:r>
+            <a:r>
+              <a:rPr lang="nl-NL" dirty="0">
+                <a:cs typeface="Arial" panose="020B0604020202020204" pitchFamily="34" charset="0"/>
+              </a:rPr>
+              <a:t> </a:t>
+            </a:r>
+            <a:r>
+              <a:rPr lang="nl-NL" dirty="0" err="1">
+                <a:cs typeface="Arial" panose="020B0604020202020204" pitchFamily="34" charset="0"/>
+              </a:rPr>
+              <a:t>using</a:t>
+            </a:r>
+            <a:r>
+              <a:rPr lang="nl-NL" dirty="0">
+                <a:cs typeface="Arial" panose="020B0604020202020204" pitchFamily="34" charset="0"/>
+              </a:rPr>
+              <a:t> </a:t>
+            </a:r>
+            <a:r>
+              <a:rPr lang="nl-NL" dirty="0" err="1">
+                <a:cs typeface="Arial" panose="020B0604020202020204" pitchFamily="34" charset="0"/>
+              </a:rPr>
+              <a:t>the</a:t>
+            </a:r>
+            <a:r>
+              <a:rPr lang="nl-NL" dirty="0">
+                <a:cs typeface="Arial" panose="020B0604020202020204" pitchFamily="34" charset="0"/>
+              </a:rPr>
+              <a:t> </a:t>
+            </a:r>
+            <a:r>
+              <a:rPr lang="nl-NL" b="1" dirty="0">
+                <a:cs typeface="Arial" panose="020B0604020202020204" pitchFamily="34" charset="0"/>
+              </a:rPr>
+              <a:t>new </a:t>
+            </a:r>
+            <a:r>
+              <a:rPr lang="nl-NL" dirty="0" err="1">
+                <a:cs typeface="Arial" panose="020B0604020202020204" pitchFamily="34" charset="0"/>
+              </a:rPr>
+              <a:t>keyword</a:t>
+            </a:r>
+            <a:endParaRPr lang="nl-NL" dirty="0">
+              <a:cs typeface="Arial" panose="020B0604020202020204" pitchFamily="34" charset="0"/>
+            </a:endParaRPr>
+          </a:p>
+          <a:p>
+            <a:pPr marL="285750" indent="-285750">
+              <a:buFontTx/>
+              <a:buChar char="-"/>
+            </a:pPr>
+            <a:r>
+              <a:rPr lang="nl-NL" dirty="0" err="1">
+                <a:cs typeface="Arial" panose="020B0604020202020204" pitchFamily="34" charset="0"/>
+              </a:rPr>
+              <a:t>When</a:t>
+            </a:r>
+            <a:r>
+              <a:rPr lang="nl-NL" dirty="0">
+                <a:cs typeface="Arial" panose="020B0604020202020204" pitchFamily="34" charset="0"/>
+              </a:rPr>
+              <a:t> </a:t>
+            </a:r>
+            <a:r>
+              <a:rPr lang="nl-NL" dirty="0" err="1">
+                <a:cs typeface="Arial" panose="020B0604020202020204" pitchFamily="34" charset="0"/>
+              </a:rPr>
+              <a:t>not</a:t>
+            </a:r>
+            <a:r>
+              <a:rPr lang="nl-NL" dirty="0">
+                <a:cs typeface="Arial" panose="020B0604020202020204" pitchFamily="34" charset="0"/>
+              </a:rPr>
+              <a:t> set fields </a:t>
+            </a:r>
+            <a:r>
+              <a:rPr lang="nl-NL" dirty="0" err="1">
+                <a:cs typeface="Arial" panose="020B0604020202020204" pitchFamily="34" charset="0"/>
+              </a:rPr>
+              <a:t>will</a:t>
+            </a:r>
+            <a:r>
+              <a:rPr lang="nl-NL" dirty="0">
+                <a:cs typeface="Arial" panose="020B0604020202020204" pitchFamily="34" charset="0"/>
+              </a:rPr>
+              <a:t> </a:t>
+            </a:r>
+            <a:r>
+              <a:rPr lang="nl-NL" dirty="0" err="1">
+                <a:cs typeface="Arial" panose="020B0604020202020204" pitchFamily="34" charset="0"/>
+              </a:rPr>
+              <a:t>be</a:t>
+            </a:r>
+            <a:r>
+              <a:rPr lang="nl-NL" dirty="0">
+                <a:cs typeface="Arial" panose="020B0604020202020204" pitchFamily="34" charset="0"/>
+              </a:rPr>
+              <a:t> </a:t>
+            </a:r>
+            <a:r>
+              <a:rPr lang="nl-NL" dirty="0" err="1">
+                <a:cs typeface="Arial" panose="020B0604020202020204" pitchFamily="34" charset="0"/>
+              </a:rPr>
+              <a:t>initialized</a:t>
+            </a:r>
+            <a:r>
+              <a:rPr lang="nl-NL" dirty="0">
+                <a:cs typeface="Arial" panose="020B0604020202020204" pitchFamily="34" charset="0"/>
+              </a:rPr>
+              <a:t> </a:t>
+            </a:r>
+            <a:r>
+              <a:rPr lang="nl-NL" dirty="0" err="1">
+                <a:cs typeface="Arial" panose="020B0604020202020204" pitchFamily="34" charset="0"/>
+              </a:rPr>
+              <a:t>with</a:t>
+            </a:r>
+            <a:r>
+              <a:rPr lang="nl-NL" dirty="0">
+                <a:cs typeface="Arial" panose="020B0604020202020204" pitchFamily="34" charset="0"/>
+              </a:rPr>
+              <a:t> a default </a:t>
+            </a:r>
+            <a:r>
+              <a:rPr lang="nl-NL" dirty="0" err="1">
+                <a:cs typeface="Arial" panose="020B0604020202020204" pitchFamily="34" charset="0"/>
+              </a:rPr>
+              <a:t>value</a:t>
+            </a:r>
+            <a:endParaRPr lang="nl-NL" dirty="0">
+              <a:cs typeface="Arial" panose="020B0604020202020204" pitchFamily="34" charset="0"/>
+            </a:endParaRPr>
+          </a:p>
+        </p:txBody>
+      </p:sp>
+    </p:spTree>
+    <p:extLst>
+      <p:ext uri="{BB962C8B-B14F-4D97-AF65-F5344CB8AC3E}">
+        <p14:creationId xmlns:p14="http://schemas.microsoft.com/office/powerpoint/2010/main" val="2030125570"/>
+      </p:ext>
+    </p:extLst>
+  </p:cSld>
+  <p:clrMapOvr>
+    <a:masterClrMapping/>
+  </p:clrMapOvr>
+</p:sld>
+</file>
+
+<file path=ppt/slides/slide39.xml><?xml version="1.0" encoding="utf-8"?>
+<p:sld xmlns:a="http://schemas.openxmlformats.org/drawingml/2006/main" xmlns:r="http://schemas.openxmlformats.org/officeDocument/2006/relationships" xmlns:p="http://schemas.openxmlformats.org/presentationml/2006/main">
+  <p:cSld>
+    <p:spTree>
+      <p:nvGrpSpPr>
+        <p:cNvPr id="1" name=""/>
+        <p:cNvGrpSpPr/>
+        <p:nvPr/>
+      </p:nvGrpSpPr>
+      <p:grpSpPr>
+        <a:xfrm>
+          <a:off x="0" y="0"/>
+          <a:ext cx="0" cy="0"/>
+          <a:chOff x="0" y="0"/>
+          <a:chExt cx="0" cy="0"/>
+        </a:xfrm>
+      </p:grpSpPr>
+      <p:sp>
+        <p:nvSpPr>
+          <p:cNvPr id="4" name="Tijdelijke aanduiding voor dianummer 3">
+            <a:extLst>
+              <a:ext uri="{FF2B5EF4-FFF2-40B4-BE49-F238E27FC236}">
+                <a16:creationId xmlns:a16="http://schemas.microsoft.com/office/drawing/2014/main" id="{3A5772F8-4CF1-C845-9BC1-EA3B74DF606F}"/>
+              </a:ext>
+            </a:extLst>
+          </p:cNvPr>
+          <p:cNvSpPr>
+            <a:spLocks noGrp="1"/>
+          </p:cNvSpPr>
+          <p:nvPr>
+            <p:ph type="sldNum" sz="quarter" idx="12"/>
+          </p:nvPr>
+        </p:nvSpPr>
+        <p:spPr/>
+        <p:txBody>
+          <a:bodyPr/>
+          <a:lstStyle/>
+          <a:p>
+            <a:fld id="{49F81993-47B1-3743-8AA2-20AB26FB445E}" type="slidenum">
+              <a:rPr lang="nl-NL" smtClean="0"/>
+              <a:t>39</a:t>
+            </a:fld>
+            <a:endParaRPr lang="nl-NL"/>
+          </a:p>
+        </p:txBody>
+      </p:sp>
+      <p:pic>
+        <p:nvPicPr>
+          <p:cNvPr id="6" name="Picture 1">
+            <a:extLst>
+              <a:ext uri="{FF2B5EF4-FFF2-40B4-BE49-F238E27FC236}">
+                <a16:creationId xmlns:a16="http://schemas.microsoft.com/office/drawing/2014/main" id="{D06E817C-76DD-0F44-ADB0-7048E1EBF455}"/>
+              </a:ext>
+            </a:extLst>
+          </p:cNvPr>
+          <p:cNvPicPr/>
+          <p:nvPr/>
+        </p:nvPicPr>
+        <p:blipFill>
+          <a:blip r:embed="rId2">
+            <a:extLst>
+              <a:ext uri="{28A0092B-C50C-407E-A947-70E740481C1C}">
+                <a14:useLocalDpi xmlns:a14="http://schemas.microsoft.com/office/drawing/2010/main" val="0"/>
+              </a:ext>
+            </a:extLst>
+          </a:blip>
+          <a:stretch>
+            <a:fillRect/>
+          </a:stretch>
+        </p:blipFill>
+        <p:spPr>
+          <a:xfrm>
+            <a:off x="160255" y="509048"/>
+            <a:ext cx="1912095" cy="456054"/>
+          </a:xfrm>
+          <a:prstGeom prst="rect">
+            <a:avLst/>
+          </a:prstGeom>
+        </p:spPr>
+      </p:pic>
+      <p:sp>
+        <p:nvSpPr>
+          <p:cNvPr id="2" name="TextBox 1">
+            <a:extLst>
+              <a:ext uri="{FF2B5EF4-FFF2-40B4-BE49-F238E27FC236}">
+                <a16:creationId xmlns:a16="http://schemas.microsoft.com/office/drawing/2014/main" id="{95EAFD46-64F1-4840-B77E-76816183096E}"/>
+              </a:ext>
+            </a:extLst>
+          </p:cNvPr>
+          <p:cNvSpPr txBox="1"/>
+          <p:nvPr/>
+        </p:nvSpPr>
+        <p:spPr>
+          <a:xfrm>
+            <a:off x="6780944" y="595901"/>
+            <a:ext cx="3379451" cy="369332"/>
+          </a:xfrm>
+          <a:prstGeom prst="rect">
+            <a:avLst/>
+          </a:prstGeom>
+          <a:noFill/>
+        </p:spPr>
+        <p:txBody>
+          <a:bodyPr wrap="none" rtlCol="0">
+            <a:spAutoFit/>
+          </a:bodyPr>
+          <a:lstStyle/>
+          <a:p>
+            <a:r>
+              <a:rPr lang="en-US" b="1" dirty="0"/>
+              <a:t>1. OVERVIEW JAVA – STATICS</a:t>
+            </a:r>
+          </a:p>
+        </p:txBody>
+      </p:sp>
+      <p:sp>
+        <p:nvSpPr>
+          <p:cNvPr id="8" name="Tekstvak 6">
+            <a:extLst>
+              <a:ext uri="{FF2B5EF4-FFF2-40B4-BE49-F238E27FC236}">
+                <a16:creationId xmlns:a16="http://schemas.microsoft.com/office/drawing/2014/main" id="{A97BDFA1-1198-214C-9E40-EFC2B55537B4}"/>
+              </a:ext>
+            </a:extLst>
+          </p:cNvPr>
+          <p:cNvSpPr txBox="1"/>
+          <p:nvPr/>
+        </p:nvSpPr>
+        <p:spPr>
+          <a:xfrm>
+            <a:off x="611257" y="1430866"/>
+            <a:ext cx="10628671" cy="3693319"/>
+          </a:xfrm>
+          <a:prstGeom prst="rect">
+            <a:avLst/>
+          </a:prstGeom>
+          <a:noFill/>
+        </p:spPr>
+        <p:txBody>
+          <a:bodyPr wrap="square" rtlCol="0">
+            <a:spAutoFit/>
+          </a:bodyPr>
+          <a:lstStyle/>
+          <a:p>
+            <a:r>
+              <a:rPr lang="nl-NL" dirty="0" err="1"/>
+              <a:t>Statics</a:t>
+            </a:r>
+            <a:r>
+              <a:rPr lang="nl-NL" dirty="0"/>
+              <a:t> are </a:t>
+            </a:r>
+            <a:r>
+              <a:rPr lang="nl-NL" dirty="0" err="1"/>
+              <a:t>declared</a:t>
+            </a:r>
+            <a:r>
+              <a:rPr lang="nl-NL" dirty="0"/>
+              <a:t> at a class level, </a:t>
+            </a:r>
+            <a:r>
+              <a:rPr lang="nl-NL" dirty="0" err="1"/>
+              <a:t>not</a:t>
+            </a:r>
+            <a:r>
+              <a:rPr lang="nl-NL" dirty="0"/>
+              <a:t> </a:t>
+            </a:r>
+            <a:r>
+              <a:rPr lang="nl-NL" dirty="0" err="1"/>
+              <a:t>an</a:t>
+            </a:r>
+            <a:r>
+              <a:rPr lang="nl-NL" dirty="0"/>
+              <a:t> object or </a:t>
+            </a:r>
+            <a:r>
+              <a:rPr lang="nl-NL" dirty="0" err="1"/>
+              <a:t>instance</a:t>
+            </a:r>
+            <a:r>
+              <a:rPr lang="nl-NL" dirty="0"/>
+              <a:t> level.</a:t>
+            </a:r>
+          </a:p>
+          <a:p>
+            <a:endParaRPr lang="nl-NL" dirty="0">
+              <a:cs typeface="Arial" panose="020B0604020202020204" pitchFamily="34" charset="0"/>
+            </a:endParaRPr>
+          </a:p>
+          <a:p>
+            <a:r>
+              <a:rPr lang="nl-NL" dirty="0">
+                <a:cs typeface="Arial" panose="020B0604020202020204" pitchFamily="34" charset="0"/>
+              </a:rPr>
+              <a:t>Be </a:t>
+            </a:r>
+            <a:r>
+              <a:rPr lang="nl-NL" dirty="0" err="1">
+                <a:cs typeface="Arial" panose="020B0604020202020204" pitchFamily="34" charset="0"/>
+              </a:rPr>
+              <a:t>careful</a:t>
+            </a:r>
+            <a:r>
+              <a:rPr lang="nl-NL" dirty="0">
+                <a:cs typeface="Arial" panose="020B0604020202020204" pitchFamily="34" charset="0"/>
+              </a:rPr>
+              <a:t>: </a:t>
+            </a:r>
+            <a:r>
+              <a:rPr lang="nl-NL" dirty="0" err="1">
+                <a:cs typeface="Arial" panose="020B0604020202020204" pitchFamily="34" charset="0"/>
+              </a:rPr>
+              <a:t>statics</a:t>
+            </a:r>
+            <a:r>
+              <a:rPr lang="nl-NL" dirty="0">
+                <a:cs typeface="Arial" panose="020B0604020202020204" pitchFamily="34" charset="0"/>
+              </a:rPr>
+              <a:t> are shared </a:t>
+            </a:r>
+            <a:r>
+              <a:rPr lang="nl-NL" dirty="0" err="1">
+                <a:cs typeface="Arial" panose="020B0604020202020204" pitchFamily="34" charset="0"/>
+              </a:rPr>
+              <a:t>between</a:t>
+            </a:r>
+            <a:r>
+              <a:rPr lang="nl-NL" dirty="0">
+                <a:cs typeface="Arial" panose="020B0604020202020204" pitchFamily="34" charset="0"/>
+              </a:rPr>
+              <a:t> </a:t>
+            </a:r>
+            <a:r>
+              <a:rPr lang="nl-NL" dirty="0" err="1">
+                <a:cs typeface="Arial" panose="020B0604020202020204" pitchFamily="34" charset="0"/>
+              </a:rPr>
+              <a:t>objects</a:t>
+            </a:r>
+            <a:r>
+              <a:rPr lang="nl-NL" dirty="0">
+                <a:cs typeface="Arial" panose="020B0604020202020204" pitchFamily="34" charset="0"/>
+              </a:rPr>
+              <a:t> </a:t>
+            </a:r>
+            <a:r>
+              <a:rPr lang="nl-NL" dirty="0" err="1">
+                <a:cs typeface="Arial" panose="020B0604020202020204" pitchFamily="34" charset="0"/>
+              </a:rPr>
+              <a:t>so</a:t>
+            </a:r>
+            <a:r>
+              <a:rPr lang="nl-NL" dirty="0">
+                <a:cs typeface="Arial" panose="020B0604020202020204" pitchFamily="34" charset="0"/>
+              </a:rPr>
+              <a:t> </a:t>
+            </a:r>
+            <a:r>
+              <a:rPr lang="nl-NL" dirty="0" err="1">
+                <a:cs typeface="Arial" panose="020B0604020202020204" pitchFamily="34" charset="0"/>
+              </a:rPr>
+              <a:t>can</a:t>
+            </a:r>
+            <a:r>
+              <a:rPr lang="nl-NL" dirty="0">
+                <a:cs typeface="Arial" panose="020B0604020202020204" pitchFamily="34" charset="0"/>
+              </a:rPr>
+              <a:t> </a:t>
+            </a:r>
+            <a:r>
+              <a:rPr lang="nl-NL" dirty="0" err="1">
+                <a:cs typeface="Arial" panose="020B0604020202020204" pitchFamily="34" charset="0"/>
+              </a:rPr>
+              <a:t>not</a:t>
+            </a:r>
+            <a:r>
+              <a:rPr lang="nl-NL" dirty="0">
+                <a:cs typeface="Arial" panose="020B0604020202020204" pitchFamily="34" charset="0"/>
+              </a:rPr>
+              <a:t> </a:t>
+            </a:r>
+            <a:r>
+              <a:rPr lang="nl-NL" dirty="0" err="1">
+                <a:cs typeface="Arial" panose="020B0604020202020204" pitchFamily="34" charset="0"/>
+              </a:rPr>
+              <a:t>contain</a:t>
+            </a:r>
+            <a:r>
+              <a:rPr lang="nl-NL" dirty="0">
+                <a:cs typeface="Arial" panose="020B0604020202020204" pitchFamily="34" charset="0"/>
+              </a:rPr>
+              <a:t> state (</a:t>
+            </a:r>
+            <a:r>
+              <a:rPr lang="nl-NL" dirty="0" err="1">
+                <a:cs typeface="Arial" panose="020B0604020202020204" pitchFamily="34" charset="0"/>
+              </a:rPr>
+              <a:t>hence</a:t>
+            </a:r>
+            <a:r>
+              <a:rPr lang="nl-NL" dirty="0">
+                <a:cs typeface="Arial" panose="020B0604020202020204" pitchFamily="34" charset="0"/>
+              </a:rPr>
+              <a:t> </a:t>
+            </a:r>
+            <a:r>
+              <a:rPr lang="nl-NL" dirty="0" err="1">
+                <a:cs typeface="Arial" panose="020B0604020202020204" pitchFamily="34" charset="0"/>
+              </a:rPr>
+              <a:t>the</a:t>
+            </a:r>
+            <a:r>
+              <a:rPr lang="nl-NL" dirty="0">
+                <a:cs typeface="Arial" panose="020B0604020202020204" pitchFamily="34" charset="0"/>
+              </a:rPr>
+              <a:t> name </a:t>
+            </a:r>
+            <a:r>
+              <a:rPr lang="nl-NL" dirty="0" err="1">
+                <a:cs typeface="Arial" panose="020B0604020202020204" pitchFamily="34" charset="0"/>
+              </a:rPr>
+              <a:t>static</a:t>
+            </a:r>
+            <a:r>
+              <a:rPr lang="nl-NL" dirty="0">
+                <a:cs typeface="Arial" panose="020B0604020202020204" pitchFamily="34" charset="0"/>
+              </a:rPr>
+              <a:t>).</a:t>
+            </a:r>
+          </a:p>
+          <a:p>
+            <a:endParaRPr lang="nl-NL" dirty="0">
+              <a:cs typeface="Arial" panose="020B0604020202020204" pitchFamily="34" charset="0"/>
+            </a:endParaRPr>
+          </a:p>
+          <a:p>
+            <a:r>
+              <a:rPr lang="nl-NL" dirty="0" err="1">
+                <a:cs typeface="Arial" panose="020B0604020202020204" pitchFamily="34" charset="0"/>
+              </a:rPr>
+              <a:t>Example</a:t>
+            </a:r>
+            <a:r>
+              <a:rPr lang="nl-NL" dirty="0">
+                <a:cs typeface="Arial" panose="020B0604020202020204" pitchFamily="34" charset="0"/>
+              </a:rPr>
+              <a:t>:</a:t>
+            </a:r>
+          </a:p>
+          <a:p>
+            <a:endParaRPr lang="nl-NL" dirty="0">
+              <a:cs typeface="Arial" panose="020B0604020202020204" pitchFamily="34" charset="0"/>
+            </a:endParaRPr>
+          </a:p>
+          <a:p>
+            <a:r>
+              <a:rPr lang="nl-NL" dirty="0">
+                <a:cs typeface="Arial" panose="020B0604020202020204" pitchFamily="34" charset="0"/>
+              </a:rPr>
+              <a:t>Public class Person {</a:t>
+            </a:r>
+          </a:p>
+          <a:p>
+            <a:r>
+              <a:rPr lang="nl-NL" dirty="0">
+                <a:cs typeface="Arial" panose="020B0604020202020204" pitchFamily="34" charset="0"/>
+              </a:rPr>
+              <a:t>    public </a:t>
+            </a:r>
+            <a:r>
+              <a:rPr lang="nl-NL" dirty="0" err="1">
+                <a:cs typeface="Arial" panose="020B0604020202020204" pitchFamily="34" charset="0"/>
+              </a:rPr>
+              <a:t>static</a:t>
+            </a:r>
+            <a:r>
+              <a:rPr lang="nl-NL" dirty="0">
+                <a:cs typeface="Arial" panose="020B0604020202020204" pitchFamily="34" charset="0"/>
+              </a:rPr>
+              <a:t> </a:t>
+            </a:r>
+            <a:r>
+              <a:rPr lang="nl-NL" dirty="0" err="1">
+                <a:cs typeface="Arial" panose="020B0604020202020204" pitchFamily="34" charset="0"/>
+              </a:rPr>
+              <a:t>final</a:t>
+            </a:r>
+            <a:r>
+              <a:rPr lang="nl-NL" dirty="0">
+                <a:cs typeface="Arial" panose="020B0604020202020204" pitchFamily="34" charset="0"/>
+              </a:rPr>
+              <a:t> int ALLOWED_AGE_TO_DRINK = 18;</a:t>
+            </a:r>
+          </a:p>
+          <a:p>
+            <a:endParaRPr lang="nl-NL" dirty="0">
+              <a:cs typeface="Arial" panose="020B0604020202020204" pitchFamily="34" charset="0"/>
+            </a:endParaRPr>
+          </a:p>
+          <a:p>
+            <a:r>
+              <a:rPr lang="nl-NL" dirty="0">
+                <a:cs typeface="Arial" panose="020B0604020202020204" pitchFamily="34" charset="0"/>
+              </a:rPr>
+              <a:t>    private String name;</a:t>
+            </a:r>
+          </a:p>
+          <a:p>
+            <a:r>
+              <a:rPr lang="nl-NL" dirty="0">
+                <a:cs typeface="Arial" panose="020B0604020202020204" pitchFamily="34" charset="0"/>
+              </a:rPr>
+              <a:t>    private int </a:t>
+            </a:r>
+            <a:r>
+              <a:rPr lang="nl-NL" dirty="0" err="1">
+                <a:cs typeface="Arial" panose="020B0604020202020204" pitchFamily="34" charset="0"/>
+              </a:rPr>
+              <a:t>dateOfBirth</a:t>
+            </a:r>
+            <a:r>
+              <a:rPr lang="nl-NL" dirty="0">
+                <a:cs typeface="Arial" panose="020B0604020202020204" pitchFamily="34" charset="0"/>
+              </a:rPr>
+              <a:t>;</a:t>
+            </a:r>
+          </a:p>
+          <a:p>
+            <a:r>
+              <a:rPr lang="nl-NL" dirty="0">
+                <a:cs typeface="Arial" panose="020B0604020202020204" pitchFamily="34" charset="0"/>
+              </a:rPr>
+              <a:t>}</a:t>
+            </a:r>
+          </a:p>
+        </p:txBody>
+      </p:sp>
+    </p:spTree>
+    <p:extLst>
+      <p:ext uri="{BB962C8B-B14F-4D97-AF65-F5344CB8AC3E}">
+        <p14:creationId xmlns:p14="http://schemas.microsoft.com/office/powerpoint/2010/main" val="676454505"/>
       </p:ext>
     </p:extLst>
   </p:cSld>
@@ -14558,6 +18794,3534 @@
 </p:sld>
 </file>
 
+<file path=ppt/slides/slide40.xml><?xml version="1.0" encoding="utf-8"?>
+<p:sld xmlns:a="http://schemas.openxmlformats.org/drawingml/2006/main" xmlns:r="http://schemas.openxmlformats.org/officeDocument/2006/relationships" xmlns:p="http://schemas.openxmlformats.org/presentationml/2006/main">
+  <p:cSld>
+    <p:spTree>
+      <p:nvGrpSpPr>
+        <p:cNvPr id="1" name=""/>
+        <p:cNvGrpSpPr/>
+        <p:nvPr/>
+      </p:nvGrpSpPr>
+      <p:grpSpPr>
+        <a:xfrm>
+          <a:off x="0" y="0"/>
+          <a:ext cx="0" cy="0"/>
+          <a:chOff x="0" y="0"/>
+          <a:chExt cx="0" cy="0"/>
+        </a:xfrm>
+      </p:grpSpPr>
+      <p:sp>
+        <p:nvSpPr>
+          <p:cNvPr id="4" name="Tijdelijke aanduiding voor dianummer 3">
+            <a:extLst>
+              <a:ext uri="{FF2B5EF4-FFF2-40B4-BE49-F238E27FC236}">
+                <a16:creationId xmlns:a16="http://schemas.microsoft.com/office/drawing/2014/main" id="{3A5772F8-4CF1-C845-9BC1-EA3B74DF606F}"/>
+              </a:ext>
+            </a:extLst>
+          </p:cNvPr>
+          <p:cNvSpPr>
+            <a:spLocks noGrp="1"/>
+          </p:cNvSpPr>
+          <p:nvPr>
+            <p:ph type="sldNum" sz="quarter" idx="12"/>
+          </p:nvPr>
+        </p:nvSpPr>
+        <p:spPr/>
+        <p:txBody>
+          <a:bodyPr/>
+          <a:lstStyle/>
+          <a:p>
+            <a:fld id="{49F81993-47B1-3743-8AA2-20AB26FB445E}" type="slidenum">
+              <a:rPr lang="nl-NL" smtClean="0"/>
+              <a:t>40</a:t>
+            </a:fld>
+            <a:endParaRPr lang="nl-NL"/>
+          </a:p>
+        </p:txBody>
+      </p:sp>
+      <p:pic>
+        <p:nvPicPr>
+          <p:cNvPr id="6" name="Picture 1">
+            <a:extLst>
+              <a:ext uri="{FF2B5EF4-FFF2-40B4-BE49-F238E27FC236}">
+                <a16:creationId xmlns:a16="http://schemas.microsoft.com/office/drawing/2014/main" id="{D06E817C-76DD-0F44-ADB0-7048E1EBF455}"/>
+              </a:ext>
+            </a:extLst>
+          </p:cNvPr>
+          <p:cNvPicPr/>
+          <p:nvPr/>
+        </p:nvPicPr>
+        <p:blipFill>
+          <a:blip r:embed="rId2">
+            <a:extLst>
+              <a:ext uri="{28A0092B-C50C-407E-A947-70E740481C1C}">
+                <a14:useLocalDpi xmlns:a14="http://schemas.microsoft.com/office/drawing/2010/main" val="0"/>
+              </a:ext>
+            </a:extLst>
+          </a:blip>
+          <a:stretch>
+            <a:fillRect/>
+          </a:stretch>
+        </p:blipFill>
+        <p:spPr>
+          <a:xfrm>
+            <a:off x="160255" y="509048"/>
+            <a:ext cx="1912095" cy="456054"/>
+          </a:xfrm>
+          <a:prstGeom prst="rect">
+            <a:avLst/>
+          </a:prstGeom>
+        </p:spPr>
+      </p:pic>
+      <p:sp>
+        <p:nvSpPr>
+          <p:cNvPr id="2" name="TextBox 1">
+            <a:extLst>
+              <a:ext uri="{FF2B5EF4-FFF2-40B4-BE49-F238E27FC236}">
+                <a16:creationId xmlns:a16="http://schemas.microsoft.com/office/drawing/2014/main" id="{95EAFD46-64F1-4840-B77E-76816183096E}"/>
+              </a:ext>
+            </a:extLst>
+          </p:cNvPr>
+          <p:cNvSpPr txBox="1"/>
+          <p:nvPr/>
+        </p:nvSpPr>
+        <p:spPr>
+          <a:xfrm>
+            <a:off x="6780944" y="595901"/>
+            <a:ext cx="4557658" cy="369332"/>
+          </a:xfrm>
+          <a:prstGeom prst="rect">
+            <a:avLst/>
+          </a:prstGeom>
+          <a:noFill/>
+        </p:spPr>
+        <p:txBody>
+          <a:bodyPr wrap="none" rtlCol="0">
+            <a:spAutoFit/>
+          </a:bodyPr>
+          <a:lstStyle/>
+          <a:p>
+            <a:r>
+              <a:rPr lang="en-US" b="1" dirty="0"/>
+              <a:t>1. OVERVIEW JAVA – WRAPPER CLASSES</a:t>
+            </a:r>
+          </a:p>
+        </p:txBody>
+      </p:sp>
+      <p:sp>
+        <p:nvSpPr>
+          <p:cNvPr id="8" name="Tekstvak 6">
+            <a:extLst>
+              <a:ext uri="{FF2B5EF4-FFF2-40B4-BE49-F238E27FC236}">
+                <a16:creationId xmlns:a16="http://schemas.microsoft.com/office/drawing/2014/main" id="{A97BDFA1-1198-214C-9E40-EFC2B55537B4}"/>
+              </a:ext>
+            </a:extLst>
+          </p:cNvPr>
+          <p:cNvSpPr txBox="1"/>
+          <p:nvPr/>
+        </p:nvSpPr>
+        <p:spPr>
+          <a:xfrm>
+            <a:off x="570160" y="1334326"/>
+            <a:ext cx="10628671" cy="2585323"/>
+          </a:xfrm>
+          <a:prstGeom prst="rect">
+            <a:avLst/>
+          </a:prstGeom>
+          <a:noFill/>
+        </p:spPr>
+        <p:txBody>
+          <a:bodyPr wrap="square" rtlCol="0">
+            <a:spAutoFit/>
+          </a:bodyPr>
+          <a:lstStyle/>
+          <a:p>
+            <a:r>
+              <a:rPr lang="nl-NL" dirty="0" err="1"/>
+              <a:t>Wrapper</a:t>
+            </a:r>
+            <a:r>
+              <a:rPr lang="nl-NL" dirty="0"/>
+              <a:t> classes are </a:t>
+            </a:r>
+            <a:r>
+              <a:rPr lang="nl-NL" dirty="0" err="1"/>
+              <a:t>objects</a:t>
+            </a:r>
+            <a:r>
+              <a:rPr lang="nl-NL" dirty="0"/>
+              <a:t> </a:t>
+            </a:r>
+            <a:r>
+              <a:rPr lang="nl-NL" dirty="0" err="1"/>
+              <a:t>that</a:t>
+            </a:r>
+            <a:r>
+              <a:rPr lang="nl-NL" dirty="0"/>
+              <a:t> </a:t>
+            </a:r>
+            <a:r>
+              <a:rPr lang="nl-NL" dirty="0" err="1"/>
+              <a:t>wrap</a:t>
+            </a:r>
+            <a:r>
+              <a:rPr lang="nl-NL" dirty="0"/>
+              <a:t> a </a:t>
+            </a:r>
+            <a:r>
+              <a:rPr lang="nl-NL" dirty="0" err="1"/>
+              <a:t>primitive</a:t>
+            </a:r>
+            <a:r>
+              <a:rPr lang="nl-NL" dirty="0"/>
+              <a:t> (eg. int, long etc.)</a:t>
+            </a:r>
+          </a:p>
+          <a:p>
+            <a:r>
+              <a:rPr lang="nl-NL" dirty="0" err="1">
+                <a:cs typeface="Arial" panose="020B0604020202020204" pitchFamily="34" charset="0"/>
+              </a:rPr>
+              <a:t>They</a:t>
+            </a:r>
+            <a:r>
+              <a:rPr lang="nl-NL" dirty="0">
+                <a:cs typeface="Arial" panose="020B0604020202020204" pitchFamily="34" charset="0"/>
+              </a:rPr>
+              <a:t> </a:t>
+            </a:r>
+            <a:r>
+              <a:rPr lang="nl-NL" dirty="0" err="1">
+                <a:cs typeface="Arial" panose="020B0604020202020204" pitchFamily="34" charset="0"/>
+              </a:rPr>
+              <a:t>can</a:t>
+            </a:r>
+            <a:r>
+              <a:rPr lang="nl-NL" dirty="0">
+                <a:cs typeface="Arial" panose="020B0604020202020204" pitchFamily="34" charset="0"/>
+              </a:rPr>
+              <a:t> </a:t>
+            </a:r>
+            <a:r>
+              <a:rPr lang="nl-NL" dirty="0" err="1">
+                <a:cs typeface="Arial" panose="020B0604020202020204" pitchFamily="34" charset="0"/>
+              </a:rPr>
+              <a:t>be</a:t>
+            </a:r>
+            <a:r>
+              <a:rPr lang="nl-NL" dirty="0">
+                <a:cs typeface="Arial" panose="020B0604020202020204" pitchFamily="34" charset="0"/>
+              </a:rPr>
+              <a:t> </a:t>
+            </a:r>
+            <a:r>
+              <a:rPr lang="nl-NL" dirty="0" err="1">
+                <a:cs typeface="Arial" panose="020B0604020202020204" pitchFamily="34" charset="0"/>
+              </a:rPr>
+              <a:t>assigned</a:t>
+            </a:r>
+            <a:r>
+              <a:rPr lang="nl-NL" dirty="0">
+                <a:cs typeface="Arial" panose="020B0604020202020204" pitchFamily="34" charset="0"/>
+              </a:rPr>
+              <a:t> </a:t>
+            </a:r>
+            <a:r>
+              <a:rPr lang="nl-NL" dirty="0" err="1">
+                <a:cs typeface="Arial" panose="020B0604020202020204" pitchFamily="34" charset="0"/>
+              </a:rPr>
+              <a:t>null-values</a:t>
+            </a:r>
+            <a:r>
+              <a:rPr lang="nl-NL" dirty="0">
+                <a:cs typeface="Arial" panose="020B0604020202020204" pitchFamily="34" charset="0"/>
+              </a:rPr>
+              <a:t> (</a:t>
+            </a:r>
+            <a:r>
+              <a:rPr lang="nl-NL" dirty="0" err="1">
+                <a:cs typeface="Arial" panose="020B0604020202020204" pitchFamily="34" charset="0"/>
+              </a:rPr>
+              <a:t>primitives</a:t>
+            </a:r>
+            <a:r>
+              <a:rPr lang="nl-NL" dirty="0">
+                <a:cs typeface="Arial" panose="020B0604020202020204" pitchFamily="34" charset="0"/>
+              </a:rPr>
+              <a:t> </a:t>
+            </a:r>
+            <a:r>
+              <a:rPr lang="nl-NL" dirty="0" err="1">
+                <a:cs typeface="Arial" panose="020B0604020202020204" pitchFamily="34" charset="0"/>
+              </a:rPr>
+              <a:t>can</a:t>
+            </a:r>
+            <a:r>
+              <a:rPr lang="nl-NL" dirty="0">
+                <a:cs typeface="Arial" panose="020B0604020202020204" pitchFamily="34" charset="0"/>
+              </a:rPr>
+              <a:t> </a:t>
+            </a:r>
+            <a:r>
+              <a:rPr lang="nl-NL" dirty="0" err="1">
+                <a:cs typeface="Arial" panose="020B0604020202020204" pitchFamily="34" charset="0"/>
+              </a:rPr>
+              <a:t>not</a:t>
+            </a:r>
+            <a:r>
+              <a:rPr lang="nl-NL" dirty="0">
+                <a:cs typeface="Arial" panose="020B0604020202020204" pitchFamily="34" charset="0"/>
+              </a:rPr>
+              <a:t>).</a:t>
+            </a:r>
+          </a:p>
+          <a:p>
+            <a:endParaRPr lang="nl-NL" dirty="0">
+              <a:cs typeface="Arial" panose="020B0604020202020204" pitchFamily="34" charset="0"/>
+            </a:endParaRPr>
+          </a:p>
+          <a:p>
+            <a:r>
+              <a:rPr lang="nl-NL" dirty="0" err="1">
+                <a:cs typeface="Arial" panose="020B0604020202020204" pitchFamily="34" charset="0"/>
+              </a:rPr>
+              <a:t>Since</a:t>
+            </a:r>
+            <a:r>
+              <a:rPr lang="nl-NL" dirty="0">
+                <a:cs typeface="Arial" panose="020B0604020202020204" pitchFamily="34" charset="0"/>
+              </a:rPr>
+              <a:t> </a:t>
+            </a:r>
+            <a:r>
+              <a:rPr lang="nl-NL" dirty="0" err="1">
+                <a:cs typeface="Arial" panose="020B0604020202020204" pitchFamily="34" charset="0"/>
+              </a:rPr>
+              <a:t>wrapper</a:t>
+            </a:r>
+            <a:r>
+              <a:rPr lang="nl-NL" dirty="0">
+                <a:cs typeface="Arial" panose="020B0604020202020204" pitchFamily="34" charset="0"/>
+              </a:rPr>
+              <a:t> classes are classes </a:t>
+            </a:r>
+            <a:r>
+              <a:rPr lang="nl-NL" dirty="0" err="1">
+                <a:cs typeface="Arial" panose="020B0604020202020204" pitchFamily="34" charset="0"/>
+              </a:rPr>
+              <a:t>they</a:t>
+            </a:r>
+            <a:r>
+              <a:rPr lang="nl-NL" dirty="0">
+                <a:cs typeface="Arial" panose="020B0604020202020204" pitchFamily="34" charset="0"/>
+              </a:rPr>
+              <a:t> </a:t>
+            </a:r>
+            <a:r>
+              <a:rPr lang="nl-NL" dirty="0" err="1">
+                <a:cs typeface="Arial" panose="020B0604020202020204" pitchFamily="34" charset="0"/>
+              </a:rPr>
+              <a:t>all</a:t>
+            </a:r>
+            <a:r>
+              <a:rPr lang="nl-NL" dirty="0">
+                <a:cs typeface="Arial" panose="020B0604020202020204" pitchFamily="34" charset="0"/>
+              </a:rPr>
+              <a:t> start </a:t>
+            </a:r>
+            <a:r>
+              <a:rPr lang="nl-NL" dirty="0" err="1">
+                <a:cs typeface="Arial" panose="020B0604020202020204" pitchFamily="34" charset="0"/>
+              </a:rPr>
+              <a:t>with</a:t>
+            </a:r>
+            <a:r>
+              <a:rPr lang="nl-NL" dirty="0">
+                <a:cs typeface="Arial" panose="020B0604020202020204" pitchFamily="34" charset="0"/>
+              </a:rPr>
+              <a:t> a </a:t>
+            </a:r>
+            <a:r>
+              <a:rPr lang="nl-NL" dirty="0" err="1">
+                <a:cs typeface="Arial" panose="020B0604020202020204" pitchFamily="34" charset="0"/>
+              </a:rPr>
+              <a:t>capital</a:t>
+            </a:r>
+            <a:r>
+              <a:rPr lang="nl-NL" dirty="0">
+                <a:cs typeface="Arial" panose="020B0604020202020204" pitchFamily="34" charset="0"/>
+              </a:rPr>
+              <a:t>.</a:t>
+            </a:r>
+          </a:p>
+          <a:p>
+            <a:endParaRPr lang="nl-NL" dirty="0">
+              <a:cs typeface="Arial" panose="020B0604020202020204" pitchFamily="34" charset="0"/>
+            </a:endParaRPr>
+          </a:p>
+          <a:p>
+            <a:r>
+              <a:rPr lang="nl-NL" dirty="0" err="1">
+                <a:cs typeface="Arial" panose="020B0604020202020204" pitchFamily="34" charset="0"/>
+              </a:rPr>
+              <a:t>Wrapper</a:t>
+            </a:r>
+            <a:r>
+              <a:rPr lang="nl-NL" dirty="0">
+                <a:cs typeface="Arial" panose="020B0604020202020204" pitchFamily="34" charset="0"/>
+              </a:rPr>
+              <a:t> classes are </a:t>
+            </a:r>
+            <a:r>
+              <a:rPr lang="nl-NL" dirty="0" err="1">
+                <a:cs typeface="Arial" panose="020B0604020202020204" pitchFamily="34" charset="0"/>
+              </a:rPr>
+              <a:t>immutable</a:t>
+            </a:r>
+            <a:r>
+              <a:rPr lang="nl-NL" dirty="0">
+                <a:cs typeface="Arial" panose="020B0604020202020204" pitchFamily="34" charset="0"/>
+              </a:rPr>
+              <a:t>.</a:t>
+            </a:r>
+          </a:p>
+          <a:p>
+            <a:r>
+              <a:rPr lang="nl-NL" dirty="0" err="1">
+                <a:cs typeface="Arial" panose="020B0604020202020204" pitchFamily="34" charset="0"/>
+              </a:rPr>
+              <a:t>Two</a:t>
+            </a:r>
+            <a:r>
+              <a:rPr lang="nl-NL" dirty="0">
+                <a:cs typeface="Arial" panose="020B0604020202020204" pitchFamily="34" charset="0"/>
+              </a:rPr>
+              <a:t> </a:t>
+            </a:r>
+            <a:r>
+              <a:rPr lang="nl-NL" dirty="0" err="1">
+                <a:cs typeface="Arial" panose="020B0604020202020204" pitchFamily="34" charset="0"/>
+              </a:rPr>
+              <a:t>ways</a:t>
+            </a:r>
+            <a:r>
+              <a:rPr lang="nl-NL" dirty="0">
+                <a:cs typeface="Arial" panose="020B0604020202020204" pitchFamily="34" charset="0"/>
+              </a:rPr>
+              <a:t> </a:t>
+            </a:r>
+            <a:r>
+              <a:rPr lang="nl-NL" dirty="0" err="1">
+                <a:cs typeface="Arial" panose="020B0604020202020204" pitchFamily="34" charset="0"/>
+              </a:rPr>
+              <a:t>to</a:t>
+            </a:r>
+            <a:r>
+              <a:rPr lang="nl-NL" dirty="0">
+                <a:cs typeface="Arial" panose="020B0604020202020204" pitchFamily="34" charset="0"/>
+              </a:rPr>
+              <a:t> </a:t>
+            </a:r>
+            <a:r>
+              <a:rPr lang="nl-NL" dirty="0" err="1">
+                <a:cs typeface="Arial" panose="020B0604020202020204" pitchFamily="34" charset="0"/>
+              </a:rPr>
+              <a:t>create</a:t>
+            </a:r>
+            <a:r>
+              <a:rPr lang="nl-NL" dirty="0">
+                <a:cs typeface="Arial" panose="020B0604020202020204" pitchFamily="34" charset="0"/>
+              </a:rPr>
+              <a:t> a </a:t>
+            </a:r>
+            <a:r>
+              <a:rPr lang="nl-NL" dirty="0" err="1">
+                <a:cs typeface="Arial" panose="020B0604020202020204" pitchFamily="34" charset="0"/>
+              </a:rPr>
+              <a:t>instance</a:t>
+            </a:r>
+            <a:r>
+              <a:rPr lang="nl-NL" dirty="0">
+                <a:cs typeface="Arial" panose="020B0604020202020204" pitchFamily="34" charset="0"/>
+              </a:rPr>
+              <a:t>:</a:t>
+            </a:r>
+          </a:p>
+          <a:p>
+            <a:pPr marL="285750" indent="-285750">
+              <a:buFontTx/>
+              <a:buChar char="-"/>
+            </a:pPr>
+            <a:r>
+              <a:rPr lang="nl-NL" dirty="0" err="1">
+                <a:cs typeface="Arial" panose="020B0604020202020204" pitchFamily="34" charset="0"/>
+              </a:rPr>
+              <a:t>Use</a:t>
+            </a:r>
+            <a:r>
+              <a:rPr lang="nl-NL" dirty="0">
+                <a:cs typeface="Arial" panose="020B0604020202020204" pitchFamily="34" charset="0"/>
+              </a:rPr>
+              <a:t> </a:t>
+            </a:r>
+            <a:r>
+              <a:rPr lang="nl-NL" dirty="0" err="1">
+                <a:cs typeface="Arial" panose="020B0604020202020204" pitchFamily="34" charset="0"/>
+              </a:rPr>
+              <a:t>the</a:t>
+            </a:r>
+            <a:r>
+              <a:rPr lang="nl-NL" dirty="0">
+                <a:cs typeface="Arial" panose="020B0604020202020204" pitchFamily="34" charset="0"/>
+              </a:rPr>
+              <a:t> </a:t>
+            </a:r>
+            <a:r>
+              <a:rPr lang="nl-NL" dirty="0" err="1">
+                <a:cs typeface="Arial" panose="020B0604020202020204" pitchFamily="34" charset="0"/>
+              </a:rPr>
+              <a:t>constructor</a:t>
+            </a:r>
+            <a:endParaRPr lang="nl-NL" dirty="0">
+              <a:cs typeface="Arial" panose="020B0604020202020204" pitchFamily="34" charset="0"/>
+            </a:endParaRPr>
+          </a:p>
+          <a:p>
+            <a:pPr marL="285750" indent="-285750">
+              <a:buFontTx/>
+              <a:buChar char="-"/>
+            </a:pPr>
+            <a:r>
+              <a:rPr lang="nl-NL" dirty="0">
+                <a:cs typeface="Arial" panose="020B0604020202020204" pitchFamily="34" charset="0"/>
+              </a:rPr>
+              <a:t>Using </a:t>
+            </a:r>
+            <a:r>
+              <a:rPr lang="nl-NL" dirty="0" err="1">
+                <a:cs typeface="Arial" panose="020B0604020202020204" pitchFamily="34" charset="0"/>
+              </a:rPr>
+              <a:t>the</a:t>
+            </a:r>
+            <a:r>
+              <a:rPr lang="nl-NL" dirty="0">
+                <a:cs typeface="Arial" panose="020B0604020202020204" pitchFamily="34" charset="0"/>
+              </a:rPr>
+              <a:t> </a:t>
+            </a:r>
+            <a:r>
+              <a:rPr lang="nl-NL" dirty="0" err="1">
+                <a:cs typeface="Arial" panose="020B0604020202020204" pitchFamily="34" charset="0"/>
+              </a:rPr>
+              <a:t>valueOf</a:t>
+            </a:r>
+            <a:r>
+              <a:rPr lang="nl-NL" dirty="0">
+                <a:cs typeface="Arial" panose="020B0604020202020204" pitchFamily="34" charset="0"/>
+              </a:rPr>
+              <a:t>()-</a:t>
+            </a:r>
+            <a:r>
+              <a:rPr lang="nl-NL" dirty="0" err="1">
+                <a:cs typeface="Arial" panose="020B0604020202020204" pitchFamily="34" charset="0"/>
+              </a:rPr>
+              <a:t>methods</a:t>
+            </a:r>
+            <a:endParaRPr lang="nl-NL" dirty="0">
+              <a:cs typeface="Arial" panose="020B0604020202020204" pitchFamily="34" charset="0"/>
+            </a:endParaRPr>
+          </a:p>
+        </p:txBody>
+      </p:sp>
+      <p:pic>
+        <p:nvPicPr>
+          <p:cNvPr id="5" name="Picture 4">
+            <a:extLst>
+              <a:ext uri="{FF2B5EF4-FFF2-40B4-BE49-F238E27FC236}">
+                <a16:creationId xmlns:a16="http://schemas.microsoft.com/office/drawing/2014/main" id="{2F3C2863-B4C4-2847-9E04-8AE157FB343F}"/>
+              </a:ext>
+            </a:extLst>
+          </p:cNvPr>
+          <p:cNvPicPr>
+            <a:picLocks noChangeAspect="1"/>
+          </p:cNvPicPr>
+          <p:nvPr/>
+        </p:nvPicPr>
+        <p:blipFill>
+          <a:blip r:embed="rId3"/>
+          <a:stretch>
+            <a:fillRect/>
+          </a:stretch>
+        </p:blipFill>
+        <p:spPr>
+          <a:xfrm>
+            <a:off x="4942654" y="2732868"/>
+            <a:ext cx="5877746" cy="3111748"/>
+          </a:xfrm>
+          <a:prstGeom prst="rect">
+            <a:avLst/>
+          </a:prstGeom>
+        </p:spPr>
+      </p:pic>
+    </p:spTree>
+    <p:extLst>
+      <p:ext uri="{BB962C8B-B14F-4D97-AF65-F5344CB8AC3E}">
+        <p14:creationId xmlns:p14="http://schemas.microsoft.com/office/powerpoint/2010/main" val="2027278851"/>
+      </p:ext>
+    </p:extLst>
+  </p:cSld>
+  <p:clrMapOvr>
+    <a:masterClrMapping/>
+  </p:clrMapOvr>
+</p:sld>
+</file>
+
+<file path=ppt/slides/slide41.xml><?xml version="1.0" encoding="utf-8"?>
+<p:sld xmlns:a="http://schemas.openxmlformats.org/drawingml/2006/main" xmlns:r="http://schemas.openxmlformats.org/officeDocument/2006/relationships" xmlns:p="http://schemas.openxmlformats.org/presentationml/2006/main">
+  <p:cSld>
+    <p:spTree>
+      <p:nvGrpSpPr>
+        <p:cNvPr id="1" name=""/>
+        <p:cNvGrpSpPr/>
+        <p:nvPr/>
+      </p:nvGrpSpPr>
+      <p:grpSpPr>
+        <a:xfrm>
+          <a:off x="0" y="0"/>
+          <a:ext cx="0" cy="0"/>
+          <a:chOff x="0" y="0"/>
+          <a:chExt cx="0" cy="0"/>
+        </a:xfrm>
+      </p:grpSpPr>
+      <p:sp>
+        <p:nvSpPr>
+          <p:cNvPr id="4" name="Tijdelijke aanduiding voor dianummer 3">
+            <a:extLst>
+              <a:ext uri="{FF2B5EF4-FFF2-40B4-BE49-F238E27FC236}">
+                <a16:creationId xmlns:a16="http://schemas.microsoft.com/office/drawing/2014/main" id="{3A5772F8-4CF1-C845-9BC1-EA3B74DF606F}"/>
+              </a:ext>
+            </a:extLst>
+          </p:cNvPr>
+          <p:cNvSpPr>
+            <a:spLocks noGrp="1"/>
+          </p:cNvSpPr>
+          <p:nvPr>
+            <p:ph type="sldNum" sz="quarter" idx="12"/>
+          </p:nvPr>
+        </p:nvSpPr>
+        <p:spPr/>
+        <p:txBody>
+          <a:bodyPr/>
+          <a:lstStyle/>
+          <a:p>
+            <a:fld id="{49F81993-47B1-3743-8AA2-20AB26FB445E}" type="slidenum">
+              <a:rPr lang="nl-NL" smtClean="0"/>
+              <a:t>41</a:t>
+            </a:fld>
+            <a:endParaRPr lang="nl-NL"/>
+          </a:p>
+        </p:txBody>
+      </p:sp>
+      <p:pic>
+        <p:nvPicPr>
+          <p:cNvPr id="6" name="Picture 1">
+            <a:extLst>
+              <a:ext uri="{FF2B5EF4-FFF2-40B4-BE49-F238E27FC236}">
+                <a16:creationId xmlns:a16="http://schemas.microsoft.com/office/drawing/2014/main" id="{D06E817C-76DD-0F44-ADB0-7048E1EBF455}"/>
+              </a:ext>
+            </a:extLst>
+          </p:cNvPr>
+          <p:cNvPicPr/>
+          <p:nvPr/>
+        </p:nvPicPr>
+        <p:blipFill>
+          <a:blip r:embed="rId2">
+            <a:extLst>
+              <a:ext uri="{28A0092B-C50C-407E-A947-70E740481C1C}">
+                <a14:useLocalDpi xmlns:a14="http://schemas.microsoft.com/office/drawing/2010/main" val="0"/>
+              </a:ext>
+            </a:extLst>
+          </a:blip>
+          <a:stretch>
+            <a:fillRect/>
+          </a:stretch>
+        </p:blipFill>
+        <p:spPr>
+          <a:xfrm>
+            <a:off x="160255" y="509048"/>
+            <a:ext cx="1912095" cy="456054"/>
+          </a:xfrm>
+          <a:prstGeom prst="rect">
+            <a:avLst/>
+          </a:prstGeom>
+        </p:spPr>
+      </p:pic>
+      <p:sp>
+        <p:nvSpPr>
+          <p:cNvPr id="2" name="TextBox 1">
+            <a:extLst>
+              <a:ext uri="{FF2B5EF4-FFF2-40B4-BE49-F238E27FC236}">
+                <a16:creationId xmlns:a16="http://schemas.microsoft.com/office/drawing/2014/main" id="{95EAFD46-64F1-4840-B77E-76816183096E}"/>
+              </a:ext>
+            </a:extLst>
+          </p:cNvPr>
+          <p:cNvSpPr txBox="1"/>
+          <p:nvPr/>
+        </p:nvSpPr>
+        <p:spPr>
+          <a:xfrm>
+            <a:off x="6780944" y="595901"/>
+            <a:ext cx="4055919" cy="369332"/>
+          </a:xfrm>
+          <a:prstGeom prst="rect">
+            <a:avLst/>
+          </a:prstGeom>
+          <a:noFill/>
+        </p:spPr>
+        <p:txBody>
+          <a:bodyPr wrap="none" rtlCol="0">
+            <a:spAutoFit/>
+          </a:bodyPr>
+          <a:lstStyle/>
+          <a:p>
+            <a:r>
+              <a:rPr lang="en-US" b="1" dirty="0"/>
+              <a:t>1. OVERVIEW JAVA – AUTOBOXING</a:t>
+            </a:r>
+          </a:p>
+        </p:txBody>
+      </p:sp>
+      <p:sp>
+        <p:nvSpPr>
+          <p:cNvPr id="8" name="Tekstvak 6">
+            <a:extLst>
+              <a:ext uri="{FF2B5EF4-FFF2-40B4-BE49-F238E27FC236}">
+                <a16:creationId xmlns:a16="http://schemas.microsoft.com/office/drawing/2014/main" id="{A97BDFA1-1198-214C-9E40-EFC2B55537B4}"/>
+              </a:ext>
+            </a:extLst>
+          </p:cNvPr>
+          <p:cNvSpPr txBox="1"/>
+          <p:nvPr/>
+        </p:nvSpPr>
+        <p:spPr>
+          <a:xfrm>
+            <a:off x="857836" y="1358947"/>
+            <a:ext cx="10628671" cy="3693319"/>
+          </a:xfrm>
+          <a:prstGeom prst="rect">
+            <a:avLst/>
+          </a:prstGeom>
+          <a:noFill/>
+        </p:spPr>
+        <p:txBody>
+          <a:bodyPr wrap="square" rtlCol="0">
+            <a:spAutoFit/>
+          </a:bodyPr>
+          <a:lstStyle/>
+          <a:p>
+            <a:r>
+              <a:rPr lang="en-US" dirty="0" err="1"/>
+              <a:t>AutoBoxing</a:t>
+            </a:r>
+            <a:r>
+              <a:rPr lang="en-US" dirty="0"/>
+              <a:t> and unboxing are features added in Java 5 to work with primitive data types and their corresponding wrapper classes.  This is done by the compiler and invisible for the developer.</a:t>
+            </a:r>
+          </a:p>
+          <a:p>
+            <a:endParaRPr lang="en-US" dirty="0"/>
+          </a:p>
+          <a:p>
+            <a:r>
+              <a:rPr lang="en-US" dirty="0"/>
+              <a:t>A primitive is automatically converted to a wrapper class and vice versa:</a:t>
+            </a:r>
+          </a:p>
+          <a:p>
+            <a:endParaRPr lang="en-US" dirty="0"/>
+          </a:p>
+          <a:p>
+            <a:r>
+              <a:rPr lang="en-US" dirty="0"/>
+              <a:t>Integer n = 200;</a:t>
+            </a:r>
+          </a:p>
+          <a:p>
+            <a:r>
+              <a:rPr lang="en-US" dirty="0" err="1"/>
+              <a:t>int</a:t>
+            </a:r>
+            <a:r>
+              <a:rPr lang="en-US" dirty="0"/>
+              <a:t> a = n;    // works fine</a:t>
+            </a:r>
+          </a:p>
+          <a:p>
+            <a:endParaRPr lang="en-US" dirty="0"/>
+          </a:p>
+          <a:p>
+            <a:r>
+              <a:rPr lang="en-US" dirty="0"/>
+              <a:t>The compiler will replace the above statement with the following: </a:t>
+            </a:r>
+          </a:p>
+          <a:p>
+            <a:r>
+              <a:rPr lang="en-US" dirty="0"/>
+              <a:t>Integer n = </a:t>
+            </a:r>
+            <a:r>
+              <a:rPr lang="en-US" dirty="0" err="1"/>
+              <a:t>Integer.valueOf</a:t>
+            </a:r>
+            <a:r>
+              <a:rPr lang="en-US" dirty="0"/>
+              <a:t>(200);</a:t>
+            </a:r>
+          </a:p>
+          <a:p>
+            <a:r>
+              <a:rPr lang="en-US" dirty="0" err="1"/>
+              <a:t>int</a:t>
+            </a:r>
+            <a:r>
+              <a:rPr lang="en-US" dirty="0"/>
+              <a:t> a = </a:t>
+            </a:r>
+            <a:r>
+              <a:rPr lang="en-US" dirty="0" err="1"/>
+              <a:t>n.intValue</a:t>
+            </a:r>
+            <a:r>
+              <a:rPr lang="en-US" dirty="0"/>
+              <a:t>(); </a:t>
+            </a:r>
+          </a:p>
+          <a:p>
+            <a:endParaRPr lang="en-US" dirty="0"/>
+          </a:p>
+        </p:txBody>
+      </p:sp>
+    </p:spTree>
+    <p:extLst>
+      <p:ext uri="{BB962C8B-B14F-4D97-AF65-F5344CB8AC3E}">
+        <p14:creationId xmlns:p14="http://schemas.microsoft.com/office/powerpoint/2010/main" val="2191417754"/>
+      </p:ext>
+    </p:extLst>
+  </p:cSld>
+  <p:clrMapOvr>
+    <a:masterClrMapping/>
+  </p:clrMapOvr>
+</p:sld>
+</file>
+
+<file path=ppt/slides/slide42.xml><?xml version="1.0" encoding="utf-8"?>
+<p:sld xmlns:a="http://schemas.openxmlformats.org/drawingml/2006/main" xmlns:r="http://schemas.openxmlformats.org/officeDocument/2006/relationships" xmlns:p="http://schemas.openxmlformats.org/presentationml/2006/main">
+  <p:cSld>
+    <p:spTree>
+      <p:nvGrpSpPr>
+        <p:cNvPr id="1" name=""/>
+        <p:cNvGrpSpPr/>
+        <p:nvPr/>
+      </p:nvGrpSpPr>
+      <p:grpSpPr>
+        <a:xfrm>
+          <a:off x="0" y="0"/>
+          <a:ext cx="0" cy="0"/>
+          <a:chOff x="0" y="0"/>
+          <a:chExt cx="0" cy="0"/>
+        </a:xfrm>
+      </p:grpSpPr>
+      <p:sp>
+        <p:nvSpPr>
+          <p:cNvPr id="4" name="Tijdelijke aanduiding voor dianummer 3">
+            <a:extLst>
+              <a:ext uri="{FF2B5EF4-FFF2-40B4-BE49-F238E27FC236}">
+                <a16:creationId xmlns:a16="http://schemas.microsoft.com/office/drawing/2014/main" id="{3A5772F8-4CF1-C845-9BC1-EA3B74DF606F}"/>
+              </a:ext>
+            </a:extLst>
+          </p:cNvPr>
+          <p:cNvSpPr>
+            <a:spLocks noGrp="1"/>
+          </p:cNvSpPr>
+          <p:nvPr>
+            <p:ph type="sldNum" sz="quarter" idx="12"/>
+          </p:nvPr>
+        </p:nvSpPr>
+        <p:spPr/>
+        <p:txBody>
+          <a:bodyPr/>
+          <a:lstStyle/>
+          <a:p>
+            <a:fld id="{49F81993-47B1-3743-8AA2-20AB26FB445E}" type="slidenum">
+              <a:rPr lang="nl-NL" smtClean="0"/>
+              <a:t>42</a:t>
+            </a:fld>
+            <a:endParaRPr lang="nl-NL"/>
+          </a:p>
+        </p:txBody>
+      </p:sp>
+      <p:pic>
+        <p:nvPicPr>
+          <p:cNvPr id="6" name="Picture 1">
+            <a:extLst>
+              <a:ext uri="{FF2B5EF4-FFF2-40B4-BE49-F238E27FC236}">
+                <a16:creationId xmlns:a16="http://schemas.microsoft.com/office/drawing/2014/main" id="{D06E817C-76DD-0F44-ADB0-7048E1EBF455}"/>
+              </a:ext>
+            </a:extLst>
+          </p:cNvPr>
+          <p:cNvPicPr/>
+          <p:nvPr/>
+        </p:nvPicPr>
+        <p:blipFill>
+          <a:blip r:embed="rId2">
+            <a:extLst>
+              <a:ext uri="{28A0092B-C50C-407E-A947-70E740481C1C}">
+                <a14:useLocalDpi xmlns:a14="http://schemas.microsoft.com/office/drawing/2010/main" val="0"/>
+              </a:ext>
+            </a:extLst>
+          </a:blip>
+          <a:stretch>
+            <a:fillRect/>
+          </a:stretch>
+        </p:blipFill>
+        <p:spPr>
+          <a:xfrm>
+            <a:off x="160255" y="509048"/>
+            <a:ext cx="1912095" cy="456054"/>
+          </a:xfrm>
+          <a:prstGeom prst="rect">
+            <a:avLst/>
+          </a:prstGeom>
+        </p:spPr>
+      </p:pic>
+      <p:sp>
+        <p:nvSpPr>
+          <p:cNvPr id="2" name="TextBox 1">
+            <a:extLst>
+              <a:ext uri="{FF2B5EF4-FFF2-40B4-BE49-F238E27FC236}">
+                <a16:creationId xmlns:a16="http://schemas.microsoft.com/office/drawing/2014/main" id="{95EAFD46-64F1-4840-B77E-76816183096E}"/>
+              </a:ext>
+            </a:extLst>
+          </p:cNvPr>
+          <p:cNvSpPr txBox="1"/>
+          <p:nvPr/>
+        </p:nvSpPr>
+        <p:spPr>
+          <a:xfrm>
+            <a:off x="6780944" y="595901"/>
+            <a:ext cx="4055919" cy="369332"/>
+          </a:xfrm>
+          <a:prstGeom prst="rect">
+            <a:avLst/>
+          </a:prstGeom>
+          <a:noFill/>
+        </p:spPr>
+        <p:txBody>
+          <a:bodyPr wrap="none" rtlCol="0">
+            <a:spAutoFit/>
+          </a:bodyPr>
+          <a:lstStyle/>
+          <a:p>
+            <a:r>
+              <a:rPr lang="en-US" b="1" dirty="0"/>
+              <a:t>1. OVERVIEW JAVA – AUTOBOXING</a:t>
+            </a:r>
+          </a:p>
+        </p:txBody>
+      </p:sp>
+      <p:sp>
+        <p:nvSpPr>
+          <p:cNvPr id="8" name="Tekstvak 6">
+            <a:extLst>
+              <a:ext uri="{FF2B5EF4-FFF2-40B4-BE49-F238E27FC236}">
+                <a16:creationId xmlns:a16="http://schemas.microsoft.com/office/drawing/2014/main" id="{A97BDFA1-1198-214C-9E40-EFC2B55537B4}"/>
+              </a:ext>
+            </a:extLst>
+          </p:cNvPr>
+          <p:cNvSpPr txBox="1"/>
+          <p:nvPr/>
+        </p:nvSpPr>
+        <p:spPr>
+          <a:xfrm>
+            <a:off x="857836" y="1358947"/>
+            <a:ext cx="10628671" cy="3970318"/>
+          </a:xfrm>
+          <a:prstGeom prst="rect">
+            <a:avLst/>
+          </a:prstGeom>
+          <a:noFill/>
+        </p:spPr>
+        <p:txBody>
+          <a:bodyPr wrap="square" rtlCol="0">
+            <a:spAutoFit/>
+          </a:bodyPr>
+          <a:lstStyle/>
+          <a:p>
+            <a:r>
+              <a:rPr lang="en-US" dirty="0"/>
+              <a:t>Beware of Null Values </a:t>
+            </a:r>
+          </a:p>
+          <a:p>
+            <a:r>
+              <a:rPr lang="en-US" dirty="0"/>
+              <a:t>Autoboxing/unboxing does save you from writing additional lines of codes. It also makes your code look neater. </a:t>
+            </a:r>
+          </a:p>
+          <a:p>
+            <a:endParaRPr lang="en-US" dirty="0"/>
+          </a:p>
+          <a:p>
+            <a:r>
+              <a:rPr lang="en-US" dirty="0"/>
+              <a:t>However, it does come with some surprises. </a:t>
+            </a:r>
+          </a:p>
+          <a:p>
+            <a:endParaRPr lang="en-US" dirty="0"/>
+          </a:p>
+          <a:p>
+            <a:r>
+              <a:rPr lang="en-US" dirty="0"/>
+              <a:t>One of the surprises is getting a </a:t>
+            </a:r>
+            <a:r>
+              <a:rPr lang="en-US" dirty="0" err="1"/>
+              <a:t>NullPointerException</a:t>
+            </a:r>
+            <a:r>
+              <a:rPr lang="en-US" dirty="0"/>
+              <a:t> where you would not expect it to happen. Primitive types cannot have a null value assigned to them, whereas reference types can have a null value. The boxing and unboxing happens between primitive types and reference types. </a:t>
+            </a:r>
+          </a:p>
+          <a:p>
+            <a:endParaRPr lang="en-US" dirty="0"/>
+          </a:p>
+          <a:p>
+            <a:r>
+              <a:rPr lang="en-US" dirty="0"/>
+              <a:t>Integer n = null; // n can be assigned a null value </a:t>
+            </a:r>
+          </a:p>
+          <a:p>
+            <a:r>
+              <a:rPr lang="en-US" dirty="0" err="1"/>
+              <a:t>int</a:t>
+            </a:r>
+            <a:r>
+              <a:rPr lang="en-US" dirty="0"/>
+              <a:t> a = n; // will throw </a:t>
+            </a:r>
+            <a:r>
+              <a:rPr lang="en-US" dirty="0" err="1"/>
+              <a:t>NullPointerException</a:t>
+            </a:r>
+            <a:r>
+              <a:rPr lang="en-US" dirty="0"/>
+              <a:t> at run time  (due to </a:t>
+            </a:r>
+            <a:r>
+              <a:rPr lang="en-US" dirty="0" err="1"/>
+              <a:t>n.intValue</a:t>
+            </a:r>
+            <a:r>
+              <a:rPr lang="en-US" dirty="0"/>
+              <a:t>() )</a:t>
+            </a:r>
+          </a:p>
+          <a:p>
+            <a:endParaRPr lang="en-US" dirty="0"/>
+          </a:p>
+        </p:txBody>
+      </p:sp>
+    </p:spTree>
+    <p:extLst>
+      <p:ext uri="{BB962C8B-B14F-4D97-AF65-F5344CB8AC3E}">
+        <p14:creationId xmlns:p14="http://schemas.microsoft.com/office/powerpoint/2010/main" val="39544568"/>
+      </p:ext>
+    </p:extLst>
+  </p:cSld>
+  <p:clrMapOvr>
+    <a:masterClrMapping/>
+  </p:clrMapOvr>
+</p:sld>
+</file>
+
+<file path=ppt/slides/slide43.xml><?xml version="1.0" encoding="utf-8"?>
+<p:sld xmlns:a="http://schemas.openxmlformats.org/drawingml/2006/main" xmlns:r="http://schemas.openxmlformats.org/officeDocument/2006/relationships" xmlns:p="http://schemas.openxmlformats.org/presentationml/2006/main">
+  <p:cSld>
+    <p:spTree>
+      <p:nvGrpSpPr>
+        <p:cNvPr id="1" name=""/>
+        <p:cNvGrpSpPr/>
+        <p:nvPr/>
+      </p:nvGrpSpPr>
+      <p:grpSpPr>
+        <a:xfrm>
+          <a:off x="0" y="0"/>
+          <a:ext cx="0" cy="0"/>
+          <a:chOff x="0" y="0"/>
+          <a:chExt cx="0" cy="0"/>
+        </a:xfrm>
+      </p:grpSpPr>
+      <p:sp>
+        <p:nvSpPr>
+          <p:cNvPr id="4" name="Tijdelijke aanduiding voor dianummer 3">
+            <a:extLst>
+              <a:ext uri="{FF2B5EF4-FFF2-40B4-BE49-F238E27FC236}">
+                <a16:creationId xmlns:a16="http://schemas.microsoft.com/office/drawing/2014/main" id="{3A5772F8-4CF1-C845-9BC1-EA3B74DF606F}"/>
+              </a:ext>
+            </a:extLst>
+          </p:cNvPr>
+          <p:cNvSpPr>
+            <a:spLocks noGrp="1"/>
+          </p:cNvSpPr>
+          <p:nvPr>
+            <p:ph type="sldNum" sz="quarter" idx="12"/>
+          </p:nvPr>
+        </p:nvSpPr>
+        <p:spPr/>
+        <p:txBody>
+          <a:bodyPr/>
+          <a:lstStyle/>
+          <a:p>
+            <a:fld id="{49F81993-47B1-3743-8AA2-20AB26FB445E}" type="slidenum">
+              <a:rPr lang="nl-NL" smtClean="0"/>
+              <a:t>43</a:t>
+            </a:fld>
+            <a:endParaRPr lang="nl-NL"/>
+          </a:p>
+        </p:txBody>
+      </p:sp>
+      <p:pic>
+        <p:nvPicPr>
+          <p:cNvPr id="6" name="Picture 1">
+            <a:extLst>
+              <a:ext uri="{FF2B5EF4-FFF2-40B4-BE49-F238E27FC236}">
+                <a16:creationId xmlns:a16="http://schemas.microsoft.com/office/drawing/2014/main" id="{D06E817C-76DD-0F44-ADB0-7048E1EBF455}"/>
+              </a:ext>
+            </a:extLst>
+          </p:cNvPr>
+          <p:cNvPicPr/>
+          <p:nvPr/>
+        </p:nvPicPr>
+        <p:blipFill>
+          <a:blip r:embed="rId2">
+            <a:extLst>
+              <a:ext uri="{28A0092B-C50C-407E-A947-70E740481C1C}">
+                <a14:useLocalDpi xmlns:a14="http://schemas.microsoft.com/office/drawing/2010/main" val="0"/>
+              </a:ext>
+            </a:extLst>
+          </a:blip>
+          <a:stretch>
+            <a:fillRect/>
+          </a:stretch>
+        </p:blipFill>
+        <p:spPr>
+          <a:xfrm>
+            <a:off x="160255" y="509048"/>
+            <a:ext cx="1912095" cy="456054"/>
+          </a:xfrm>
+          <a:prstGeom prst="rect">
+            <a:avLst/>
+          </a:prstGeom>
+        </p:spPr>
+      </p:pic>
+      <p:sp>
+        <p:nvSpPr>
+          <p:cNvPr id="2" name="TextBox 1">
+            <a:extLst>
+              <a:ext uri="{FF2B5EF4-FFF2-40B4-BE49-F238E27FC236}">
+                <a16:creationId xmlns:a16="http://schemas.microsoft.com/office/drawing/2014/main" id="{95EAFD46-64F1-4840-B77E-76816183096E}"/>
+              </a:ext>
+            </a:extLst>
+          </p:cNvPr>
+          <p:cNvSpPr txBox="1"/>
+          <p:nvPr/>
+        </p:nvSpPr>
+        <p:spPr>
+          <a:xfrm>
+            <a:off x="6440975" y="595770"/>
+            <a:ext cx="3852337" cy="369332"/>
+          </a:xfrm>
+          <a:prstGeom prst="rect">
+            <a:avLst/>
+          </a:prstGeom>
+          <a:noFill/>
+        </p:spPr>
+        <p:txBody>
+          <a:bodyPr wrap="none" rtlCol="0">
+            <a:spAutoFit/>
+          </a:bodyPr>
+          <a:lstStyle/>
+          <a:p>
+            <a:r>
+              <a:rPr lang="en-US" b="1" dirty="0"/>
+              <a:t>1. OVERVIEW JAVA – STATEMENTS</a:t>
+            </a:r>
+          </a:p>
+        </p:txBody>
+      </p:sp>
+      <p:sp>
+        <p:nvSpPr>
+          <p:cNvPr id="8" name="Tekstvak 6">
+            <a:extLst>
+              <a:ext uri="{FF2B5EF4-FFF2-40B4-BE49-F238E27FC236}">
+                <a16:creationId xmlns:a16="http://schemas.microsoft.com/office/drawing/2014/main" id="{A97BDFA1-1198-214C-9E40-EFC2B55537B4}"/>
+              </a:ext>
+            </a:extLst>
+          </p:cNvPr>
+          <p:cNvSpPr txBox="1"/>
+          <p:nvPr/>
+        </p:nvSpPr>
+        <p:spPr>
+          <a:xfrm>
+            <a:off x="580434" y="1568262"/>
+            <a:ext cx="10628671" cy="369332"/>
+          </a:xfrm>
+          <a:prstGeom prst="rect">
+            <a:avLst/>
+          </a:prstGeom>
+          <a:noFill/>
+        </p:spPr>
+        <p:txBody>
+          <a:bodyPr wrap="square" rtlCol="0">
+            <a:spAutoFit/>
+          </a:bodyPr>
+          <a:lstStyle/>
+          <a:p>
+            <a:r>
+              <a:rPr lang="nl-NL" dirty="0"/>
+              <a:t>Java operators </a:t>
+            </a:r>
+            <a:endParaRPr lang="nl-NL" dirty="0">
+              <a:cs typeface="Arial" panose="020B0604020202020204" pitchFamily="34" charset="0"/>
+            </a:endParaRPr>
+          </a:p>
+        </p:txBody>
+      </p:sp>
+    </p:spTree>
+    <p:extLst>
+      <p:ext uri="{BB962C8B-B14F-4D97-AF65-F5344CB8AC3E}">
+        <p14:creationId xmlns:p14="http://schemas.microsoft.com/office/powerpoint/2010/main" val="1178462846"/>
+      </p:ext>
+    </p:extLst>
+  </p:cSld>
+  <p:clrMapOvr>
+    <a:masterClrMapping/>
+  </p:clrMapOvr>
+</p:sld>
+</file>
+
+<file path=ppt/slides/slide44.xml><?xml version="1.0" encoding="utf-8"?>
+<p:sld xmlns:a="http://schemas.openxmlformats.org/drawingml/2006/main" xmlns:r="http://schemas.openxmlformats.org/officeDocument/2006/relationships" xmlns:p="http://schemas.openxmlformats.org/presentationml/2006/main">
+  <p:cSld>
+    <p:spTree>
+      <p:nvGrpSpPr>
+        <p:cNvPr id="1" name=""/>
+        <p:cNvGrpSpPr/>
+        <p:nvPr/>
+      </p:nvGrpSpPr>
+      <p:grpSpPr>
+        <a:xfrm>
+          <a:off x="0" y="0"/>
+          <a:ext cx="0" cy="0"/>
+          <a:chOff x="0" y="0"/>
+          <a:chExt cx="0" cy="0"/>
+        </a:xfrm>
+      </p:grpSpPr>
+      <p:sp>
+        <p:nvSpPr>
+          <p:cNvPr id="4" name="Tijdelijke aanduiding voor dianummer 3">
+            <a:extLst>
+              <a:ext uri="{FF2B5EF4-FFF2-40B4-BE49-F238E27FC236}">
+                <a16:creationId xmlns:a16="http://schemas.microsoft.com/office/drawing/2014/main" id="{3A5772F8-4CF1-C845-9BC1-EA3B74DF606F}"/>
+              </a:ext>
+            </a:extLst>
+          </p:cNvPr>
+          <p:cNvSpPr>
+            <a:spLocks noGrp="1"/>
+          </p:cNvSpPr>
+          <p:nvPr>
+            <p:ph type="sldNum" sz="quarter" idx="12"/>
+          </p:nvPr>
+        </p:nvSpPr>
+        <p:spPr/>
+        <p:txBody>
+          <a:bodyPr/>
+          <a:lstStyle/>
+          <a:p>
+            <a:fld id="{49F81993-47B1-3743-8AA2-20AB26FB445E}" type="slidenum">
+              <a:rPr lang="nl-NL" smtClean="0"/>
+              <a:t>44</a:t>
+            </a:fld>
+            <a:endParaRPr lang="nl-NL"/>
+          </a:p>
+        </p:txBody>
+      </p:sp>
+      <p:pic>
+        <p:nvPicPr>
+          <p:cNvPr id="6" name="Picture 1">
+            <a:extLst>
+              <a:ext uri="{FF2B5EF4-FFF2-40B4-BE49-F238E27FC236}">
+                <a16:creationId xmlns:a16="http://schemas.microsoft.com/office/drawing/2014/main" id="{D06E817C-76DD-0F44-ADB0-7048E1EBF455}"/>
+              </a:ext>
+            </a:extLst>
+          </p:cNvPr>
+          <p:cNvPicPr/>
+          <p:nvPr/>
+        </p:nvPicPr>
+        <p:blipFill>
+          <a:blip r:embed="rId2">
+            <a:extLst>
+              <a:ext uri="{28A0092B-C50C-407E-A947-70E740481C1C}">
+                <a14:useLocalDpi xmlns:a14="http://schemas.microsoft.com/office/drawing/2010/main" val="0"/>
+              </a:ext>
+            </a:extLst>
+          </a:blip>
+          <a:stretch>
+            <a:fillRect/>
+          </a:stretch>
+        </p:blipFill>
+        <p:spPr>
+          <a:xfrm>
+            <a:off x="160255" y="509048"/>
+            <a:ext cx="1912095" cy="456054"/>
+          </a:xfrm>
+          <a:prstGeom prst="rect">
+            <a:avLst/>
+          </a:prstGeom>
+        </p:spPr>
+      </p:pic>
+      <p:sp>
+        <p:nvSpPr>
+          <p:cNvPr id="2" name="TextBox 1">
+            <a:extLst>
+              <a:ext uri="{FF2B5EF4-FFF2-40B4-BE49-F238E27FC236}">
+                <a16:creationId xmlns:a16="http://schemas.microsoft.com/office/drawing/2014/main" id="{95EAFD46-64F1-4840-B77E-76816183096E}"/>
+              </a:ext>
+            </a:extLst>
+          </p:cNvPr>
+          <p:cNvSpPr txBox="1"/>
+          <p:nvPr/>
+        </p:nvSpPr>
+        <p:spPr>
+          <a:xfrm>
+            <a:off x="6440975" y="595770"/>
+            <a:ext cx="4280339" cy="369332"/>
+          </a:xfrm>
+          <a:prstGeom prst="rect">
+            <a:avLst/>
+          </a:prstGeom>
+          <a:noFill/>
+        </p:spPr>
+        <p:txBody>
+          <a:bodyPr wrap="none" rtlCol="0">
+            <a:spAutoFit/>
+          </a:bodyPr>
+          <a:lstStyle/>
+          <a:p>
+            <a:r>
+              <a:rPr lang="en-US" b="1" dirty="0"/>
+              <a:t>1. OVERVIEW JAVA – FLOW CONTROL</a:t>
+            </a:r>
+          </a:p>
+        </p:txBody>
+      </p:sp>
+      <p:sp>
+        <p:nvSpPr>
+          <p:cNvPr id="8" name="Tekstvak 6">
+            <a:extLst>
+              <a:ext uri="{FF2B5EF4-FFF2-40B4-BE49-F238E27FC236}">
+                <a16:creationId xmlns:a16="http://schemas.microsoft.com/office/drawing/2014/main" id="{A97BDFA1-1198-214C-9E40-EFC2B55537B4}"/>
+              </a:ext>
+            </a:extLst>
+          </p:cNvPr>
+          <p:cNvSpPr txBox="1"/>
+          <p:nvPr/>
+        </p:nvSpPr>
+        <p:spPr>
+          <a:xfrm>
+            <a:off x="744821" y="1331957"/>
+            <a:ext cx="10628671" cy="3970318"/>
+          </a:xfrm>
+          <a:prstGeom prst="rect">
+            <a:avLst/>
+          </a:prstGeom>
+          <a:noFill/>
+        </p:spPr>
+        <p:txBody>
+          <a:bodyPr wrap="square" rtlCol="0">
+            <a:spAutoFit/>
+          </a:bodyPr>
+          <a:lstStyle/>
+          <a:p>
+            <a:r>
+              <a:rPr lang="nl-NL" dirty="0"/>
+              <a:t>Java operators help </a:t>
+            </a:r>
+            <a:r>
+              <a:rPr lang="nl-NL" dirty="0" err="1"/>
+              <a:t>with</a:t>
+            </a:r>
+            <a:r>
+              <a:rPr lang="nl-NL" dirty="0"/>
+              <a:t> complex </a:t>
+            </a:r>
+            <a:r>
+              <a:rPr lang="nl-NL" dirty="0" err="1"/>
+              <a:t>expressions</a:t>
+            </a:r>
+            <a:r>
+              <a:rPr lang="nl-NL" dirty="0"/>
+              <a:t> but are </a:t>
+            </a:r>
+            <a:r>
+              <a:rPr lang="nl-NL" dirty="0" err="1"/>
+              <a:t>limited</a:t>
+            </a:r>
+            <a:r>
+              <a:rPr lang="nl-NL" dirty="0"/>
+              <a:t> in program flow. </a:t>
+            </a:r>
+          </a:p>
+          <a:p>
+            <a:r>
+              <a:rPr lang="nl-NL" dirty="0"/>
+              <a:t>We </a:t>
+            </a:r>
+            <a:r>
+              <a:rPr lang="nl-NL" dirty="0" err="1"/>
+              <a:t>can</a:t>
+            </a:r>
+            <a:r>
+              <a:rPr lang="nl-NL" dirty="0"/>
+              <a:t> </a:t>
+            </a:r>
+            <a:r>
+              <a:rPr lang="nl-NL" dirty="0" err="1"/>
+              <a:t>use</a:t>
+            </a:r>
+            <a:r>
+              <a:rPr lang="nl-NL" dirty="0"/>
+              <a:t> flow control </a:t>
+            </a:r>
+            <a:r>
+              <a:rPr lang="nl-NL" dirty="0" err="1"/>
+              <a:t>for</a:t>
+            </a:r>
+            <a:r>
+              <a:rPr lang="nl-NL" dirty="0"/>
+              <a:t> </a:t>
+            </a:r>
+            <a:r>
+              <a:rPr lang="nl-NL" dirty="0" err="1"/>
+              <a:t>conditional</a:t>
+            </a:r>
+            <a:r>
+              <a:rPr lang="nl-NL" dirty="0"/>
+              <a:t> </a:t>
+            </a:r>
+            <a:r>
+              <a:rPr lang="nl-NL" dirty="0" err="1"/>
+              <a:t>execution</a:t>
+            </a:r>
+            <a:r>
+              <a:rPr lang="nl-NL" dirty="0"/>
+              <a:t> of code.</a:t>
+            </a:r>
+          </a:p>
+          <a:p>
+            <a:endParaRPr lang="nl-NL" dirty="0">
+              <a:cs typeface="Arial" panose="020B0604020202020204" pitchFamily="34" charset="0"/>
+            </a:endParaRPr>
+          </a:p>
+          <a:p>
+            <a:r>
+              <a:rPr lang="nl-NL" b="1" dirty="0" err="1">
+                <a:cs typeface="Arial" panose="020B0604020202020204" pitchFamily="34" charset="0"/>
+              </a:rPr>
+              <a:t>If-then-else</a:t>
+            </a:r>
+            <a:endParaRPr lang="nl-NL" dirty="0">
+              <a:cs typeface="Arial" panose="020B0604020202020204" pitchFamily="34" charset="0"/>
+            </a:endParaRPr>
+          </a:p>
+          <a:p>
+            <a:r>
+              <a:rPr lang="nl-NL" dirty="0" err="1">
+                <a:cs typeface="Arial" panose="020B0604020202020204" pitchFamily="34" charset="0"/>
+              </a:rPr>
+              <a:t>Used</a:t>
+            </a:r>
+            <a:r>
+              <a:rPr lang="nl-NL" dirty="0">
+                <a:cs typeface="Arial" panose="020B0604020202020204" pitchFamily="34" charset="0"/>
+              </a:rPr>
+              <a:t> </a:t>
+            </a:r>
+            <a:r>
+              <a:rPr lang="nl-NL" dirty="0" err="1">
+                <a:cs typeface="Arial" panose="020B0604020202020204" pitchFamily="34" charset="0"/>
+              </a:rPr>
+              <a:t>to</a:t>
+            </a:r>
+            <a:r>
+              <a:rPr lang="nl-NL" dirty="0">
+                <a:cs typeface="Arial" panose="020B0604020202020204" pitchFamily="34" charset="0"/>
+              </a:rPr>
+              <a:t> </a:t>
+            </a:r>
+            <a:r>
+              <a:rPr lang="nl-NL" dirty="0" err="1">
+                <a:cs typeface="Arial" panose="020B0604020202020204" pitchFamily="34" charset="0"/>
+              </a:rPr>
+              <a:t>execute</a:t>
+            </a:r>
+            <a:r>
+              <a:rPr lang="nl-NL" dirty="0">
+                <a:cs typeface="Arial" panose="020B0604020202020204" pitchFamily="34" charset="0"/>
+              </a:rPr>
+              <a:t> code </a:t>
+            </a:r>
+            <a:r>
+              <a:rPr lang="nl-NL" dirty="0" err="1">
+                <a:cs typeface="Arial" panose="020B0604020202020204" pitchFamily="34" charset="0"/>
+              </a:rPr>
+              <a:t>under</a:t>
+            </a:r>
+            <a:r>
+              <a:rPr lang="nl-NL" dirty="0">
+                <a:cs typeface="Arial" panose="020B0604020202020204" pitchFamily="34" charset="0"/>
+              </a:rPr>
+              <a:t> a </a:t>
+            </a:r>
+            <a:r>
+              <a:rPr lang="nl-NL" dirty="0" err="1">
+                <a:cs typeface="Arial" panose="020B0604020202020204" pitchFamily="34" charset="0"/>
+              </a:rPr>
+              <a:t>certain</a:t>
+            </a:r>
+            <a:r>
+              <a:rPr lang="nl-NL" dirty="0">
+                <a:cs typeface="Arial" panose="020B0604020202020204" pitchFamily="34" charset="0"/>
+              </a:rPr>
+              <a:t> </a:t>
+            </a:r>
+            <a:r>
+              <a:rPr lang="nl-NL" dirty="0" err="1">
+                <a:cs typeface="Arial" panose="020B0604020202020204" pitchFamily="34" charset="0"/>
+              </a:rPr>
+              <a:t>condition</a:t>
+            </a:r>
+            <a:endParaRPr lang="nl-NL" dirty="0">
+              <a:cs typeface="Arial" panose="020B0604020202020204" pitchFamily="34" charset="0"/>
+            </a:endParaRPr>
+          </a:p>
+          <a:p>
+            <a:endParaRPr lang="nl-NL" dirty="0">
+              <a:cs typeface="Arial" panose="020B0604020202020204" pitchFamily="34" charset="0"/>
+            </a:endParaRPr>
+          </a:p>
+          <a:p>
+            <a:r>
+              <a:rPr lang="nl-NL" dirty="0" err="1">
+                <a:cs typeface="Arial" panose="020B0604020202020204" pitchFamily="34" charset="0"/>
+              </a:rPr>
+              <a:t>If</a:t>
+            </a:r>
+            <a:r>
+              <a:rPr lang="nl-NL" dirty="0">
+                <a:cs typeface="Arial" panose="020B0604020202020204" pitchFamily="34" charset="0"/>
+              </a:rPr>
+              <a:t> (</a:t>
+            </a:r>
+            <a:r>
+              <a:rPr lang="nl-NL" dirty="0" err="1">
+                <a:cs typeface="Arial" panose="020B0604020202020204" pitchFamily="34" charset="0"/>
+              </a:rPr>
+              <a:t>booleanExpression</a:t>
+            </a:r>
+            <a:r>
+              <a:rPr lang="nl-NL" dirty="0">
+                <a:cs typeface="Arial" panose="020B0604020202020204" pitchFamily="34" charset="0"/>
+              </a:rPr>
+              <a:t>) {</a:t>
+            </a:r>
+          </a:p>
+          <a:p>
+            <a:r>
+              <a:rPr lang="nl-NL" dirty="0">
+                <a:cs typeface="Arial" panose="020B0604020202020204" pitchFamily="34" charset="0"/>
+              </a:rPr>
+              <a:t>    // </a:t>
+            </a:r>
+            <a:r>
+              <a:rPr lang="nl-NL" dirty="0" err="1">
+                <a:cs typeface="Arial" panose="020B0604020202020204" pitchFamily="34" charset="0"/>
+              </a:rPr>
+              <a:t>execute</a:t>
+            </a:r>
+            <a:r>
+              <a:rPr lang="nl-NL" dirty="0">
+                <a:cs typeface="Arial" panose="020B0604020202020204" pitchFamily="34" charset="0"/>
+              </a:rPr>
+              <a:t> </a:t>
+            </a:r>
+            <a:r>
+              <a:rPr lang="nl-NL" dirty="0" err="1">
+                <a:cs typeface="Arial" panose="020B0604020202020204" pitchFamily="34" charset="0"/>
+              </a:rPr>
+              <a:t>if</a:t>
+            </a:r>
+            <a:r>
+              <a:rPr lang="nl-NL" dirty="0">
+                <a:cs typeface="Arial" panose="020B0604020202020204" pitchFamily="34" charset="0"/>
+              </a:rPr>
+              <a:t> </a:t>
+            </a:r>
+            <a:r>
+              <a:rPr lang="nl-NL" dirty="0" err="1">
+                <a:cs typeface="Arial" panose="020B0604020202020204" pitchFamily="34" charset="0"/>
+              </a:rPr>
+              <a:t>expresision</a:t>
+            </a:r>
+            <a:r>
+              <a:rPr lang="nl-NL" dirty="0">
+                <a:cs typeface="Arial" panose="020B0604020202020204" pitchFamily="34" charset="0"/>
+              </a:rPr>
+              <a:t> is </a:t>
+            </a:r>
+            <a:r>
+              <a:rPr lang="nl-NL" b="1" dirty="0" err="1">
+                <a:cs typeface="Arial" panose="020B0604020202020204" pitchFamily="34" charset="0"/>
+              </a:rPr>
+              <a:t>true</a:t>
+            </a:r>
+            <a:endParaRPr lang="nl-NL" b="1" dirty="0">
+              <a:cs typeface="Arial" panose="020B0604020202020204" pitchFamily="34" charset="0"/>
+            </a:endParaRPr>
+          </a:p>
+          <a:p>
+            <a:r>
+              <a:rPr lang="nl-NL" dirty="0">
+                <a:cs typeface="Arial" panose="020B0604020202020204" pitchFamily="34" charset="0"/>
+              </a:rPr>
+              <a:t>} </a:t>
+            </a:r>
+            <a:r>
+              <a:rPr lang="nl-NL" dirty="0" err="1">
+                <a:cs typeface="Arial" panose="020B0604020202020204" pitchFamily="34" charset="0"/>
+              </a:rPr>
+              <a:t>else</a:t>
+            </a:r>
+            <a:r>
+              <a:rPr lang="nl-NL" dirty="0">
+                <a:cs typeface="Arial" panose="020B0604020202020204" pitchFamily="34" charset="0"/>
+              </a:rPr>
+              <a:t> {</a:t>
+            </a:r>
+          </a:p>
+          <a:p>
+            <a:r>
+              <a:rPr lang="nl-NL" dirty="0">
+                <a:cs typeface="Arial" panose="020B0604020202020204" pitchFamily="34" charset="0"/>
+              </a:rPr>
+              <a:t>   // </a:t>
+            </a:r>
+            <a:r>
+              <a:rPr lang="nl-NL" dirty="0" err="1">
+                <a:cs typeface="Arial" panose="020B0604020202020204" pitchFamily="34" charset="0"/>
+              </a:rPr>
+              <a:t>execute</a:t>
+            </a:r>
+            <a:r>
+              <a:rPr lang="nl-NL" dirty="0">
+                <a:cs typeface="Arial" panose="020B0604020202020204" pitchFamily="34" charset="0"/>
+              </a:rPr>
+              <a:t> </a:t>
+            </a:r>
+            <a:r>
+              <a:rPr lang="nl-NL" dirty="0" err="1">
+                <a:cs typeface="Arial" panose="020B0604020202020204" pitchFamily="34" charset="0"/>
+              </a:rPr>
+              <a:t>if</a:t>
+            </a:r>
+            <a:r>
+              <a:rPr lang="nl-NL" dirty="0">
+                <a:cs typeface="Arial" panose="020B0604020202020204" pitchFamily="34" charset="0"/>
+              </a:rPr>
+              <a:t> </a:t>
+            </a:r>
+            <a:r>
+              <a:rPr lang="nl-NL" dirty="0" err="1">
+                <a:cs typeface="Arial" panose="020B0604020202020204" pitchFamily="34" charset="0"/>
+              </a:rPr>
+              <a:t>expresision</a:t>
+            </a:r>
+            <a:r>
+              <a:rPr lang="nl-NL" dirty="0">
+                <a:cs typeface="Arial" panose="020B0604020202020204" pitchFamily="34" charset="0"/>
+              </a:rPr>
+              <a:t> is </a:t>
+            </a:r>
+            <a:r>
+              <a:rPr lang="nl-NL" b="1" dirty="0" err="1">
+                <a:cs typeface="Arial" panose="020B0604020202020204" pitchFamily="34" charset="0"/>
+              </a:rPr>
+              <a:t>false</a:t>
+            </a:r>
+            <a:endParaRPr lang="nl-NL" b="1" dirty="0">
+              <a:cs typeface="Arial" panose="020B0604020202020204" pitchFamily="34" charset="0"/>
+            </a:endParaRPr>
+          </a:p>
+          <a:p>
+            <a:r>
+              <a:rPr lang="nl-NL" dirty="0">
+                <a:cs typeface="Arial" panose="020B0604020202020204" pitchFamily="34" charset="0"/>
+              </a:rPr>
+              <a:t>}</a:t>
+            </a:r>
+          </a:p>
+          <a:p>
+            <a:endParaRPr lang="nl-NL" dirty="0">
+              <a:cs typeface="Arial" panose="020B0604020202020204" pitchFamily="34" charset="0"/>
+            </a:endParaRPr>
+          </a:p>
+          <a:p>
+            <a:r>
+              <a:rPr lang="nl-NL" dirty="0" err="1">
+                <a:cs typeface="Arial" panose="020B0604020202020204" pitchFamily="34" charset="0"/>
+              </a:rPr>
+              <a:t>Remark</a:t>
+            </a:r>
+            <a:r>
+              <a:rPr lang="nl-NL" dirty="0">
+                <a:cs typeface="Arial" panose="020B0604020202020204" pitchFamily="34" charset="0"/>
+              </a:rPr>
+              <a:t>: </a:t>
+            </a:r>
+            <a:r>
+              <a:rPr lang="nl-NL" dirty="0" err="1">
+                <a:cs typeface="Arial" panose="020B0604020202020204" pitchFamily="34" charset="0"/>
+              </a:rPr>
+              <a:t>curly</a:t>
+            </a:r>
+            <a:r>
+              <a:rPr lang="nl-NL" dirty="0">
+                <a:cs typeface="Arial" panose="020B0604020202020204" pitchFamily="34" charset="0"/>
+              </a:rPr>
+              <a:t> </a:t>
+            </a:r>
+            <a:r>
+              <a:rPr lang="nl-NL" dirty="0" err="1">
+                <a:cs typeface="Arial" panose="020B0604020202020204" pitchFamily="34" charset="0"/>
+              </a:rPr>
+              <a:t>braces</a:t>
+            </a:r>
+            <a:r>
+              <a:rPr lang="nl-NL" dirty="0">
+                <a:cs typeface="Arial" panose="020B0604020202020204" pitchFamily="34" charset="0"/>
+              </a:rPr>
+              <a:t> </a:t>
+            </a:r>
+            <a:r>
+              <a:rPr lang="nl-NL" dirty="0" err="1">
+                <a:cs typeface="Arial" panose="020B0604020202020204" pitchFamily="34" charset="0"/>
+              </a:rPr>
+              <a:t>not</a:t>
+            </a:r>
+            <a:r>
+              <a:rPr lang="nl-NL" dirty="0">
+                <a:cs typeface="Arial" panose="020B0604020202020204" pitchFamily="34" charset="0"/>
+              </a:rPr>
+              <a:t> </a:t>
+            </a:r>
+            <a:r>
+              <a:rPr lang="nl-NL" dirty="0" err="1">
+                <a:cs typeface="Arial" panose="020B0604020202020204" pitchFamily="34" charset="0"/>
+              </a:rPr>
+              <a:t>needed</a:t>
+            </a:r>
+            <a:r>
+              <a:rPr lang="nl-NL" dirty="0">
+                <a:cs typeface="Arial" panose="020B0604020202020204" pitchFamily="34" charset="0"/>
+              </a:rPr>
+              <a:t> </a:t>
+            </a:r>
+            <a:r>
+              <a:rPr lang="nl-NL" dirty="0" err="1">
+                <a:cs typeface="Arial" panose="020B0604020202020204" pitchFamily="34" charset="0"/>
+              </a:rPr>
+              <a:t>if</a:t>
+            </a:r>
+            <a:r>
+              <a:rPr lang="nl-NL" dirty="0">
+                <a:cs typeface="Arial" panose="020B0604020202020204" pitchFamily="34" charset="0"/>
+              </a:rPr>
+              <a:t> </a:t>
+            </a:r>
+            <a:r>
+              <a:rPr lang="nl-NL" dirty="0" err="1">
+                <a:cs typeface="Arial" panose="020B0604020202020204" pitchFamily="34" charset="0"/>
+              </a:rPr>
+              <a:t>followed</a:t>
+            </a:r>
+            <a:r>
+              <a:rPr lang="nl-NL" dirty="0">
+                <a:cs typeface="Arial" panose="020B0604020202020204" pitchFamily="34" charset="0"/>
+              </a:rPr>
+              <a:t> </a:t>
+            </a:r>
+            <a:r>
+              <a:rPr lang="nl-NL" dirty="0" err="1">
+                <a:cs typeface="Arial" panose="020B0604020202020204" pitchFamily="34" charset="0"/>
+              </a:rPr>
+              <a:t>by</a:t>
+            </a:r>
+            <a:r>
+              <a:rPr lang="nl-NL" dirty="0">
+                <a:cs typeface="Arial" panose="020B0604020202020204" pitchFamily="34" charset="0"/>
+              </a:rPr>
+              <a:t> 1 statement. </a:t>
+            </a:r>
+          </a:p>
+          <a:p>
+            <a:r>
+              <a:rPr lang="nl-NL" dirty="0" err="1">
+                <a:cs typeface="Arial" panose="020B0604020202020204" pitchFamily="34" charset="0"/>
+              </a:rPr>
+              <a:t>Good</a:t>
+            </a:r>
+            <a:r>
+              <a:rPr lang="nl-NL" dirty="0">
+                <a:cs typeface="Arial" panose="020B0604020202020204" pitchFamily="34" charset="0"/>
+              </a:rPr>
+              <a:t> </a:t>
+            </a:r>
+            <a:r>
+              <a:rPr lang="nl-NL" dirty="0" err="1">
+                <a:cs typeface="Arial" panose="020B0604020202020204" pitchFamily="34" charset="0"/>
+              </a:rPr>
+              <a:t>practice</a:t>
+            </a:r>
+            <a:r>
+              <a:rPr lang="nl-NL" dirty="0">
+                <a:cs typeface="Arial" panose="020B0604020202020204" pitchFamily="34" charset="0"/>
+              </a:rPr>
+              <a:t> </a:t>
+            </a:r>
+            <a:r>
+              <a:rPr lang="nl-NL" dirty="0" err="1">
+                <a:cs typeface="Arial" panose="020B0604020202020204" pitchFamily="34" charset="0"/>
+              </a:rPr>
+              <a:t>to</a:t>
+            </a:r>
+            <a:r>
+              <a:rPr lang="nl-NL" dirty="0">
+                <a:cs typeface="Arial" panose="020B0604020202020204" pitchFamily="34" charset="0"/>
+              </a:rPr>
+              <a:t> </a:t>
+            </a:r>
+            <a:r>
+              <a:rPr lang="nl-NL" dirty="0" err="1">
+                <a:cs typeface="Arial" panose="020B0604020202020204" pitchFamily="34" charset="0"/>
+              </a:rPr>
+              <a:t>always</a:t>
+            </a:r>
+            <a:r>
+              <a:rPr lang="nl-NL" dirty="0">
+                <a:cs typeface="Arial" panose="020B0604020202020204" pitchFamily="34" charset="0"/>
+              </a:rPr>
+              <a:t> </a:t>
+            </a:r>
+            <a:r>
+              <a:rPr lang="nl-NL" dirty="0" err="1">
+                <a:cs typeface="Arial" panose="020B0604020202020204" pitchFamily="34" charset="0"/>
+              </a:rPr>
+              <a:t>add</a:t>
+            </a:r>
+            <a:r>
+              <a:rPr lang="nl-NL" dirty="0">
+                <a:cs typeface="Arial" panose="020B0604020202020204" pitchFamily="34" charset="0"/>
+              </a:rPr>
+              <a:t> </a:t>
+            </a:r>
+            <a:r>
+              <a:rPr lang="nl-NL" dirty="0" err="1">
+                <a:cs typeface="Arial" panose="020B0604020202020204" pitchFamily="34" charset="0"/>
+              </a:rPr>
+              <a:t>them</a:t>
+            </a:r>
+            <a:r>
+              <a:rPr lang="nl-NL" dirty="0">
+                <a:cs typeface="Arial" panose="020B0604020202020204" pitchFamily="34" charset="0"/>
+              </a:rPr>
+              <a:t>.</a:t>
+            </a:r>
+          </a:p>
+        </p:txBody>
+      </p:sp>
+    </p:spTree>
+    <p:extLst>
+      <p:ext uri="{BB962C8B-B14F-4D97-AF65-F5344CB8AC3E}">
+        <p14:creationId xmlns:p14="http://schemas.microsoft.com/office/powerpoint/2010/main" val="1268114331"/>
+      </p:ext>
+    </p:extLst>
+  </p:cSld>
+  <p:clrMapOvr>
+    <a:masterClrMapping/>
+  </p:clrMapOvr>
+</p:sld>
+</file>
+
+<file path=ppt/slides/slide45.xml><?xml version="1.0" encoding="utf-8"?>
+<p:sld xmlns:a="http://schemas.openxmlformats.org/drawingml/2006/main" xmlns:r="http://schemas.openxmlformats.org/officeDocument/2006/relationships" xmlns:p="http://schemas.openxmlformats.org/presentationml/2006/main">
+  <p:cSld>
+    <p:spTree>
+      <p:nvGrpSpPr>
+        <p:cNvPr id="1" name=""/>
+        <p:cNvGrpSpPr/>
+        <p:nvPr/>
+      </p:nvGrpSpPr>
+      <p:grpSpPr>
+        <a:xfrm>
+          <a:off x="0" y="0"/>
+          <a:ext cx="0" cy="0"/>
+          <a:chOff x="0" y="0"/>
+          <a:chExt cx="0" cy="0"/>
+        </a:xfrm>
+      </p:grpSpPr>
+      <p:sp>
+        <p:nvSpPr>
+          <p:cNvPr id="4" name="Tijdelijke aanduiding voor dianummer 3">
+            <a:extLst>
+              <a:ext uri="{FF2B5EF4-FFF2-40B4-BE49-F238E27FC236}">
+                <a16:creationId xmlns:a16="http://schemas.microsoft.com/office/drawing/2014/main" id="{3A5772F8-4CF1-C845-9BC1-EA3B74DF606F}"/>
+              </a:ext>
+            </a:extLst>
+          </p:cNvPr>
+          <p:cNvSpPr>
+            <a:spLocks noGrp="1"/>
+          </p:cNvSpPr>
+          <p:nvPr>
+            <p:ph type="sldNum" sz="quarter" idx="12"/>
+          </p:nvPr>
+        </p:nvSpPr>
+        <p:spPr/>
+        <p:txBody>
+          <a:bodyPr/>
+          <a:lstStyle/>
+          <a:p>
+            <a:fld id="{49F81993-47B1-3743-8AA2-20AB26FB445E}" type="slidenum">
+              <a:rPr lang="nl-NL" smtClean="0"/>
+              <a:t>45</a:t>
+            </a:fld>
+            <a:endParaRPr lang="nl-NL"/>
+          </a:p>
+        </p:txBody>
+      </p:sp>
+      <p:pic>
+        <p:nvPicPr>
+          <p:cNvPr id="6" name="Picture 1">
+            <a:extLst>
+              <a:ext uri="{FF2B5EF4-FFF2-40B4-BE49-F238E27FC236}">
+                <a16:creationId xmlns:a16="http://schemas.microsoft.com/office/drawing/2014/main" id="{D06E817C-76DD-0F44-ADB0-7048E1EBF455}"/>
+              </a:ext>
+            </a:extLst>
+          </p:cNvPr>
+          <p:cNvPicPr/>
+          <p:nvPr/>
+        </p:nvPicPr>
+        <p:blipFill>
+          <a:blip r:embed="rId2">
+            <a:extLst>
+              <a:ext uri="{28A0092B-C50C-407E-A947-70E740481C1C}">
+                <a14:useLocalDpi xmlns:a14="http://schemas.microsoft.com/office/drawing/2010/main" val="0"/>
+              </a:ext>
+            </a:extLst>
+          </a:blip>
+          <a:stretch>
+            <a:fillRect/>
+          </a:stretch>
+        </p:blipFill>
+        <p:spPr>
+          <a:xfrm>
+            <a:off x="160255" y="509048"/>
+            <a:ext cx="1912095" cy="456054"/>
+          </a:xfrm>
+          <a:prstGeom prst="rect">
+            <a:avLst/>
+          </a:prstGeom>
+        </p:spPr>
+      </p:pic>
+      <p:sp>
+        <p:nvSpPr>
+          <p:cNvPr id="2" name="TextBox 1">
+            <a:extLst>
+              <a:ext uri="{FF2B5EF4-FFF2-40B4-BE49-F238E27FC236}">
+                <a16:creationId xmlns:a16="http://schemas.microsoft.com/office/drawing/2014/main" id="{95EAFD46-64F1-4840-B77E-76816183096E}"/>
+              </a:ext>
+            </a:extLst>
+          </p:cNvPr>
+          <p:cNvSpPr txBox="1"/>
+          <p:nvPr/>
+        </p:nvSpPr>
+        <p:spPr>
+          <a:xfrm>
+            <a:off x="6440975" y="595770"/>
+            <a:ext cx="4280339" cy="369332"/>
+          </a:xfrm>
+          <a:prstGeom prst="rect">
+            <a:avLst/>
+          </a:prstGeom>
+          <a:noFill/>
+        </p:spPr>
+        <p:txBody>
+          <a:bodyPr wrap="none" rtlCol="0">
+            <a:spAutoFit/>
+          </a:bodyPr>
+          <a:lstStyle/>
+          <a:p>
+            <a:r>
+              <a:rPr lang="en-US" b="1" dirty="0"/>
+              <a:t>1. OVERVIEW JAVA – FLOW CONTROL</a:t>
+            </a:r>
+          </a:p>
+        </p:txBody>
+      </p:sp>
+      <p:sp>
+        <p:nvSpPr>
+          <p:cNvPr id="8" name="Tekstvak 6">
+            <a:extLst>
+              <a:ext uri="{FF2B5EF4-FFF2-40B4-BE49-F238E27FC236}">
+                <a16:creationId xmlns:a16="http://schemas.microsoft.com/office/drawing/2014/main" id="{A97BDFA1-1198-214C-9E40-EFC2B55537B4}"/>
+              </a:ext>
+            </a:extLst>
+          </p:cNvPr>
+          <p:cNvSpPr txBox="1"/>
+          <p:nvPr/>
+        </p:nvSpPr>
+        <p:spPr>
+          <a:xfrm>
+            <a:off x="744821" y="1331957"/>
+            <a:ext cx="10628671" cy="2585323"/>
+          </a:xfrm>
+          <a:prstGeom prst="rect">
+            <a:avLst/>
+          </a:prstGeom>
+          <a:noFill/>
+        </p:spPr>
+        <p:txBody>
+          <a:bodyPr wrap="square" rtlCol="0">
+            <a:spAutoFit/>
+          </a:bodyPr>
+          <a:lstStyle/>
+          <a:p>
+            <a:r>
+              <a:rPr lang="nl-NL" b="1" dirty="0"/>
+              <a:t>Switch-statement</a:t>
+            </a:r>
+            <a:endParaRPr lang="nl-NL" dirty="0"/>
+          </a:p>
+          <a:p>
+            <a:endParaRPr lang="nl-NL" b="1" dirty="0">
+              <a:cs typeface="Arial" panose="020B0604020202020204" pitchFamily="34" charset="0"/>
+            </a:endParaRPr>
+          </a:p>
+          <a:p>
+            <a:pPr marL="285750" indent="-285750">
+              <a:buFontTx/>
+              <a:buChar char="-"/>
+            </a:pPr>
+            <a:r>
+              <a:rPr lang="nl-NL" dirty="0" err="1">
+                <a:cs typeface="Arial" panose="020B0604020202020204" pitchFamily="34" charset="0"/>
+              </a:rPr>
+              <a:t>Can</a:t>
+            </a:r>
+            <a:r>
+              <a:rPr lang="nl-NL" dirty="0">
+                <a:cs typeface="Arial" panose="020B0604020202020204" pitchFamily="34" charset="0"/>
+              </a:rPr>
+              <a:t> </a:t>
+            </a:r>
+            <a:r>
+              <a:rPr lang="nl-NL" dirty="0" err="1">
+                <a:cs typeface="Arial" panose="020B0604020202020204" pitchFamily="34" charset="0"/>
+              </a:rPr>
+              <a:t>also</a:t>
+            </a:r>
+            <a:r>
+              <a:rPr lang="nl-NL" dirty="0">
+                <a:cs typeface="Arial" panose="020B0604020202020204" pitchFamily="34" charset="0"/>
+              </a:rPr>
+              <a:t> </a:t>
+            </a:r>
+            <a:r>
+              <a:rPr lang="nl-NL" dirty="0" err="1">
+                <a:cs typeface="Arial" panose="020B0604020202020204" pitchFamily="34" charset="0"/>
+              </a:rPr>
+              <a:t>be</a:t>
+            </a:r>
+            <a:r>
+              <a:rPr lang="nl-NL" dirty="0">
+                <a:cs typeface="Arial" panose="020B0604020202020204" pitchFamily="34" charset="0"/>
+              </a:rPr>
+              <a:t> </a:t>
+            </a:r>
+            <a:r>
+              <a:rPr lang="nl-NL" dirty="0" err="1">
+                <a:cs typeface="Arial" panose="020B0604020202020204" pitchFamily="34" charset="0"/>
+              </a:rPr>
+              <a:t>used</a:t>
+            </a:r>
+            <a:r>
+              <a:rPr lang="nl-NL" dirty="0">
+                <a:cs typeface="Arial" panose="020B0604020202020204" pitchFamily="34" charset="0"/>
+              </a:rPr>
+              <a:t> </a:t>
+            </a:r>
+            <a:r>
+              <a:rPr lang="nl-NL" dirty="0" err="1">
+                <a:cs typeface="Arial" panose="020B0604020202020204" pitchFamily="34" charset="0"/>
+              </a:rPr>
+              <a:t>for</a:t>
+            </a:r>
+            <a:r>
+              <a:rPr lang="nl-NL" dirty="0">
+                <a:cs typeface="Arial" panose="020B0604020202020204" pitchFamily="34" charset="0"/>
+              </a:rPr>
+              <a:t> </a:t>
+            </a:r>
+            <a:r>
+              <a:rPr lang="nl-NL" dirty="0" err="1">
+                <a:cs typeface="Arial" panose="020B0604020202020204" pitchFamily="34" charset="0"/>
+              </a:rPr>
+              <a:t>if-then-else</a:t>
+            </a:r>
+            <a:r>
+              <a:rPr lang="nl-NL" dirty="0">
+                <a:cs typeface="Arial" panose="020B0604020202020204" pitchFamily="34" charset="0"/>
+              </a:rPr>
+              <a:t> cases</a:t>
+            </a:r>
+          </a:p>
+          <a:p>
+            <a:pPr marL="285750" indent="-285750">
+              <a:buFontTx/>
+              <a:buChar char="-"/>
+            </a:pPr>
+            <a:r>
+              <a:rPr lang="nl-NL" dirty="0">
+                <a:cs typeface="Arial" panose="020B0604020202020204" pitchFamily="34" charset="0"/>
+              </a:rPr>
+              <a:t>Target </a:t>
+            </a:r>
+            <a:r>
+              <a:rPr lang="nl-NL" dirty="0" err="1">
+                <a:cs typeface="Arial" panose="020B0604020202020204" pitchFamily="34" charset="0"/>
+              </a:rPr>
+              <a:t>variable</a:t>
+            </a:r>
+            <a:r>
+              <a:rPr lang="nl-NL" dirty="0">
+                <a:cs typeface="Arial" panose="020B0604020202020204" pitchFamily="34" charset="0"/>
+              </a:rPr>
+              <a:t> </a:t>
+            </a:r>
+            <a:r>
+              <a:rPr lang="nl-NL" dirty="0" err="1">
+                <a:cs typeface="Arial" panose="020B0604020202020204" pitchFamily="34" charset="0"/>
+              </a:rPr>
+              <a:t>only</a:t>
+            </a:r>
+            <a:r>
+              <a:rPr lang="nl-NL" dirty="0">
+                <a:cs typeface="Arial" panose="020B0604020202020204" pitchFamily="34" charset="0"/>
+              </a:rPr>
+              <a:t> of type int/Integer, byte/Byte, short/Short, </a:t>
+            </a:r>
+            <a:r>
+              <a:rPr lang="nl-NL" dirty="0" err="1">
+                <a:cs typeface="Arial" panose="020B0604020202020204" pitchFamily="34" charset="0"/>
+              </a:rPr>
+              <a:t>char</a:t>
+            </a:r>
+            <a:r>
+              <a:rPr lang="nl-NL" dirty="0">
+                <a:cs typeface="Arial" panose="020B0604020202020204" pitchFamily="34" charset="0"/>
+              </a:rPr>
+              <a:t>/</a:t>
+            </a:r>
+            <a:r>
+              <a:rPr lang="nl-NL" dirty="0" err="1">
+                <a:cs typeface="Arial" panose="020B0604020202020204" pitchFamily="34" charset="0"/>
+              </a:rPr>
+              <a:t>Character</a:t>
+            </a:r>
+            <a:r>
+              <a:rPr lang="nl-NL" dirty="0">
+                <a:cs typeface="Arial" panose="020B0604020202020204" pitchFamily="34" charset="0"/>
+              </a:rPr>
+              <a:t>, String </a:t>
+            </a:r>
+            <a:r>
+              <a:rPr lang="nl-NL" dirty="0" err="1">
+                <a:cs typeface="Arial" panose="020B0604020202020204" pitchFamily="34" charset="0"/>
+              </a:rPr>
+              <a:t>and</a:t>
+            </a:r>
+            <a:r>
+              <a:rPr lang="nl-NL" dirty="0">
+                <a:cs typeface="Arial" panose="020B0604020202020204" pitchFamily="34" charset="0"/>
+              </a:rPr>
+              <a:t> </a:t>
+            </a:r>
+            <a:r>
+              <a:rPr lang="nl-NL" dirty="0" err="1">
+                <a:cs typeface="Arial" panose="020B0604020202020204" pitchFamily="34" charset="0"/>
+              </a:rPr>
+              <a:t>enum-values</a:t>
+            </a:r>
+            <a:endParaRPr lang="nl-NL" dirty="0">
+              <a:cs typeface="Arial" panose="020B0604020202020204" pitchFamily="34" charset="0"/>
+            </a:endParaRPr>
+          </a:p>
+          <a:p>
+            <a:pPr marL="285750" indent="-285750">
+              <a:buFontTx/>
+              <a:buChar char="-"/>
+            </a:pPr>
+            <a:r>
+              <a:rPr lang="nl-NL" dirty="0" err="1">
+                <a:cs typeface="Arial" panose="020B0604020202020204" pitchFamily="34" charset="0"/>
+              </a:rPr>
+              <a:t>Use</a:t>
+            </a:r>
+            <a:r>
+              <a:rPr lang="nl-NL" dirty="0">
+                <a:cs typeface="Arial" panose="020B0604020202020204" pitchFamily="34" charset="0"/>
+              </a:rPr>
+              <a:t> </a:t>
+            </a:r>
+            <a:r>
+              <a:rPr lang="nl-NL" b="1" dirty="0">
+                <a:cs typeface="Arial" panose="020B0604020202020204" pitchFamily="34" charset="0"/>
+              </a:rPr>
+              <a:t>case</a:t>
+            </a:r>
+            <a:r>
+              <a:rPr lang="nl-NL" dirty="0">
+                <a:cs typeface="Arial" panose="020B0604020202020204" pitchFamily="34" charset="0"/>
+              </a:rPr>
+              <a:t> </a:t>
+            </a:r>
+            <a:r>
+              <a:rPr lang="nl-NL" dirty="0" err="1">
+                <a:cs typeface="Arial" panose="020B0604020202020204" pitchFamily="34" charset="0"/>
+              </a:rPr>
+              <a:t>to</a:t>
+            </a:r>
+            <a:r>
+              <a:rPr lang="nl-NL" dirty="0">
+                <a:cs typeface="Arial" panose="020B0604020202020204" pitchFamily="34" charset="0"/>
+              </a:rPr>
+              <a:t> check </a:t>
+            </a:r>
+            <a:r>
+              <a:rPr lang="nl-NL" dirty="0" err="1">
+                <a:cs typeface="Arial" panose="020B0604020202020204" pitchFamily="34" charset="0"/>
+              </a:rPr>
+              <a:t>for</a:t>
+            </a:r>
+            <a:r>
+              <a:rPr lang="nl-NL" dirty="0">
+                <a:cs typeface="Arial" panose="020B0604020202020204" pitchFamily="34" charset="0"/>
+              </a:rPr>
+              <a:t> match</a:t>
+            </a:r>
+          </a:p>
+          <a:p>
+            <a:pPr marL="285750" indent="-285750">
+              <a:buFontTx/>
+              <a:buChar char="-"/>
+            </a:pPr>
+            <a:r>
+              <a:rPr lang="nl-NL" dirty="0" err="1">
+                <a:cs typeface="Arial" panose="020B0604020202020204" pitchFamily="34" charset="0"/>
+              </a:rPr>
+              <a:t>Don’t</a:t>
+            </a:r>
+            <a:r>
+              <a:rPr lang="nl-NL" dirty="0">
+                <a:cs typeface="Arial" panose="020B0604020202020204" pitchFamily="34" charset="0"/>
+              </a:rPr>
+              <a:t> </a:t>
+            </a:r>
+            <a:r>
+              <a:rPr lang="nl-NL" dirty="0" err="1">
+                <a:cs typeface="Arial" panose="020B0604020202020204" pitchFamily="34" charset="0"/>
+              </a:rPr>
+              <a:t>forget</a:t>
+            </a:r>
+            <a:r>
+              <a:rPr lang="nl-NL" dirty="0">
+                <a:cs typeface="Arial" panose="020B0604020202020204" pitchFamily="34" charset="0"/>
+              </a:rPr>
+              <a:t> </a:t>
+            </a:r>
+            <a:r>
+              <a:rPr lang="nl-NL" dirty="0" err="1">
+                <a:cs typeface="Arial" panose="020B0604020202020204" pitchFamily="34" charset="0"/>
+              </a:rPr>
+              <a:t>to</a:t>
+            </a:r>
+            <a:r>
+              <a:rPr lang="nl-NL" dirty="0">
+                <a:cs typeface="Arial" panose="020B0604020202020204" pitchFamily="34" charset="0"/>
+              </a:rPr>
+              <a:t> </a:t>
+            </a:r>
+            <a:r>
+              <a:rPr lang="nl-NL" dirty="0" err="1">
+                <a:cs typeface="Arial" panose="020B0604020202020204" pitchFamily="34" charset="0"/>
+              </a:rPr>
+              <a:t>use</a:t>
+            </a:r>
+            <a:r>
+              <a:rPr lang="nl-NL" dirty="0">
+                <a:cs typeface="Arial" panose="020B0604020202020204" pitchFamily="34" charset="0"/>
+              </a:rPr>
+              <a:t> </a:t>
+            </a:r>
+            <a:r>
+              <a:rPr lang="nl-NL" b="1" dirty="0">
+                <a:cs typeface="Arial" panose="020B0604020202020204" pitchFamily="34" charset="0"/>
+              </a:rPr>
+              <a:t>break </a:t>
+            </a:r>
+            <a:r>
+              <a:rPr lang="nl-NL" dirty="0" err="1">
+                <a:cs typeface="Arial" panose="020B0604020202020204" pitchFamily="34" charset="0"/>
+              </a:rPr>
+              <a:t>to</a:t>
+            </a:r>
+            <a:r>
+              <a:rPr lang="nl-NL" dirty="0">
+                <a:cs typeface="Arial" panose="020B0604020202020204" pitchFamily="34" charset="0"/>
+              </a:rPr>
+              <a:t> stop </a:t>
+            </a:r>
+            <a:r>
+              <a:rPr lang="nl-NL" dirty="0" err="1">
+                <a:cs typeface="Arial" panose="020B0604020202020204" pitchFamily="34" charset="0"/>
+              </a:rPr>
+              <a:t>the</a:t>
+            </a:r>
+            <a:r>
+              <a:rPr lang="nl-NL" dirty="0">
+                <a:cs typeface="Arial" panose="020B0604020202020204" pitchFamily="34" charset="0"/>
+              </a:rPr>
+              <a:t> flow (</a:t>
+            </a:r>
+            <a:r>
+              <a:rPr lang="nl-NL" dirty="0" err="1">
+                <a:cs typeface="Arial" panose="020B0604020202020204" pitchFamily="34" charset="0"/>
+              </a:rPr>
+              <a:t>otherwise</a:t>
+            </a:r>
+            <a:r>
+              <a:rPr lang="nl-NL" dirty="0">
+                <a:cs typeface="Arial" panose="020B0604020202020204" pitchFamily="34" charset="0"/>
+              </a:rPr>
+              <a:t> next case </a:t>
+            </a:r>
+            <a:r>
+              <a:rPr lang="nl-NL" dirty="0" err="1">
+                <a:cs typeface="Arial" panose="020B0604020202020204" pitchFamily="34" charset="0"/>
+              </a:rPr>
+              <a:t>will</a:t>
+            </a:r>
+            <a:r>
+              <a:rPr lang="nl-NL" dirty="0">
+                <a:cs typeface="Arial" panose="020B0604020202020204" pitchFamily="34" charset="0"/>
+              </a:rPr>
+              <a:t> </a:t>
+            </a:r>
+            <a:r>
+              <a:rPr lang="nl-NL" dirty="0" err="1">
+                <a:cs typeface="Arial" panose="020B0604020202020204" pitchFamily="34" charset="0"/>
+              </a:rPr>
+              <a:t>be</a:t>
+            </a:r>
+            <a:r>
+              <a:rPr lang="nl-NL" dirty="0">
+                <a:cs typeface="Arial" panose="020B0604020202020204" pitchFamily="34" charset="0"/>
+              </a:rPr>
+              <a:t> </a:t>
+            </a:r>
+            <a:r>
+              <a:rPr lang="nl-NL" dirty="0" err="1">
+                <a:cs typeface="Arial" panose="020B0604020202020204" pitchFamily="34" charset="0"/>
+              </a:rPr>
+              <a:t>executed</a:t>
+            </a:r>
+            <a:r>
+              <a:rPr lang="nl-NL" dirty="0">
+                <a:cs typeface="Arial" panose="020B0604020202020204" pitchFamily="34" charset="0"/>
+              </a:rPr>
+              <a:t>!)</a:t>
+            </a:r>
+          </a:p>
+          <a:p>
+            <a:pPr marL="285750" indent="-285750">
+              <a:buFontTx/>
+              <a:buChar char="-"/>
+            </a:pPr>
+            <a:r>
+              <a:rPr lang="nl-NL" dirty="0" err="1">
+                <a:cs typeface="Arial" panose="020B0604020202020204" pitchFamily="34" charset="0"/>
+              </a:rPr>
+              <a:t>Add</a:t>
+            </a:r>
+            <a:r>
+              <a:rPr lang="nl-NL" dirty="0">
+                <a:cs typeface="Arial" panose="020B0604020202020204" pitchFamily="34" charset="0"/>
+              </a:rPr>
+              <a:t> </a:t>
+            </a:r>
+            <a:r>
+              <a:rPr lang="nl-NL" b="1" dirty="0">
+                <a:cs typeface="Arial" panose="020B0604020202020204" pitchFamily="34" charset="0"/>
+              </a:rPr>
+              <a:t>default</a:t>
+            </a:r>
+            <a:r>
+              <a:rPr lang="nl-NL" dirty="0">
+                <a:cs typeface="Arial" panose="020B0604020202020204" pitchFamily="34" charset="0"/>
+              </a:rPr>
+              <a:t> </a:t>
+            </a:r>
+            <a:r>
+              <a:rPr lang="nl-NL" dirty="0" err="1">
+                <a:cs typeface="Arial" panose="020B0604020202020204" pitchFamily="34" charset="0"/>
+              </a:rPr>
+              <a:t>when</a:t>
+            </a:r>
+            <a:r>
+              <a:rPr lang="nl-NL" dirty="0">
+                <a:cs typeface="Arial" panose="020B0604020202020204" pitchFamily="34" charset="0"/>
+              </a:rPr>
+              <a:t> no case-statement </a:t>
+            </a:r>
+            <a:r>
+              <a:rPr lang="nl-NL" dirty="0" err="1">
+                <a:cs typeface="Arial" panose="020B0604020202020204" pitchFamily="34" charset="0"/>
+              </a:rPr>
+              <a:t>will</a:t>
+            </a:r>
+            <a:r>
+              <a:rPr lang="nl-NL" dirty="0">
+                <a:cs typeface="Arial" panose="020B0604020202020204" pitchFamily="34" charset="0"/>
+              </a:rPr>
+              <a:t> </a:t>
+            </a:r>
+            <a:r>
+              <a:rPr lang="nl-NL" dirty="0" err="1">
+                <a:cs typeface="Arial" panose="020B0604020202020204" pitchFamily="34" charset="0"/>
+              </a:rPr>
+              <a:t>be</a:t>
+            </a:r>
+            <a:r>
+              <a:rPr lang="nl-NL" dirty="0">
+                <a:cs typeface="Arial" panose="020B0604020202020204" pitchFamily="34" charset="0"/>
+              </a:rPr>
+              <a:t> met (order does </a:t>
+            </a:r>
+            <a:r>
+              <a:rPr lang="nl-NL" dirty="0" err="1">
+                <a:cs typeface="Arial" panose="020B0604020202020204" pitchFamily="34" charset="0"/>
+              </a:rPr>
+              <a:t>not</a:t>
+            </a:r>
+            <a:r>
+              <a:rPr lang="nl-NL" dirty="0">
+                <a:cs typeface="Arial" panose="020B0604020202020204" pitchFamily="34" charset="0"/>
+              </a:rPr>
+              <a:t> matter)</a:t>
+            </a:r>
+          </a:p>
+          <a:p>
+            <a:pPr marL="285750" indent="-285750">
+              <a:buFontTx/>
+              <a:buChar char="-"/>
+            </a:pPr>
+            <a:endParaRPr lang="nl-NL" dirty="0">
+              <a:cs typeface="Arial" panose="020B0604020202020204" pitchFamily="34" charset="0"/>
+            </a:endParaRPr>
+          </a:p>
+        </p:txBody>
+      </p:sp>
+    </p:spTree>
+    <p:extLst>
+      <p:ext uri="{BB962C8B-B14F-4D97-AF65-F5344CB8AC3E}">
+        <p14:creationId xmlns:p14="http://schemas.microsoft.com/office/powerpoint/2010/main" val="1884309536"/>
+      </p:ext>
+    </p:extLst>
+  </p:cSld>
+  <p:clrMapOvr>
+    <a:masterClrMapping/>
+  </p:clrMapOvr>
+</p:sld>
+</file>
+
+<file path=ppt/slides/slide46.xml><?xml version="1.0" encoding="utf-8"?>
+<p:sld xmlns:a="http://schemas.openxmlformats.org/drawingml/2006/main" xmlns:r="http://schemas.openxmlformats.org/officeDocument/2006/relationships" xmlns:p="http://schemas.openxmlformats.org/presentationml/2006/main">
+  <p:cSld>
+    <p:spTree>
+      <p:nvGrpSpPr>
+        <p:cNvPr id="1" name=""/>
+        <p:cNvGrpSpPr/>
+        <p:nvPr/>
+      </p:nvGrpSpPr>
+      <p:grpSpPr>
+        <a:xfrm>
+          <a:off x="0" y="0"/>
+          <a:ext cx="0" cy="0"/>
+          <a:chOff x="0" y="0"/>
+          <a:chExt cx="0" cy="0"/>
+        </a:xfrm>
+      </p:grpSpPr>
+      <p:sp>
+        <p:nvSpPr>
+          <p:cNvPr id="4" name="Tijdelijke aanduiding voor dianummer 3">
+            <a:extLst>
+              <a:ext uri="{FF2B5EF4-FFF2-40B4-BE49-F238E27FC236}">
+                <a16:creationId xmlns:a16="http://schemas.microsoft.com/office/drawing/2014/main" id="{3A5772F8-4CF1-C845-9BC1-EA3B74DF606F}"/>
+              </a:ext>
+            </a:extLst>
+          </p:cNvPr>
+          <p:cNvSpPr>
+            <a:spLocks noGrp="1"/>
+          </p:cNvSpPr>
+          <p:nvPr>
+            <p:ph type="sldNum" sz="quarter" idx="12"/>
+          </p:nvPr>
+        </p:nvSpPr>
+        <p:spPr/>
+        <p:txBody>
+          <a:bodyPr/>
+          <a:lstStyle/>
+          <a:p>
+            <a:fld id="{49F81993-47B1-3743-8AA2-20AB26FB445E}" type="slidenum">
+              <a:rPr lang="nl-NL" smtClean="0"/>
+              <a:t>46</a:t>
+            </a:fld>
+            <a:endParaRPr lang="nl-NL"/>
+          </a:p>
+        </p:txBody>
+      </p:sp>
+      <p:pic>
+        <p:nvPicPr>
+          <p:cNvPr id="6" name="Picture 1">
+            <a:extLst>
+              <a:ext uri="{FF2B5EF4-FFF2-40B4-BE49-F238E27FC236}">
+                <a16:creationId xmlns:a16="http://schemas.microsoft.com/office/drawing/2014/main" id="{D06E817C-76DD-0F44-ADB0-7048E1EBF455}"/>
+              </a:ext>
+            </a:extLst>
+          </p:cNvPr>
+          <p:cNvPicPr/>
+          <p:nvPr/>
+        </p:nvPicPr>
+        <p:blipFill>
+          <a:blip r:embed="rId2">
+            <a:extLst>
+              <a:ext uri="{28A0092B-C50C-407E-A947-70E740481C1C}">
+                <a14:useLocalDpi xmlns:a14="http://schemas.microsoft.com/office/drawing/2010/main" val="0"/>
+              </a:ext>
+            </a:extLst>
+          </a:blip>
+          <a:stretch>
+            <a:fillRect/>
+          </a:stretch>
+        </p:blipFill>
+        <p:spPr>
+          <a:xfrm>
+            <a:off x="160255" y="509048"/>
+            <a:ext cx="1912095" cy="456054"/>
+          </a:xfrm>
+          <a:prstGeom prst="rect">
+            <a:avLst/>
+          </a:prstGeom>
+        </p:spPr>
+      </p:pic>
+      <p:sp>
+        <p:nvSpPr>
+          <p:cNvPr id="2" name="TextBox 1">
+            <a:extLst>
+              <a:ext uri="{FF2B5EF4-FFF2-40B4-BE49-F238E27FC236}">
+                <a16:creationId xmlns:a16="http://schemas.microsoft.com/office/drawing/2014/main" id="{95EAFD46-64F1-4840-B77E-76816183096E}"/>
+              </a:ext>
+            </a:extLst>
+          </p:cNvPr>
+          <p:cNvSpPr txBox="1"/>
+          <p:nvPr/>
+        </p:nvSpPr>
+        <p:spPr>
+          <a:xfrm>
+            <a:off x="6440975" y="595770"/>
+            <a:ext cx="4280339" cy="369332"/>
+          </a:xfrm>
+          <a:prstGeom prst="rect">
+            <a:avLst/>
+          </a:prstGeom>
+          <a:noFill/>
+        </p:spPr>
+        <p:txBody>
+          <a:bodyPr wrap="none" rtlCol="0">
+            <a:spAutoFit/>
+          </a:bodyPr>
+          <a:lstStyle/>
+          <a:p>
+            <a:r>
+              <a:rPr lang="en-US" b="1" dirty="0"/>
+              <a:t>1. OVERVIEW JAVA – FLOW CONTROL</a:t>
+            </a:r>
+          </a:p>
+        </p:txBody>
+      </p:sp>
+      <p:sp>
+        <p:nvSpPr>
+          <p:cNvPr id="8" name="Tekstvak 6">
+            <a:extLst>
+              <a:ext uri="{FF2B5EF4-FFF2-40B4-BE49-F238E27FC236}">
+                <a16:creationId xmlns:a16="http://schemas.microsoft.com/office/drawing/2014/main" id="{A97BDFA1-1198-214C-9E40-EFC2B55537B4}"/>
+              </a:ext>
+            </a:extLst>
+          </p:cNvPr>
+          <p:cNvSpPr txBox="1"/>
+          <p:nvPr/>
+        </p:nvSpPr>
+        <p:spPr>
+          <a:xfrm>
+            <a:off x="744821" y="1331957"/>
+            <a:ext cx="10628671" cy="4247317"/>
+          </a:xfrm>
+          <a:prstGeom prst="rect">
+            <a:avLst/>
+          </a:prstGeom>
+          <a:noFill/>
+        </p:spPr>
+        <p:txBody>
+          <a:bodyPr wrap="square" rtlCol="0">
+            <a:spAutoFit/>
+          </a:bodyPr>
+          <a:lstStyle/>
+          <a:p>
+            <a:r>
+              <a:rPr lang="nl-NL" b="1" dirty="0" err="1"/>
+              <a:t>Example</a:t>
+            </a:r>
+            <a:r>
+              <a:rPr lang="nl-NL" b="1" dirty="0"/>
+              <a:t> switch-statement:</a:t>
+            </a:r>
+          </a:p>
+          <a:p>
+            <a:endParaRPr lang="nl-NL" dirty="0"/>
+          </a:p>
+          <a:p>
+            <a:r>
+              <a:rPr lang="en-US" dirty="0" err="1"/>
+              <a:t>int</a:t>
+            </a:r>
+            <a:r>
+              <a:rPr lang="en-US" dirty="0"/>
+              <a:t> </a:t>
+            </a:r>
+            <a:r>
+              <a:rPr lang="en-US" dirty="0" err="1"/>
+              <a:t>dayOfWeek</a:t>
+            </a:r>
+            <a:r>
+              <a:rPr lang="en-US" dirty="0"/>
+              <a:t> = 5; </a:t>
+            </a:r>
+          </a:p>
+          <a:p>
+            <a:r>
+              <a:rPr lang="en-US" dirty="0"/>
+              <a:t>switch(</a:t>
+            </a:r>
+            <a:r>
+              <a:rPr lang="en-US" dirty="0" err="1"/>
+              <a:t>dayOfWeek</a:t>
+            </a:r>
+            <a:r>
+              <a:rPr lang="en-US" dirty="0"/>
+              <a:t>) { </a:t>
+            </a:r>
+          </a:p>
+          <a:p>
+            <a:r>
+              <a:rPr lang="en-US" dirty="0"/>
+              <a:t>   case 0: </a:t>
+            </a:r>
+          </a:p>
+          <a:p>
+            <a:r>
+              <a:rPr lang="en-US" dirty="0"/>
+              <a:t>      </a:t>
+            </a:r>
+            <a:r>
+              <a:rPr lang="en-US" dirty="0" err="1"/>
+              <a:t>System.out.println</a:t>
+            </a:r>
+            <a:r>
+              <a:rPr lang="en-US" dirty="0"/>
+              <a:t>("Sunday"); </a:t>
+            </a:r>
+          </a:p>
+          <a:p>
+            <a:r>
+              <a:rPr lang="en-US" dirty="0"/>
+              <a:t>      break; </a:t>
+            </a:r>
+          </a:p>
+          <a:p>
+            <a:r>
+              <a:rPr lang="en-US" dirty="0"/>
+              <a:t>   case 6: </a:t>
+            </a:r>
+          </a:p>
+          <a:p>
+            <a:r>
+              <a:rPr lang="en-US" dirty="0"/>
+              <a:t>      </a:t>
+            </a:r>
+            <a:r>
+              <a:rPr lang="en-US" dirty="0" err="1"/>
+              <a:t>System.out.println</a:t>
+            </a:r>
+            <a:r>
+              <a:rPr lang="en-US" dirty="0"/>
+              <a:t>("Saturday"); </a:t>
+            </a:r>
+          </a:p>
+          <a:p>
+            <a:r>
+              <a:rPr lang="en-US" dirty="0"/>
+              <a:t>      break; </a:t>
+            </a:r>
+          </a:p>
+          <a:p>
+            <a:r>
+              <a:rPr lang="en-US" dirty="0"/>
+              <a:t>   default: </a:t>
+            </a:r>
+          </a:p>
+          <a:p>
+            <a:r>
+              <a:rPr lang="en-US" dirty="0"/>
+              <a:t>      </a:t>
+            </a:r>
+            <a:r>
+              <a:rPr lang="en-US" dirty="0" err="1"/>
+              <a:t>System.out.println</a:t>
+            </a:r>
+            <a:r>
+              <a:rPr lang="en-US" dirty="0"/>
+              <a:t>("Weekday");</a:t>
+            </a:r>
+          </a:p>
+          <a:p>
+            <a:r>
+              <a:rPr lang="en-US" dirty="0"/>
+              <a:t>      break; </a:t>
+            </a:r>
+          </a:p>
+          <a:p>
+            <a:r>
+              <a:rPr lang="en-US" dirty="0"/>
+              <a:t>} </a:t>
+            </a:r>
+          </a:p>
+          <a:p>
+            <a:endParaRPr lang="nl-NL" b="1" dirty="0">
+              <a:cs typeface="Arial" panose="020B0604020202020204" pitchFamily="34" charset="0"/>
+            </a:endParaRPr>
+          </a:p>
+        </p:txBody>
+      </p:sp>
+    </p:spTree>
+    <p:extLst>
+      <p:ext uri="{BB962C8B-B14F-4D97-AF65-F5344CB8AC3E}">
+        <p14:creationId xmlns:p14="http://schemas.microsoft.com/office/powerpoint/2010/main" val="3576737862"/>
+      </p:ext>
+    </p:extLst>
+  </p:cSld>
+  <p:clrMapOvr>
+    <a:masterClrMapping/>
+  </p:clrMapOvr>
+</p:sld>
+</file>
+
+<file path=ppt/slides/slide47.xml><?xml version="1.0" encoding="utf-8"?>
+<p:sld xmlns:a="http://schemas.openxmlformats.org/drawingml/2006/main" xmlns:r="http://schemas.openxmlformats.org/officeDocument/2006/relationships" xmlns:p="http://schemas.openxmlformats.org/presentationml/2006/main">
+  <p:cSld>
+    <p:spTree>
+      <p:nvGrpSpPr>
+        <p:cNvPr id="1" name=""/>
+        <p:cNvGrpSpPr/>
+        <p:nvPr/>
+      </p:nvGrpSpPr>
+      <p:grpSpPr>
+        <a:xfrm>
+          <a:off x="0" y="0"/>
+          <a:ext cx="0" cy="0"/>
+          <a:chOff x="0" y="0"/>
+          <a:chExt cx="0" cy="0"/>
+        </a:xfrm>
+      </p:grpSpPr>
+      <p:sp>
+        <p:nvSpPr>
+          <p:cNvPr id="4" name="Tijdelijke aanduiding voor dianummer 3">
+            <a:extLst>
+              <a:ext uri="{FF2B5EF4-FFF2-40B4-BE49-F238E27FC236}">
+                <a16:creationId xmlns:a16="http://schemas.microsoft.com/office/drawing/2014/main" id="{3A5772F8-4CF1-C845-9BC1-EA3B74DF606F}"/>
+              </a:ext>
+            </a:extLst>
+          </p:cNvPr>
+          <p:cNvSpPr>
+            <a:spLocks noGrp="1"/>
+          </p:cNvSpPr>
+          <p:nvPr>
+            <p:ph type="sldNum" sz="quarter" idx="12"/>
+          </p:nvPr>
+        </p:nvSpPr>
+        <p:spPr/>
+        <p:txBody>
+          <a:bodyPr/>
+          <a:lstStyle/>
+          <a:p>
+            <a:fld id="{49F81993-47B1-3743-8AA2-20AB26FB445E}" type="slidenum">
+              <a:rPr lang="nl-NL" smtClean="0"/>
+              <a:t>47</a:t>
+            </a:fld>
+            <a:endParaRPr lang="nl-NL"/>
+          </a:p>
+        </p:txBody>
+      </p:sp>
+      <p:pic>
+        <p:nvPicPr>
+          <p:cNvPr id="6" name="Picture 1">
+            <a:extLst>
+              <a:ext uri="{FF2B5EF4-FFF2-40B4-BE49-F238E27FC236}">
+                <a16:creationId xmlns:a16="http://schemas.microsoft.com/office/drawing/2014/main" id="{D06E817C-76DD-0F44-ADB0-7048E1EBF455}"/>
+              </a:ext>
+            </a:extLst>
+          </p:cNvPr>
+          <p:cNvPicPr/>
+          <p:nvPr/>
+        </p:nvPicPr>
+        <p:blipFill>
+          <a:blip r:embed="rId2">
+            <a:extLst>
+              <a:ext uri="{28A0092B-C50C-407E-A947-70E740481C1C}">
+                <a14:useLocalDpi xmlns:a14="http://schemas.microsoft.com/office/drawing/2010/main" val="0"/>
+              </a:ext>
+            </a:extLst>
+          </a:blip>
+          <a:stretch>
+            <a:fillRect/>
+          </a:stretch>
+        </p:blipFill>
+        <p:spPr>
+          <a:xfrm>
+            <a:off x="160255" y="509048"/>
+            <a:ext cx="1912095" cy="456054"/>
+          </a:xfrm>
+          <a:prstGeom prst="rect">
+            <a:avLst/>
+          </a:prstGeom>
+        </p:spPr>
+      </p:pic>
+      <p:sp>
+        <p:nvSpPr>
+          <p:cNvPr id="2" name="TextBox 1">
+            <a:extLst>
+              <a:ext uri="{FF2B5EF4-FFF2-40B4-BE49-F238E27FC236}">
+                <a16:creationId xmlns:a16="http://schemas.microsoft.com/office/drawing/2014/main" id="{95EAFD46-64F1-4840-B77E-76816183096E}"/>
+              </a:ext>
+            </a:extLst>
+          </p:cNvPr>
+          <p:cNvSpPr txBox="1"/>
+          <p:nvPr/>
+        </p:nvSpPr>
+        <p:spPr>
+          <a:xfrm>
+            <a:off x="6440975" y="595770"/>
+            <a:ext cx="4280339" cy="369332"/>
+          </a:xfrm>
+          <a:prstGeom prst="rect">
+            <a:avLst/>
+          </a:prstGeom>
+          <a:noFill/>
+        </p:spPr>
+        <p:txBody>
+          <a:bodyPr wrap="none" rtlCol="0">
+            <a:spAutoFit/>
+          </a:bodyPr>
+          <a:lstStyle/>
+          <a:p>
+            <a:r>
+              <a:rPr lang="en-US" b="1" dirty="0"/>
+              <a:t>1. OVERVIEW JAVA – FLOW CONTROL</a:t>
+            </a:r>
+          </a:p>
+        </p:txBody>
+      </p:sp>
+      <p:sp>
+        <p:nvSpPr>
+          <p:cNvPr id="8" name="Tekstvak 6">
+            <a:extLst>
+              <a:ext uri="{FF2B5EF4-FFF2-40B4-BE49-F238E27FC236}">
+                <a16:creationId xmlns:a16="http://schemas.microsoft.com/office/drawing/2014/main" id="{A97BDFA1-1198-214C-9E40-EFC2B55537B4}"/>
+              </a:ext>
+            </a:extLst>
+          </p:cNvPr>
+          <p:cNvSpPr txBox="1"/>
+          <p:nvPr/>
+        </p:nvSpPr>
+        <p:spPr>
+          <a:xfrm>
+            <a:off x="744821" y="1331957"/>
+            <a:ext cx="10628671" cy="3139321"/>
+          </a:xfrm>
+          <a:prstGeom prst="rect">
+            <a:avLst/>
+          </a:prstGeom>
+          <a:noFill/>
+        </p:spPr>
+        <p:txBody>
+          <a:bodyPr wrap="square" rtlCol="0">
+            <a:spAutoFit/>
+          </a:bodyPr>
+          <a:lstStyle/>
+          <a:p>
+            <a:r>
+              <a:rPr lang="nl-NL" b="1" dirty="0" err="1"/>
+              <a:t>while</a:t>
+            </a:r>
+            <a:r>
+              <a:rPr lang="nl-NL" b="1" dirty="0"/>
+              <a:t>-statement:</a:t>
+            </a:r>
+          </a:p>
+          <a:p>
+            <a:endParaRPr lang="nl-NL" dirty="0"/>
+          </a:p>
+          <a:p>
+            <a:r>
+              <a:rPr lang="en-US" dirty="0"/>
+              <a:t>The while-statement is used for a loop and will end when the condition of the while isn’t met anymore.</a:t>
+            </a:r>
+          </a:p>
+          <a:p>
+            <a:endParaRPr lang="en-US" dirty="0"/>
+          </a:p>
+          <a:p>
+            <a:r>
+              <a:rPr lang="en-US" dirty="0" err="1"/>
+              <a:t>int</a:t>
+            </a:r>
+            <a:r>
+              <a:rPr lang="en-US" dirty="0"/>
+              <a:t> counter = 0;</a:t>
+            </a:r>
+          </a:p>
+          <a:p>
+            <a:r>
+              <a:rPr lang="en-US" dirty="0"/>
+              <a:t>while(counter &lt; 5) { </a:t>
+            </a:r>
+          </a:p>
+          <a:p>
+            <a:r>
+              <a:rPr lang="en-US" dirty="0"/>
+              <a:t>   // do something</a:t>
+            </a:r>
+          </a:p>
+          <a:p>
+            <a:r>
+              <a:rPr lang="en-US" dirty="0"/>
+              <a:t>   counter++;       // don’t forget this to prevent an infinite loop</a:t>
+            </a:r>
+          </a:p>
+          <a:p>
+            <a:r>
+              <a:rPr lang="en-US" dirty="0"/>
+              <a:t>} </a:t>
+            </a:r>
+          </a:p>
+          <a:p>
+            <a:endParaRPr lang="nl-NL" b="1" dirty="0">
+              <a:cs typeface="Arial" panose="020B0604020202020204" pitchFamily="34" charset="0"/>
+            </a:endParaRPr>
+          </a:p>
+        </p:txBody>
+      </p:sp>
+    </p:spTree>
+    <p:extLst>
+      <p:ext uri="{BB962C8B-B14F-4D97-AF65-F5344CB8AC3E}">
+        <p14:creationId xmlns:p14="http://schemas.microsoft.com/office/powerpoint/2010/main" val="963689691"/>
+      </p:ext>
+    </p:extLst>
+  </p:cSld>
+  <p:clrMapOvr>
+    <a:masterClrMapping/>
+  </p:clrMapOvr>
+</p:sld>
+</file>
+
+<file path=ppt/slides/slide48.xml><?xml version="1.0" encoding="utf-8"?>
+<p:sld xmlns:a="http://schemas.openxmlformats.org/drawingml/2006/main" xmlns:r="http://schemas.openxmlformats.org/officeDocument/2006/relationships" xmlns:p="http://schemas.openxmlformats.org/presentationml/2006/main">
+  <p:cSld>
+    <p:spTree>
+      <p:nvGrpSpPr>
+        <p:cNvPr id="1" name=""/>
+        <p:cNvGrpSpPr/>
+        <p:nvPr/>
+      </p:nvGrpSpPr>
+      <p:grpSpPr>
+        <a:xfrm>
+          <a:off x="0" y="0"/>
+          <a:ext cx="0" cy="0"/>
+          <a:chOff x="0" y="0"/>
+          <a:chExt cx="0" cy="0"/>
+        </a:xfrm>
+      </p:grpSpPr>
+      <p:sp>
+        <p:nvSpPr>
+          <p:cNvPr id="4" name="Tijdelijke aanduiding voor dianummer 3">
+            <a:extLst>
+              <a:ext uri="{FF2B5EF4-FFF2-40B4-BE49-F238E27FC236}">
+                <a16:creationId xmlns:a16="http://schemas.microsoft.com/office/drawing/2014/main" id="{3A5772F8-4CF1-C845-9BC1-EA3B74DF606F}"/>
+              </a:ext>
+            </a:extLst>
+          </p:cNvPr>
+          <p:cNvSpPr>
+            <a:spLocks noGrp="1"/>
+          </p:cNvSpPr>
+          <p:nvPr>
+            <p:ph type="sldNum" sz="quarter" idx="12"/>
+          </p:nvPr>
+        </p:nvSpPr>
+        <p:spPr/>
+        <p:txBody>
+          <a:bodyPr/>
+          <a:lstStyle/>
+          <a:p>
+            <a:fld id="{49F81993-47B1-3743-8AA2-20AB26FB445E}" type="slidenum">
+              <a:rPr lang="nl-NL" smtClean="0"/>
+              <a:t>48</a:t>
+            </a:fld>
+            <a:endParaRPr lang="nl-NL"/>
+          </a:p>
+        </p:txBody>
+      </p:sp>
+      <p:pic>
+        <p:nvPicPr>
+          <p:cNvPr id="6" name="Picture 1">
+            <a:extLst>
+              <a:ext uri="{FF2B5EF4-FFF2-40B4-BE49-F238E27FC236}">
+                <a16:creationId xmlns:a16="http://schemas.microsoft.com/office/drawing/2014/main" id="{D06E817C-76DD-0F44-ADB0-7048E1EBF455}"/>
+              </a:ext>
+            </a:extLst>
+          </p:cNvPr>
+          <p:cNvPicPr/>
+          <p:nvPr/>
+        </p:nvPicPr>
+        <p:blipFill>
+          <a:blip r:embed="rId2">
+            <a:extLst>
+              <a:ext uri="{28A0092B-C50C-407E-A947-70E740481C1C}">
+                <a14:useLocalDpi xmlns:a14="http://schemas.microsoft.com/office/drawing/2010/main" val="0"/>
+              </a:ext>
+            </a:extLst>
+          </a:blip>
+          <a:stretch>
+            <a:fillRect/>
+          </a:stretch>
+        </p:blipFill>
+        <p:spPr>
+          <a:xfrm>
+            <a:off x="160255" y="509048"/>
+            <a:ext cx="1912095" cy="456054"/>
+          </a:xfrm>
+          <a:prstGeom prst="rect">
+            <a:avLst/>
+          </a:prstGeom>
+        </p:spPr>
+      </p:pic>
+      <p:sp>
+        <p:nvSpPr>
+          <p:cNvPr id="2" name="TextBox 1">
+            <a:extLst>
+              <a:ext uri="{FF2B5EF4-FFF2-40B4-BE49-F238E27FC236}">
+                <a16:creationId xmlns:a16="http://schemas.microsoft.com/office/drawing/2014/main" id="{95EAFD46-64F1-4840-B77E-76816183096E}"/>
+              </a:ext>
+            </a:extLst>
+          </p:cNvPr>
+          <p:cNvSpPr txBox="1"/>
+          <p:nvPr/>
+        </p:nvSpPr>
+        <p:spPr>
+          <a:xfrm>
+            <a:off x="6440975" y="595770"/>
+            <a:ext cx="4280339" cy="369332"/>
+          </a:xfrm>
+          <a:prstGeom prst="rect">
+            <a:avLst/>
+          </a:prstGeom>
+          <a:noFill/>
+        </p:spPr>
+        <p:txBody>
+          <a:bodyPr wrap="none" rtlCol="0">
+            <a:spAutoFit/>
+          </a:bodyPr>
+          <a:lstStyle/>
+          <a:p>
+            <a:r>
+              <a:rPr lang="en-US" b="1" dirty="0"/>
+              <a:t>1. OVERVIEW JAVA – FLOW CONTROL</a:t>
+            </a:r>
+          </a:p>
+        </p:txBody>
+      </p:sp>
+      <p:sp>
+        <p:nvSpPr>
+          <p:cNvPr id="8" name="Tekstvak 6">
+            <a:extLst>
+              <a:ext uri="{FF2B5EF4-FFF2-40B4-BE49-F238E27FC236}">
+                <a16:creationId xmlns:a16="http://schemas.microsoft.com/office/drawing/2014/main" id="{A97BDFA1-1198-214C-9E40-EFC2B55537B4}"/>
+              </a:ext>
+            </a:extLst>
+          </p:cNvPr>
+          <p:cNvSpPr txBox="1"/>
+          <p:nvPr/>
+        </p:nvSpPr>
+        <p:spPr>
+          <a:xfrm>
+            <a:off x="705065" y="1430866"/>
+            <a:ext cx="10628671" cy="3416320"/>
+          </a:xfrm>
+          <a:prstGeom prst="rect">
+            <a:avLst/>
+          </a:prstGeom>
+          <a:noFill/>
+        </p:spPr>
+        <p:txBody>
+          <a:bodyPr wrap="square" rtlCol="0">
+            <a:spAutoFit/>
+          </a:bodyPr>
+          <a:lstStyle/>
+          <a:p>
+            <a:r>
+              <a:rPr lang="nl-NL" b="1" dirty="0"/>
+              <a:t>do </a:t>
+            </a:r>
+            <a:r>
+              <a:rPr lang="nl-NL" b="1" dirty="0" err="1"/>
+              <a:t>while</a:t>
+            </a:r>
+            <a:r>
+              <a:rPr lang="nl-NL" b="1" dirty="0"/>
+              <a:t>-loop:</a:t>
+            </a:r>
+          </a:p>
+          <a:p>
+            <a:endParaRPr lang="nl-NL" dirty="0"/>
+          </a:p>
+          <a:p>
+            <a:r>
+              <a:rPr lang="en-US" dirty="0"/>
+              <a:t>The do-while-loop is also used for a loop. Difference with </a:t>
+            </a:r>
+            <a:r>
+              <a:rPr lang="en-US" b="1" dirty="0"/>
+              <a:t>while</a:t>
+            </a:r>
+            <a:r>
+              <a:rPr lang="en-US" dirty="0"/>
+              <a:t> is that the do-while is at least executed once.</a:t>
+            </a:r>
+          </a:p>
+          <a:p>
+            <a:endParaRPr lang="en-US" dirty="0"/>
+          </a:p>
+          <a:p>
+            <a:r>
+              <a:rPr lang="en-US" dirty="0"/>
+              <a:t>do {</a:t>
+            </a:r>
+          </a:p>
+          <a:p>
+            <a:r>
+              <a:rPr lang="en-US" dirty="0"/>
+              <a:t>    </a:t>
+            </a:r>
+            <a:r>
+              <a:rPr lang="en-US" dirty="0" err="1"/>
+              <a:t>xxxxxx</a:t>
+            </a:r>
+            <a:endParaRPr lang="en-US" dirty="0"/>
+          </a:p>
+          <a:p>
+            <a:r>
+              <a:rPr lang="en-US" dirty="0"/>
+              <a:t>} while(counter &lt; 5) { </a:t>
+            </a:r>
+          </a:p>
+          <a:p>
+            <a:r>
+              <a:rPr lang="en-US" dirty="0"/>
+              <a:t>   // do something</a:t>
+            </a:r>
+          </a:p>
+          <a:p>
+            <a:r>
+              <a:rPr lang="en-US" dirty="0"/>
+              <a:t>   counter++;       // don’t forget this to prevent an infinite loop</a:t>
+            </a:r>
+          </a:p>
+          <a:p>
+            <a:r>
+              <a:rPr lang="en-US" dirty="0"/>
+              <a:t>} </a:t>
+            </a:r>
+          </a:p>
+          <a:p>
+            <a:endParaRPr lang="nl-NL" b="1" dirty="0">
+              <a:cs typeface="Arial" panose="020B0604020202020204" pitchFamily="34" charset="0"/>
+            </a:endParaRPr>
+          </a:p>
+        </p:txBody>
+      </p:sp>
+    </p:spTree>
+    <p:extLst>
+      <p:ext uri="{BB962C8B-B14F-4D97-AF65-F5344CB8AC3E}">
+        <p14:creationId xmlns:p14="http://schemas.microsoft.com/office/powerpoint/2010/main" val="487264053"/>
+      </p:ext>
+    </p:extLst>
+  </p:cSld>
+  <p:clrMapOvr>
+    <a:masterClrMapping/>
+  </p:clrMapOvr>
+</p:sld>
+</file>
+
+<file path=ppt/slides/slide49.xml><?xml version="1.0" encoding="utf-8"?>
+<p:sld xmlns:a="http://schemas.openxmlformats.org/drawingml/2006/main" xmlns:r="http://schemas.openxmlformats.org/officeDocument/2006/relationships" xmlns:p="http://schemas.openxmlformats.org/presentationml/2006/main">
+  <p:cSld>
+    <p:spTree>
+      <p:nvGrpSpPr>
+        <p:cNvPr id="1" name=""/>
+        <p:cNvGrpSpPr/>
+        <p:nvPr/>
+      </p:nvGrpSpPr>
+      <p:grpSpPr>
+        <a:xfrm>
+          <a:off x="0" y="0"/>
+          <a:ext cx="0" cy="0"/>
+          <a:chOff x="0" y="0"/>
+          <a:chExt cx="0" cy="0"/>
+        </a:xfrm>
+      </p:grpSpPr>
+      <p:sp>
+        <p:nvSpPr>
+          <p:cNvPr id="4" name="Tijdelijke aanduiding voor dianummer 3">
+            <a:extLst>
+              <a:ext uri="{FF2B5EF4-FFF2-40B4-BE49-F238E27FC236}">
+                <a16:creationId xmlns:a16="http://schemas.microsoft.com/office/drawing/2014/main" id="{3A5772F8-4CF1-C845-9BC1-EA3B74DF606F}"/>
+              </a:ext>
+            </a:extLst>
+          </p:cNvPr>
+          <p:cNvSpPr>
+            <a:spLocks noGrp="1"/>
+          </p:cNvSpPr>
+          <p:nvPr>
+            <p:ph type="sldNum" sz="quarter" idx="12"/>
+          </p:nvPr>
+        </p:nvSpPr>
+        <p:spPr/>
+        <p:txBody>
+          <a:bodyPr/>
+          <a:lstStyle/>
+          <a:p>
+            <a:fld id="{49F81993-47B1-3743-8AA2-20AB26FB445E}" type="slidenum">
+              <a:rPr lang="nl-NL" smtClean="0"/>
+              <a:t>49</a:t>
+            </a:fld>
+            <a:endParaRPr lang="nl-NL"/>
+          </a:p>
+        </p:txBody>
+      </p:sp>
+      <p:pic>
+        <p:nvPicPr>
+          <p:cNvPr id="6" name="Picture 1">
+            <a:extLst>
+              <a:ext uri="{FF2B5EF4-FFF2-40B4-BE49-F238E27FC236}">
+                <a16:creationId xmlns:a16="http://schemas.microsoft.com/office/drawing/2014/main" id="{D06E817C-76DD-0F44-ADB0-7048E1EBF455}"/>
+              </a:ext>
+            </a:extLst>
+          </p:cNvPr>
+          <p:cNvPicPr/>
+          <p:nvPr/>
+        </p:nvPicPr>
+        <p:blipFill>
+          <a:blip r:embed="rId2">
+            <a:extLst>
+              <a:ext uri="{28A0092B-C50C-407E-A947-70E740481C1C}">
+                <a14:useLocalDpi xmlns:a14="http://schemas.microsoft.com/office/drawing/2010/main" val="0"/>
+              </a:ext>
+            </a:extLst>
+          </a:blip>
+          <a:stretch>
+            <a:fillRect/>
+          </a:stretch>
+        </p:blipFill>
+        <p:spPr>
+          <a:xfrm>
+            <a:off x="160255" y="509048"/>
+            <a:ext cx="1912095" cy="456054"/>
+          </a:xfrm>
+          <a:prstGeom prst="rect">
+            <a:avLst/>
+          </a:prstGeom>
+        </p:spPr>
+      </p:pic>
+      <p:sp>
+        <p:nvSpPr>
+          <p:cNvPr id="2" name="TextBox 1">
+            <a:extLst>
+              <a:ext uri="{FF2B5EF4-FFF2-40B4-BE49-F238E27FC236}">
+                <a16:creationId xmlns:a16="http://schemas.microsoft.com/office/drawing/2014/main" id="{95EAFD46-64F1-4840-B77E-76816183096E}"/>
+              </a:ext>
+            </a:extLst>
+          </p:cNvPr>
+          <p:cNvSpPr txBox="1"/>
+          <p:nvPr/>
+        </p:nvSpPr>
+        <p:spPr>
+          <a:xfrm>
+            <a:off x="6440975" y="595770"/>
+            <a:ext cx="4280339" cy="369332"/>
+          </a:xfrm>
+          <a:prstGeom prst="rect">
+            <a:avLst/>
+          </a:prstGeom>
+          <a:noFill/>
+        </p:spPr>
+        <p:txBody>
+          <a:bodyPr wrap="none" rtlCol="0">
+            <a:spAutoFit/>
+          </a:bodyPr>
+          <a:lstStyle/>
+          <a:p>
+            <a:r>
+              <a:rPr lang="en-US" b="1" dirty="0"/>
+              <a:t>1. OVERVIEW JAVA – FLOW CONTROL</a:t>
+            </a:r>
+          </a:p>
+        </p:txBody>
+      </p:sp>
+      <p:sp>
+        <p:nvSpPr>
+          <p:cNvPr id="8" name="Tekstvak 6">
+            <a:extLst>
+              <a:ext uri="{FF2B5EF4-FFF2-40B4-BE49-F238E27FC236}">
+                <a16:creationId xmlns:a16="http://schemas.microsoft.com/office/drawing/2014/main" id="{A97BDFA1-1198-214C-9E40-EFC2B55537B4}"/>
+              </a:ext>
+            </a:extLst>
+          </p:cNvPr>
+          <p:cNvSpPr txBox="1"/>
+          <p:nvPr/>
+        </p:nvSpPr>
+        <p:spPr>
+          <a:xfrm>
+            <a:off x="744821" y="1331957"/>
+            <a:ext cx="10628671" cy="3416320"/>
+          </a:xfrm>
+          <a:prstGeom prst="rect">
+            <a:avLst/>
+          </a:prstGeom>
+          <a:noFill/>
+        </p:spPr>
+        <p:txBody>
+          <a:bodyPr wrap="square" rtlCol="0">
+            <a:spAutoFit/>
+          </a:bodyPr>
+          <a:lstStyle/>
+          <a:p>
+            <a:r>
+              <a:rPr lang="nl-NL" b="1" dirty="0"/>
+              <a:t>basic </a:t>
+            </a:r>
+            <a:r>
+              <a:rPr lang="nl-NL" b="1" dirty="0" err="1"/>
+              <a:t>for</a:t>
+            </a:r>
+            <a:r>
+              <a:rPr lang="nl-NL" b="1" dirty="0"/>
+              <a:t>-loop:</a:t>
+            </a:r>
+          </a:p>
+          <a:p>
+            <a:endParaRPr lang="nl-NL" dirty="0"/>
+          </a:p>
+          <a:p>
+            <a:r>
+              <a:rPr lang="en-US" dirty="0"/>
+              <a:t>Used to repeat some code and runs when some condition is true.</a:t>
+            </a:r>
+          </a:p>
+          <a:p>
+            <a:endParaRPr lang="en-US" dirty="0"/>
+          </a:p>
+          <a:p>
+            <a:r>
+              <a:rPr lang="en-US" dirty="0"/>
+              <a:t>for(</a:t>
+            </a:r>
+            <a:r>
+              <a:rPr lang="en-US" dirty="0" err="1"/>
+              <a:t>int</a:t>
+            </a:r>
+            <a:r>
+              <a:rPr lang="en-US" dirty="0"/>
+              <a:t> </a:t>
+            </a:r>
+            <a:r>
+              <a:rPr lang="en-US" dirty="0" err="1"/>
+              <a:t>i</a:t>
+            </a:r>
+            <a:r>
+              <a:rPr lang="en-US" dirty="0"/>
+              <a:t> = 0; </a:t>
+            </a:r>
+            <a:r>
+              <a:rPr lang="en-US" dirty="0" err="1"/>
+              <a:t>i</a:t>
+            </a:r>
+            <a:r>
+              <a:rPr lang="en-US" dirty="0"/>
+              <a:t> &lt; 10; </a:t>
+            </a:r>
+            <a:r>
+              <a:rPr lang="en-US" dirty="0" err="1"/>
+              <a:t>i</a:t>
+            </a:r>
+            <a:r>
+              <a:rPr lang="en-US" dirty="0"/>
+              <a:t>++) { </a:t>
+            </a:r>
+          </a:p>
+          <a:p>
+            <a:r>
+              <a:rPr lang="en-US" dirty="0"/>
+              <a:t>   </a:t>
+            </a:r>
+            <a:r>
+              <a:rPr lang="en-US" dirty="0" err="1"/>
+              <a:t>System.out.print</a:t>
+            </a:r>
+            <a:r>
+              <a:rPr lang="en-US" dirty="0"/>
+              <a:t>(</a:t>
+            </a:r>
+            <a:r>
+              <a:rPr lang="en-US" dirty="0" err="1"/>
+              <a:t>i</a:t>
+            </a:r>
+            <a:r>
+              <a:rPr lang="en-US" dirty="0"/>
+              <a:t> + " "); </a:t>
+            </a:r>
+          </a:p>
+          <a:p>
+            <a:r>
+              <a:rPr lang="en-US" dirty="0"/>
+              <a:t>} </a:t>
+            </a:r>
+          </a:p>
+          <a:p>
+            <a:endParaRPr lang="nl-NL" b="1" dirty="0">
+              <a:cs typeface="Arial" panose="020B0604020202020204" pitchFamily="34" charset="0"/>
+            </a:endParaRPr>
+          </a:p>
+          <a:p>
+            <a:r>
+              <a:rPr lang="nl-NL" b="1" dirty="0">
+                <a:cs typeface="Arial" panose="020B0604020202020204" pitchFamily="34" charset="0"/>
+              </a:rPr>
+              <a:t>Syntax:</a:t>
+            </a:r>
+          </a:p>
+          <a:p>
+            <a:r>
+              <a:rPr lang="en-US" dirty="0"/>
+              <a:t>for(initialization; </a:t>
+            </a:r>
+            <a:r>
+              <a:rPr lang="en-US" dirty="0" err="1"/>
+              <a:t>booleanExpression</a:t>
+            </a:r>
+            <a:r>
+              <a:rPr lang="en-US" dirty="0"/>
+              <a:t>; </a:t>
+            </a:r>
+            <a:r>
+              <a:rPr lang="en-US" dirty="0" err="1"/>
+              <a:t>updateStatement</a:t>
+            </a:r>
+            <a:r>
+              <a:rPr lang="en-US" dirty="0"/>
+              <a:t>) { </a:t>
+            </a:r>
+          </a:p>
+          <a:p>
+            <a:r>
+              <a:rPr lang="en-US" dirty="0"/>
+              <a:t>   // body to execute</a:t>
+            </a:r>
+          </a:p>
+          <a:p>
+            <a:r>
+              <a:rPr lang="nl-NL" dirty="0">
+                <a:cs typeface="Arial" panose="020B0604020202020204" pitchFamily="34" charset="0"/>
+              </a:rPr>
+              <a:t>}</a:t>
+            </a:r>
+          </a:p>
+        </p:txBody>
+      </p:sp>
+    </p:spTree>
+    <p:extLst>
+      <p:ext uri="{BB962C8B-B14F-4D97-AF65-F5344CB8AC3E}">
+        <p14:creationId xmlns:p14="http://schemas.microsoft.com/office/powerpoint/2010/main" val="2525497082"/>
+      </p:ext>
+    </p:extLst>
+  </p:cSld>
+  <p:clrMapOvr>
+    <a:masterClrMapping/>
+  </p:clrMapOvr>
+</p:sld>
+</file>
+
 <file path=ppt/slides/slide5.xml><?xml version="1.0" encoding="utf-8"?>
 <p:sld xmlns:a="http://schemas.openxmlformats.org/drawingml/2006/main" xmlns:r="http://schemas.openxmlformats.org/officeDocument/2006/relationships" xmlns:p="http://schemas.openxmlformats.org/presentationml/2006/main">
   <p:cSld>
@@ -14865,6 +22629,714 @@
       </p:par>
     </p:tnLst>
   </p:timing>
+</p:sld>
+</file>
+
+<file path=ppt/slides/slide50.xml><?xml version="1.0" encoding="utf-8"?>
+<p:sld xmlns:a="http://schemas.openxmlformats.org/drawingml/2006/main" xmlns:r="http://schemas.openxmlformats.org/officeDocument/2006/relationships" xmlns:p="http://schemas.openxmlformats.org/presentationml/2006/main">
+  <p:cSld>
+    <p:spTree>
+      <p:nvGrpSpPr>
+        <p:cNvPr id="1" name=""/>
+        <p:cNvGrpSpPr/>
+        <p:nvPr/>
+      </p:nvGrpSpPr>
+      <p:grpSpPr>
+        <a:xfrm>
+          <a:off x="0" y="0"/>
+          <a:ext cx="0" cy="0"/>
+          <a:chOff x="0" y="0"/>
+          <a:chExt cx="0" cy="0"/>
+        </a:xfrm>
+      </p:grpSpPr>
+      <p:sp>
+        <p:nvSpPr>
+          <p:cNvPr id="4" name="Tijdelijke aanduiding voor dianummer 3">
+            <a:extLst>
+              <a:ext uri="{FF2B5EF4-FFF2-40B4-BE49-F238E27FC236}">
+                <a16:creationId xmlns:a16="http://schemas.microsoft.com/office/drawing/2014/main" id="{3A5772F8-4CF1-C845-9BC1-EA3B74DF606F}"/>
+              </a:ext>
+            </a:extLst>
+          </p:cNvPr>
+          <p:cNvSpPr>
+            <a:spLocks noGrp="1"/>
+          </p:cNvSpPr>
+          <p:nvPr>
+            <p:ph type="sldNum" sz="quarter" idx="12"/>
+          </p:nvPr>
+        </p:nvSpPr>
+        <p:spPr/>
+        <p:txBody>
+          <a:bodyPr/>
+          <a:lstStyle/>
+          <a:p>
+            <a:fld id="{49F81993-47B1-3743-8AA2-20AB26FB445E}" type="slidenum">
+              <a:rPr lang="nl-NL" smtClean="0"/>
+              <a:t>50</a:t>
+            </a:fld>
+            <a:endParaRPr lang="nl-NL"/>
+          </a:p>
+        </p:txBody>
+      </p:sp>
+      <p:pic>
+        <p:nvPicPr>
+          <p:cNvPr id="6" name="Picture 1">
+            <a:extLst>
+              <a:ext uri="{FF2B5EF4-FFF2-40B4-BE49-F238E27FC236}">
+                <a16:creationId xmlns:a16="http://schemas.microsoft.com/office/drawing/2014/main" id="{D06E817C-76DD-0F44-ADB0-7048E1EBF455}"/>
+              </a:ext>
+            </a:extLst>
+          </p:cNvPr>
+          <p:cNvPicPr/>
+          <p:nvPr/>
+        </p:nvPicPr>
+        <p:blipFill>
+          <a:blip r:embed="rId2">
+            <a:extLst>
+              <a:ext uri="{28A0092B-C50C-407E-A947-70E740481C1C}">
+                <a14:useLocalDpi xmlns:a14="http://schemas.microsoft.com/office/drawing/2010/main" val="0"/>
+              </a:ext>
+            </a:extLst>
+          </a:blip>
+          <a:stretch>
+            <a:fillRect/>
+          </a:stretch>
+        </p:blipFill>
+        <p:spPr>
+          <a:xfrm>
+            <a:off x="160255" y="509048"/>
+            <a:ext cx="1912095" cy="456054"/>
+          </a:xfrm>
+          <a:prstGeom prst="rect">
+            <a:avLst/>
+          </a:prstGeom>
+        </p:spPr>
+      </p:pic>
+      <p:sp>
+        <p:nvSpPr>
+          <p:cNvPr id="2" name="TextBox 1">
+            <a:extLst>
+              <a:ext uri="{FF2B5EF4-FFF2-40B4-BE49-F238E27FC236}">
+                <a16:creationId xmlns:a16="http://schemas.microsoft.com/office/drawing/2014/main" id="{95EAFD46-64F1-4840-B77E-76816183096E}"/>
+              </a:ext>
+            </a:extLst>
+          </p:cNvPr>
+          <p:cNvSpPr txBox="1"/>
+          <p:nvPr/>
+        </p:nvSpPr>
+        <p:spPr>
+          <a:xfrm>
+            <a:off x="6440975" y="595770"/>
+            <a:ext cx="4280339" cy="369332"/>
+          </a:xfrm>
+          <a:prstGeom prst="rect">
+            <a:avLst/>
+          </a:prstGeom>
+          <a:noFill/>
+        </p:spPr>
+        <p:txBody>
+          <a:bodyPr wrap="none" rtlCol="0">
+            <a:spAutoFit/>
+          </a:bodyPr>
+          <a:lstStyle/>
+          <a:p>
+            <a:r>
+              <a:rPr lang="en-US" b="1" dirty="0"/>
+              <a:t>1. OVERVIEW JAVA – FLOW CONTROL</a:t>
+            </a:r>
+          </a:p>
+        </p:txBody>
+      </p:sp>
+      <p:sp>
+        <p:nvSpPr>
+          <p:cNvPr id="8" name="Tekstvak 6">
+            <a:extLst>
+              <a:ext uri="{FF2B5EF4-FFF2-40B4-BE49-F238E27FC236}">
+                <a16:creationId xmlns:a16="http://schemas.microsoft.com/office/drawing/2014/main" id="{A97BDFA1-1198-214C-9E40-EFC2B55537B4}"/>
+              </a:ext>
+            </a:extLst>
+          </p:cNvPr>
+          <p:cNvSpPr txBox="1"/>
+          <p:nvPr/>
+        </p:nvSpPr>
+        <p:spPr>
+          <a:xfrm>
+            <a:off x="744821" y="1331957"/>
+            <a:ext cx="10628671" cy="3416320"/>
+          </a:xfrm>
+          <a:prstGeom prst="rect">
+            <a:avLst/>
+          </a:prstGeom>
+          <a:noFill/>
+        </p:spPr>
+        <p:txBody>
+          <a:bodyPr wrap="square" rtlCol="0">
+            <a:spAutoFit/>
+          </a:bodyPr>
+          <a:lstStyle/>
+          <a:p>
+            <a:r>
+              <a:rPr lang="nl-NL" b="1" dirty="0"/>
+              <a:t>For-</a:t>
+            </a:r>
+            <a:r>
+              <a:rPr lang="nl-NL" b="1" dirty="0" err="1"/>
+              <a:t>each</a:t>
+            </a:r>
+            <a:r>
+              <a:rPr lang="nl-NL" b="1" dirty="0"/>
+              <a:t>-loop:</a:t>
+            </a:r>
+          </a:p>
+          <a:p>
+            <a:endParaRPr lang="nl-NL" dirty="0"/>
+          </a:p>
+          <a:p>
+            <a:r>
+              <a:rPr lang="en-US" dirty="0"/>
+              <a:t>Used to iterate over arrays or a collection of objects.</a:t>
+            </a:r>
+          </a:p>
+          <a:p>
+            <a:endParaRPr lang="en-US" dirty="0"/>
+          </a:p>
+          <a:p>
+            <a:r>
+              <a:rPr lang="en-US" dirty="0"/>
+              <a:t>for(Person person: persons) { </a:t>
+            </a:r>
+          </a:p>
+          <a:p>
+            <a:r>
+              <a:rPr lang="en-US" dirty="0"/>
+              <a:t>   </a:t>
+            </a:r>
+            <a:r>
+              <a:rPr lang="en-US" dirty="0" err="1"/>
+              <a:t>System.out.print</a:t>
+            </a:r>
+            <a:r>
+              <a:rPr lang="en-US" dirty="0"/>
+              <a:t>(</a:t>
+            </a:r>
+            <a:r>
+              <a:rPr lang="en-US" dirty="0" err="1"/>
+              <a:t>person.getName</a:t>
+            </a:r>
+            <a:r>
+              <a:rPr lang="en-US" dirty="0"/>
+              <a:t>()); </a:t>
+            </a:r>
+          </a:p>
+          <a:p>
+            <a:r>
+              <a:rPr lang="en-US" dirty="0"/>
+              <a:t>} </a:t>
+            </a:r>
+          </a:p>
+          <a:p>
+            <a:endParaRPr lang="nl-NL" b="1" dirty="0">
+              <a:cs typeface="Arial" panose="020B0604020202020204" pitchFamily="34" charset="0"/>
+            </a:endParaRPr>
+          </a:p>
+          <a:p>
+            <a:r>
+              <a:rPr lang="nl-NL" b="1" dirty="0">
+                <a:cs typeface="Arial" panose="020B0604020202020204" pitchFamily="34" charset="0"/>
+              </a:rPr>
+              <a:t>Syntax:</a:t>
+            </a:r>
+          </a:p>
+          <a:p>
+            <a:r>
+              <a:rPr lang="en-US" dirty="0"/>
+              <a:t>for(datatype instance : collection) { </a:t>
+            </a:r>
+          </a:p>
+          <a:p>
+            <a:r>
+              <a:rPr lang="en-US" dirty="0"/>
+              <a:t>   // body to execute</a:t>
+            </a:r>
+          </a:p>
+          <a:p>
+            <a:r>
+              <a:rPr lang="nl-NL" dirty="0">
+                <a:cs typeface="Arial" panose="020B0604020202020204" pitchFamily="34" charset="0"/>
+              </a:rPr>
+              <a:t>}</a:t>
+            </a:r>
+          </a:p>
+        </p:txBody>
+      </p:sp>
+    </p:spTree>
+    <p:extLst>
+      <p:ext uri="{BB962C8B-B14F-4D97-AF65-F5344CB8AC3E}">
+        <p14:creationId xmlns:p14="http://schemas.microsoft.com/office/powerpoint/2010/main" val="661441251"/>
+      </p:ext>
+    </p:extLst>
+  </p:cSld>
+  <p:clrMapOvr>
+    <a:masterClrMapping/>
+  </p:clrMapOvr>
+</p:sld>
+</file>
+
+<file path=ppt/slides/slide51.xml><?xml version="1.0" encoding="utf-8"?>
+<p:sld xmlns:a="http://schemas.openxmlformats.org/drawingml/2006/main" xmlns:r="http://schemas.openxmlformats.org/officeDocument/2006/relationships" xmlns:p="http://schemas.openxmlformats.org/presentationml/2006/main">
+  <p:cSld>
+    <p:spTree>
+      <p:nvGrpSpPr>
+        <p:cNvPr id="1" name=""/>
+        <p:cNvGrpSpPr/>
+        <p:nvPr/>
+      </p:nvGrpSpPr>
+      <p:grpSpPr>
+        <a:xfrm>
+          <a:off x="0" y="0"/>
+          <a:ext cx="0" cy="0"/>
+          <a:chOff x="0" y="0"/>
+          <a:chExt cx="0" cy="0"/>
+        </a:xfrm>
+      </p:grpSpPr>
+      <p:sp>
+        <p:nvSpPr>
+          <p:cNvPr id="4" name="Tijdelijke aanduiding voor dianummer 3">
+            <a:extLst>
+              <a:ext uri="{FF2B5EF4-FFF2-40B4-BE49-F238E27FC236}">
+                <a16:creationId xmlns:a16="http://schemas.microsoft.com/office/drawing/2014/main" id="{3A5772F8-4CF1-C845-9BC1-EA3B74DF606F}"/>
+              </a:ext>
+            </a:extLst>
+          </p:cNvPr>
+          <p:cNvSpPr>
+            <a:spLocks noGrp="1"/>
+          </p:cNvSpPr>
+          <p:nvPr>
+            <p:ph type="sldNum" sz="quarter" idx="12"/>
+          </p:nvPr>
+        </p:nvSpPr>
+        <p:spPr/>
+        <p:txBody>
+          <a:bodyPr/>
+          <a:lstStyle/>
+          <a:p>
+            <a:fld id="{49F81993-47B1-3743-8AA2-20AB26FB445E}" type="slidenum">
+              <a:rPr lang="nl-NL" smtClean="0"/>
+              <a:t>51</a:t>
+            </a:fld>
+            <a:endParaRPr lang="nl-NL"/>
+          </a:p>
+        </p:txBody>
+      </p:sp>
+      <p:pic>
+        <p:nvPicPr>
+          <p:cNvPr id="6" name="Picture 1">
+            <a:extLst>
+              <a:ext uri="{FF2B5EF4-FFF2-40B4-BE49-F238E27FC236}">
+                <a16:creationId xmlns:a16="http://schemas.microsoft.com/office/drawing/2014/main" id="{D06E817C-76DD-0F44-ADB0-7048E1EBF455}"/>
+              </a:ext>
+            </a:extLst>
+          </p:cNvPr>
+          <p:cNvPicPr/>
+          <p:nvPr/>
+        </p:nvPicPr>
+        <p:blipFill>
+          <a:blip r:embed="rId2">
+            <a:extLst>
+              <a:ext uri="{28A0092B-C50C-407E-A947-70E740481C1C}">
+                <a14:useLocalDpi xmlns:a14="http://schemas.microsoft.com/office/drawing/2010/main" val="0"/>
+              </a:ext>
+            </a:extLst>
+          </a:blip>
+          <a:stretch>
+            <a:fillRect/>
+          </a:stretch>
+        </p:blipFill>
+        <p:spPr>
+          <a:xfrm>
+            <a:off x="160255" y="509048"/>
+            <a:ext cx="1912095" cy="456054"/>
+          </a:xfrm>
+          <a:prstGeom prst="rect">
+            <a:avLst/>
+          </a:prstGeom>
+        </p:spPr>
+      </p:pic>
+      <p:sp>
+        <p:nvSpPr>
+          <p:cNvPr id="2" name="TextBox 1">
+            <a:extLst>
+              <a:ext uri="{FF2B5EF4-FFF2-40B4-BE49-F238E27FC236}">
+                <a16:creationId xmlns:a16="http://schemas.microsoft.com/office/drawing/2014/main" id="{95EAFD46-64F1-4840-B77E-76816183096E}"/>
+              </a:ext>
+            </a:extLst>
+          </p:cNvPr>
+          <p:cNvSpPr txBox="1"/>
+          <p:nvPr/>
+        </p:nvSpPr>
+        <p:spPr>
+          <a:xfrm>
+            <a:off x="6440975" y="595770"/>
+            <a:ext cx="4280339" cy="369332"/>
+          </a:xfrm>
+          <a:prstGeom prst="rect">
+            <a:avLst/>
+          </a:prstGeom>
+          <a:noFill/>
+        </p:spPr>
+        <p:txBody>
+          <a:bodyPr wrap="none" rtlCol="0">
+            <a:spAutoFit/>
+          </a:bodyPr>
+          <a:lstStyle/>
+          <a:p>
+            <a:r>
+              <a:rPr lang="en-US" b="1" dirty="0"/>
+              <a:t>1. OVERVIEW JAVA – FLOW CONTROL</a:t>
+            </a:r>
+          </a:p>
+        </p:txBody>
+      </p:sp>
+      <p:sp>
+        <p:nvSpPr>
+          <p:cNvPr id="8" name="Tekstvak 6">
+            <a:extLst>
+              <a:ext uri="{FF2B5EF4-FFF2-40B4-BE49-F238E27FC236}">
+                <a16:creationId xmlns:a16="http://schemas.microsoft.com/office/drawing/2014/main" id="{A97BDFA1-1198-214C-9E40-EFC2B55537B4}"/>
+              </a:ext>
+            </a:extLst>
+          </p:cNvPr>
+          <p:cNvSpPr txBox="1"/>
+          <p:nvPr/>
+        </p:nvSpPr>
+        <p:spPr>
+          <a:xfrm>
+            <a:off x="744821" y="1331957"/>
+            <a:ext cx="10628671" cy="3139321"/>
+          </a:xfrm>
+          <a:prstGeom prst="rect">
+            <a:avLst/>
+          </a:prstGeom>
+          <a:noFill/>
+        </p:spPr>
+        <p:txBody>
+          <a:bodyPr wrap="square" rtlCol="0">
+            <a:spAutoFit/>
+          </a:bodyPr>
+          <a:lstStyle/>
+          <a:p>
+            <a:r>
+              <a:rPr lang="nl-NL" b="1" dirty="0"/>
+              <a:t>Break-statement</a:t>
+            </a:r>
+          </a:p>
+          <a:p>
+            <a:endParaRPr lang="nl-NL" dirty="0"/>
+          </a:p>
+          <a:p>
+            <a:r>
+              <a:rPr lang="en-US" dirty="0"/>
+              <a:t>Used to stop the iteration when a certain condition is met</a:t>
+            </a:r>
+          </a:p>
+          <a:p>
+            <a:endParaRPr lang="en-US" dirty="0"/>
+          </a:p>
+          <a:p>
+            <a:r>
+              <a:rPr lang="en-US" dirty="0"/>
+              <a:t>for(Person person: persons) { </a:t>
+            </a:r>
+          </a:p>
+          <a:p>
+            <a:r>
+              <a:rPr lang="en-US" dirty="0"/>
+              <a:t>   </a:t>
+            </a:r>
+            <a:r>
+              <a:rPr lang="en-US" dirty="0" err="1"/>
+              <a:t>System.out.print</a:t>
+            </a:r>
+            <a:r>
+              <a:rPr lang="en-US" dirty="0"/>
+              <a:t>(</a:t>
+            </a:r>
+            <a:r>
+              <a:rPr lang="en-US" dirty="0" err="1"/>
+              <a:t>person.getName</a:t>
+            </a:r>
+            <a:r>
+              <a:rPr lang="en-US" dirty="0"/>
+              <a:t>()); </a:t>
+            </a:r>
+          </a:p>
+          <a:p>
+            <a:r>
+              <a:rPr lang="en-US" dirty="0"/>
+              <a:t>   if (</a:t>
+            </a:r>
+            <a:r>
+              <a:rPr lang="en-US" dirty="0" err="1"/>
+              <a:t>person.getAge</a:t>
+            </a:r>
+            <a:r>
+              <a:rPr lang="en-US" dirty="0"/>
+              <a:t>() &gt; 25) {</a:t>
+            </a:r>
+          </a:p>
+          <a:p>
+            <a:r>
+              <a:rPr lang="en-US" dirty="0"/>
+              <a:t>      break;   </a:t>
+            </a:r>
+          </a:p>
+          <a:p>
+            <a:r>
+              <a:rPr lang="en-US" dirty="0"/>
+              <a:t>   }</a:t>
+            </a:r>
+          </a:p>
+          <a:p>
+            <a:r>
+              <a:rPr lang="en-US" dirty="0"/>
+              <a:t>} </a:t>
+            </a:r>
+          </a:p>
+          <a:p>
+            <a:endParaRPr lang="nl-NL" b="1" dirty="0">
+              <a:cs typeface="Arial" panose="020B0604020202020204" pitchFamily="34" charset="0"/>
+            </a:endParaRPr>
+          </a:p>
+        </p:txBody>
+      </p:sp>
+    </p:spTree>
+    <p:extLst>
+      <p:ext uri="{BB962C8B-B14F-4D97-AF65-F5344CB8AC3E}">
+        <p14:creationId xmlns:p14="http://schemas.microsoft.com/office/powerpoint/2010/main" val="3490446529"/>
+      </p:ext>
+    </p:extLst>
+  </p:cSld>
+  <p:clrMapOvr>
+    <a:masterClrMapping/>
+  </p:clrMapOvr>
+</p:sld>
+</file>
+
+<file path=ppt/slides/slide52.xml><?xml version="1.0" encoding="utf-8"?>
+<p:sld xmlns:a="http://schemas.openxmlformats.org/drawingml/2006/main" xmlns:r="http://schemas.openxmlformats.org/officeDocument/2006/relationships" xmlns:p="http://schemas.openxmlformats.org/presentationml/2006/main">
+  <p:cSld>
+    <p:spTree>
+      <p:nvGrpSpPr>
+        <p:cNvPr id="1" name=""/>
+        <p:cNvGrpSpPr/>
+        <p:nvPr/>
+      </p:nvGrpSpPr>
+      <p:grpSpPr>
+        <a:xfrm>
+          <a:off x="0" y="0"/>
+          <a:ext cx="0" cy="0"/>
+          <a:chOff x="0" y="0"/>
+          <a:chExt cx="0" cy="0"/>
+        </a:xfrm>
+      </p:grpSpPr>
+      <p:sp>
+        <p:nvSpPr>
+          <p:cNvPr id="4" name="Tijdelijke aanduiding voor dianummer 3">
+            <a:extLst>
+              <a:ext uri="{FF2B5EF4-FFF2-40B4-BE49-F238E27FC236}">
+                <a16:creationId xmlns:a16="http://schemas.microsoft.com/office/drawing/2014/main" id="{3A5772F8-4CF1-C845-9BC1-EA3B74DF606F}"/>
+              </a:ext>
+            </a:extLst>
+          </p:cNvPr>
+          <p:cNvSpPr>
+            <a:spLocks noGrp="1"/>
+          </p:cNvSpPr>
+          <p:nvPr>
+            <p:ph type="sldNum" sz="quarter" idx="12"/>
+          </p:nvPr>
+        </p:nvSpPr>
+        <p:spPr/>
+        <p:txBody>
+          <a:bodyPr/>
+          <a:lstStyle/>
+          <a:p>
+            <a:fld id="{49F81993-47B1-3743-8AA2-20AB26FB445E}" type="slidenum">
+              <a:rPr lang="nl-NL" smtClean="0"/>
+              <a:t>52</a:t>
+            </a:fld>
+            <a:endParaRPr lang="nl-NL"/>
+          </a:p>
+        </p:txBody>
+      </p:sp>
+      <p:pic>
+        <p:nvPicPr>
+          <p:cNvPr id="6" name="Picture 1">
+            <a:extLst>
+              <a:ext uri="{FF2B5EF4-FFF2-40B4-BE49-F238E27FC236}">
+                <a16:creationId xmlns:a16="http://schemas.microsoft.com/office/drawing/2014/main" id="{D06E817C-76DD-0F44-ADB0-7048E1EBF455}"/>
+              </a:ext>
+            </a:extLst>
+          </p:cNvPr>
+          <p:cNvPicPr/>
+          <p:nvPr/>
+        </p:nvPicPr>
+        <p:blipFill>
+          <a:blip r:embed="rId2">
+            <a:extLst>
+              <a:ext uri="{28A0092B-C50C-407E-A947-70E740481C1C}">
+                <a14:useLocalDpi xmlns:a14="http://schemas.microsoft.com/office/drawing/2010/main" val="0"/>
+              </a:ext>
+            </a:extLst>
+          </a:blip>
+          <a:stretch>
+            <a:fillRect/>
+          </a:stretch>
+        </p:blipFill>
+        <p:spPr>
+          <a:xfrm>
+            <a:off x="160255" y="509048"/>
+            <a:ext cx="1912095" cy="456054"/>
+          </a:xfrm>
+          <a:prstGeom prst="rect">
+            <a:avLst/>
+          </a:prstGeom>
+        </p:spPr>
+      </p:pic>
+      <p:sp>
+        <p:nvSpPr>
+          <p:cNvPr id="2" name="TextBox 1">
+            <a:extLst>
+              <a:ext uri="{FF2B5EF4-FFF2-40B4-BE49-F238E27FC236}">
+                <a16:creationId xmlns:a16="http://schemas.microsoft.com/office/drawing/2014/main" id="{95EAFD46-64F1-4840-B77E-76816183096E}"/>
+              </a:ext>
+            </a:extLst>
+          </p:cNvPr>
+          <p:cNvSpPr txBox="1"/>
+          <p:nvPr/>
+        </p:nvSpPr>
+        <p:spPr>
+          <a:xfrm>
+            <a:off x="6440975" y="595770"/>
+            <a:ext cx="4280339" cy="369332"/>
+          </a:xfrm>
+          <a:prstGeom prst="rect">
+            <a:avLst/>
+          </a:prstGeom>
+          <a:noFill/>
+        </p:spPr>
+        <p:txBody>
+          <a:bodyPr wrap="none" rtlCol="0">
+            <a:spAutoFit/>
+          </a:bodyPr>
+          <a:lstStyle/>
+          <a:p>
+            <a:r>
+              <a:rPr lang="en-US" b="1" dirty="0"/>
+              <a:t>1. OVERVIEW JAVA – FLOW CONTROL</a:t>
+            </a:r>
+          </a:p>
+        </p:txBody>
+      </p:sp>
+      <p:sp>
+        <p:nvSpPr>
+          <p:cNvPr id="8" name="Tekstvak 6">
+            <a:extLst>
+              <a:ext uri="{FF2B5EF4-FFF2-40B4-BE49-F238E27FC236}">
+                <a16:creationId xmlns:a16="http://schemas.microsoft.com/office/drawing/2014/main" id="{A97BDFA1-1198-214C-9E40-EFC2B55537B4}"/>
+              </a:ext>
+            </a:extLst>
+          </p:cNvPr>
+          <p:cNvSpPr txBox="1"/>
+          <p:nvPr/>
+        </p:nvSpPr>
+        <p:spPr>
+          <a:xfrm>
+            <a:off x="744821" y="1331957"/>
+            <a:ext cx="10628671" cy="2862322"/>
+          </a:xfrm>
+          <a:prstGeom prst="rect">
+            <a:avLst/>
+          </a:prstGeom>
+          <a:noFill/>
+        </p:spPr>
+        <p:txBody>
+          <a:bodyPr wrap="square" rtlCol="0">
+            <a:spAutoFit/>
+          </a:bodyPr>
+          <a:lstStyle/>
+          <a:p>
+            <a:r>
+              <a:rPr lang="nl-NL" b="1" dirty="0"/>
+              <a:t>Continue-statement</a:t>
+            </a:r>
+          </a:p>
+          <a:p>
+            <a:endParaRPr lang="nl-NL" dirty="0"/>
+          </a:p>
+          <a:p>
+            <a:r>
+              <a:rPr lang="en-US" dirty="0"/>
+              <a:t>Used to proceed with the next element in the list (but stay in the loop)</a:t>
+            </a:r>
+          </a:p>
+          <a:p>
+            <a:endParaRPr lang="en-US" dirty="0"/>
+          </a:p>
+          <a:p>
+            <a:r>
+              <a:rPr lang="en-US" dirty="0"/>
+              <a:t>for(Person person: persons) { </a:t>
+            </a:r>
+          </a:p>
+          <a:p>
+            <a:r>
+              <a:rPr lang="en-US" dirty="0"/>
+              <a:t>   if (</a:t>
+            </a:r>
+            <a:r>
+              <a:rPr lang="en-US" dirty="0" err="1"/>
+              <a:t>person.getAge</a:t>
+            </a:r>
+            <a:r>
+              <a:rPr lang="en-US" dirty="0"/>
+              <a:t>() &gt; 25) {</a:t>
+            </a:r>
+          </a:p>
+          <a:p>
+            <a:r>
+              <a:rPr lang="en-US" dirty="0"/>
+              <a:t>      continue;     // skips all persons older than 25</a:t>
+            </a:r>
+          </a:p>
+          <a:p>
+            <a:r>
+              <a:rPr lang="en-US" dirty="0"/>
+              <a:t>   }</a:t>
+            </a:r>
+          </a:p>
+          <a:p>
+            <a:r>
+              <a:rPr lang="en-US" dirty="0"/>
+              <a:t>} </a:t>
+            </a:r>
+          </a:p>
+          <a:p>
+            <a:endParaRPr lang="nl-NL" b="1" dirty="0">
+              <a:cs typeface="Arial" panose="020B0604020202020204" pitchFamily="34" charset="0"/>
+            </a:endParaRPr>
+          </a:p>
+        </p:txBody>
+      </p:sp>
+    </p:spTree>
+    <p:extLst>
+      <p:ext uri="{BB962C8B-B14F-4D97-AF65-F5344CB8AC3E}">
+        <p14:creationId xmlns:p14="http://schemas.microsoft.com/office/powerpoint/2010/main" val="2844452930"/>
+      </p:ext>
+    </p:extLst>
+  </p:cSld>
+  <p:clrMapOvr>
+    <a:masterClrMapping/>
+  </p:clrMapOvr>
 </p:sld>
 </file>
 
